--- a/lectures/05_discussion/discussion.pptx
+++ b/lectures/05_discussion/discussion.pptx
@@ -5,44 +5,52 @@
     <p:sldMasterId id="2147483648" r:id="rId1"/>
   </p:sldMasterIdLst>
   <p:notesMasterIdLst>
-    <p:notesMasterId r:id="rId37"/>
+    <p:notesMasterId r:id="rId45"/>
   </p:notesMasterIdLst>
   <p:sldIdLst>
-    <p:sldId id="256" r:id="rId2"/>
-    <p:sldId id="300" r:id="rId3"/>
-    <p:sldId id="338" r:id="rId4"/>
-    <p:sldId id="302" r:id="rId5"/>
-    <p:sldId id="340" r:id="rId6"/>
-    <p:sldId id="297" r:id="rId7"/>
-    <p:sldId id="298" r:id="rId8"/>
-    <p:sldId id="305" r:id="rId9"/>
-    <p:sldId id="308" r:id="rId10"/>
-    <p:sldId id="342" r:id="rId11"/>
-    <p:sldId id="343" r:id="rId12"/>
-    <p:sldId id="341" r:id="rId13"/>
-    <p:sldId id="344" r:id="rId14"/>
-    <p:sldId id="346" r:id="rId15"/>
-    <p:sldId id="347" r:id="rId16"/>
-    <p:sldId id="348" r:id="rId17"/>
-    <p:sldId id="350" r:id="rId18"/>
-    <p:sldId id="349" r:id="rId19"/>
-    <p:sldId id="351" r:id="rId20"/>
-    <p:sldId id="352" r:id="rId21"/>
-    <p:sldId id="353" r:id="rId22"/>
-    <p:sldId id="355" r:id="rId23"/>
-    <p:sldId id="356" r:id="rId24"/>
-    <p:sldId id="357" r:id="rId25"/>
-    <p:sldId id="358" r:id="rId26"/>
-    <p:sldId id="359" r:id="rId27"/>
-    <p:sldId id="360" r:id="rId28"/>
-    <p:sldId id="361" r:id="rId29"/>
-    <p:sldId id="325" r:id="rId30"/>
-    <p:sldId id="307" r:id="rId31"/>
-    <p:sldId id="313" r:id="rId32"/>
-    <p:sldId id="335" r:id="rId33"/>
-    <p:sldId id="362" r:id="rId34"/>
-    <p:sldId id="339" r:id="rId35"/>
-    <p:sldId id="292" r:id="rId36"/>
+    <p:sldId id="338" r:id="rId2"/>
+    <p:sldId id="436" r:id="rId3"/>
+    <p:sldId id="401" r:id="rId4"/>
+    <p:sldId id="439" r:id="rId5"/>
+    <p:sldId id="443" r:id="rId6"/>
+    <p:sldId id="444" r:id="rId7"/>
+    <p:sldId id="441" r:id="rId8"/>
+    <p:sldId id="442" r:id="rId9"/>
+    <p:sldId id="438" r:id="rId10"/>
+    <p:sldId id="437" r:id="rId11"/>
+    <p:sldId id="300" r:id="rId12"/>
+    <p:sldId id="302" r:id="rId13"/>
+    <p:sldId id="340" r:id="rId14"/>
+    <p:sldId id="297" r:id="rId15"/>
+    <p:sldId id="298" r:id="rId16"/>
+    <p:sldId id="305" r:id="rId17"/>
+    <p:sldId id="308" r:id="rId18"/>
+    <p:sldId id="342" r:id="rId19"/>
+    <p:sldId id="343" r:id="rId20"/>
+    <p:sldId id="341" r:id="rId21"/>
+    <p:sldId id="344" r:id="rId22"/>
+    <p:sldId id="346" r:id="rId23"/>
+    <p:sldId id="347" r:id="rId24"/>
+    <p:sldId id="348" r:id="rId25"/>
+    <p:sldId id="350" r:id="rId26"/>
+    <p:sldId id="349" r:id="rId27"/>
+    <p:sldId id="351" r:id="rId28"/>
+    <p:sldId id="352" r:id="rId29"/>
+    <p:sldId id="353" r:id="rId30"/>
+    <p:sldId id="355" r:id="rId31"/>
+    <p:sldId id="356" r:id="rId32"/>
+    <p:sldId id="357" r:id="rId33"/>
+    <p:sldId id="358" r:id="rId34"/>
+    <p:sldId id="359" r:id="rId35"/>
+    <p:sldId id="360" r:id="rId36"/>
+    <p:sldId id="361" r:id="rId37"/>
+    <p:sldId id="325" r:id="rId38"/>
+    <p:sldId id="307" r:id="rId39"/>
+    <p:sldId id="313" r:id="rId40"/>
+    <p:sldId id="335" r:id="rId41"/>
+    <p:sldId id="362" r:id="rId42"/>
+    <p:sldId id="339" r:id="rId43"/>
+    <p:sldId id="292" r:id="rId44"/>
   </p:sldIdLst>
   <p:sldSz cx="12192000" cy="6858000"/>
   <p:notesSz cx="6858000" cy="9144000"/>
@@ -295,7 +303,7 @@
             <a:fld id="{61C17900-95FA-4124-853C-9BC71B59CBE5}" type="datetime1">
               <a:rPr lang="en-GB"/>
               <a:pPr lvl="0"/>
-              <a:t>26/01/2023</a:t>
+              <a:t>19/05/2023</a:t>
             </a:fld>
             <a:endParaRPr lang="en-GB"/>
           </a:p>
@@ -809,7 +817,7 @@
             <a:fld id="{4A25D1A3-0A93-4C94-80FF-26B8FD61124B}" type="datetime1">
               <a:rPr lang="en-GB"/>
               <a:pPr lvl="0"/>
-              <a:t>26/01/2023</a:t>
+              <a:t>19/05/2023</a:t>
             </a:fld>
             <a:endParaRPr lang="en-GB"/>
           </a:p>
@@ -1046,7 +1054,7 @@
             <a:fld id="{81142B93-5A2B-450B-8B37-47C337A7F461}" type="datetime1">
               <a:rPr lang="en-GB"/>
               <a:pPr lvl="0"/>
-              <a:t>26/01/2023</a:t>
+              <a:t>19/05/2023</a:t>
             </a:fld>
             <a:endParaRPr lang="en-GB"/>
           </a:p>
@@ -1292,7 +1300,7 @@
             <a:fld id="{6E063067-B603-41EE-A9A7-41899DD775E6}" type="datetime1">
               <a:rPr lang="en-GB"/>
               <a:pPr lvl="0"/>
-              <a:t>26/01/2023</a:t>
+              <a:t>19/05/2023</a:t>
             </a:fld>
             <a:endParaRPr lang="en-GB"/>
           </a:p>
@@ -1528,7 +1536,7 @@
             <a:fld id="{6F249873-F8C6-4397-84F9-F8EC0F22A697}" type="datetime1">
               <a:rPr lang="en-GB"/>
               <a:pPr lvl="0"/>
-              <a:t>26/01/2023</a:t>
+              <a:t>19/05/2023</a:t>
             </a:fld>
             <a:endParaRPr lang="en-GB"/>
           </a:p>
@@ -1739,7 +1747,7 @@
             <a:fld id="{C12BD4ED-6206-4BF6-96F8-E25353DC0FB4}" type="datetime1">
               <a:rPr lang="en-GB"/>
               <a:pPr lvl="0"/>
-              <a:t>26/01/2023</a:t>
+              <a:t>19/05/2023</a:t>
             </a:fld>
             <a:endParaRPr lang="en-GB"/>
           </a:p>
@@ -2059,7 +2067,7 @@
             <a:fld id="{39B86B4E-481C-4780-B006-4B46E923812F}" type="datetime1">
               <a:rPr lang="en-GB"/>
               <a:pPr lvl="0"/>
-              <a:t>26/01/2023</a:t>
+              <a:t>19/05/2023</a:t>
             </a:fld>
             <a:endParaRPr lang="en-GB"/>
           </a:p>
@@ -2462,7 +2470,7 @@
             <a:fld id="{4D4B0C8B-6A6B-4F9A-AD92-C7A874294C43}" type="datetime1">
               <a:rPr lang="en-GB"/>
               <a:pPr lvl="0"/>
-              <a:t>26/01/2023</a:t>
+              <a:t>19/05/2023</a:t>
             </a:fld>
             <a:endParaRPr lang="en-GB"/>
           </a:p>
@@ -2624,7 +2632,7 @@
             <a:fld id="{2242089C-BC90-4A09-BBF2-11ACCFCC6AAC}" type="datetime1">
               <a:rPr lang="en-GB"/>
               <a:pPr lvl="0"/>
-              <a:t>26/01/2023</a:t>
+              <a:t>19/05/2023</a:t>
             </a:fld>
             <a:endParaRPr lang="en-GB"/>
           </a:p>
@@ -2752,7 +2760,7 @@
             <a:fld id="{9E45A0C3-C9A4-409A-ABC1-542A7544900D}" type="datetime1">
               <a:rPr lang="en-GB"/>
               <a:pPr lvl="0"/>
-              <a:t>26/01/2023</a:t>
+              <a:t>19/05/2023</a:t>
             </a:fld>
             <a:endParaRPr lang="en-GB"/>
           </a:p>
@@ -3037,7 +3045,7 @@
             <a:fld id="{FE905373-3B96-430D-80BE-EEB6F3514509}" type="datetime1">
               <a:rPr lang="en-GB"/>
               <a:pPr lvl="0"/>
-              <a:t>26/01/2023</a:t>
+              <a:t>19/05/2023</a:t>
             </a:fld>
             <a:endParaRPr lang="en-GB"/>
           </a:p>
@@ -3279,7 +3287,7 @@
             <a:fld id="{FD713A6C-3BFD-4C18-89E6-78D595B19DB8}" type="datetime1">
               <a:rPr lang="en-GB"/>
               <a:pPr lvl="0"/>
-              <a:t>26/01/2023</a:t>
+              <a:t>19/05/2023</a:t>
             </a:fld>
             <a:endParaRPr lang="en-GB"/>
           </a:p>
@@ -3562,7 +3570,7 @@
             <a:fld id="{19E4415A-9E33-406F-911E-8770DEE3AE96}" type="datetime1">
               <a:rPr lang="en-GB"/>
               <a:pPr lvl="0"/>
-              <a:t>26/01/2023</a:t>
+              <a:t>19/05/2023</a:t>
             </a:fld>
             <a:endParaRPr lang="en-GB"/>
           </a:p>
@@ -4017,7 +4025,15 @@
 
 <file path=ppt/slides/slide1.xml><?xml version="1.0" encoding="utf-8"?>
 <p:sld xmlns:a="http://schemas.openxmlformats.org/drawingml/2006/main" xmlns:r="http://schemas.openxmlformats.org/officeDocument/2006/relationships" xmlns:p="http://schemas.openxmlformats.org/presentationml/2006/main">
-  <p:cSld name="Slide1">
+  <p:cSld>
+    <p:bg>
+      <p:bgPr>
+        <a:solidFill>
+          <a:srgbClr val="006388"/>
+        </a:solidFill>
+        <a:effectLst/>
+      </p:bgPr>
+    </p:bg>
     <p:spTree>
       <p:nvGrpSpPr>
         <p:cNvPr id="1" name=""/>
@@ -4034,20 +4050,618 @@
       </p:grpSpPr>
       <p:sp>
         <p:nvSpPr>
-          <p:cNvPr id="2" name="TextBox 8">
-            <a:extLst>
-              <a:ext uri="{FF2B5EF4-FFF2-40B4-BE49-F238E27FC236}">
-                <a16:creationId xmlns:a16="http://schemas.microsoft.com/office/drawing/2014/main" id="{8872180B-3A80-427A-B5FE-00E2683BC986}"/>
-              </a:ext>
-            </a:extLst>
-          </p:cNvPr>
-          <p:cNvSpPr txBox="1"/>
-          <p:nvPr/>
+          <p:cNvPr id="2" name="Title 1">
+            <a:extLst>
+              <a:ext uri="{FF2B5EF4-FFF2-40B4-BE49-F238E27FC236}">
+                <a16:creationId xmlns:a16="http://schemas.microsoft.com/office/drawing/2014/main" id="{13DAED48-2CC3-4039-BBFB-37F4AF6B7BC2}"/>
+              </a:ext>
+            </a:extLst>
+          </p:cNvPr>
+          <p:cNvSpPr txBox="1">
+            <a:spLocks noGrp="1"/>
+          </p:cNvSpPr>
+          <p:nvPr>
+            <p:ph type="title"/>
+          </p:nvPr>
         </p:nvSpPr>
         <p:spPr>
           <a:xfrm>
-            <a:off x="1258433" y="1680100"/>
-            <a:ext cx="9675138" cy="923333"/>
+            <a:off x="838203" y="2766215"/>
+            <a:ext cx="10515600" cy="1325559"/>
+          </a:xfrm>
+        </p:spPr>
+        <p:txBody>
+          <a:bodyPr anchorCtr="1"/>
+          <a:lstStyle/>
+          <a:p>
+            <a:pPr lvl="0" algn="ctr">
+              <a:lnSpc>
+                <a:spcPct val="100000"/>
+              </a:lnSpc>
+            </a:pPr>
+            <a:r>
+              <a:rPr lang="en-GB" sz="5400" b="1" kern="0" dirty="0">
+                <a:solidFill>
+                  <a:srgbClr val="FFFFFF"/>
+                </a:solidFill>
+                <a:latin typeface="Fira Sans" pitchFamily="34"/>
+                <a:ea typeface="Fira Code" pitchFamily="49"/>
+              </a:rPr>
+              <a:t>Discussion</a:t>
+            </a:r>
+            <a:endParaRPr lang="en-GB" sz="1800" kern="0" dirty="0">
+              <a:solidFill>
+                <a:srgbClr val="FFFFFF"/>
+              </a:solidFill>
+            </a:endParaRPr>
+          </a:p>
+        </p:txBody>
+      </p:sp>
+    </p:spTree>
+    <p:extLst>
+      <p:ext uri="{BB962C8B-B14F-4D97-AF65-F5344CB8AC3E}">
+        <p14:creationId xmlns:p14="http://schemas.microsoft.com/office/powerpoint/2010/main" val="4084388062"/>
+      </p:ext>
+    </p:extLst>
+  </p:cSld>
+  <p:clrMapOvr>
+    <a:masterClrMapping/>
+  </p:clrMapOvr>
+</p:sld>
+</file>
+
+<file path=ppt/slides/slide10.xml><?xml version="1.0" encoding="utf-8"?>
+<p:sld xmlns:a="http://schemas.openxmlformats.org/drawingml/2006/main" xmlns:r="http://schemas.openxmlformats.org/officeDocument/2006/relationships" xmlns:p="http://schemas.openxmlformats.org/presentationml/2006/main">
+  <p:cSld>
+    <p:spTree>
+      <p:nvGrpSpPr>
+        <p:cNvPr id="1" name=""/>
+        <p:cNvGrpSpPr/>
+        <p:nvPr/>
+      </p:nvGrpSpPr>
+      <p:grpSpPr>
+        <a:xfrm>
+          <a:off x="0" y="0"/>
+          <a:ext cx="0" cy="0"/>
+          <a:chOff x="0" y="0"/>
+          <a:chExt cx="0" cy="0"/>
+        </a:xfrm>
+      </p:grpSpPr>
+      <p:sp>
+        <p:nvSpPr>
+          <p:cNvPr id="2" name="Title 1">
+            <a:extLst>
+              <a:ext uri="{FF2B5EF4-FFF2-40B4-BE49-F238E27FC236}">
+                <a16:creationId xmlns:a16="http://schemas.microsoft.com/office/drawing/2014/main" id="{743FADAD-7D51-496D-A8D5-5E58759DC032}"/>
+              </a:ext>
+            </a:extLst>
+          </p:cNvPr>
+          <p:cNvSpPr txBox="1">
+            <a:spLocks noGrp="1"/>
+          </p:cNvSpPr>
+          <p:nvPr>
+            <p:ph type="title"/>
+          </p:nvPr>
+        </p:nvSpPr>
+        <p:spPr/>
+        <p:txBody>
+          <a:bodyPr/>
+          <a:lstStyle/>
+          <a:p>
+            <a:pPr lvl="0">
+              <a:lnSpc>
+                <a:spcPct val="100000"/>
+              </a:lnSpc>
+            </a:pPr>
+            <a:r>
+              <a:rPr lang="en-GB" sz="5400" b="1" kern="0" dirty="0">
+                <a:solidFill>
+                  <a:srgbClr val="006388"/>
+                </a:solidFill>
+                <a:latin typeface="Fira Sans" pitchFamily="34"/>
+                <a:ea typeface="Fira Code" pitchFamily="49"/>
+              </a:rPr>
+              <a:t>Summary</a:t>
+            </a:r>
+            <a:endParaRPr lang="en-GB" sz="1800" kern="0" dirty="0"/>
+          </a:p>
+        </p:txBody>
+      </p:sp>
+      <p:sp>
+        <p:nvSpPr>
+          <p:cNvPr id="4" name="Content Placeholder 2">
+            <a:extLst>
+              <a:ext uri="{FF2B5EF4-FFF2-40B4-BE49-F238E27FC236}">
+                <a16:creationId xmlns:a16="http://schemas.microsoft.com/office/drawing/2014/main" id="{6A465D5B-CF66-0783-9C5A-A17CF6A28DA8}"/>
+              </a:ext>
+            </a:extLst>
+          </p:cNvPr>
+          <p:cNvSpPr txBox="1">
+            <a:spLocks noGrp="1"/>
+          </p:cNvSpPr>
+          <p:nvPr>
+            <p:ph idx="1"/>
+          </p:nvPr>
+        </p:nvSpPr>
+        <p:spPr>
+          <a:xfrm>
+            <a:off x="838203" y="1825627"/>
+            <a:ext cx="10515600" cy="4667243"/>
+          </a:xfrm>
+        </p:spPr>
+        <p:txBody>
+          <a:bodyPr>
+            <a:normAutofit lnSpcReduction="10000"/>
+          </a:bodyPr>
+          <a:lstStyle/>
+          <a:p>
+            <a:pPr marL="0" lvl="0" indent="0">
+              <a:lnSpc>
+                <a:spcPct val="100000"/>
+              </a:lnSpc>
+              <a:buNone/>
+            </a:pPr>
+            <a:r>
+              <a:rPr lang="en-GB" dirty="0">
+                <a:solidFill>
+                  <a:srgbClr val="404040"/>
+                </a:solidFill>
+                <a:latin typeface="Fira Sans" pitchFamily="34"/>
+              </a:rPr>
+              <a:t>A brief survey and practical introduction to the</a:t>
+            </a:r>
+          </a:p>
+          <a:p>
+            <a:pPr>
+              <a:lnSpc>
+                <a:spcPct val="100000"/>
+              </a:lnSpc>
+            </a:pPr>
+            <a:r>
+              <a:rPr lang="en-GB" dirty="0">
+                <a:solidFill>
+                  <a:srgbClr val="404040"/>
+                </a:solidFill>
+                <a:latin typeface="Fira Sans" pitchFamily="34"/>
+              </a:rPr>
+              <a:t>Core concepts</a:t>
+            </a:r>
+          </a:p>
+          <a:p>
+            <a:pPr>
+              <a:lnSpc>
+                <a:spcPct val="100000"/>
+              </a:lnSpc>
+            </a:pPr>
+            <a:r>
+              <a:rPr lang="en-GB" dirty="0">
+                <a:solidFill>
+                  <a:srgbClr val="404040"/>
+                </a:solidFill>
+                <a:latin typeface="Fira Sans" pitchFamily="34"/>
+              </a:rPr>
+              <a:t>Key assumptions </a:t>
+            </a:r>
+          </a:p>
+          <a:p>
+            <a:pPr>
+              <a:lnSpc>
+                <a:spcPct val="100000"/>
+              </a:lnSpc>
+            </a:pPr>
+            <a:r>
+              <a:rPr lang="en-GB" dirty="0">
+                <a:solidFill>
+                  <a:srgbClr val="404040"/>
+                </a:solidFill>
+                <a:latin typeface="Fira Sans" pitchFamily="34"/>
+              </a:rPr>
+              <a:t>Different statistical methods </a:t>
+            </a:r>
+          </a:p>
+          <a:p>
+            <a:pPr marL="0" indent="0">
+              <a:lnSpc>
+                <a:spcPct val="100000"/>
+              </a:lnSpc>
+              <a:buNone/>
+            </a:pPr>
+            <a:r>
+              <a:rPr lang="en-GB" dirty="0">
+                <a:solidFill>
+                  <a:srgbClr val="404040"/>
+                </a:solidFill>
+                <a:latin typeface="Fira Sans" pitchFamily="34"/>
+              </a:rPr>
+              <a:t>used to evaluate the </a:t>
+            </a:r>
+            <a:r>
+              <a:rPr lang="en-GB" b="1" dirty="0">
+                <a:solidFill>
+                  <a:srgbClr val="404040"/>
+                </a:solidFill>
+                <a:latin typeface="Fira Sans" pitchFamily="34"/>
+              </a:rPr>
+              <a:t>causal effects </a:t>
+            </a:r>
+            <a:r>
+              <a:rPr lang="en-GB" dirty="0">
+                <a:solidFill>
+                  <a:srgbClr val="404040"/>
+                </a:solidFill>
+                <a:latin typeface="Fira Sans" pitchFamily="34"/>
+              </a:rPr>
+              <a:t>of </a:t>
+            </a:r>
+            <a:r>
+              <a:rPr lang="en-GB" b="1" dirty="0">
+                <a:solidFill>
+                  <a:srgbClr val="404040"/>
+                </a:solidFill>
+                <a:latin typeface="Fira Sans" pitchFamily="34"/>
+              </a:rPr>
+              <a:t>policy interventions</a:t>
+            </a:r>
+          </a:p>
+          <a:p>
+            <a:pPr marL="0" indent="0">
+              <a:lnSpc>
+                <a:spcPct val="100000"/>
+              </a:lnSpc>
+              <a:buNone/>
+            </a:pPr>
+            <a:endParaRPr lang="en-GB" u="sng" dirty="0">
+              <a:solidFill>
+                <a:srgbClr val="404040"/>
+              </a:solidFill>
+              <a:latin typeface="Fira Sans" pitchFamily="34"/>
+            </a:endParaRPr>
+          </a:p>
+          <a:p>
+            <a:pPr marL="0" indent="0">
+              <a:lnSpc>
+                <a:spcPct val="100000"/>
+              </a:lnSpc>
+              <a:buNone/>
+            </a:pPr>
+            <a:r>
+              <a:rPr lang="en-GB" b="1" u="sng" dirty="0">
+                <a:solidFill>
+                  <a:srgbClr val="404040"/>
+                </a:solidFill>
+                <a:latin typeface="Fira Sans" pitchFamily="34"/>
+              </a:rPr>
+              <a:t>Disclaimer</a:t>
+            </a:r>
+            <a:r>
+              <a:rPr lang="en-GB" u="sng" dirty="0">
+                <a:solidFill>
+                  <a:srgbClr val="404040"/>
+                </a:solidFill>
+                <a:latin typeface="Fira Sans" pitchFamily="34"/>
+              </a:rPr>
+              <a:t>:</a:t>
+            </a:r>
+          </a:p>
+          <a:p>
+            <a:pPr marL="0" indent="0">
+              <a:lnSpc>
+                <a:spcPct val="100000"/>
+              </a:lnSpc>
+              <a:buNone/>
+            </a:pPr>
+            <a:r>
+              <a:rPr lang="en-GB" dirty="0">
+                <a:solidFill>
+                  <a:srgbClr val="404040"/>
+                </a:solidFill>
+                <a:latin typeface="Fira Sans" pitchFamily="34"/>
+              </a:rPr>
+              <a:t>We took a “wide” instead of “deep” view</a:t>
+            </a:r>
+          </a:p>
+          <a:p>
+            <a:pPr marL="0" indent="0">
+              <a:lnSpc>
+                <a:spcPct val="100000"/>
+              </a:lnSpc>
+              <a:buNone/>
+            </a:pPr>
+            <a:r>
+              <a:rPr lang="en-GB" dirty="0">
+                <a:solidFill>
+                  <a:srgbClr val="404040"/>
+                </a:solidFill>
+                <a:latin typeface="Fira Sans" pitchFamily="34"/>
+              </a:rPr>
+              <a:t>Many details / extensions / advanced topics omitted!</a:t>
+            </a:r>
+          </a:p>
+          <a:p>
+            <a:pPr marL="0" indent="0">
+              <a:lnSpc>
+                <a:spcPct val="100000"/>
+              </a:lnSpc>
+              <a:buNone/>
+            </a:pPr>
+            <a:endParaRPr lang="en-GB" dirty="0">
+              <a:solidFill>
+                <a:srgbClr val="404040"/>
+              </a:solidFill>
+              <a:latin typeface="Fira Sans" pitchFamily="34"/>
+            </a:endParaRPr>
+          </a:p>
+        </p:txBody>
+      </p:sp>
+    </p:spTree>
+    <p:extLst>
+      <p:ext uri="{BB962C8B-B14F-4D97-AF65-F5344CB8AC3E}">
+        <p14:creationId xmlns:p14="http://schemas.microsoft.com/office/powerpoint/2010/main" val="1489954365"/>
+      </p:ext>
+    </p:extLst>
+  </p:cSld>
+  <p:clrMapOvr>
+    <a:masterClrMapping/>
+  </p:clrMapOvr>
+</p:sld>
+</file>
+
+<file path=ppt/slides/slide11.xml><?xml version="1.0" encoding="utf-8"?>
+<p:sld xmlns:a="http://schemas.openxmlformats.org/drawingml/2006/main" xmlns:r="http://schemas.openxmlformats.org/officeDocument/2006/relationships" xmlns:p="http://schemas.openxmlformats.org/presentationml/2006/main">
+  <p:cSld name="Slide45">
+    <p:spTree>
+      <p:nvGrpSpPr>
+        <p:cNvPr id="1" name=""/>
+        <p:cNvGrpSpPr/>
+        <p:nvPr/>
+      </p:nvGrpSpPr>
+      <p:grpSpPr>
+        <a:xfrm>
+          <a:off x="0" y="0"/>
+          <a:ext cx="0" cy="0"/>
+          <a:chOff x="0" y="0"/>
+          <a:chExt cx="0" cy="0"/>
+        </a:xfrm>
+      </p:grpSpPr>
+      <p:sp>
+        <p:nvSpPr>
+          <p:cNvPr id="2" name="Title 1">
+            <a:extLst>
+              <a:ext uri="{FF2B5EF4-FFF2-40B4-BE49-F238E27FC236}">
+                <a16:creationId xmlns:a16="http://schemas.microsoft.com/office/drawing/2014/main" id="{743FADAD-7D51-496D-A8D5-5E58759DC032}"/>
+              </a:ext>
+            </a:extLst>
+          </p:cNvPr>
+          <p:cNvSpPr txBox="1">
+            <a:spLocks noGrp="1"/>
+          </p:cNvSpPr>
+          <p:nvPr>
+            <p:ph type="title"/>
+          </p:nvPr>
+        </p:nvSpPr>
+        <p:spPr/>
+        <p:txBody>
+          <a:bodyPr/>
+          <a:lstStyle/>
+          <a:p>
+            <a:pPr lvl="0">
+              <a:lnSpc>
+                <a:spcPct val="100000"/>
+              </a:lnSpc>
+            </a:pPr>
+            <a:r>
+              <a:rPr lang="en-GB" sz="5400" b="1" kern="0" dirty="0">
+                <a:solidFill>
+                  <a:srgbClr val="006388"/>
+                </a:solidFill>
+                <a:latin typeface="Fira Sans" pitchFamily="34"/>
+                <a:ea typeface="Fira Code" pitchFamily="49"/>
+              </a:rPr>
+              <a:t>About me</a:t>
+            </a:r>
+            <a:endParaRPr lang="en-GB" sz="1800" kern="0" dirty="0"/>
+          </a:p>
+        </p:txBody>
+      </p:sp>
+      <p:sp>
+        <p:nvSpPr>
+          <p:cNvPr id="3" name="Content Placeholder 2">
+            <a:extLst>
+              <a:ext uri="{FF2B5EF4-FFF2-40B4-BE49-F238E27FC236}">
+                <a16:creationId xmlns:a16="http://schemas.microsoft.com/office/drawing/2014/main" id="{88AD4E46-B512-463D-B59E-7A6FB569FBAA}"/>
+              </a:ext>
+            </a:extLst>
+          </p:cNvPr>
+          <p:cNvSpPr txBox="1">
+            <a:spLocks noGrp="1"/>
+          </p:cNvSpPr>
+          <p:nvPr>
+            <p:ph idx="1"/>
+          </p:nvPr>
+        </p:nvSpPr>
+        <p:spPr>
+          <a:xfrm>
+            <a:off x="2705362" y="1698662"/>
+            <a:ext cx="7110173" cy="4667243"/>
+          </a:xfrm>
+        </p:spPr>
+        <p:txBody>
+          <a:bodyPr>
+            <a:normAutofit lnSpcReduction="10000"/>
+          </a:bodyPr>
+          <a:lstStyle/>
+          <a:p>
+            <a:pPr marL="0" lvl="0" indent="0">
+              <a:lnSpc>
+                <a:spcPct val="110000"/>
+              </a:lnSpc>
+              <a:buNone/>
+            </a:pPr>
+            <a:r>
+              <a:rPr lang="en-GB" sz="1700" b="1" dirty="0">
+                <a:solidFill>
+                  <a:srgbClr val="404040"/>
+                </a:solidFill>
+                <a:latin typeface="Fira Sans" pitchFamily="34"/>
+              </a:rPr>
+              <a:t>Erik-Jan van Kesteren</a:t>
+            </a:r>
+          </a:p>
+          <a:p>
+            <a:pPr>
+              <a:lnSpc>
+                <a:spcPct val="110000"/>
+              </a:lnSpc>
+            </a:pPr>
+            <a:r>
+              <a:rPr lang="en-GB" sz="1700" dirty="0">
+                <a:solidFill>
+                  <a:srgbClr val="404040"/>
+                </a:solidFill>
+                <a:latin typeface="Fira Sans" pitchFamily="34"/>
+              </a:rPr>
+              <a:t>Background in statistics / social science</a:t>
+            </a:r>
+          </a:p>
+          <a:p>
+            <a:pPr>
+              <a:lnSpc>
+                <a:spcPct val="110000"/>
+              </a:lnSpc>
+            </a:pPr>
+            <a:r>
+              <a:rPr lang="en-GB" sz="1700" dirty="0">
+                <a:solidFill>
+                  <a:srgbClr val="404040"/>
+                </a:solidFill>
+                <a:latin typeface="Fira Sans" pitchFamily="34"/>
+              </a:rPr>
+              <a:t>Assistant professor @ methodology &amp; statistics UU</a:t>
+            </a:r>
+          </a:p>
+          <a:p>
+            <a:pPr>
+              <a:lnSpc>
+                <a:spcPct val="110000"/>
+              </a:lnSpc>
+            </a:pPr>
+            <a:r>
+              <a:rPr lang="en-GB" sz="1700" dirty="0">
+                <a:solidFill>
+                  <a:srgbClr val="404040"/>
+                </a:solidFill>
+                <a:latin typeface="Fira Sans" pitchFamily="34"/>
+              </a:rPr>
+              <a:t>Social Data Science team lead @ ODISSEI (consortium of universities)</a:t>
+            </a:r>
+          </a:p>
+          <a:p>
+            <a:pPr marL="0" lvl="0" indent="0">
+              <a:lnSpc>
+                <a:spcPct val="110000"/>
+              </a:lnSpc>
+              <a:buNone/>
+            </a:pPr>
+            <a:endParaRPr lang="en-GB" sz="1700" dirty="0">
+              <a:solidFill>
+                <a:srgbClr val="404040"/>
+              </a:solidFill>
+              <a:latin typeface="Fira Sans" pitchFamily="34"/>
+            </a:endParaRPr>
+          </a:p>
+          <a:p>
+            <a:pPr marL="0" lvl="0" indent="0">
+              <a:lnSpc>
+                <a:spcPct val="110000"/>
+              </a:lnSpc>
+              <a:buNone/>
+            </a:pPr>
+            <a:endParaRPr lang="en-GB" sz="1700" dirty="0">
+              <a:solidFill>
+                <a:srgbClr val="404040"/>
+              </a:solidFill>
+              <a:latin typeface="Fira Sans" pitchFamily="34"/>
+            </a:endParaRPr>
+          </a:p>
+          <a:p>
+            <a:pPr marL="0" lvl="0" indent="0">
+              <a:lnSpc>
+                <a:spcPct val="110000"/>
+              </a:lnSpc>
+              <a:buNone/>
+            </a:pPr>
+            <a:endParaRPr lang="en-GB" sz="1700" dirty="0">
+              <a:solidFill>
+                <a:srgbClr val="404040"/>
+              </a:solidFill>
+              <a:latin typeface="Fira Sans" pitchFamily="34"/>
+            </a:endParaRPr>
+          </a:p>
+          <a:p>
+            <a:pPr marL="0" lvl="0" indent="0">
+              <a:lnSpc>
+                <a:spcPct val="110000"/>
+              </a:lnSpc>
+              <a:buNone/>
+            </a:pPr>
+            <a:r>
+              <a:rPr lang="en-GB" sz="1700" dirty="0">
+                <a:solidFill>
+                  <a:srgbClr val="404040"/>
+                </a:solidFill>
+                <a:latin typeface="Fira Sans" pitchFamily="34"/>
+              </a:rPr>
+              <a:t>Some stuff I work on:</a:t>
+            </a:r>
+          </a:p>
+          <a:p>
+            <a:pPr marL="0" lvl="0" indent="0">
+              <a:lnSpc>
+                <a:spcPct val="110000"/>
+              </a:lnSpc>
+              <a:buNone/>
+            </a:pPr>
+            <a:r>
+              <a:rPr lang="en-GB" sz="1700" dirty="0">
+                <a:solidFill>
+                  <a:srgbClr val="404040"/>
+                </a:solidFill>
+                <a:latin typeface="Fira Sans" pitchFamily="34"/>
+              </a:rPr>
+              <a:t>Latent variables, high-dimensional data, optimization, regularization, visualisation, Bayesian statistics, multilevel models, spatial data, generalized linear models, privacy, synthetic data, high-performance computing, software development, open science &amp; reproducibility</a:t>
+            </a:r>
+          </a:p>
+        </p:txBody>
+      </p:sp>
+      <p:pic>
+        <p:nvPicPr>
+          <p:cNvPr id="4" name="Picture 7">
+            <a:extLst>
+              <a:ext uri="{FF2B5EF4-FFF2-40B4-BE49-F238E27FC236}">
+                <a16:creationId xmlns:a16="http://schemas.microsoft.com/office/drawing/2014/main" id="{2C92E365-10AA-45C2-A560-32B44CB8B09B}"/>
+              </a:ext>
+            </a:extLst>
+          </p:cNvPr>
+          <p:cNvPicPr>
+            <a:picLocks noChangeAspect="1"/>
+          </p:cNvPicPr>
+          <p:nvPr/>
+        </p:nvPicPr>
+        <p:blipFill>
+          <a:blip r:embed="rId2">
+            <a:extLst>
+              <a:ext uri="{28A0092B-C50C-407E-A947-70E740481C1C}">
+                <a14:useLocalDpi xmlns:a14="http://schemas.microsoft.com/office/drawing/2010/main" val="0"/>
+              </a:ext>
+            </a:extLst>
+          </a:blip>
+          <a:srcRect/>
+          <a:stretch/>
+        </p:blipFill>
+        <p:spPr>
+          <a:xfrm>
+            <a:off x="901154" y="1791763"/>
+            <a:ext cx="1538267" cy="1536162"/>
           </a:xfrm>
           <a:prstGeom prst="rect">
             <a:avLst/>
@@ -4057,185 +4671,13 @@
             <a:noFill/>
           </a:ln>
         </p:spPr>
-        <p:txBody>
-          <a:bodyPr vert="horz" wrap="square" lIns="91440" tIns="45720" rIns="91440" bIns="45720" anchor="t" anchorCtr="0" compatLnSpc="1">
-            <a:spAutoFit/>
-          </a:bodyPr>
-          <a:lstStyle/>
-          <a:p>
-            <a:pPr marL="0" marR="0" lvl="0" indent="0" algn="l" defTabSz="914400" rtl="0" fontAlgn="auto" hangingPunct="1">
-              <a:lnSpc>
-                <a:spcPct val="100000"/>
-              </a:lnSpc>
-              <a:spcBef>
-                <a:spcPts val="0"/>
-              </a:spcBef>
-              <a:spcAft>
-                <a:spcPts val="0"/>
-              </a:spcAft>
-              <a:buNone/>
-              <a:tabLst/>
-              <a:defRPr sz="1800" b="0" i="0" u="none" strike="noStrike" kern="0" cap="none" spc="0" baseline="0">
-                <a:solidFill>
-                  <a:srgbClr val="000000"/>
-                </a:solidFill>
-                <a:uFillTx/>
-              </a:defRPr>
-            </a:pPr>
-            <a:r>
-              <a:rPr lang="en-GB" sz="5400" b="1" i="0" u="none" strike="noStrike" kern="1200" cap="none" spc="0" baseline="0">
-                <a:solidFill>
-                  <a:srgbClr val="006388"/>
-                </a:solidFill>
-                <a:uFillTx/>
-                <a:latin typeface="Fira Sans" pitchFamily="34"/>
-                <a:ea typeface="Fira Code" pitchFamily="49"/>
-              </a:rPr>
-              <a:t>Data analysis &amp; visualisation</a:t>
-            </a:r>
-          </a:p>
-        </p:txBody>
-      </p:sp>
-      <p:sp>
-        <p:nvSpPr>
-          <p:cNvPr id="3" name="TextBox 15">
-            <a:extLst>
-              <a:ext uri="{FF2B5EF4-FFF2-40B4-BE49-F238E27FC236}">
-                <a16:creationId xmlns:a16="http://schemas.microsoft.com/office/drawing/2014/main" id="{632F97CB-4D92-4AE6-A8F6-7113DE33A6F5}"/>
-              </a:ext>
-            </a:extLst>
-          </p:cNvPr>
-          <p:cNvSpPr txBox="1"/>
-          <p:nvPr/>
-        </p:nvSpPr>
-        <p:spPr>
-          <a:xfrm>
-            <a:off x="1258433" y="5507239"/>
-            <a:ext cx="7361779" cy="523219"/>
-          </a:xfrm>
-          <a:prstGeom prst="rect">
-            <a:avLst/>
-          </a:prstGeom>
-          <a:noFill/>
-          <a:ln cap="flat">
-            <a:noFill/>
-          </a:ln>
-        </p:spPr>
-        <p:txBody>
-          <a:bodyPr vert="horz" wrap="square" lIns="91440" tIns="45720" rIns="91440" bIns="45720" anchor="t" anchorCtr="0" compatLnSpc="1">
-            <a:spAutoFit/>
-          </a:bodyPr>
-          <a:lstStyle/>
-          <a:p>
-            <a:pPr marL="0" marR="0" lvl="0" indent="0" algn="l" defTabSz="914400" rtl="0" fontAlgn="auto" hangingPunct="1">
-              <a:lnSpc>
-                <a:spcPct val="100000"/>
-              </a:lnSpc>
-              <a:spcBef>
-                <a:spcPts val="0"/>
-              </a:spcBef>
-              <a:spcAft>
-                <a:spcPts val="0"/>
-              </a:spcAft>
-              <a:buNone/>
-              <a:tabLst/>
-              <a:defRPr sz="1800" b="0" i="0" u="none" strike="noStrike" kern="0" cap="none" spc="0" baseline="0">
-                <a:solidFill>
-                  <a:srgbClr val="000000"/>
-                </a:solidFill>
-                <a:uFillTx/>
-              </a:defRPr>
-            </a:pPr>
-            <a:r>
-              <a:rPr lang="en-GB" sz="2800" b="0" i="1" u="none" strike="noStrike" kern="1200" cap="none" spc="0" baseline="0" dirty="0">
-                <a:solidFill>
-                  <a:srgbClr val="7F7F7F"/>
-                </a:solidFill>
-                <a:uFillTx/>
-                <a:latin typeface="Fira Sans" pitchFamily="34"/>
-              </a:rPr>
-              <a:t>Erik-Jan van Kesteren</a:t>
-            </a:r>
-          </a:p>
-        </p:txBody>
-      </p:sp>
-      <p:sp>
-        <p:nvSpPr>
-          <p:cNvPr id="4" name="Title 1">
-            <a:extLst>
-              <a:ext uri="{FF2B5EF4-FFF2-40B4-BE49-F238E27FC236}">
-                <a16:creationId xmlns:a16="http://schemas.microsoft.com/office/drawing/2014/main" id="{6541A11A-8F27-47BF-A7AF-3AB4CB33F894}"/>
-              </a:ext>
-            </a:extLst>
-          </p:cNvPr>
-          <p:cNvSpPr txBox="1"/>
-          <p:nvPr/>
-        </p:nvSpPr>
-        <p:spPr>
-          <a:xfrm>
-            <a:off x="1258433" y="2532412"/>
-            <a:ext cx="9675138" cy="896587"/>
-          </a:xfrm>
-          <a:prstGeom prst="rect">
-            <a:avLst/>
-          </a:prstGeom>
-          <a:noFill/>
-          <a:ln cap="flat">
-            <a:noFill/>
-          </a:ln>
-        </p:spPr>
-        <p:txBody>
-          <a:bodyPr vert="horz" wrap="square" lIns="91440" tIns="45720" rIns="91440" bIns="45720" anchor="ctr" anchorCtr="0" compatLnSpc="1">
-            <a:normAutofit/>
-          </a:bodyPr>
-          <a:lstStyle/>
-          <a:p>
-            <a:pPr marL="0" marR="0" lvl="0" indent="0" algn="l" defTabSz="914400" rtl="0" fontAlgn="auto" hangingPunct="1">
-              <a:lnSpc>
-                <a:spcPct val="90000"/>
-              </a:lnSpc>
-              <a:spcBef>
-                <a:spcPts val="0"/>
-              </a:spcBef>
-              <a:spcAft>
-                <a:spcPts val="0"/>
-              </a:spcAft>
-              <a:buNone/>
-              <a:tabLst/>
-              <a:defRPr sz="1800" b="0" i="0" u="none" strike="noStrike" kern="0" cap="none" spc="0" baseline="0">
-                <a:solidFill>
-                  <a:srgbClr val="000000"/>
-                </a:solidFill>
-                <a:uFillTx/>
-              </a:defRPr>
-            </a:pPr>
-            <a:r>
-              <a:rPr lang="en-GB" sz="4400" b="1" i="0" u="none" strike="noStrike" kern="0" cap="none" spc="0" baseline="0">
-                <a:solidFill>
-                  <a:srgbClr val="7F7F7F"/>
-                </a:solidFill>
-                <a:uFillTx/>
-                <a:latin typeface="Fira Sans" pitchFamily="34"/>
-                <a:ea typeface="Fira Code" pitchFamily="49"/>
-              </a:rPr>
-              <a:t>Workshop rijksoverheid</a:t>
-            </a:r>
-            <a:endParaRPr lang="en-GB" sz="4400" b="0" i="0" u="none" strike="noStrike" kern="1200" cap="none" spc="0" baseline="0">
-              <a:solidFill>
-                <a:srgbClr val="7F7F7F"/>
-              </a:solidFill>
-              <a:uFillTx/>
-              <a:latin typeface="Calibri Light"/>
-            </a:endParaRPr>
-          </a:p>
-        </p:txBody>
-      </p:sp>
+      </p:pic>
       <p:pic>
         <p:nvPicPr>
-          <p:cNvPr id="5" name="Picture 5">
-            <a:extLst>
-              <a:ext uri="{FF2B5EF4-FFF2-40B4-BE49-F238E27FC236}">
-                <a16:creationId xmlns:a16="http://schemas.microsoft.com/office/drawing/2014/main" id="{226613D8-465E-42F9-B892-6D2D565C9B33}"/>
+          <p:cNvPr id="6" name="Graphic 3">
+            <a:extLst>
+              <a:ext uri="{FF2B5EF4-FFF2-40B4-BE49-F238E27FC236}">
+                <a16:creationId xmlns:a16="http://schemas.microsoft.com/office/drawing/2014/main" id="{2F77BD52-0F24-4FCB-BA39-100F17AA3037}"/>
               </a:ext>
             </a:extLst>
           </p:cNvPr>
@@ -4245,15 +4687,21 @@
           <p:nvPr/>
         </p:nvPicPr>
         <p:blipFill>
-          <a:blip r:embed="rId2"/>
+          <a:blip r:embed="rId3">
+            <a:extLst>
+              <a:ext uri="{96DAC541-7B7A-43D3-8B79-37D633B846F1}">
+                <asvg:svgBlip xmlns:asvg="http://schemas.microsoft.com/office/drawing/2016/SVG/main" r:embed="rId4"/>
+              </a:ext>
+            </a:extLst>
+          </a:blip>
           <a:stretch>
             <a:fillRect/>
           </a:stretch>
         </p:blipFill>
         <p:spPr>
           <a:xfrm>
-            <a:off x="0" y="0"/>
-            <a:ext cx="4108710" cy="1621542"/>
+            <a:off x="2591062" y="3429000"/>
+            <a:ext cx="1934815" cy="653320"/>
           </a:xfrm>
           <a:prstGeom prst="rect">
             <a:avLst/>
@@ -4272,7 +4720,1211 @@
 </p:sld>
 </file>
 
-<file path=ppt/slides/slide10.xml><?xml version="1.0" encoding="utf-8"?>
+<file path=ppt/slides/slide12.xml><?xml version="1.0" encoding="utf-8"?>
+<p:sld xmlns:a="http://schemas.openxmlformats.org/drawingml/2006/main" xmlns:r="http://schemas.openxmlformats.org/officeDocument/2006/relationships" xmlns:p="http://schemas.openxmlformats.org/presentationml/2006/main">
+  <p:cSld name="Slide47">
+    <p:bg>
+      <p:bgPr>
+        <a:solidFill>
+          <a:srgbClr val="006388"/>
+        </a:solidFill>
+        <a:effectLst/>
+      </p:bgPr>
+    </p:bg>
+    <p:spTree>
+      <p:nvGrpSpPr>
+        <p:cNvPr id="1" name=""/>
+        <p:cNvGrpSpPr/>
+        <p:nvPr/>
+      </p:nvGrpSpPr>
+      <p:grpSpPr>
+        <a:xfrm>
+          <a:off x="0" y="0"/>
+          <a:ext cx="0" cy="0"/>
+          <a:chOff x="0" y="0"/>
+          <a:chExt cx="0" cy="0"/>
+        </a:xfrm>
+      </p:grpSpPr>
+      <p:sp>
+        <p:nvSpPr>
+          <p:cNvPr id="2" name="Title 1">
+            <a:extLst>
+              <a:ext uri="{FF2B5EF4-FFF2-40B4-BE49-F238E27FC236}">
+                <a16:creationId xmlns:a16="http://schemas.microsoft.com/office/drawing/2014/main" id="{36BA4411-C7D7-4278-BB83-409F1B5C06AB}"/>
+              </a:ext>
+            </a:extLst>
+          </p:cNvPr>
+          <p:cNvSpPr txBox="1">
+            <a:spLocks noGrp="1"/>
+          </p:cNvSpPr>
+          <p:nvPr>
+            <p:ph type="title"/>
+          </p:nvPr>
+        </p:nvSpPr>
+        <p:spPr/>
+        <p:txBody>
+          <a:bodyPr/>
+          <a:lstStyle/>
+          <a:p>
+            <a:pPr lvl="0">
+              <a:lnSpc>
+                <a:spcPct val="100000"/>
+              </a:lnSpc>
+            </a:pPr>
+            <a:r>
+              <a:rPr lang="en-GB" sz="5400" b="1" kern="0">
+                <a:solidFill>
+                  <a:srgbClr val="FFFFFF"/>
+                </a:solidFill>
+                <a:latin typeface="Fira Sans" pitchFamily="34"/>
+                <a:ea typeface="Fira Code" pitchFamily="49"/>
+              </a:rPr>
+              <a:t>Today’s plan: morning</a:t>
+            </a:r>
+            <a:endParaRPr lang="en-GB" sz="1800" kern="0">
+              <a:solidFill>
+                <a:srgbClr val="FFFFFF"/>
+              </a:solidFill>
+            </a:endParaRPr>
+          </a:p>
+        </p:txBody>
+      </p:sp>
+      <p:sp>
+        <p:nvSpPr>
+          <p:cNvPr id="3" name="Content Placeholder 2">
+            <a:extLst>
+              <a:ext uri="{FF2B5EF4-FFF2-40B4-BE49-F238E27FC236}">
+                <a16:creationId xmlns:a16="http://schemas.microsoft.com/office/drawing/2014/main" id="{F5AB15E0-B1DD-406B-896C-D1BCB6BFF600}"/>
+              </a:ext>
+            </a:extLst>
+          </p:cNvPr>
+          <p:cNvSpPr txBox="1">
+            <a:spLocks noGrp="1"/>
+          </p:cNvSpPr>
+          <p:nvPr>
+            <p:ph idx="1"/>
+          </p:nvPr>
+        </p:nvSpPr>
+        <p:spPr>
+          <a:xfrm>
+            <a:off x="838203" y="1825627"/>
+            <a:ext cx="10515600" cy="4667243"/>
+          </a:xfrm>
+        </p:spPr>
+        <p:txBody>
+          <a:bodyPr>
+            <a:normAutofit/>
+          </a:bodyPr>
+          <a:lstStyle/>
+          <a:p>
+            <a:pPr lvl="0"/>
+            <a:r>
+              <a:rPr lang="en-GB" sz="3600" dirty="0">
+                <a:solidFill>
+                  <a:srgbClr val="FFFFFF"/>
+                </a:solidFill>
+                <a:latin typeface="Fira Sans" pitchFamily="34"/>
+              </a:rPr>
+              <a:t>Introduction &amp; Recap (60 minutes)</a:t>
+            </a:r>
+          </a:p>
+          <a:p>
+            <a:pPr lvl="0"/>
+            <a:r>
+              <a:rPr lang="en-GB" sz="3600" dirty="0">
+                <a:solidFill>
+                  <a:srgbClr val="FFFFFF"/>
+                </a:solidFill>
+                <a:latin typeface="Fira Sans" pitchFamily="34"/>
+              </a:rPr>
+              <a:t>Short break (10 minutes)</a:t>
+            </a:r>
+          </a:p>
+          <a:p>
+            <a:r>
+              <a:rPr lang="en-GB" sz="3600" dirty="0">
+                <a:solidFill>
+                  <a:srgbClr val="FFFFFF"/>
+                </a:solidFill>
+                <a:latin typeface="Fira Sans" pitchFamily="34"/>
+              </a:rPr>
+              <a:t>Supervised learning: bias/variance (80 minutes)</a:t>
+            </a:r>
+          </a:p>
+          <a:p>
+            <a:r>
+              <a:rPr lang="en-GB" sz="3600" dirty="0">
+                <a:solidFill>
+                  <a:srgbClr val="FFFFFF"/>
+                </a:solidFill>
+                <a:latin typeface="Fira Sans" pitchFamily="34"/>
+              </a:rPr>
+              <a:t>Supervised learning: classification (40 minutes)</a:t>
+            </a:r>
+          </a:p>
+          <a:p>
+            <a:endParaRPr lang="en-GB" sz="3600" dirty="0">
+              <a:solidFill>
+                <a:srgbClr val="FFFFFF"/>
+              </a:solidFill>
+              <a:latin typeface="Fira Sans" pitchFamily="34"/>
+            </a:endParaRPr>
+          </a:p>
+          <a:p>
+            <a:r>
+              <a:rPr lang="en-GB" sz="3600" dirty="0">
+                <a:solidFill>
+                  <a:srgbClr val="FFFFFF"/>
+                </a:solidFill>
+                <a:latin typeface="Fira Sans" pitchFamily="34"/>
+              </a:rPr>
+              <a:t>Lunch around 12:40</a:t>
+            </a:r>
+          </a:p>
+        </p:txBody>
+      </p:sp>
+    </p:spTree>
+  </p:cSld>
+  <p:clrMapOvr>
+    <a:masterClrMapping/>
+  </p:clrMapOvr>
+</p:sld>
+</file>
+
+<file path=ppt/slides/slide13.xml><?xml version="1.0" encoding="utf-8"?>
+<p:sld xmlns:a="http://schemas.openxmlformats.org/drawingml/2006/main" xmlns:r="http://schemas.openxmlformats.org/officeDocument/2006/relationships" xmlns:p="http://schemas.openxmlformats.org/presentationml/2006/main">
+  <p:cSld>
+    <p:bg>
+      <p:bgPr>
+        <a:solidFill>
+          <a:srgbClr val="006388"/>
+        </a:solidFill>
+        <a:effectLst/>
+      </p:bgPr>
+    </p:bg>
+    <p:spTree>
+      <p:nvGrpSpPr>
+        <p:cNvPr id="1" name=""/>
+        <p:cNvGrpSpPr/>
+        <p:nvPr/>
+      </p:nvGrpSpPr>
+      <p:grpSpPr>
+        <a:xfrm>
+          <a:off x="0" y="0"/>
+          <a:ext cx="0" cy="0"/>
+          <a:chOff x="0" y="0"/>
+          <a:chExt cx="0" cy="0"/>
+        </a:xfrm>
+      </p:grpSpPr>
+      <p:sp>
+        <p:nvSpPr>
+          <p:cNvPr id="2" name="Title 1">
+            <a:extLst>
+              <a:ext uri="{FF2B5EF4-FFF2-40B4-BE49-F238E27FC236}">
+                <a16:creationId xmlns:a16="http://schemas.microsoft.com/office/drawing/2014/main" id="{36BA4411-C7D7-4278-BB83-409F1B5C06AB}"/>
+              </a:ext>
+            </a:extLst>
+          </p:cNvPr>
+          <p:cNvSpPr txBox="1">
+            <a:spLocks noGrp="1"/>
+          </p:cNvSpPr>
+          <p:nvPr>
+            <p:ph type="title"/>
+          </p:nvPr>
+        </p:nvSpPr>
+        <p:spPr/>
+        <p:txBody>
+          <a:bodyPr/>
+          <a:lstStyle/>
+          <a:p>
+            <a:pPr lvl="0">
+              <a:lnSpc>
+                <a:spcPct val="100000"/>
+              </a:lnSpc>
+            </a:pPr>
+            <a:r>
+              <a:rPr lang="en-GB" sz="5400" b="1" kern="0" dirty="0">
+                <a:solidFill>
+                  <a:srgbClr val="FFFFFF"/>
+                </a:solidFill>
+                <a:latin typeface="Fira Sans" pitchFamily="34"/>
+                <a:ea typeface="Fira Code" pitchFamily="49"/>
+              </a:rPr>
+              <a:t>Today’s plan: afternoon</a:t>
+            </a:r>
+            <a:endParaRPr lang="en-GB" sz="1800" kern="0" dirty="0">
+              <a:solidFill>
+                <a:srgbClr val="FFFFFF"/>
+              </a:solidFill>
+            </a:endParaRPr>
+          </a:p>
+        </p:txBody>
+      </p:sp>
+      <p:sp>
+        <p:nvSpPr>
+          <p:cNvPr id="3" name="Content Placeholder 2">
+            <a:extLst>
+              <a:ext uri="{FF2B5EF4-FFF2-40B4-BE49-F238E27FC236}">
+                <a16:creationId xmlns:a16="http://schemas.microsoft.com/office/drawing/2014/main" id="{F5AB15E0-B1DD-406B-896C-D1BCB6BFF600}"/>
+              </a:ext>
+            </a:extLst>
+          </p:cNvPr>
+          <p:cNvSpPr txBox="1">
+            <a:spLocks noGrp="1"/>
+          </p:cNvSpPr>
+          <p:nvPr>
+            <p:ph idx="1"/>
+          </p:nvPr>
+        </p:nvSpPr>
+        <p:spPr>
+          <a:xfrm>
+            <a:off x="838203" y="1825627"/>
+            <a:ext cx="10515600" cy="4667243"/>
+          </a:xfrm>
+        </p:spPr>
+        <p:txBody>
+          <a:bodyPr>
+            <a:normAutofit/>
+          </a:bodyPr>
+          <a:lstStyle/>
+          <a:p>
+            <a:pPr lvl="0"/>
+            <a:r>
+              <a:rPr lang="en-GB" sz="3600" dirty="0">
+                <a:solidFill>
+                  <a:srgbClr val="FFFFFF"/>
+                </a:solidFill>
+                <a:latin typeface="Fira Sans" pitchFamily="34"/>
+              </a:rPr>
+              <a:t>Prediction competition in groups (90 minutes)</a:t>
+            </a:r>
+          </a:p>
+          <a:p>
+            <a:pPr lvl="0"/>
+            <a:r>
+              <a:rPr lang="en-GB" sz="3600" dirty="0">
+                <a:solidFill>
+                  <a:srgbClr val="FFFFFF"/>
+                </a:solidFill>
+                <a:latin typeface="Fira Sans" pitchFamily="34"/>
+              </a:rPr>
+              <a:t>Short break (10 minutes)</a:t>
+            </a:r>
+          </a:p>
+          <a:p>
+            <a:pPr lvl="0"/>
+            <a:r>
+              <a:rPr lang="en-GB" sz="3600" dirty="0">
+                <a:solidFill>
+                  <a:srgbClr val="FFFFFF"/>
+                </a:solidFill>
+                <a:latin typeface="Fira Sans" pitchFamily="34"/>
+              </a:rPr>
+              <a:t>Intermezzo: fairness &amp; feedback loops in prediction (30 minutes)</a:t>
+            </a:r>
+          </a:p>
+          <a:p>
+            <a:r>
+              <a:rPr lang="en-GB" sz="3600" dirty="0">
+                <a:solidFill>
+                  <a:srgbClr val="FFFFFF"/>
+                </a:solidFill>
+                <a:latin typeface="Fira Sans" pitchFamily="34"/>
+              </a:rPr>
+              <a:t>Unsupervised learning (45 minutes)</a:t>
+            </a:r>
+          </a:p>
+          <a:p>
+            <a:endParaRPr lang="en-GB" sz="3600" dirty="0">
+              <a:solidFill>
+                <a:srgbClr val="FFFFFF"/>
+              </a:solidFill>
+              <a:latin typeface="Fira Sans" pitchFamily="34"/>
+            </a:endParaRPr>
+          </a:p>
+          <a:p>
+            <a:r>
+              <a:rPr lang="en-GB" sz="3600" dirty="0">
+                <a:solidFill>
+                  <a:srgbClr val="FFFFFF"/>
+                </a:solidFill>
+                <a:latin typeface="Fira Sans" pitchFamily="34"/>
+              </a:rPr>
+              <a:t>Finish around 16:30</a:t>
+            </a:r>
+          </a:p>
+        </p:txBody>
+      </p:sp>
+    </p:spTree>
+    <p:extLst>
+      <p:ext uri="{BB962C8B-B14F-4D97-AF65-F5344CB8AC3E}">
+        <p14:creationId xmlns:p14="http://schemas.microsoft.com/office/powerpoint/2010/main" val="3990727277"/>
+      </p:ext>
+    </p:extLst>
+  </p:cSld>
+  <p:clrMapOvr>
+    <a:masterClrMapping/>
+  </p:clrMapOvr>
+</p:sld>
+</file>
+
+<file path=ppt/slides/slide14.xml><?xml version="1.0" encoding="utf-8"?>
+<p:sld xmlns:a="http://schemas.openxmlformats.org/drawingml/2006/main" xmlns:r="http://schemas.openxmlformats.org/officeDocument/2006/relationships" xmlns:p="http://schemas.openxmlformats.org/presentationml/2006/main">
+  <p:cSld name="Slide42">
+    <p:spTree>
+      <p:nvGrpSpPr>
+        <p:cNvPr id="1" name=""/>
+        <p:cNvGrpSpPr/>
+        <p:nvPr/>
+      </p:nvGrpSpPr>
+      <p:grpSpPr>
+        <a:xfrm>
+          <a:off x="0" y="0"/>
+          <a:ext cx="0" cy="0"/>
+          <a:chOff x="0" y="0"/>
+          <a:chExt cx="0" cy="0"/>
+        </a:xfrm>
+      </p:grpSpPr>
+      <p:sp>
+        <p:nvSpPr>
+          <p:cNvPr id="2" name="TextBox 8">
+            <a:extLst>
+              <a:ext uri="{FF2B5EF4-FFF2-40B4-BE49-F238E27FC236}">
+                <a16:creationId xmlns:a16="http://schemas.microsoft.com/office/drawing/2014/main" id="{6A53B518-72AB-48DA-A784-E23AEC5AD3FA}"/>
+              </a:ext>
+            </a:extLst>
+          </p:cNvPr>
+          <p:cNvSpPr txBox="1"/>
+          <p:nvPr/>
+        </p:nvSpPr>
+        <p:spPr>
+          <a:xfrm>
+            <a:off x="1258433" y="1680100"/>
+            <a:ext cx="9675138" cy="923330"/>
+          </a:xfrm>
+          <a:prstGeom prst="rect">
+            <a:avLst/>
+          </a:prstGeom>
+          <a:noFill/>
+          <a:ln cap="flat">
+            <a:noFill/>
+          </a:ln>
+        </p:spPr>
+        <p:txBody>
+          <a:bodyPr vert="horz" wrap="square" lIns="91440" tIns="45720" rIns="91440" bIns="45720" anchor="t" anchorCtr="0" compatLnSpc="1">
+            <a:spAutoFit/>
+          </a:bodyPr>
+          <a:lstStyle/>
+          <a:p>
+            <a:pPr marL="0" marR="0" lvl="0" indent="0" algn="l" defTabSz="914400" rtl="0" fontAlgn="auto" hangingPunct="1">
+              <a:lnSpc>
+                <a:spcPct val="100000"/>
+              </a:lnSpc>
+              <a:spcBef>
+                <a:spcPts val="0"/>
+              </a:spcBef>
+              <a:spcAft>
+                <a:spcPts val="0"/>
+              </a:spcAft>
+              <a:buNone/>
+              <a:tabLst/>
+              <a:defRPr sz="1800" b="0" i="0" u="none" strike="noStrike" kern="0" cap="none" spc="0" baseline="0">
+                <a:solidFill>
+                  <a:srgbClr val="000000"/>
+                </a:solidFill>
+                <a:uFillTx/>
+              </a:defRPr>
+            </a:pPr>
+            <a:r>
+              <a:rPr lang="en-GB" sz="5400" b="1" dirty="0">
+                <a:solidFill>
+                  <a:srgbClr val="006388"/>
+                </a:solidFill>
+                <a:latin typeface="Fira Sans" pitchFamily="34"/>
+                <a:ea typeface="Fira Code" pitchFamily="49"/>
+              </a:rPr>
+              <a:t>Data wrangling, visualisation</a:t>
+            </a:r>
+            <a:endParaRPr lang="en-GB" sz="5400" b="1" i="0" u="none" strike="noStrike" kern="1200" cap="none" spc="0" baseline="0" dirty="0">
+              <a:solidFill>
+                <a:srgbClr val="006388"/>
+              </a:solidFill>
+              <a:uFillTx/>
+              <a:latin typeface="Fira Sans" pitchFamily="34"/>
+              <a:ea typeface="Fira Code" pitchFamily="49"/>
+            </a:endParaRPr>
+          </a:p>
+        </p:txBody>
+      </p:sp>
+      <p:sp>
+        <p:nvSpPr>
+          <p:cNvPr id="3" name="TextBox 15">
+            <a:extLst>
+              <a:ext uri="{FF2B5EF4-FFF2-40B4-BE49-F238E27FC236}">
+                <a16:creationId xmlns:a16="http://schemas.microsoft.com/office/drawing/2014/main" id="{276B2FB2-D9A5-44FE-9094-1C7E0F35A0B1}"/>
+              </a:ext>
+            </a:extLst>
+          </p:cNvPr>
+          <p:cNvSpPr txBox="1"/>
+          <p:nvPr/>
+        </p:nvSpPr>
+        <p:spPr>
+          <a:xfrm>
+            <a:off x="1258433" y="5507239"/>
+            <a:ext cx="7361779" cy="523219"/>
+          </a:xfrm>
+          <a:prstGeom prst="rect">
+            <a:avLst/>
+          </a:prstGeom>
+          <a:noFill/>
+          <a:ln cap="flat">
+            <a:noFill/>
+          </a:ln>
+        </p:spPr>
+        <p:txBody>
+          <a:bodyPr vert="horz" wrap="square" lIns="91440" tIns="45720" rIns="91440" bIns="45720" anchor="t" anchorCtr="0" compatLnSpc="1">
+            <a:spAutoFit/>
+          </a:bodyPr>
+          <a:lstStyle/>
+          <a:p>
+            <a:pPr marL="0" marR="0" lvl="0" indent="0" algn="l" defTabSz="914400" rtl="0" fontAlgn="auto" hangingPunct="1">
+              <a:lnSpc>
+                <a:spcPct val="100000"/>
+              </a:lnSpc>
+              <a:spcBef>
+                <a:spcPts val="0"/>
+              </a:spcBef>
+              <a:spcAft>
+                <a:spcPts val="0"/>
+              </a:spcAft>
+              <a:buNone/>
+              <a:tabLst/>
+              <a:defRPr sz="1800" b="0" i="0" u="none" strike="noStrike" kern="0" cap="none" spc="0" baseline="0">
+                <a:solidFill>
+                  <a:srgbClr val="000000"/>
+                </a:solidFill>
+                <a:uFillTx/>
+              </a:defRPr>
+            </a:pPr>
+            <a:r>
+              <a:rPr lang="en-GB" sz="2800" b="0" i="1" u="none" strike="noStrike" kern="1200" cap="none" spc="0" baseline="0">
+                <a:solidFill>
+                  <a:srgbClr val="7F7F7F"/>
+                </a:solidFill>
+                <a:uFillTx/>
+                <a:latin typeface="Fira Sans" pitchFamily="34"/>
+              </a:rPr>
+              <a:t>Erik-Jan van Kesteren</a:t>
+            </a:r>
+          </a:p>
+        </p:txBody>
+      </p:sp>
+      <p:sp>
+        <p:nvSpPr>
+          <p:cNvPr id="4" name="Title 1">
+            <a:extLst>
+              <a:ext uri="{FF2B5EF4-FFF2-40B4-BE49-F238E27FC236}">
+                <a16:creationId xmlns:a16="http://schemas.microsoft.com/office/drawing/2014/main" id="{E4667E13-EE5D-47FD-B212-2BD2D0DF01F4}"/>
+              </a:ext>
+            </a:extLst>
+          </p:cNvPr>
+          <p:cNvSpPr txBox="1"/>
+          <p:nvPr/>
+        </p:nvSpPr>
+        <p:spPr>
+          <a:xfrm>
+            <a:off x="1258433" y="2532412"/>
+            <a:ext cx="9675138" cy="896587"/>
+          </a:xfrm>
+          <a:prstGeom prst="rect">
+            <a:avLst/>
+          </a:prstGeom>
+          <a:noFill/>
+          <a:ln cap="flat">
+            <a:noFill/>
+          </a:ln>
+        </p:spPr>
+        <p:txBody>
+          <a:bodyPr vert="horz" wrap="square" lIns="91440" tIns="45720" rIns="91440" bIns="45720" anchor="ctr" anchorCtr="0" compatLnSpc="1">
+            <a:normAutofit/>
+          </a:bodyPr>
+          <a:lstStyle/>
+          <a:p>
+            <a:pPr marL="0" marR="0" lvl="0" indent="0" algn="l" defTabSz="914400" rtl="0" fontAlgn="auto" hangingPunct="1">
+              <a:lnSpc>
+                <a:spcPct val="90000"/>
+              </a:lnSpc>
+              <a:spcBef>
+                <a:spcPts val="0"/>
+              </a:spcBef>
+              <a:spcAft>
+                <a:spcPts val="0"/>
+              </a:spcAft>
+              <a:buNone/>
+              <a:tabLst/>
+              <a:defRPr sz="1800" b="0" i="0" u="none" strike="noStrike" kern="0" cap="none" spc="0" baseline="0">
+                <a:solidFill>
+                  <a:srgbClr val="000000"/>
+                </a:solidFill>
+                <a:uFillTx/>
+              </a:defRPr>
+            </a:pPr>
+            <a:r>
+              <a:rPr lang="en-GB" sz="4400" b="1" i="0" u="none" strike="noStrike" kern="0" cap="none" spc="0" baseline="0" dirty="0">
+                <a:solidFill>
+                  <a:srgbClr val="7F7F7F"/>
+                </a:solidFill>
+                <a:uFillTx/>
+                <a:latin typeface="Fira Sans" pitchFamily="34"/>
+                <a:ea typeface="Fira Code" pitchFamily="49"/>
+              </a:rPr>
+              <a:t>A shor</a:t>
+            </a:r>
+            <a:r>
+              <a:rPr lang="en-GB" sz="4400" b="1" kern="0" dirty="0">
+                <a:solidFill>
+                  <a:srgbClr val="7F7F7F"/>
+                </a:solidFill>
+                <a:latin typeface="Fira Sans" pitchFamily="34"/>
+                <a:ea typeface="Fira Code" pitchFamily="49"/>
+              </a:rPr>
+              <a:t>t recap</a:t>
+            </a:r>
+            <a:endParaRPr lang="en-GB" sz="4400" b="0" i="0" u="none" strike="noStrike" kern="1200" cap="none" spc="0" baseline="0" dirty="0">
+              <a:solidFill>
+                <a:srgbClr val="7F7F7F"/>
+              </a:solidFill>
+              <a:uFillTx/>
+              <a:latin typeface="Calibri Light"/>
+            </a:endParaRPr>
+          </a:p>
+        </p:txBody>
+      </p:sp>
+    </p:spTree>
+  </p:cSld>
+  <p:clrMapOvr>
+    <a:masterClrMapping/>
+  </p:clrMapOvr>
+</p:sld>
+</file>
+
+<file path=ppt/slides/slide15.xml><?xml version="1.0" encoding="utf-8"?>
+<p:sld xmlns:a="http://schemas.openxmlformats.org/drawingml/2006/main" xmlns:r="http://schemas.openxmlformats.org/officeDocument/2006/relationships" xmlns:p="http://schemas.openxmlformats.org/presentationml/2006/main">
+  <p:cSld name="Slide43">
+    <p:spTree>
+      <p:nvGrpSpPr>
+        <p:cNvPr id="1" name=""/>
+        <p:cNvGrpSpPr/>
+        <p:nvPr/>
+      </p:nvGrpSpPr>
+      <p:grpSpPr>
+        <a:xfrm>
+          <a:off x="0" y="0"/>
+          <a:ext cx="0" cy="0"/>
+          <a:chOff x="0" y="0"/>
+          <a:chExt cx="0" cy="0"/>
+        </a:xfrm>
+      </p:grpSpPr>
+      <p:sp>
+        <p:nvSpPr>
+          <p:cNvPr id="2" name="Title 1">
+            <a:extLst>
+              <a:ext uri="{FF2B5EF4-FFF2-40B4-BE49-F238E27FC236}">
+                <a16:creationId xmlns:a16="http://schemas.microsoft.com/office/drawing/2014/main" id="{63A7B462-0A9D-4652-A57B-47811F469343}"/>
+              </a:ext>
+            </a:extLst>
+          </p:cNvPr>
+          <p:cNvSpPr txBox="1">
+            <a:spLocks noGrp="1"/>
+          </p:cNvSpPr>
+          <p:nvPr>
+            <p:ph type="title"/>
+          </p:nvPr>
+        </p:nvSpPr>
+        <p:spPr/>
+        <p:txBody>
+          <a:bodyPr/>
+          <a:lstStyle/>
+          <a:p>
+            <a:pPr lvl="0">
+              <a:lnSpc>
+                <a:spcPct val="100000"/>
+              </a:lnSpc>
+            </a:pPr>
+            <a:r>
+              <a:rPr lang="en-GB" sz="5400" b="1" kern="0">
+                <a:solidFill>
+                  <a:srgbClr val="006388"/>
+                </a:solidFill>
+                <a:latin typeface="Fira Sans" pitchFamily="34"/>
+                <a:ea typeface="Fira Code" pitchFamily="49"/>
+              </a:rPr>
+              <a:t>Exploratory data analysis</a:t>
+            </a:r>
+            <a:endParaRPr lang="en-GB" sz="1800" kern="0"/>
+          </a:p>
+        </p:txBody>
+      </p:sp>
+      <p:pic>
+        <p:nvPicPr>
+          <p:cNvPr id="3" name="Content Placeholder 6" descr="Graphical user interface, application&#10;&#10;Description automatically generated">
+            <a:extLst>
+              <a:ext uri="{FF2B5EF4-FFF2-40B4-BE49-F238E27FC236}">
+                <a16:creationId xmlns:a16="http://schemas.microsoft.com/office/drawing/2014/main" id="{0789C4F0-BA6C-40BF-BA61-577E36E2C4A0}"/>
+              </a:ext>
+            </a:extLst>
+          </p:cNvPr>
+          <p:cNvPicPr>
+            <a:picLocks noGrp="1" noChangeAspect="1"/>
+          </p:cNvPicPr>
+          <p:nvPr>
+            <p:ph idx="1"/>
+          </p:nvPr>
+        </p:nvPicPr>
+        <p:blipFill>
+          <a:blip r:embed="rId2"/>
+          <a:stretch>
+            <a:fillRect/>
+          </a:stretch>
+        </p:blipFill>
+        <p:spPr>
+          <a:xfrm>
+            <a:off x="5123931" y="3055531"/>
+            <a:ext cx="6229871" cy="2289511"/>
+          </a:xfrm>
+        </p:spPr>
+      </p:pic>
+      <p:sp>
+        <p:nvSpPr>
+          <p:cNvPr id="4" name="TextBox 8">
+            <a:extLst>
+              <a:ext uri="{FF2B5EF4-FFF2-40B4-BE49-F238E27FC236}">
+                <a16:creationId xmlns:a16="http://schemas.microsoft.com/office/drawing/2014/main" id="{A5A75038-8C9C-458D-A859-D3049747093B}"/>
+              </a:ext>
+            </a:extLst>
+          </p:cNvPr>
+          <p:cNvSpPr txBox="1"/>
+          <p:nvPr/>
+        </p:nvSpPr>
+        <p:spPr>
+          <a:xfrm>
+            <a:off x="5259665" y="1911443"/>
+            <a:ext cx="6094137" cy="923333"/>
+          </a:xfrm>
+          <a:prstGeom prst="rect">
+            <a:avLst/>
+          </a:prstGeom>
+          <a:noFill/>
+          <a:ln cap="flat">
+            <a:noFill/>
+          </a:ln>
+        </p:spPr>
+        <p:txBody>
+          <a:bodyPr vert="horz" wrap="square" lIns="91440" tIns="45720" rIns="91440" bIns="45720" anchor="t" anchorCtr="0" compatLnSpc="1">
+            <a:spAutoFit/>
+          </a:bodyPr>
+          <a:lstStyle/>
+          <a:p>
+            <a:pPr marL="0" marR="0" lvl="0" indent="0" algn="l" defTabSz="914400" rtl="0" fontAlgn="auto" hangingPunct="1">
+              <a:lnSpc>
+                <a:spcPct val="100000"/>
+              </a:lnSpc>
+              <a:spcBef>
+                <a:spcPts val="0"/>
+              </a:spcBef>
+              <a:spcAft>
+                <a:spcPts val="0"/>
+              </a:spcAft>
+              <a:buNone/>
+              <a:tabLst/>
+              <a:defRPr sz="1800" b="0" i="0" u="none" strike="noStrike" kern="0" cap="none" spc="0" baseline="0">
+                <a:solidFill>
+                  <a:srgbClr val="000000"/>
+                </a:solidFill>
+                <a:uFillTx/>
+              </a:defRPr>
+            </a:pPr>
+            <a:r>
+              <a:rPr lang="en-US" sz="1800" b="0" i="1" u="none" strike="noStrike" kern="1200" cap="none" spc="0" baseline="0">
+                <a:solidFill>
+                  <a:srgbClr val="404040"/>
+                </a:solidFill>
+                <a:uFillTx/>
+                <a:latin typeface="Fira Sans" pitchFamily="34"/>
+              </a:rPr>
+              <a:t>The goal of data exploration is to generate many promising leads that you can later explore in more depth.</a:t>
+            </a:r>
+            <a:endParaRPr lang="en-GB" sz="1800" b="0" i="1" u="none" strike="noStrike" kern="1200" cap="none" spc="0" baseline="0">
+              <a:solidFill>
+                <a:srgbClr val="404040"/>
+              </a:solidFill>
+              <a:uFillTx/>
+              <a:latin typeface="Fira Sans" pitchFamily="34"/>
+            </a:endParaRPr>
+          </a:p>
+        </p:txBody>
+      </p:sp>
+      <p:sp>
+        <p:nvSpPr>
+          <p:cNvPr id="5" name="TextBox 10">
+            <a:extLst>
+              <a:ext uri="{FF2B5EF4-FFF2-40B4-BE49-F238E27FC236}">
+                <a16:creationId xmlns:a16="http://schemas.microsoft.com/office/drawing/2014/main" id="{65E5AA44-7AE7-4E1E-982D-0BC33E1B1BC6}"/>
+              </a:ext>
+            </a:extLst>
+          </p:cNvPr>
+          <p:cNvSpPr txBox="1"/>
+          <p:nvPr/>
+        </p:nvSpPr>
+        <p:spPr>
+          <a:xfrm>
+            <a:off x="838193" y="6338986"/>
+            <a:ext cx="3047750" cy="307777"/>
+          </a:xfrm>
+          <a:prstGeom prst="rect">
+            <a:avLst/>
+          </a:prstGeom>
+          <a:noFill/>
+          <a:ln cap="flat">
+            <a:noFill/>
+          </a:ln>
+        </p:spPr>
+        <p:txBody>
+          <a:bodyPr vert="horz" wrap="square" lIns="91440" tIns="45720" rIns="91440" bIns="45720" anchor="t" anchorCtr="0" compatLnSpc="1">
+            <a:spAutoFit/>
+          </a:bodyPr>
+          <a:lstStyle/>
+          <a:p>
+            <a:pPr marL="0" marR="0" lvl="0" indent="0" algn="r" defTabSz="914400" rtl="0" fontAlgn="auto" hangingPunct="1">
+              <a:lnSpc>
+                <a:spcPct val="100000"/>
+              </a:lnSpc>
+              <a:spcBef>
+                <a:spcPts val="0"/>
+              </a:spcBef>
+              <a:spcAft>
+                <a:spcPts val="0"/>
+              </a:spcAft>
+              <a:buNone/>
+              <a:tabLst/>
+              <a:defRPr sz="1800" b="0" i="0" u="none" strike="noStrike" kern="0" cap="none" spc="0" baseline="0">
+                <a:solidFill>
+                  <a:srgbClr val="000000"/>
+                </a:solidFill>
+                <a:uFillTx/>
+              </a:defRPr>
+            </a:pPr>
+            <a:r>
+              <a:rPr lang="en-GB" sz="1400" b="0" i="0" u="none" strike="noStrike" kern="1200" cap="none" spc="0" baseline="0">
+                <a:solidFill>
+                  <a:srgbClr val="000000"/>
+                </a:solidFill>
+                <a:uFillTx/>
+                <a:latin typeface="Fira Sans" pitchFamily="34"/>
+              </a:rPr>
+              <a:t>https://r4ds.had.co.nz/</a:t>
+            </a:r>
+          </a:p>
+        </p:txBody>
+      </p:sp>
+      <p:pic>
+        <p:nvPicPr>
+          <p:cNvPr id="6" name="Picture 12" descr="Logo&#10;&#10;Description automatically generated">
+            <a:extLst>
+              <a:ext uri="{FF2B5EF4-FFF2-40B4-BE49-F238E27FC236}">
+                <a16:creationId xmlns:a16="http://schemas.microsoft.com/office/drawing/2014/main" id="{DE989F00-AFA4-4F51-9ED0-C0D2FBBCAF07}"/>
+              </a:ext>
+            </a:extLst>
+          </p:cNvPr>
+          <p:cNvPicPr>
+            <a:picLocks noChangeAspect="1"/>
+          </p:cNvPicPr>
+          <p:nvPr/>
+        </p:nvPicPr>
+        <p:blipFill>
+          <a:blip r:embed="rId3"/>
+          <a:stretch>
+            <a:fillRect/>
+          </a:stretch>
+        </p:blipFill>
+        <p:spPr>
+          <a:xfrm>
+            <a:off x="838193" y="1690689"/>
+            <a:ext cx="3047750" cy="4571625"/>
+          </a:xfrm>
+          <a:prstGeom prst="rect">
+            <a:avLst/>
+          </a:prstGeom>
+          <a:noFill/>
+          <a:ln cap="flat">
+            <a:noFill/>
+          </a:ln>
+        </p:spPr>
+      </p:pic>
+    </p:spTree>
+  </p:cSld>
+  <p:clrMapOvr>
+    <a:masterClrMapping/>
+  </p:clrMapOvr>
+</p:sld>
+</file>
+
+<file path=ppt/slides/slide16.xml><?xml version="1.0" encoding="utf-8"?>
+<p:sld xmlns:a="http://schemas.openxmlformats.org/drawingml/2006/main" xmlns:r="http://schemas.openxmlformats.org/officeDocument/2006/relationships" xmlns:p="http://schemas.openxmlformats.org/presentationml/2006/main">
+  <p:cSld name="Slide50">
+    <p:spTree>
+      <p:nvGrpSpPr>
+        <p:cNvPr id="1" name=""/>
+        <p:cNvGrpSpPr/>
+        <p:nvPr/>
+      </p:nvGrpSpPr>
+      <p:grpSpPr>
+        <a:xfrm>
+          <a:off x="0" y="0"/>
+          <a:ext cx="0" cy="0"/>
+          <a:chOff x="0" y="0"/>
+          <a:chExt cx="0" cy="0"/>
+        </a:xfrm>
+      </p:grpSpPr>
+      <p:sp>
+        <p:nvSpPr>
+          <p:cNvPr id="2" name="Title 1">
+            <a:extLst>
+              <a:ext uri="{FF2B5EF4-FFF2-40B4-BE49-F238E27FC236}">
+                <a16:creationId xmlns:a16="http://schemas.microsoft.com/office/drawing/2014/main" id="{AD5C8D82-9C73-409E-BCB5-8FC0C58FFD6F}"/>
+              </a:ext>
+            </a:extLst>
+          </p:cNvPr>
+          <p:cNvSpPr txBox="1">
+            <a:spLocks noGrp="1"/>
+          </p:cNvSpPr>
+          <p:nvPr>
+            <p:ph type="title"/>
+          </p:nvPr>
+        </p:nvSpPr>
+        <p:spPr/>
+        <p:txBody>
+          <a:bodyPr/>
+          <a:lstStyle/>
+          <a:p>
+            <a:pPr lvl="0">
+              <a:lnSpc>
+                <a:spcPct val="100000"/>
+              </a:lnSpc>
+            </a:pPr>
+            <a:r>
+              <a:rPr lang="en-GB" sz="5400" b="1" kern="0" dirty="0">
+                <a:solidFill>
+                  <a:srgbClr val="006388"/>
+                </a:solidFill>
+                <a:latin typeface="Fira Sans" pitchFamily="34"/>
+                <a:ea typeface="Fira Code" pitchFamily="49"/>
+              </a:rPr>
+              <a:t>Data wrangling with </a:t>
+            </a:r>
+            <a:r>
+              <a:rPr lang="en-GB" sz="5400" b="1" kern="0" dirty="0" err="1">
+                <a:solidFill>
+                  <a:srgbClr val="006388"/>
+                </a:solidFill>
+                <a:latin typeface="Fira Sans" pitchFamily="34"/>
+                <a:ea typeface="Fira Code" pitchFamily="49"/>
+              </a:rPr>
+              <a:t>dplyr</a:t>
+            </a:r>
+            <a:endParaRPr lang="en-GB" sz="1800" kern="0" dirty="0"/>
+          </a:p>
+        </p:txBody>
+      </p:sp>
+      <p:sp>
+        <p:nvSpPr>
+          <p:cNvPr id="3" name="Content Placeholder 2">
+            <a:extLst>
+              <a:ext uri="{FF2B5EF4-FFF2-40B4-BE49-F238E27FC236}">
+                <a16:creationId xmlns:a16="http://schemas.microsoft.com/office/drawing/2014/main" id="{52AC049D-3A71-449E-8E64-0A8A70569E28}"/>
+              </a:ext>
+            </a:extLst>
+          </p:cNvPr>
+          <p:cNvSpPr txBox="1">
+            <a:spLocks noGrp="1"/>
+          </p:cNvSpPr>
+          <p:nvPr>
+            <p:ph idx="1"/>
+          </p:nvPr>
+        </p:nvSpPr>
+        <p:spPr>
+          <a:xfrm>
+            <a:off x="838203" y="1825627"/>
+            <a:ext cx="10515600" cy="4667243"/>
+          </a:xfrm>
+        </p:spPr>
+        <p:txBody>
+          <a:bodyPr>
+            <a:normAutofit fontScale="92500" lnSpcReduction="20000"/>
+          </a:bodyPr>
+          <a:lstStyle/>
+          <a:p>
+            <a:pPr marL="0" lvl="0" indent="0">
+              <a:buNone/>
+            </a:pPr>
+            <a:r>
+              <a:rPr lang="en-GB" b="1" dirty="0">
+                <a:solidFill>
+                  <a:srgbClr val="404040"/>
+                </a:solidFill>
+                <a:latin typeface="Fira Sans" pitchFamily="34"/>
+              </a:rPr>
+              <a:t>filter</a:t>
+            </a:r>
+          </a:p>
+          <a:p>
+            <a:pPr marL="0" lvl="0" indent="0">
+              <a:buNone/>
+            </a:pPr>
+            <a:r>
+              <a:rPr lang="en-GB" dirty="0">
+                <a:solidFill>
+                  <a:srgbClr val="404040"/>
+                </a:solidFill>
+                <a:latin typeface="Fira Sans" pitchFamily="34"/>
+              </a:rPr>
+              <a:t>Get only rows that satisfy a condition</a:t>
+            </a:r>
+          </a:p>
+          <a:p>
+            <a:pPr marL="0" lvl="0" indent="0">
+              <a:buNone/>
+            </a:pPr>
+            <a:endParaRPr lang="en-GB" b="1" dirty="0">
+              <a:solidFill>
+                <a:srgbClr val="404040"/>
+              </a:solidFill>
+              <a:latin typeface="Fira Sans" pitchFamily="34"/>
+            </a:endParaRPr>
+          </a:p>
+          <a:p>
+            <a:pPr marL="0" lvl="0" indent="0">
+              <a:buNone/>
+            </a:pPr>
+            <a:r>
+              <a:rPr lang="en-GB" b="1" dirty="0">
+                <a:solidFill>
+                  <a:srgbClr val="404040"/>
+                </a:solidFill>
+                <a:latin typeface="Fira Sans" pitchFamily="34"/>
+              </a:rPr>
+              <a:t>select</a:t>
+            </a:r>
+          </a:p>
+          <a:p>
+            <a:pPr marL="0" lvl="0" indent="0">
+              <a:buNone/>
+            </a:pPr>
+            <a:r>
+              <a:rPr lang="en-GB" dirty="0">
+                <a:solidFill>
+                  <a:srgbClr val="404040"/>
+                </a:solidFill>
+                <a:latin typeface="Fira Sans" pitchFamily="34"/>
+              </a:rPr>
+              <a:t>Select columns from a dataset</a:t>
+            </a:r>
+          </a:p>
+          <a:p>
+            <a:pPr marL="0" lvl="0" indent="0">
+              <a:buNone/>
+            </a:pPr>
+            <a:endParaRPr lang="en-GB" dirty="0">
+              <a:solidFill>
+                <a:srgbClr val="404040"/>
+              </a:solidFill>
+              <a:latin typeface="Fira Sans" pitchFamily="34"/>
+            </a:endParaRPr>
+          </a:p>
+          <a:p>
+            <a:pPr marL="0" lvl="0" indent="0">
+              <a:buNone/>
+            </a:pPr>
+            <a:r>
+              <a:rPr lang="en-GB" b="1" dirty="0">
+                <a:solidFill>
+                  <a:srgbClr val="404040"/>
+                </a:solidFill>
+                <a:latin typeface="Fira Sans" pitchFamily="34"/>
+              </a:rPr>
+              <a:t>mutate</a:t>
+            </a:r>
+          </a:p>
+          <a:p>
+            <a:pPr marL="0" lvl="0" indent="0">
+              <a:buNone/>
+            </a:pPr>
+            <a:r>
+              <a:rPr lang="en-GB" dirty="0">
+                <a:solidFill>
+                  <a:srgbClr val="404040"/>
+                </a:solidFill>
+                <a:latin typeface="Fira Sans" pitchFamily="34"/>
+              </a:rPr>
+              <a:t>Compute new columns / change existing columns</a:t>
+            </a:r>
+          </a:p>
+          <a:p>
+            <a:pPr marL="0" lvl="0" indent="0">
+              <a:buNone/>
+            </a:pPr>
+            <a:endParaRPr lang="en-GB" dirty="0">
+              <a:solidFill>
+                <a:srgbClr val="404040"/>
+              </a:solidFill>
+              <a:latin typeface="Fira Sans" pitchFamily="34"/>
+            </a:endParaRPr>
+          </a:p>
+          <a:p>
+            <a:pPr marL="0" lvl="0" indent="0">
+              <a:buNone/>
+            </a:pPr>
+            <a:r>
+              <a:rPr lang="en-GB" b="1" dirty="0">
+                <a:solidFill>
+                  <a:srgbClr val="404040"/>
+                </a:solidFill>
+                <a:latin typeface="Fira Sans" pitchFamily="34"/>
+              </a:rPr>
+              <a:t>arrange</a:t>
+            </a:r>
+          </a:p>
+          <a:p>
+            <a:pPr marL="0" lvl="0" indent="0">
+              <a:buNone/>
+            </a:pPr>
+            <a:r>
+              <a:rPr lang="en-GB" dirty="0">
+                <a:solidFill>
+                  <a:srgbClr val="404040"/>
+                </a:solidFill>
+                <a:latin typeface="Fira Sans" pitchFamily="34"/>
+              </a:rPr>
+              <a:t>Sort/reorder the dataset based on a column</a:t>
+            </a:r>
+          </a:p>
+          <a:p>
+            <a:pPr marL="0" lvl="0" indent="0">
+              <a:buNone/>
+            </a:pPr>
+            <a:endParaRPr lang="en-GB" dirty="0">
+              <a:solidFill>
+                <a:srgbClr val="404040"/>
+              </a:solidFill>
+              <a:latin typeface="Fira Sans" pitchFamily="34"/>
+            </a:endParaRPr>
+          </a:p>
+        </p:txBody>
+      </p:sp>
+    </p:spTree>
+  </p:cSld>
+  <p:clrMapOvr>
+    <a:masterClrMapping/>
+  </p:clrMapOvr>
+</p:sld>
+</file>
+
+<file path=ppt/slides/slide17.xml><?xml version="1.0" encoding="utf-8"?>
+<p:sld xmlns:a="http://schemas.openxmlformats.org/drawingml/2006/main" xmlns:r="http://schemas.openxmlformats.org/officeDocument/2006/relationships" xmlns:p="http://schemas.openxmlformats.org/presentationml/2006/main">
+  <p:cSld name="Slide53">
+    <p:spTree>
+      <p:nvGrpSpPr>
+        <p:cNvPr id="1" name=""/>
+        <p:cNvGrpSpPr/>
+        <p:nvPr/>
+      </p:nvGrpSpPr>
+      <p:grpSpPr>
+        <a:xfrm>
+          <a:off x="0" y="0"/>
+          <a:ext cx="0" cy="0"/>
+          <a:chOff x="0" y="0"/>
+          <a:chExt cx="0" cy="0"/>
+        </a:xfrm>
+      </p:grpSpPr>
+      <p:sp>
+        <p:nvSpPr>
+          <p:cNvPr id="2" name="Title 1">
+            <a:extLst>
+              <a:ext uri="{FF2B5EF4-FFF2-40B4-BE49-F238E27FC236}">
+                <a16:creationId xmlns:a16="http://schemas.microsoft.com/office/drawing/2014/main" id="{F4F737D5-F7B5-4FDE-BE2A-23C8580FAE61}"/>
+              </a:ext>
+            </a:extLst>
+          </p:cNvPr>
+          <p:cNvSpPr txBox="1">
+            <a:spLocks noGrp="1"/>
+          </p:cNvSpPr>
+          <p:nvPr>
+            <p:ph type="title"/>
+          </p:nvPr>
+        </p:nvSpPr>
+        <p:spPr/>
+        <p:txBody>
+          <a:bodyPr/>
+          <a:lstStyle/>
+          <a:p>
+            <a:pPr lvl="0">
+              <a:lnSpc>
+                <a:spcPct val="100000"/>
+              </a:lnSpc>
+            </a:pPr>
+            <a:r>
+              <a:rPr lang="en-GB" sz="5400" b="1" kern="0">
+                <a:solidFill>
+                  <a:srgbClr val="006388"/>
+                </a:solidFill>
+                <a:latin typeface="Fira Sans" pitchFamily="34"/>
+                <a:ea typeface="Fira Code" pitchFamily="49"/>
+              </a:rPr>
+              <a:t>Example dataset: cars</a:t>
+            </a:r>
+            <a:endParaRPr lang="en-GB" sz="1800" kern="0"/>
+          </a:p>
+        </p:txBody>
+      </p:sp>
+      <p:pic>
+        <p:nvPicPr>
+          <p:cNvPr id="7" name="Picture 6">
+            <a:extLst>
+              <a:ext uri="{FF2B5EF4-FFF2-40B4-BE49-F238E27FC236}">
+                <a16:creationId xmlns:a16="http://schemas.microsoft.com/office/drawing/2014/main" id="{E4AC1E95-2D67-F170-85C4-434251F7D455}"/>
+              </a:ext>
+            </a:extLst>
+          </p:cNvPr>
+          <p:cNvPicPr>
+            <a:picLocks noChangeAspect="1"/>
+          </p:cNvPicPr>
+          <p:nvPr/>
+        </p:nvPicPr>
+        <p:blipFill>
+          <a:blip r:embed="rId2"/>
+          <a:stretch>
+            <a:fillRect/>
+          </a:stretch>
+        </p:blipFill>
+        <p:spPr>
+          <a:xfrm>
+            <a:off x="912757" y="2070100"/>
+            <a:ext cx="10441046" cy="3657600"/>
+          </a:xfrm>
+          <a:prstGeom prst="rect">
+            <a:avLst/>
+          </a:prstGeom>
+        </p:spPr>
+      </p:pic>
+    </p:spTree>
+  </p:cSld>
+  <p:clrMapOvr>
+    <a:masterClrMapping/>
+  </p:clrMapOvr>
+</p:sld>
+</file>
+
+<file path=ppt/slides/slide18.xml><?xml version="1.0" encoding="utf-8"?>
 <p:sld xmlns:a="http://schemas.openxmlformats.org/drawingml/2006/main" xmlns:r="http://schemas.openxmlformats.org/officeDocument/2006/relationships" xmlns:p="http://schemas.openxmlformats.org/presentationml/2006/main">
   <p:cSld>
     <p:spTree>
@@ -4447,7 +6099,7 @@
 </p:sld>
 </file>
 
-<file path=ppt/slides/slide11.xml><?xml version="1.0" encoding="utf-8"?>
+<file path=ppt/slides/slide19.xml><?xml version="1.0" encoding="utf-8"?>
 <p:sld xmlns:a="http://schemas.openxmlformats.org/drawingml/2006/main" xmlns:r="http://schemas.openxmlformats.org/officeDocument/2006/relationships" xmlns:p="http://schemas.openxmlformats.org/presentationml/2006/main">
   <p:cSld>
     <p:spTree>
@@ -4562,7 +6214,7 @@
 </p:sld>
 </file>
 
-<file path=ppt/slides/slide12.xml><?xml version="1.0" encoding="utf-8"?>
+<file path=ppt/slides/slide2.xml><?xml version="1.0" encoding="utf-8"?>
 <p:sld xmlns:a="http://schemas.openxmlformats.org/drawingml/2006/main" xmlns:r="http://schemas.openxmlformats.org/officeDocument/2006/relationships" xmlns:p="http://schemas.openxmlformats.org/presentationml/2006/main">
   <p:cSld>
     <p:spTree>
@@ -4584,6 +6236,302 @@
           <p:cNvPr id="2" name="Title 1">
             <a:extLst>
               <a:ext uri="{FF2B5EF4-FFF2-40B4-BE49-F238E27FC236}">
+                <a16:creationId xmlns:a16="http://schemas.microsoft.com/office/drawing/2014/main" id="{743FADAD-7D51-496D-A8D5-5E58759DC032}"/>
+              </a:ext>
+            </a:extLst>
+          </p:cNvPr>
+          <p:cNvSpPr txBox="1">
+            <a:spLocks noGrp="1"/>
+          </p:cNvSpPr>
+          <p:nvPr>
+            <p:ph type="title"/>
+          </p:nvPr>
+        </p:nvSpPr>
+        <p:spPr/>
+        <p:txBody>
+          <a:bodyPr/>
+          <a:lstStyle/>
+          <a:p>
+            <a:pPr lvl="0">
+              <a:lnSpc>
+                <a:spcPct val="100000"/>
+              </a:lnSpc>
+            </a:pPr>
+            <a:r>
+              <a:rPr lang="en-GB" sz="5400" b="1" kern="0" dirty="0">
+                <a:solidFill>
+                  <a:srgbClr val="006388"/>
+                </a:solidFill>
+                <a:latin typeface="Fira Sans" pitchFamily="34"/>
+                <a:ea typeface="Fira Code" pitchFamily="49"/>
+              </a:rPr>
+              <a:t>Today’s Goal</a:t>
+            </a:r>
+            <a:endParaRPr lang="en-GB" sz="1800" kern="0" dirty="0"/>
+          </a:p>
+        </p:txBody>
+      </p:sp>
+      <p:sp>
+        <p:nvSpPr>
+          <p:cNvPr id="4" name="Content Placeholder 2">
+            <a:extLst>
+              <a:ext uri="{FF2B5EF4-FFF2-40B4-BE49-F238E27FC236}">
+                <a16:creationId xmlns:a16="http://schemas.microsoft.com/office/drawing/2014/main" id="{6A465D5B-CF66-0783-9C5A-A17CF6A28DA8}"/>
+              </a:ext>
+            </a:extLst>
+          </p:cNvPr>
+          <p:cNvSpPr txBox="1">
+            <a:spLocks noGrp="1"/>
+          </p:cNvSpPr>
+          <p:nvPr>
+            <p:ph idx="1"/>
+          </p:nvPr>
+        </p:nvSpPr>
+        <p:spPr>
+          <a:xfrm>
+            <a:off x="838203" y="1825627"/>
+            <a:ext cx="10515600" cy="4667243"/>
+          </a:xfrm>
+        </p:spPr>
+        <p:txBody>
+          <a:bodyPr>
+            <a:normAutofit lnSpcReduction="10000"/>
+          </a:bodyPr>
+          <a:lstStyle/>
+          <a:p>
+            <a:pPr marL="0" lvl="0" indent="0">
+              <a:lnSpc>
+                <a:spcPct val="100000"/>
+              </a:lnSpc>
+              <a:buNone/>
+            </a:pPr>
+            <a:r>
+              <a:rPr lang="en-GB" dirty="0">
+                <a:solidFill>
+                  <a:srgbClr val="404040"/>
+                </a:solidFill>
+                <a:latin typeface="Fira Sans" pitchFamily="34"/>
+              </a:rPr>
+              <a:t>A brief survey and practical introduction to the</a:t>
+            </a:r>
+          </a:p>
+          <a:p>
+            <a:pPr>
+              <a:lnSpc>
+                <a:spcPct val="100000"/>
+              </a:lnSpc>
+            </a:pPr>
+            <a:r>
+              <a:rPr lang="en-GB" dirty="0">
+                <a:solidFill>
+                  <a:srgbClr val="404040"/>
+                </a:solidFill>
+                <a:latin typeface="Fira Sans" pitchFamily="34"/>
+              </a:rPr>
+              <a:t>Core concepts</a:t>
+            </a:r>
+          </a:p>
+          <a:p>
+            <a:pPr>
+              <a:lnSpc>
+                <a:spcPct val="100000"/>
+              </a:lnSpc>
+            </a:pPr>
+            <a:r>
+              <a:rPr lang="en-GB" dirty="0">
+                <a:solidFill>
+                  <a:srgbClr val="404040"/>
+                </a:solidFill>
+                <a:latin typeface="Fira Sans" pitchFamily="34"/>
+              </a:rPr>
+              <a:t>Key assumptions </a:t>
+            </a:r>
+          </a:p>
+          <a:p>
+            <a:pPr>
+              <a:lnSpc>
+                <a:spcPct val="100000"/>
+              </a:lnSpc>
+            </a:pPr>
+            <a:r>
+              <a:rPr lang="en-GB" dirty="0">
+                <a:solidFill>
+                  <a:srgbClr val="404040"/>
+                </a:solidFill>
+                <a:latin typeface="Fira Sans" pitchFamily="34"/>
+              </a:rPr>
+              <a:t>Different statistical methods </a:t>
+            </a:r>
+          </a:p>
+          <a:p>
+            <a:pPr marL="0" indent="0">
+              <a:lnSpc>
+                <a:spcPct val="100000"/>
+              </a:lnSpc>
+              <a:buNone/>
+            </a:pPr>
+            <a:r>
+              <a:rPr lang="en-GB" dirty="0">
+                <a:solidFill>
+                  <a:srgbClr val="404040"/>
+                </a:solidFill>
+                <a:latin typeface="Fira Sans" pitchFamily="34"/>
+              </a:rPr>
+              <a:t>used to evaluate the </a:t>
+            </a:r>
+            <a:r>
+              <a:rPr lang="en-GB" b="1" dirty="0">
+                <a:solidFill>
+                  <a:srgbClr val="404040"/>
+                </a:solidFill>
+                <a:latin typeface="Fira Sans" pitchFamily="34"/>
+              </a:rPr>
+              <a:t>causal effects </a:t>
+            </a:r>
+            <a:r>
+              <a:rPr lang="en-GB" dirty="0">
+                <a:solidFill>
+                  <a:srgbClr val="404040"/>
+                </a:solidFill>
+                <a:latin typeface="Fira Sans" pitchFamily="34"/>
+              </a:rPr>
+              <a:t>of </a:t>
+            </a:r>
+            <a:r>
+              <a:rPr lang="en-GB" b="1" dirty="0">
+                <a:solidFill>
+                  <a:srgbClr val="404040"/>
+                </a:solidFill>
+                <a:latin typeface="Fira Sans" pitchFamily="34"/>
+              </a:rPr>
+              <a:t>policy interventions</a:t>
+            </a:r>
+          </a:p>
+          <a:p>
+            <a:pPr marL="0" indent="0">
+              <a:lnSpc>
+                <a:spcPct val="100000"/>
+              </a:lnSpc>
+              <a:buNone/>
+            </a:pPr>
+            <a:endParaRPr lang="en-GB" u="sng" dirty="0">
+              <a:solidFill>
+                <a:srgbClr val="404040"/>
+              </a:solidFill>
+              <a:latin typeface="Fira Sans" pitchFamily="34"/>
+            </a:endParaRPr>
+          </a:p>
+          <a:p>
+            <a:pPr marL="0" indent="0">
+              <a:lnSpc>
+                <a:spcPct val="100000"/>
+              </a:lnSpc>
+              <a:buNone/>
+            </a:pPr>
+            <a:r>
+              <a:rPr lang="en-GB" b="1" u="sng" dirty="0">
+                <a:solidFill>
+                  <a:srgbClr val="404040"/>
+                </a:solidFill>
+                <a:latin typeface="Fira Sans" pitchFamily="34"/>
+              </a:rPr>
+              <a:t>Disclaimer</a:t>
+            </a:r>
+            <a:r>
+              <a:rPr lang="en-GB" u="sng" dirty="0">
+                <a:solidFill>
+                  <a:srgbClr val="404040"/>
+                </a:solidFill>
+                <a:latin typeface="Fira Sans" pitchFamily="34"/>
+              </a:rPr>
+              <a:t>:</a:t>
+            </a:r>
+          </a:p>
+          <a:p>
+            <a:pPr marL="0" indent="0">
+              <a:lnSpc>
+                <a:spcPct val="100000"/>
+              </a:lnSpc>
+              <a:buNone/>
+            </a:pPr>
+            <a:r>
+              <a:rPr lang="en-GB" dirty="0">
+                <a:solidFill>
+                  <a:srgbClr val="404040"/>
+                </a:solidFill>
+                <a:latin typeface="Fira Sans" pitchFamily="34"/>
+              </a:rPr>
+              <a:t>We took a “wide” instead of “deep” view</a:t>
+            </a:r>
+          </a:p>
+          <a:p>
+            <a:pPr marL="0" indent="0">
+              <a:lnSpc>
+                <a:spcPct val="100000"/>
+              </a:lnSpc>
+              <a:buNone/>
+            </a:pPr>
+            <a:r>
+              <a:rPr lang="en-GB" dirty="0">
+                <a:solidFill>
+                  <a:srgbClr val="404040"/>
+                </a:solidFill>
+                <a:latin typeface="Fira Sans" pitchFamily="34"/>
+              </a:rPr>
+              <a:t>Many details / extensions / advanced topics omitted!</a:t>
+            </a:r>
+          </a:p>
+          <a:p>
+            <a:pPr marL="0" indent="0">
+              <a:lnSpc>
+                <a:spcPct val="100000"/>
+              </a:lnSpc>
+              <a:buNone/>
+            </a:pPr>
+            <a:endParaRPr lang="en-GB" dirty="0">
+              <a:solidFill>
+                <a:srgbClr val="404040"/>
+              </a:solidFill>
+              <a:latin typeface="Fira Sans" pitchFamily="34"/>
+            </a:endParaRPr>
+          </a:p>
+        </p:txBody>
+      </p:sp>
+    </p:spTree>
+    <p:extLst>
+      <p:ext uri="{BB962C8B-B14F-4D97-AF65-F5344CB8AC3E}">
+        <p14:creationId xmlns:p14="http://schemas.microsoft.com/office/powerpoint/2010/main" val="2995801030"/>
+      </p:ext>
+    </p:extLst>
+  </p:cSld>
+  <p:clrMapOvr>
+    <a:masterClrMapping/>
+  </p:clrMapOvr>
+</p:sld>
+</file>
+
+<file path=ppt/slides/slide20.xml><?xml version="1.0" encoding="utf-8"?>
+<p:sld xmlns:a="http://schemas.openxmlformats.org/drawingml/2006/main" xmlns:r="http://schemas.openxmlformats.org/officeDocument/2006/relationships" xmlns:p="http://schemas.openxmlformats.org/presentationml/2006/main">
+  <p:cSld>
+    <p:spTree>
+      <p:nvGrpSpPr>
+        <p:cNvPr id="1" name=""/>
+        <p:cNvGrpSpPr/>
+        <p:nvPr/>
+      </p:nvGrpSpPr>
+      <p:grpSpPr>
+        <a:xfrm>
+          <a:off x="0" y="0"/>
+          <a:ext cx="0" cy="0"/>
+          <a:chOff x="0" y="0"/>
+          <a:chExt cx="0" cy="0"/>
+        </a:xfrm>
+      </p:grpSpPr>
+      <p:sp>
+        <p:nvSpPr>
+          <p:cNvPr id="2" name="Title 1">
+            <a:extLst>
+              <a:ext uri="{FF2B5EF4-FFF2-40B4-BE49-F238E27FC236}">
                 <a16:creationId xmlns:a16="http://schemas.microsoft.com/office/drawing/2014/main" id="{B05E64BA-2929-4A07-8AD6-785B76E0CA05}"/>
               </a:ext>
             </a:extLst>
@@ -4886,7 +6834,7 @@
 </p:sld>
 </file>
 
-<file path=ppt/slides/slide13.xml><?xml version="1.0" encoding="utf-8"?>
+<file path=ppt/slides/slide21.xml><?xml version="1.0" encoding="utf-8"?>
 <p:sld xmlns:a="http://schemas.openxmlformats.org/drawingml/2006/main" xmlns:r="http://schemas.openxmlformats.org/officeDocument/2006/relationships" xmlns:p="http://schemas.openxmlformats.org/presentationml/2006/main">
   <p:cSld>
     <p:spTree>
@@ -4991,7 +6939,7 @@
 </p:sld>
 </file>
 
-<file path=ppt/slides/slide14.xml><?xml version="1.0" encoding="utf-8"?>
+<file path=ppt/slides/slide22.xml><?xml version="1.0" encoding="utf-8"?>
 <p:sld xmlns:a="http://schemas.openxmlformats.org/drawingml/2006/main" xmlns:r="http://schemas.openxmlformats.org/officeDocument/2006/relationships" xmlns:p="http://schemas.openxmlformats.org/presentationml/2006/main">
   <p:cSld>
     <p:spTree>
@@ -5161,7 +7109,7 @@
 </p:sld>
 </file>
 
-<file path=ppt/slides/slide15.xml><?xml version="1.0" encoding="utf-8"?>
+<file path=ppt/slides/slide23.xml><?xml version="1.0" encoding="utf-8"?>
 <p:sld xmlns:a="http://schemas.openxmlformats.org/drawingml/2006/main" xmlns:r="http://schemas.openxmlformats.org/officeDocument/2006/relationships" xmlns:p="http://schemas.openxmlformats.org/presentationml/2006/main">
   <p:cSld>
     <p:spTree>
@@ -5267,7 +7215,7 @@
 </p:sld>
 </file>
 
-<file path=ppt/slides/slide16.xml><?xml version="1.0" encoding="utf-8"?>
+<file path=ppt/slides/slide24.xml><?xml version="1.0" encoding="utf-8"?>
 <p:sld xmlns:a="http://schemas.openxmlformats.org/drawingml/2006/main" xmlns:r="http://schemas.openxmlformats.org/officeDocument/2006/relationships" xmlns:p="http://schemas.openxmlformats.org/presentationml/2006/main">
   <p:cSld>
     <p:spTree>
@@ -5489,7 +7437,7 @@
 </p:sld>
 </file>
 
-<file path=ppt/slides/slide17.xml><?xml version="1.0" encoding="utf-8"?>
+<file path=ppt/slides/slide25.xml><?xml version="1.0" encoding="utf-8"?>
 <p:sld xmlns:a="http://schemas.openxmlformats.org/drawingml/2006/main" xmlns:r="http://schemas.openxmlformats.org/officeDocument/2006/relationships" xmlns:p="http://schemas.openxmlformats.org/presentationml/2006/main">
   <p:cSld>
     <p:spTree>
@@ -5594,7 +7542,7 @@
 </p:sld>
 </file>
 
-<file path=ppt/slides/slide18.xml><?xml version="1.0" encoding="utf-8"?>
+<file path=ppt/slides/slide26.xml><?xml version="1.0" encoding="utf-8"?>
 <p:sld xmlns:a="http://schemas.openxmlformats.org/drawingml/2006/main" xmlns:r="http://schemas.openxmlformats.org/officeDocument/2006/relationships" xmlns:p="http://schemas.openxmlformats.org/presentationml/2006/main">
   <p:cSld>
     <p:spTree>
@@ -5804,7 +7752,7 @@
 </p:sld>
 </file>
 
-<file path=ppt/slides/slide19.xml><?xml version="1.0" encoding="utf-8"?>
+<file path=ppt/slides/slide27.xml><?xml version="1.0" encoding="utf-8"?>
 <p:sld xmlns:a="http://schemas.openxmlformats.org/drawingml/2006/main" xmlns:r="http://schemas.openxmlformats.org/officeDocument/2006/relationships" xmlns:p="http://schemas.openxmlformats.org/presentationml/2006/main">
   <p:cSld>
     <p:spTree>
@@ -6014,321 +7962,7 @@
 </p:sld>
 </file>
 
-<file path=ppt/slides/slide2.xml><?xml version="1.0" encoding="utf-8"?>
-<p:sld xmlns:a="http://schemas.openxmlformats.org/drawingml/2006/main" xmlns:r="http://schemas.openxmlformats.org/officeDocument/2006/relationships" xmlns:p="http://schemas.openxmlformats.org/presentationml/2006/main">
-  <p:cSld name="Slide45">
-    <p:spTree>
-      <p:nvGrpSpPr>
-        <p:cNvPr id="1" name=""/>
-        <p:cNvGrpSpPr/>
-        <p:nvPr/>
-      </p:nvGrpSpPr>
-      <p:grpSpPr>
-        <a:xfrm>
-          <a:off x="0" y="0"/>
-          <a:ext cx="0" cy="0"/>
-          <a:chOff x="0" y="0"/>
-          <a:chExt cx="0" cy="0"/>
-        </a:xfrm>
-      </p:grpSpPr>
-      <p:sp>
-        <p:nvSpPr>
-          <p:cNvPr id="2" name="Title 1">
-            <a:extLst>
-              <a:ext uri="{FF2B5EF4-FFF2-40B4-BE49-F238E27FC236}">
-                <a16:creationId xmlns:a16="http://schemas.microsoft.com/office/drawing/2014/main" id="{743FADAD-7D51-496D-A8D5-5E58759DC032}"/>
-              </a:ext>
-            </a:extLst>
-          </p:cNvPr>
-          <p:cNvSpPr txBox="1">
-            <a:spLocks noGrp="1"/>
-          </p:cNvSpPr>
-          <p:nvPr>
-            <p:ph type="title"/>
-          </p:nvPr>
-        </p:nvSpPr>
-        <p:spPr/>
-        <p:txBody>
-          <a:bodyPr/>
-          <a:lstStyle/>
-          <a:p>
-            <a:pPr lvl="0">
-              <a:lnSpc>
-                <a:spcPct val="100000"/>
-              </a:lnSpc>
-            </a:pPr>
-            <a:r>
-              <a:rPr lang="en-GB" sz="5400" b="1" kern="0" dirty="0">
-                <a:solidFill>
-                  <a:srgbClr val="006388"/>
-                </a:solidFill>
-                <a:latin typeface="Fira Sans" pitchFamily="34"/>
-                <a:ea typeface="Fira Code" pitchFamily="49"/>
-              </a:rPr>
-              <a:t>About me</a:t>
-            </a:r>
-            <a:endParaRPr lang="en-GB" sz="1800" kern="0" dirty="0"/>
-          </a:p>
-        </p:txBody>
-      </p:sp>
-      <p:sp>
-        <p:nvSpPr>
-          <p:cNvPr id="3" name="Content Placeholder 2">
-            <a:extLst>
-              <a:ext uri="{FF2B5EF4-FFF2-40B4-BE49-F238E27FC236}">
-                <a16:creationId xmlns:a16="http://schemas.microsoft.com/office/drawing/2014/main" id="{88AD4E46-B512-463D-B59E-7A6FB569FBAA}"/>
-              </a:ext>
-            </a:extLst>
-          </p:cNvPr>
-          <p:cNvSpPr txBox="1">
-            <a:spLocks noGrp="1"/>
-          </p:cNvSpPr>
-          <p:nvPr>
-            <p:ph idx="1"/>
-          </p:nvPr>
-        </p:nvSpPr>
-        <p:spPr>
-          <a:xfrm>
-            <a:off x="2705362" y="1698662"/>
-            <a:ext cx="7110173" cy="4667243"/>
-          </a:xfrm>
-        </p:spPr>
-        <p:txBody>
-          <a:bodyPr>
-            <a:normAutofit lnSpcReduction="10000"/>
-          </a:bodyPr>
-          <a:lstStyle/>
-          <a:p>
-            <a:pPr marL="0" lvl="0" indent="0">
-              <a:lnSpc>
-                <a:spcPct val="110000"/>
-              </a:lnSpc>
-              <a:buNone/>
-            </a:pPr>
-            <a:r>
-              <a:rPr lang="en-GB" sz="1700" b="1" dirty="0">
-                <a:solidFill>
-                  <a:srgbClr val="404040"/>
-                </a:solidFill>
-                <a:latin typeface="Fira Sans" pitchFamily="34"/>
-              </a:rPr>
-              <a:t>Erik-Jan van Kesteren</a:t>
-            </a:r>
-          </a:p>
-          <a:p>
-            <a:pPr>
-              <a:lnSpc>
-                <a:spcPct val="110000"/>
-              </a:lnSpc>
-            </a:pPr>
-            <a:r>
-              <a:rPr lang="en-GB" sz="1700" dirty="0">
-                <a:solidFill>
-                  <a:srgbClr val="404040"/>
-                </a:solidFill>
-                <a:latin typeface="Fira Sans" pitchFamily="34"/>
-              </a:rPr>
-              <a:t>Background in statistics / social science</a:t>
-            </a:r>
-          </a:p>
-          <a:p>
-            <a:pPr>
-              <a:lnSpc>
-                <a:spcPct val="110000"/>
-              </a:lnSpc>
-            </a:pPr>
-            <a:r>
-              <a:rPr lang="en-GB" sz="1700" dirty="0">
-                <a:solidFill>
-                  <a:srgbClr val="404040"/>
-                </a:solidFill>
-                <a:latin typeface="Fira Sans" pitchFamily="34"/>
-              </a:rPr>
-              <a:t>Assistant professor @ methodology &amp; statistics UU</a:t>
-            </a:r>
-          </a:p>
-          <a:p>
-            <a:pPr>
-              <a:lnSpc>
-                <a:spcPct val="110000"/>
-              </a:lnSpc>
-            </a:pPr>
-            <a:r>
-              <a:rPr lang="en-GB" sz="1700" dirty="0">
-                <a:solidFill>
-                  <a:srgbClr val="404040"/>
-                </a:solidFill>
-                <a:latin typeface="Fira Sans" pitchFamily="34"/>
-              </a:rPr>
-              <a:t>Social Data Science team lead @ ODISSEI (consortium of universities)</a:t>
-            </a:r>
-          </a:p>
-          <a:p>
-            <a:pPr marL="0" lvl="0" indent="0">
-              <a:lnSpc>
-                <a:spcPct val="110000"/>
-              </a:lnSpc>
-              <a:buNone/>
-            </a:pPr>
-            <a:endParaRPr lang="en-GB" sz="1700" dirty="0">
-              <a:solidFill>
-                <a:srgbClr val="404040"/>
-              </a:solidFill>
-              <a:latin typeface="Fira Sans" pitchFamily="34"/>
-            </a:endParaRPr>
-          </a:p>
-          <a:p>
-            <a:pPr marL="0" lvl="0" indent="0">
-              <a:lnSpc>
-                <a:spcPct val="110000"/>
-              </a:lnSpc>
-              <a:buNone/>
-            </a:pPr>
-            <a:endParaRPr lang="en-GB" sz="1700" dirty="0">
-              <a:solidFill>
-                <a:srgbClr val="404040"/>
-              </a:solidFill>
-              <a:latin typeface="Fira Sans" pitchFamily="34"/>
-            </a:endParaRPr>
-          </a:p>
-          <a:p>
-            <a:pPr marL="0" lvl="0" indent="0">
-              <a:lnSpc>
-                <a:spcPct val="110000"/>
-              </a:lnSpc>
-              <a:buNone/>
-            </a:pPr>
-            <a:endParaRPr lang="en-GB" sz="1700" dirty="0">
-              <a:solidFill>
-                <a:srgbClr val="404040"/>
-              </a:solidFill>
-              <a:latin typeface="Fira Sans" pitchFamily="34"/>
-            </a:endParaRPr>
-          </a:p>
-          <a:p>
-            <a:pPr marL="0" lvl="0" indent="0">
-              <a:lnSpc>
-                <a:spcPct val="110000"/>
-              </a:lnSpc>
-              <a:buNone/>
-            </a:pPr>
-            <a:r>
-              <a:rPr lang="en-GB" sz="1700" dirty="0">
-                <a:solidFill>
-                  <a:srgbClr val="404040"/>
-                </a:solidFill>
-                <a:latin typeface="Fira Sans" pitchFamily="34"/>
-              </a:rPr>
-              <a:t>Some stuff I work on:</a:t>
-            </a:r>
-          </a:p>
-          <a:p>
-            <a:pPr marL="0" lvl="0" indent="0">
-              <a:lnSpc>
-                <a:spcPct val="110000"/>
-              </a:lnSpc>
-              <a:buNone/>
-            </a:pPr>
-            <a:r>
-              <a:rPr lang="en-GB" sz="1700" dirty="0">
-                <a:solidFill>
-                  <a:srgbClr val="404040"/>
-                </a:solidFill>
-                <a:latin typeface="Fira Sans" pitchFamily="34"/>
-              </a:rPr>
-              <a:t>Latent variables, high-dimensional data, optimization, regularization, visualisation, Bayesian statistics, multilevel models, spatial data, generalized linear models, privacy, synthetic data, high-performance computing, software development, open science &amp; reproducibility</a:t>
-            </a:r>
-          </a:p>
-        </p:txBody>
-      </p:sp>
-      <p:pic>
-        <p:nvPicPr>
-          <p:cNvPr id="4" name="Picture 7">
-            <a:extLst>
-              <a:ext uri="{FF2B5EF4-FFF2-40B4-BE49-F238E27FC236}">
-                <a16:creationId xmlns:a16="http://schemas.microsoft.com/office/drawing/2014/main" id="{2C92E365-10AA-45C2-A560-32B44CB8B09B}"/>
-              </a:ext>
-            </a:extLst>
-          </p:cNvPr>
-          <p:cNvPicPr>
-            <a:picLocks noChangeAspect="1"/>
-          </p:cNvPicPr>
-          <p:nvPr/>
-        </p:nvPicPr>
-        <p:blipFill>
-          <a:blip r:embed="rId2">
-            <a:extLst>
-              <a:ext uri="{28A0092B-C50C-407E-A947-70E740481C1C}">
-                <a14:useLocalDpi xmlns:a14="http://schemas.microsoft.com/office/drawing/2010/main" val="0"/>
-              </a:ext>
-            </a:extLst>
-          </a:blip>
-          <a:srcRect/>
-          <a:stretch/>
-        </p:blipFill>
-        <p:spPr>
-          <a:xfrm>
-            <a:off x="901154" y="1791763"/>
-            <a:ext cx="1538267" cy="1536162"/>
-          </a:xfrm>
-          <a:prstGeom prst="rect">
-            <a:avLst/>
-          </a:prstGeom>
-          <a:noFill/>
-          <a:ln cap="flat">
-            <a:noFill/>
-          </a:ln>
-        </p:spPr>
-      </p:pic>
-      <p:pic>
-        <p:nvPicPr>
-          <p:cNvPr id="6" name="Graphic 3">
-            <a:extLst>
-              <a:ext uri="{FF2B5EF4-FFF2-40B4-BE49-F238E27FC236}">
-                <a16:creationId xmlns:a16="http://schemas.microsoft.com/office/drawing/2014/main" id="{2F77BD52-0F24-4FCB-BA39-100F17AA3037}"/>
-              </a:ext>
-            </a:extLst>
-          </p:cNvPr>
-          <p:cNvPicPr>
-            <a:picLocks noChangeAspect="1"/>
-          </p:cNvPicPr>
-          <p:nvPr/>
-        </p:nvPicPr>
-        <p:blipFill>
-          <a:blip r:embed="rId3">
-            <a:extLst>
-              <a:ext uri="{96DAC541-7B7A-43D3-8B79-37D633B846F1}">
-                <asvg:svgBlip xmlns:asvg="http://schemas.microsoft.com/office/drawing/2016/SVG/main" r:embed="rId4"/>
-              </a:ext>
-            </a:extLst>
-          </a:blip>
-          <a:stretch>
-            <a:fillRect/>
-          </a:stretch>
-        </p:blipFill>
-        <p:spPr>
-          <a:xfrm>
-            <a:off x="2591062" y="3429000"/>
-            <a:ext cx="1934815" cy="653320"/>
-          </a:xfrm>
-          <a:prstGeom prst="rect">
-            <a:avLst/>
-          </a:prstGeom>
-          <a:noFill/>
-          <a:ln cap="flat">
-            <a:noFill/>
-          </a:ln>
-        </p:spPr>
-      </p:pic>
-    </p:spTree>
-  </p:cSld>
-  <p:clrMapOvr>
-    <a:masterClrMapping/>
-  </p:clrMapOvr>
-</p:sld>
-</file>
-
-<file path=ppt/slides/slide20.xml><?xml version="1.0" encoding="utf-8"?>
+<file path=ppt/slides/slide28.xml><?xml version="1.0" encoding="utf-8"?>
 <p:sld xmlns:a="http://schemas.openxmlformats.org/drawingml/2006/main" xmlns:r="http://schemas.openxmlformats.org/officeDocument/2006/relationships" xmlns:p="http://schemas.openxmlformats.org/presentationml/2006/main">
   <p:cSld>
     <p:spTree>
@@ -6559,7 +8193,7 @@
 </p:sld>
 </file>
 
-<file path=ppt/slides/slide21.xml><?xml version="1.0" encoding="utf-8"?>
+<file path=ppt/slides/slide29.xml><?xml version="1.0" encoding="utf-8"?>
 <p:sld xmlns:a="http://schemas.openxmlformats.org/drawingml/2006/main" xmlns:r="http://schemas.openxmlformats.org/officeDocument/2006/relationships" xmlns:p="http://schemas.openxmlformats.org/presentationml/2006/main">
   <p:cSld>
     <p:spTree>
@@ -6664,7 +8298,611 @@
 </p:sld>
 </file>
 
-<file path=ppt/slides/slide22.xml><?xml version="1.0" encoding="utf-8"?>
+<file path=ppt/slides/slide3.xml><?xml version="1.0" encoding="utf-8"?>
+<p:sld xmlns:a="http://schemas.openxmlformats.org/drawingml/2006/main" xmlns:r="http://schemas.openxmlformats.org/officeDocument/2006/relationships" xmlns:p="http://schemas.openxmlformats.org/presentationml/2006/main">
+  <p:cSld>
+    <p:spTree>
+      <p:nvGrpSpPr>
+        <p:cNvPr id="1" name=""/>
+        <p:cNvGrpSpPr/>
+        <p:nvPr/>
+      </p:nvGrpSpPr>
+      <p:grpSpPr>
+        <a:xfrm>
+          <a:off x="0" y="0"/>
+          <a:ext cx="0" cy="0"/>
+          <a:chOff x="0" y="0"/>
+          <a:chExt cx="0" cy="0"/>
+        </a:xfrm>
+      </p:grpSpPr>
+      <p:pic>
+        <p:nvPicPr>
+          <p:cNvPr id="6" name="Picture 5" descr="Table&#10;&#10;Description automatically generated">
+            <a:extLst>
+              <a:ext uri="{FF2B5EF4-FFF2-40B4-BE49-F238E27FC236}">
+                <a16:creationId xmlns:a16="http://schemas.microsoft.com/office/drawing/2014/main" id="{B44B798C-FF26-2BC0-6FF8-AAAB064238B5}"/>
+              </a:ext>
+            </a:extLst>
+          </p:cNvPr>
+          <p:cNvPicPr>
+            <a:picLocks noChangeAspect="1"/>
+          </p:cNvPicPr>
+          <p:nvPr/>
+        </p:nvPicPr>
+        <p:blipFill>
+          <a:blip r:embed="rId2">
+            <a:extLst>
+              <a:ext uri="{28A0092B-C50C-407E-A947-70E740481C1C}">
+                <a14:useLocalDpi xmlns:a14="http://schemas.microsoft.com/office/drawing/2010/main" val="0"/>
+              </a:ext>
+            </a:extLst>
+          </a:blip>
+          <a:stretch>
+            <a:fillRect/>
+          </a:stretch>
+        </p:blipFill>
+        <p:spPr>
+          <a:xfrm>
+            <a:off x="714374" y="384079"/>
+            <a:ext cx="10258425" cy="5669010"/>
+          </a:xfrm>
+          <a:prstGeom prst="rect">
+            <a:avLst/>
+          </a:prstGeom>
+        </p:spPr>
+      </p:pic>
+      <p:sp>
+        <p:nvSpPr>
+          <p:cNvPr id="2" name="Rectangle 1">
+            <a:extLst>
+              <a:ext uri="{FF2B5EF4-FFF2-40B4-BE49-F238E27FC236}">
+                <a16:creationId xmlns:a16="http://schemas.microsoft.com/office/drawing/2014/main" id="{DFF3D023-392B-5464-649A-01558560FD02}"/>
+              </a:ext>
+            </a:extLst>
+          </p:cNvPr>
+          <p:cNvSpPr/>
+          <p:nvPr/>
+        </p:nvSpPr>
+        <p:spPr>
+          <a:xfrm>
+            <a:off x="2878819" y="1693547"/>
+            <a:ext cx="2679826" cy="1457608"/>
+          </a:xfrm>
+          <a:prstGeom prst="rect">
+            <a:avLst/>
+          </a:prstGeom>
+          <a:solidFill>
+            <a:schemeClr val="accent6">
+              <a:alpha val="28000"/>
+            </a:schemeClr>
+          </a:solidFill>
+          <a:ln>
+            <a:noFill/>
+          </a:ln>
+        </p:spPr>
+        <p:style>
+          <a:lnRef idx="2">
+            <a:schemeClr val="accent2">
+              <a:shade val="50000"/>
+            </a:schemeClr>
+          </a:lnRef>
+          <a:fillRef idx="1">
+            <a:schemeClr val="accent2"/>
+          </a:fillRef>
+          <a:effectRef idx="0">
+            <a:schemeClr val="accent2"/>
+          </a:effectRef>
+          <a:fontRef idx="minor">
+            <a:schemeClr val="lt1"/>
+          </a:fontRef>
+        </p:style>
+        <p:txBody>
+          <a:bodyPr rtlCol="0" anchor="ctr"/>
+          <a:lstStyle/>
+          <a:p>
+            <a:pPr algn="ctr"/>
+            <a:endParaRPr lang="nl-NL"/>
+          </a:p>
+        </p:txBody>
+      </p:sp>
+      <p:sp>
+        <p:nvSpPr>
+          <p:cNvPr id="3" name="Rectangle 2">
+            <a:extLst>
+              <a:ext uri="{FF2B5EF4-FFF2-40B4-BE49-F238E27FC236}">
+                <a16:creationId xmlns:a16="http://schemas.microsoft.com/office/drawing/2014/main" id="{DE78FD93-9BD5-9797-0EF7-35716914103D}"/>
+              </a:ext>
+            </a:extLst>
+          </p:cNvPr>
+          <p:cNvSpPr/>
+          <p:nvPr/>
+        </p:nvSpPr>
+        <p:spPr>
+          <a:xfrm>
+            <a:off x="5585896" y="1693547"/>
+            <a:ext cx="2679826" cy="1457608"/>
+          </a:xfrm>
+          <a:prstGeom prst="rect">
+            <a:avLst/>
+          </a:prstGeom>
+          <a:solidFill>
+            <a:schemeClr val="accent6">
+              <a:alpha val="28000"/>
+            </a:schemeClr>
+          </a:solidFill>
+          <a:ln>
+            <a:noFill/>
+          </a:ln>
+        </p:spPr>
+        <p:style>
+          <a:lnRef idx="2">
+            <a:schemeClr val="accent2">
+              <a:shade val="50000"/>
+            </a:schemeClr>
+          </a:lnRef>
+          <a:fillRef idx="1">
+            <a:schemeClr val="accent2"/>
+          </a:fillRef>
+          <a:effectRef idx="0">
+            <a:schemeClr val="accent2"/>
+          </a:effectRef>
+          <a:fontRef idx="minor">
+            <a:schemeClr val="lt1"/>
+          </a:fontRef>
+        </p:style>
+        <p:txBody>
+          <a:bodyPr rtlCol="0" anchor="ctr"/>
+          <a:lstStyle/>
+          <a:p>
+            <a:pPr algn="ctr"/>
+            <a:endParaRPr lang="nl-NL"/>
+          </a:p>
+        </p:txBody>
+      </p:sp>
+      <p:sp>
+        <p:nvSpPr>
+          <p:cNvPr id="4" name="Rectangle 3">
+            <a:extLst>
+              <a:ext uri="{FF2B5EF4-FFF2-40B4-BE49-F238E27FC236}">
+                <a16:creationId xmlns:a16="http://schemas.microsoft.com/office/drawing/2014/main" id="{A8775D71-D559-05A8-C2C3-CF1D60883369}"/>
+              </a:ext>
+            </a:extLst>
+          </p:cNvPr>
+          <p:cNvSpPr/>
+          <p:nvPr/>
+        </p:nvSpPr>
+        <p:spPr>
+          <a:xfrm>
+            <a:off x="2896834" y="3144514"/>
+            <a:ext cx="2679826" cy="1457608"/>
+          </a:xfrm>
+          <a:prstGeom prst="rect">
+            <a:avLst/>
+          </a:prstGeom>
+          <a:solidFill>
+            <a:schemeClr val="accent6">
+              <a:alpha val="28000"/>
+            </a:schemeClr>
+          </a:solidFill>
+          <a:ln>
+            <a:noFill/>
+          </a:ln>
+        </p:spPr>
+        <p:style>
+          <a:lnRef idx="2">
+            <a:schemeClr val="accent2">
+              <a:shade val="50000"/>
+            </a:schemeClr>
+          </a:lnRef>
+          <a:fillRef idx="1">
+            <a:schemeClr val="accent2"/>
+          </a:fillRef>
+          <a:effectRef idx="0">
+            <a:schemeClr val="accent2"/>
+          </a:effectRef>
+          <a:fontRef idx="minor">
+            <a:schemeClr val="lt1"/>
+          </a:fontRef>
+        </p:style>
+        <p:txBody>
+          <a:bodyPr rtlCol="0" anchor="ctr"/>
+          <a:lstStyle/>
+          <a:p>
+            <a:pPr algn="ctr"/>
+            <a:endParaRPr lang="nl-NL"/>
+          </a:p>
+        </p:txBody>
+      </p:sp>
+      <p:sp>
+        <p:nvSpPr>
+          <p:cNvPr id="5" name="Rectangle 4">
+            <a:extLst>
+              <a:ext uri="{FF2B5EF4-FFF2-40B4-BE49-F238E27FC236}">
+                <a16:creationId xmlns:a16="http://schemas.microsoft.com/office/drawing/2014/main" id="{57EE7881-3E47-AFDC-26FC-567A5BCF17F4}"/>
+              </a:ext>
+            </a:extLst>
+          </p:cNvPr>
+          <p:cNvSpPr/>
+          <p:nvPr/>
+        </p:nvSpPr>
+        <p:spPr>
+          <a:xfrm>
+            <a:off x="2878819" y="4592161"/>
+            <a:ext cx="2679826" cy="1457608"/>
+          </a:xfrm>
+          <a:prstGeom prst="rect">
+            <a:avLst/>
+          </a:prstGeom>
+          <a:solidFill>
+            <a:schemeClr val="accent6">
+              <a:alpha val="28000"/>
+            </a:schemeClr>
+          </a:solidFill>
+          <a:ln w="41275">
+            <a:noFill/>
+          </a:ln>
+        </p:spPr>
+        <p:style>
+          <a:lnRef idx="2">
+            <a:schemeClr val="accent2">
+              <a:shade val="50000"/>
+            </a:schemeClr>
+          </a:lnRef>
+          <a:fillRef idx="1">
+            <a:schemeClr val="accent2"/>
+          </a:fillRef>
+          <a:effectRef idx="0">
+            <a:schemeClr val="accent2"/>
+          </a:effectRef>
+          <a:fontRef idx="minor">
+            <a:schemeClr val="lt1"/>
+          </a:fontRef>
+        </p:style>
+        <p:txBody>
+          <a:bodyPr rtlCol="0" anchor="ctr"/>
+          <a:lstStyle/>
+          <a:p>
+            <a:pPr algn="ctr"/>
+            <a:endParaRPr lang="nl-NL"/>
+          </a:p>
+        </p:txBody>
+      </p:sp>
+      <p:sp>
+        <p:nvSpPr>
+          <p:cNvPr id="7" name="Rectangle 6">
+            <a:extLst>
+              <a:ext uri="{FF2B5EF4-FFF2-40B4-BE49-F238E27FC236}">
+                <a16:creationId xmlns:a16="http://schemas.microsoft.com/office/drawing/2014/main" id="{A6AFA13B-37E8-C9E8-9C4D-0937B5956CBC}"/>
+              </a:ext>
+            </a:extLst>
+          </p:cNvPr>
+          <p:cNvSpPr/>
+          <p:nvPr/>
+        </p:nvSpPr>
+        <p:spPr>
+          <a:xfrm>
+            <a:off x="5567881" y="3144514"/>
+            <a:ext cx="2679826" cy="1457608"/>
+          </a:xfrm>
+          <a:prstGeom prst="rect">
+            <a:avLst/>
+          </a:prstGeom>
+          <a:solidFill>
+            <a:schemeClr val="accent6">
+              <a:alpha val="28000"/>
+            </a:schemeClr>
+          </a:solidFill>
+          <a:ln>
+            <a:noFill/>
+          </a:ln>
+        </p:spPr>
+        <p:style>
+          <a:lnRef idx="2">
+            <a:schemeClr val="accent2">
+              <a:shade val="50000"/>
+            </a:schemeClr>
+          </a:lnRef>
+          <a:fillRef idx="1">
+            <a:schemeClr val="accent2"/>
+          </a:fillRef>
+          <a:effectRef idx="0">
+            <a:schemeClr val="accent2"/>
+          </a:effectRef>
+          <a:fontRef idx="minor">
+            <a:schemeClr val="lt1"/>
+          </a:fontRef>
+        </p:style>
+        <p:txBody>
+          <a:bodyPr rtlCol="0" anchor="ctr"/>
+          <a:lstStyle/>
+          <a:p>
+            <a:pPr algn="ctr"/>
+            <a:endParaRPr lang="nl-NL"/>
+          </a:p>
+        </p:txBody>
+      </p:sp>
+      <p:sp>
+        <p:nvSpPr>
+          <p:cNvPr id="8" name="Rectangle 7">
+            <a:extLst>
+              <a:ext uri="{FF2B5EF4-FFF2-40B4-BE49-F238E27FC236}">
+                <a16:creationId xmlns:a16="http://schemas.microsoft.com/office/drawing/2014/main" id="{A5042073-7FBB-4441-2B0F-B0711D79E379}"/>
+              </a:ext>
+            </a:extLst>
+          </p:cNvPr>
+          <p:cNvSpPr/>
+          <p:nvPr/>
+        </p:nvSpPr>
+        <p:spPr>
+          <a:xfrm>
+            <a:off x="8265722" y="3144514"/>
+            <a:ext cx="2679826" cy="1457608"/>
+          </a:xfrm>
+          <a:prstGeom prst="rect">
+            <a:avLst/>
+          </a:prstGeom>
+          <a:solidFill>
+            <a:schemeClr val="accent6">
+              <a:alpha val="28000"/>
+            </a:schemeClr>
+          </a:solidFill>
+          <a:ln>
+            <a:noFill/>
+          </a:ln>
+        </p:spPr>
+        <p:style>
+          <a:lnRef idx="2">
+            <a:schemeClr val="accent2">
+              <a:shade val="50000"/>
+            </a:schemeClr>
+          </a:lnRef>
+          <a:fillRef idx="1">
+            <a:schemeClr val="accent2"/>
+          </a:fillRef>
+          <a:effectRef idx="0">
+            <a:schemeClr val="accent2"/>
+          </a:effectRef>
+          <a:fontRef idx="minor">
+            <a:schemeClr val="lt1"/>
+          </a:fontRef>
+        </p:style>
+        <p:txBody>
+          <a:bodyPr rtlCol="0" anchor="ctr"/>
+          <a:lstStyle/>
+          <a:p>
+            <a:pPr algn="ctr"/>
+            <a:endParaRPr lang="nl-NL"/>
+          </a:p>
+        </p:txBody>
+      </p:sp>
+      <p:sp>
+        <p:nvSpPr>
+          <p:cNvPr id="9" name="Rectangle 8">
+            <a:extLst>
+              <a:ext uri="{FF2B5EF4-FFF2-40B4-BE49-F238E27FC236}">
+                <a16:creationId xmlns:a16="http://schemas.microsoft.com/office/drawing/2014/main" id="{6B97D276-2D84-CCFC-C13B-2CED8EC8382F}"/>
+              </a:ext>
+            </a:extLst>
+          </p:cNvPr>
+          <p:cNvSpPr/>
+          <p:nvPr/>
+        </p:nvSpPr>
+        <p:spPr>
+          <a:xfrm>
+            <a:off x="8274501" y="1678355"/>
+            <a:ext cx="2679826" cy="1457608"/>
+          </a:xfrm>
+          <a:prstGeom prst="rect">
+            <a:avLst/>
+          </a:prstGeom>
+          <a:solidFill>
+            <a:schemeClr val="tx1">
+              <a:lumMod val="75000"/>
+              <a:lumOff val="25000"/>
+              <a:alpha val="28000"/>
+            </a:schemeClr>
+          </a:solidFill>
+          <a:ln>
+            <a:noFill/>
+          </a:ln>
+        </p:spPr>
+        <p:style>
+          <a:lnRef idx="2">
+            <a:schemeClr val="accent2">
+              <a:shade val="50000"/>
+            </a:schemeClr>
+          </a:lnRef>
+          <a:fillRef idx="1">
+            <a:schemeClr val="accent2"/>
+          </a:fillRef>
+          <a:effectRef idx="0">
+            <a:schemeClr val="accent2"/>
+          </a:effectRef>
+          <a:fontRef idx="minor">
+            <a:schemeClr val="lt1"/>
+          </a:fontRef>
+        </p:style>
+        <p:txBody>
+          <a:bodyPr rtlCol="0" anchor="ctr"/>
+          <a:lstStyle/>
+          <a:p>
+            <a:pPr algn="ctr"/>
+            <a:endParaRPr lang="nl-NL"/>
+          </a:p>
+        </p:txBody>
+      </p:sp>
+      <p:sp>
+        <p:nvSpPr>
+          <p:cNvPr id="12" name="Rectangle 11">
+            <a:extLst>
+              <a:ext uri="{FF2B5EF4-FFF2-40B4-BE49-F238E27FC236}">
+                <a16:creationId xmlns:a16="http://schemas.microsoft.com/office/drawing/2014/main" id="{1D4EF94B-3B38-DE3F-2881-0DE2CCDE2069}"/>
+              </a:ext>
+            </a:extLst>
+          </p:cNvPr>
+          <p:cNvSpPr/>
+          <p:nvPr/>
+        </p:nvSpPr>
+        <p:spPr>
+          <a:xfrm>
+            <a:off x="5567881" y="4577694"/>
+            <a:ext cx="5386446" cy="1457608"/>
+          </a:xfrm>
+          <a:prstGeom prst="rect">
+            <a:avLst/>
+          </a:prstGeom>
+          <a:noFill/>
+          <a:ln w="47625">
+            <a:noFill/>
+          </a:ln>
+        </p:spPr>
+        <p:style>
+          <a:lnRef idx="2">
+            <a:schemeClr val="accent1">
+              <a:shade val="50000"/>
+            </a:schemeClr>
+          </a:lnRef>
+          <a:fillRef idx="1">
+            <a:schemeClr val="accent1"/>
+          </a:fillRef>
+          <a:effectRef idx="0">
+            <a:schemeClr val="accent1"/>
+          </a:effectRef>
+          <a:fontRef idx="minor">
+            <a:schemeClr val="lt1"/>
+          </a:fontRef>
+        </p:style>
+        <p:txBody>
+          <a:bodyPr rtlCol="0" anchor="ctr"/>
+          <a:lstStyle/>
+          <a:p>
+            <a:pPr algn="ctr"/>
+            <a:endParaRPr lang="nl-NL"/>
+          </a:p>
+        </p:txBody>
+      </p:sp>
+      <p:sp>
+        <p:nvSpPr>
+          <p:cNvPr id="10" name="Rectangle 9">
+            <a:extLst>
+              <a:ext uri="{FF2B5EF4-FFF2-40B4-BE49-F238E27FC236}">
+                <a16:creationId xmlns:a16="http://schemas.microsoft.com/office/drawing/2014/main" id="{77BCC872-6AC7-5799-34D6-DFDC8A7620A7}"/>
+              </a:ext>
+            </a:extLst>
+          </p:cNvPr>
+          <p:cNvSpPr/>
+          <p:nvPr/>
+        </p:nvSpPr>
+        <p:spPr>
+          <a:xfrm>
+            <a:off x="5576660" y="4592161"/>
+            <a:ext cx="2679826" cy="1457608"/>
+          </a:xfrm>
+          <a:prstGeom prst="rect">
+            <a:avLst/>
+          </a:prstGeom>
+          <a:solidFill>
+            <a:schemeClr val="accent6">
+              <a:alpha val="28000"/>
+            </a:schemeClr>
+          </a:solidFill>
+          <a:ln>
+            <a:noFill/>
+          </a:ln>
+        </p:spPr>
+        <p:style>
+          <a:lnRef idx="2">
+            <a:schemeClr val="accent2">
+              <a:shade val="50000"/>
+            </a:schemeClr>
+          </a:lnRef>
+          <a:fillRef idx="1">
+            <a:schemeClr val="accent2"/>
+          </a:fillRef>
+          <a:effectRef idx="0">
+            <a:schemeClr val="accent2"/>
+          </a:effectRef>
+          <a:fontRef idx="minor">
+            <a:schemeClr val="lt1"/>
+          </a:fontRef>
+        </p:style>
+        <p:txBody>
+          <a:bodyPr rtlCol="0" anchor="ctr"/>
+          <a:lstStyle/>
+          <a:p>
+            <a:pPr algn="ctr"/>
+            <a:endParaRPr lang="nl-NL"/>
+          </a:p>
+        </p:txBody>
+      </p:sp>
+      <p:sp>
+        <p:nvSpPr>
+          <p:cNvPr id="11" name="Rectangle 10">
+            <a:extLst>
+              <a:ext uri="{FF2B5EF4-FFF2-40B4-BE49-F238E27FC236}">
+                <a16:creationId xmlns:a16="http://schemas.microsoft.com/office/drawing/2014/main" id="{02BBF4B3-3E0A-08AC-A9BF-87C96374C257}"/>
+              </a:ext>
+            </a:extLst>
+          </p:cNvPr>
+          <p:cNvSpPr/>
+          <p:nvPr/>
+        </p:nvSpPr>
+        <p:spPr>
+          <a:xfrm>
+            <a:off x="8266491" y="4579363"/>
+            <a:ext cx="2679826" cy="1457608"/>
+          </a:xfrm>
+          <a:prstGeom prst="rect">
+            <a:avLst/>
+          </a:prstGeom>
+          <a:solidFill>
+            <a:schemeClr val="accent6">
+              <a:alpha val="28000"/>
+            </a:schemeClr>
+          </a:solidFill>
+          <a:ln>
+            <a:noFill/>
+          </a:ln>
+        </p:spPr>
+        <p:style>
+          <a:lnRef idx="2">
+            <a:schemeClr val="accent2">
+              <a:shade val="50000"/>
+            </a:schemeClr>
+          </a:lnRef>
+          <a:fillRef idx="1">
+            <a:schemeClr val="accent2"/>
+          </a:fillRef>
+          <a:effectRef idx="0">
+            <a:schemeClr val="accent2"/>
+          </a:effectRef>
+          <a:fontRef idx="minor">
+            <a:schemeClr val="lt1"/>
+          </a:fontRef>
+        </p:style>
+        <p:txBody>
+          <a:bodyPr rtlCol="0" anchor="ctr"/>
+          <a:lstStyle/>
+          <a:p>
+            <a:pPr algn="ctr"/>
+            <a:endParaRPr lang="nl-NL"/>
+          </a:p>
+        </p:txBody>
+      </p:sp>
+    </p:spTree>
+    <p:extLst>
+      <p:ext uri="{BB962C8B-B14F-4D97-AF65-F5344CB8AC3E}">
+        <p14:creationId xmlns:p14="http://schemas.microsoft.com/office/powerpoint/2010/main" val="3520168292"/>
+      </p:ext>
+    </p:extLst>
+  </p:cSld>
+  <p:clrMapOvr>
+    <a:masterClrMapping/>
+  </p:clrMapOvr>
+</p:sld>
+</file>
+
+<file path=ppt/slides/slide30.xml><?xml version="1.0" encoding="utf-8"?>
 <p:sld xmlns:a="http://schemas.openxmlformats.org/drawingml/2006/main" xmlns:r="http://schemas.openxmlformats.org/officeDocument/2006/relationships" xmlns:p="http://schemas.openxmlformats.org/presentationml/2006/main">
   <p:cSld>
     <p:spTree>
@@ -6844,7 +9082,7 @@
 </p:sld>
 </file>
 
-<file path=ppt/slides/slide23.xml><?xml version="1.0" encoding="utf-8"?>
+<file path=ppt/slides/slide31.xml><?xml version="1.0" encoding="utf-8"?>
 <p:sld xmlns:a="http://schemas.openxmlformats.org/drawingml/2006/main" xmlns:r="http://schemas.openxmlformats.org/officeDocument/2006/relationships" xmlns:p="http://schemas.openxmlformats.org/presentationml/2006/main">
   <p:cSld>
     <p:spTree>
@@ -6959,7 +9197,7 @@
 </p:sld>
 </file>
 
-<file path=ppt/slides/slide24.xml><?xml version="1.0" encoding="utf-8"?>
+<file path=ppt/slides/slide32.xml><?xml version="1.0" encoding="utf-8"?>
 <p:sld xmlns:a="http://schemas.openxmlformats.org/drawingml/2006/main" xmlns:r="http://schemas.openxmlformats.org/officeDocument/2006/relationships" xmlns:p="http://schemas.openxmlformats.org/presentationml/2006/main">
   <p:cSld>
     <p:spTree>
@@ -7160,7 +9398,7 @@
 </p:sld>
 </file>
 
-<file path=ppt/slides/slide25.xml><?xml version="1.0" encoding="utf-8"?>
+<file path=ppt/slides/slide33.xml><?xml version="1.0" encoding="utf-8"?>
 <p:sld xmlns:a="http://schemas.openxmlformats.org/drawingml/2006/main" xmlns:r="http://schemas.openxmlformats.org/officeDocument/2006/relationships" xmlns:p="http://schemas.openxmlformats.org/presentationml/2006/main">
   <p:cSld>
     <p:spTree>
@@ -7327,7 +9565,7 @@
 </p:sld>
 </file>
 
-<file path=ppt/slides/slide26.xml><?xml version="1.0" encoding="utf-8"?>
+<file path=ppt/slides/slide34.xml><?xml version="1.0" encoding="utf-8"?>
 <p:sld xmlns:a="http://schemas.openxmlformats.org/drawingml/2006/main" xmlns:r="http://schemas.openxmlformats.org/officeDocument/2006/relationships" xmlns:p="http://schemas.openxmlformats.org/presentationml/2006/main">
   <p:cSld>
     <p:spTree>
@@ -7494,7 +9732,7 @@
 </p:sld>
 </file>
 
-<file path=ppt/slides/slide27.xml><?xml version="1.0" encoding="utf-8"?>
+<file path=ppt/slides/slide35.xml><?xml version="1.0" encoding="utf-8"?>
 <p:sld xmlns:a="http://schemas.openxmlformats.org/drawingml/2006/main" xmlns:r="http://schemas.openxmlformats.org/officeDocument/2006/relationships" xmlns:p="http://schemas.openxmlformats.org/presentationml/2006/main">
   <p:cSld>
     <p:spTree>
@@ -7653,7 +9891,7 @@
 </p:sld>
 </file>
 
-<file path=ppt/slides/slide28.xml><?xml version="1.0" encoding="utf-8"?>
+<file path=ppt/slides/slide36.xml><?xml version="1.0" encoding="utf-8"?>
 <p:sld xmlns:a="http://schemas.openxmlformats.org/drawingml/2006/main" xmlns:r="http://schemas.openxmlformats.org/officeDocument/2006/relationships" xmlns:p="http://schemas.openxmlformats.org/presentationml/2006/main">
   <p:cSld>
     <p:spTree>
@@ -7768,7 +10006,7 @@
 </p:sld>
 </file>
 
-<file path=ppt/slides/slide29.xml><?xml version="1.0" encoding="utf-8"?>
+<file path=ppt/slides/slide37.xml><?xml version="1.0" encoding="utf-8"?>
 <p:sld xmlns:a="http://schemas.openxmlformats.org/drawingml/2006/main" xmlns:r="http://schemas.openxmlformats.org/officeDocument/2006/relationships" xmlns:p="http://schemas.openxmlformats.org/presentationml/2006/main">
   <p:cSld name="Slide70">
     <p:spTree>
@@ -7992,104 +10230,7 @@
 </p:sld>
 </file>
 
-<file path=ppt/slides/slide3.xml><?xml version="1.0" encoding="utf-8"?>
-<p:sld xmlns:a="http://schemas.openxmlformats.org/drawingml/2006/main" xmlns:r="http://schemas.openxmlformats.org/officeDocument/2006/relationships" xmlns:p="http://schemas.openxmlformats.org/presentationml/2006/main">
-  <p:cSld>
-    <p:bg>
-      <p:bgPr>
-        <a:solidFill>
-          <a:srgbClr val="006388"/>
-        </a:solidFill>
-        <a:effectLst/>
-      </p:bgPr>
-    </p:bg>
-    <p:spTree>
-      <p:nvGrpSpPr>
-        <p:cNvPr id="1" name=""/>
-        <p:cNvGrpSpPr/>
-        <p:nvPr/>
-      </p:nvGrpSpPr>
-      <p:grpSpPr>
-        <a:xfrm>
-          <a:off x="0" y="0"/>
-          <a:ext cx="0" cy="0"/>
-          <a:chOff x="0" y="0"/>
-          <a:chExt cx="0" cy="0"/>
-        </a:xfrm>
-      </p:grpSpPr>
-      <p:sp>
-        <p:nvSpPr>
-          <p:cNvPr id="2" name="Title 1">
-            <a:extLst>
-              <a:ext uri="{FF2B5EF4-FFF2-40B4-BE49-F238E27FC236}">
-                <a16:creationId xmlns:a16="http://schemas.microsoft.com/office/drawing/2014/main" id="{13DAED48-2CC3-4039-BBFB-37F4AF6B7BC2}"/>
-              </a:ext>
-            </a:extLst>
-          </p:cNvPr>
-          <p:cNvSpPr txBox="1">
-            <a:spLocks noGrp="1"/>
-          </p:cNvSpPr>
-          <p:nvPr>
-            <p:ph type="title"/>
-          </p:nvPr>
-        </p:nvSpPr>
-        <p:spPr>
-          <a:xfrm>
-            <a:off x="838203" y="2766215"/>
-            <a:ext cx="10515600" cy="1325559"/>
-          </a:xfrm>
-        </p:spPr>
-        <p:txBody>
-          <a:bodyPr anchorCtr="1"/>
-          <a:lstStyle/>
-          <a:p>
-            <a:pPr lvl="0" algn="ctr">
-              <a:lnSpc>
-                <a:spcPct val="100000"/>
-              </a:lnSpc>
-            </a:pPr>
-            <a:r>
-              <a:rPr lang="en-GB" sz="5400" b="1" kern="0" dirty="0">
-                <a:solidFill>
-                  <a:srgbClr val="FFFFFF"/>
-                </a:solidFill>
-                <a:latin typeface="Fira Sans" pitchFamily="34"/>
-                <a:ea typeface="Fira Code" pitchFamily="49"/>
-              </a:rPr>
-              <a:t>vankesteren.github.io/</a:t>
-            </a:r>
-            <a:r>
-              <a:rPr lang="en-GB" sz="5400" b="1" kern="0" dirty="0" err="1">
-                <a:solidFill>
-                  <a:srgbClr val="FFFFFF"/>
-                </a:solidFill>
-                <a:latin typeface="Fira Sans" pitchFamily="34"/>
-                <a:ea typeface="Fira Code" pitchFamily="49"/>
-              </a:rPr>
-              <a:t>rijk_dav</a:t>
-            </a:r>
-            <a:endParaRPr lang="en-GB" sz="1800" kern="0" dirty="0">
-              <a:solidFill>
-                <a:srgbClr val="FFFFFF"/>
-              </a:solidFill>
-            </a:endParaRPr>
-          </a:p>
-        </p:txBody>
-      </p:sp>
-    </p:spTree>
-    <p:extLst>
-      <p:ext uri="{BB962C8B-B14F-4D97-AF65-F5344CB8AC3E}">
-        <p14:creationId xmlns:p14="http://schemas.microsoft.com/office/powerpoint/2010/main" val="4084388062"/>
-      </p:ext>
-    </p:extLst>
-  </p:cSld>
-  <p:clrMapOvr>
-    <a:masterClrMapping/>
-  </p:clrMapOvr>
-</p:sld>
-</file>
-
-<file path=ppt/slides/slide30.xml><?xml version="1.0" encoding="utf-8"?>
+<file path=ppt/slides/slide38.xml><?xml version="1.0" encoding="utf-8"?>
 <p:sld xmlns:a="http://schemas.openxmlformats.org/drawingml/2006/main" xmlns:r="http://schemas.openxmlformats.org/officeDocument/2006/relationships" xmlns:p="http://schemas.openxmlformats.org/presentationml/2006/main">
   <p:cSld name="Slide52">
     <p:bg>
@@ -8171,7 +10312,7 @@
 </p:sld>
 </file>
 
-<file path=ppt/slides/slide31.xml><?xml version="1.0" encoding="utf-8"?>
+<file path=ppt/slides/slide39.xml><?xml version="1.0" encoding="utf-8"?>
 <p:sld xmlns:a="http://schemas.openxmlformats.org/drawingml/2006/main" xmlns:r="http://schemas.openxmlformats.org/officeDocument/2006/relationships" xmlns:p="http://schemas.openxmlformats.org/presentationml/2006/main" show="0">
   <p:cSld name="Slide58">
     <p:spTree>
@@ -8419,7 +10560,297 @@
 </p:sld>
 </file>
 
-<file path=ppt/slides/slide32.xml><?xml version="1.0" encoding="utf-8"?>
+<file path=ppt/slides/slide4.xml><?xml version="1.0" encoding="utf-8"?>
+<p:sld xmlns:a="http://schemas.openxmlformats.org/drawingml/2006/main" xmlns:r="http://schemas.openxmlformats.org/officeDocument/2006/relationships" xmlns:p="http://schemas.openxmlformats.org/presentationml/2006/main">
+  <p:cSld>
+    <p:spTree>
+      <p:nvGrpSpPr>
+        <p:cNvPr id="1" name=""/>
+        <p:cNvGrpSpPr/>
+        <p:nvPr/>
+      </p:nvGrpSpPr>
+      <p:grpSpPr>
+        <a:xfrm>
+          <a:off x="0" y="0"/>
+          <a:ext cx="0" cy="0"/>
+          <a:chOff x="0" y="0"/>
+          <a:chExt cx="0" cy="0"/>
+        </a:xfrm>
+      </p:grpSpPr>
+      <p:sp>
+        <p:nvSpPr>
+          <p:cNvPr id="2" name="Title 1">
+            <a:extLst>
+              <a:ext uri="{FF2B5EF4-FFF2-40B4-BE49-F238E27FC236}">
+                <a16:creationId xmlns:a16="http://schemas.microsoft.com/office/drawing/2014/main" id="{743FADAD-7D51-496D-A8D5-5E58759DC032}"/>
+              </a:ext>
+            </a:extLst>
+          </p:cNvPr>
+          <p:cNvSpPr txBox="1">
+            <a:spLocks noGrp="1"/>
+          </p:cNvSpPr>
+          <p:nvPr>
+            <p:ph type="title"/>
+          </p:nvPr>
+        </p:nvSpPr>
+        <p:spPr/>
+        <p:txBody>
+          <a:bodyPr/>
+          <a:lstStyle/>
+          <a:p>
+            <a:pPr lvl="0">
+              <a:lnSpc>
+                <a:spcPct val="100000"/>
+              </a:lnSpc>
+            </a:pPr>
+            <a:r>
+              <a:rPr lang="en-GB" sz="5400" b="1" kern="0" dirty="0">
+                <a:solidFill>
+                  <a:srgbClr val="006388"/>
+                </a:solidFill>
+                <a:latin typeface="Fira Sans" pitchFamily="34"/>
+                <a:ea typeface="Fira Code" pitchFamily="49"/>
+              </a:rPr>
+              <a:t>Connections to other methods</a:t>
+            </a:r>
+            <a:endParaRPr lang="en-GB" sz="1800" kern="0" dirty="0"/>
+          </a:p>
+        </p:txBody>
+      </p:sp>
+      <p:sp>
+        <p:nvSpPr>
+          <p:cNvPr id="4" name="Content Placeholder 2">
+            <a:extLst>
+              <a:ext uri="{FF2B5EF4-FFF2-40B4-BE49-F238E27FC236}">
+                <a16:creationId xmlns:a16="http://schemas.microsoft.com/office/drawing/2014/main" id="{6A465D5B-CF66-0783-9C5A-A17CF6A28DA8}"/>
+              </a:ext>
+            </a:extLst>
+          </p:cNvPr>
+          <p:cNvSpPr txBox="1">
+            <a:spLocks noGrp="1"/>
+          </p:cNvSpPr>
+          <p:nvPr>
+            <p:ph idx="1"/>
+          </p:nvPr>
+        </p:nvSpPr>
+        <p:spPr>
+          <a:xfrm>
+            <a:off x="838203" y="1825627"/>
+            <a:ext cx="10515600" cy="4667243"/>
+          </a:xfrm>
+        </p:spPr>
+        <p:txBody>
+          <a:bodyPr>
+            <a:normAutofit/>
+          </a:bodyPr>
+          <a:lstStyle/>
+          <a:p>
+            <a:pPr marL="0" lvl="0" indent="0">
+              <a:lnSpc>
+                <a:spcPct val="100000"/>
+              </a:lnSpc>
+              <a:buNone/>
+            </a:pPr>
+            <a:r>
+              <a:rPr lang="en-GB" sz="2400" dirty="0">
+                <a:solidFill>
+                  <a:srgbClr val="404040"/>
+                </a:solidFill>
+                <a:latin typeface="Fira Sans" pitchFamily="34"/>
+              </a:rPr>
+              <a:t>Synthetic Control type methods are conceptually and practically similar to “matching” techniques</a:t>
+            </a:r>
+          </a:p>
+          <a:p>
+            <a:pPr lvl="0">
+              <a:lnSpc>
+                <a:spcPct val="100000"/>
+              </a:lnSpc>
+              <a:buFontTx/>
+              <a:buChar char="-"/>
+            </a:pPr>
+            <a:r>
+              <a:rPr lang="en-GB" sz="2400" dirty="0">
+                <a:solidFill>
+                  <a:srgbClr val="404040"/>
+                </a:solidFill>
+                <a:latin typeface="Fira Sans" pitchFamily="34"/>
+              </a:rPr>
+              <a:t>Often used in causal inference; match similar treated and untreated units</a:t>
+            </a:r>
+          </a:p>
+          <a:p>
+            <a:pPr marL="0" lvl="0" indent="0">
+              <a:lnSpc>
+                <a:spcPct val="100000"/>
+              </a:lnSpc>
+              <a:buNone/>
+            </a:pPr>
+            <a:endParaRPr lang="en-GB" sz="2400" dirty="0">
+              <a:solidFill>
+                <a:srgbClr val="404040"/>
+              </a:solidFill>
+              <a:latin typeface="Fira Sans" pitchFamily="34"/>
+            </a:endParaRPr>
+          </a:p>
+          <a:p>
+            <a:pPr marL="0" lvl="0" indent="0">
+              <a:lnSpc>
+                <a:spcPct val="100000"/>
+              </a:lnSpc>
+              <a:buNone/>
+            </a:pPr>
+            <a:r>
+              <a:rPr lang="en-GB" sz="2400" dirty="0" err="1">
+                <a:solidFill>
+                  <a:srgbClr val="404040"/>
+                </a:solidFill>
+                <a:latin typeface="Fira Sans" pitchFamily="34"/>
+              </a:rPr>
+              <a:t>DiD</a:t>
+            </a:r>
+            <a:r>
+              <a:rPr lang="en-GB" sz="2400" dirty="0">
+                <a:solidFill>
+                  <a:srgbClr val="404040"/>
+                </a:solidFill>
+                <a:latin typeface="Fira Sans" pitchFamily="34"/>
+              </a:rPr>
+              <a:t> analysis often applied with </a:t>
+            </a:r>
+            <a:r>
+              <a:rPr lang="en-GB" sz="2400" b="1" dirty="0">
+                <a:solidFill>
+                  <a:srgbClr val="404040"/>
+                </a:solidFill>
+                <a:latin typeface="Fira Sans" pitchFamily="34"/>
+              </a:rPr>
+              <a:t>multiple treated units </a:t>
+            </a:r>
+            <a:r>
+              <a:rPr lang="en-GB" sz="2400" dirty="0">
+                <a:solidFill>
+                  <a:srgbClr val="404040"/>
+                </a:solidFill>
+                <a:latin typeface="Fira Sans" pitchFamily="34"/>
+              </a:rPr>
+              <a:t>(averages)</a:t>
+            </a:r>
+          </a:p>
+          <a:p>
+            <a:pPr marL="0" lvl="0" indent="0">
+              <a:lnSpc>
+                <a:spcPct val="100000"/>
+              </a:lnSpc>
+              <a:buNone/>
+            </a:pPr>
+            <a:endParaRPr lang="en-GB" sz="2400" b="1" dirty="0">
+              <a:solidFill>
+                <a:srgbClr val="404040"/>
+              </a:solidFill>
+              <a:latin typeface="Fira Sans" pitchFamily="34"/>
+            </a:endParaRPr>
+          </a:p>
+          <a:p>
+            <a:pPr marL="0" lvl="0" indent="0">
+              <a:lnSpc>
+                <a:spcPct val="100000"/>
+              </a:lnSpc>
+              <a:buNone/>
+            </a:pPr>
+            <a:r>
+              <a:rPr lang="en-GB" sz="2400" dirty="0">
+                <a:solidFill>
+                  <a:srgbClr val="404040"/>
+                </a:solidFill>
+                <a:latin typeface="Fira Sans" pitchFamily="34"/>
+              </a:rPr>
+              <a:t>Synthetic Diff-in-Diff (</a:t>
+            </a:r>
+            <a:r>
+              <a:rPr lang="en-GB" sz="2400" dirty="0" err="1">
+                <a:solidFill>
+                  <a:srgbClr val="404040"/>
+                </a:solidFill>
+                <a:latin typeface="Fira Sans" pitchFamily="34"/>
+              </a:rPr>
+              <a:t>Arkhangelsky</a:t>
+            </a:r>
+            <a:r>
+              <a:rPr lang="en-GB" sz="2400" dirty="0">
+                <a:solidFill>
+                  <a:srgbClr val="404040"/>
+                </a:solidFill>
+                <a:latin typeface="Fira Sans" pitchFamily="34"/>
+              </a:rPr>
+              <a:t> et al. 2021) </a:t>
+            </a:r>
+          </a:p>
+          <a:p>
+            <a:pPr marL="0" lvl="0" indent="0">
+              <a:lnSpc>
+                <a:spcPct val="100000"/>
+              </a:lnSpc>
+              <a:buNone/>
+            </a:pPr>
+            <a:r>
+              <a:rPr lang="en-GB" sz="2400" dirty="0">
+                <a:solidFill>
+                  <a:srgbClr val="404040"/>
+                </a:solidFill>
+                <a:latin typeface="Fira Sans" pitchFamily="34"/>
+              </a:rPr>
+              <a:t>- combines </a:t>
+            </a:r>
+            <a:r>
+              <a:rPr lang="en-GB" sz="2400" dirty="0" err="1">
+                <a:solidFill>
+                  <a:srgbClr val="404040"/>
+                </a:solidFill>
+                <a:latin typeface="Fira Sans" pitchFamily="34"/>
+              </a:rPr>
+              <a:t>DiD</a:t>
+            </a:r>
+            <a:r>
+              <a:rPr lang="en-GB" sz="2400" dirty="0">
+                <a:solidFill>
+                  <a:srgbClr val="404040"/>
+                </a:solidFill>
+                <a:latin typeface="Fira Sans" pitchFamily="34"/>
+              </a:rPr>
+              <a:t> and Synthetic Control</a:t>
+            </a:r>
+          </a:p>
+          <a:p>
+            <a:pPr marL="0" indent="0">
+              <a:lnSpc>
+                <a:spcPct val="100000"/>
+              </a:lnSpc>
+              <a:buNone/>
+            </a:pPr>
+            <a:endParaRPr lang="en-GB" sz="2400" dirty="0">
+              <a:solidFill>
+                <a:srgbClr val="404040"/>
+              </a:solidFill>
+              <a:latin typeface="Fira Sans" pitchFamily="34"/>
+            </a:endParaRPr>
+          </a:p>
+        </p:txBody>
+      </p:sp>
+    </p:spTree>
+    <p:extLst>
+      <p:ext uri="{BB962C8B-B14F-4D97-AF65-F5344CB8AC3E}">
+        <p14:creationId xmlns:p14="http://schemas.microsoft.com/office/powerpoint/2010/main" val="1046224831"/>
+      </p:ext>
+    </p:extLst>
+  </p:cSld>
+  <p:clrMapOvr>
+    <a:masterClrMapping/>
+  </p:clrMapOvr>
+</p:sld>
+</file>
+
+<file path=ppt/slides/slide40.xml><?xml version="1.0" encoding="utf-8"?>
 <p:sld xmlns:a="http://schemas.openxmlformats.org/drawingml/2006/main" xmlns:r="http://schemas.openxmlformats.org/officeDocument/2006/relationships" xmlns:p="http://schemas.openxmlformats.org/presentationml/2006/main" show="0">
   <p:cSld name="Slide80">
     <p:bg>
@@ -8679,7 +11110,7 @@
 </p:sld>
 </file>
 
-<file path=ppt/slides/slide33.xml><?xml version="1.0" encoding="utf-8"?>
+<file path=ppt/slides/slide41.xml><?xml version="1.0" encoding="utf-8"?>
 <p:sld xmlns:a="http://schemas.openxmlformats.org/drawingml/2006/main" xmlns:r="http://schemas.openxmlformats.org/officeDocument/2006/relationships" xmlns:p="http://schemas.openxmlformats.org/presentationml/2006/main" show="0">
   <p:cSld>
     <p:bg>
@@ -8766,7 +11197,7 @@
 </p:sld>
 </file>
 
-<file path=ppt/slides/slide34.xml><?xml version="1.0" encoding="utf-8"?>
+<file path=ppt/slides/slide42.xml><?xml version="1.0" encoding="utf-8"?>
 <p:sld xmlns:a="http://schemas.openxmlformats.org/drawingml/2006/main" xmlns:r="http://schemas.openxmlformats.org/officeDocument/2006/relationships" xmlns:p="http://schemas.openxmlformats.org/presentationml/2006/main" show="0">
   <p:cSld>
     <p:spTree>
@@ -8914,7 +11345,7 @@
 </p:sld>
 </file>
 
-<file path=ppt/slides/slide35.xml><?xml version="1.0" encoding="utf-8"?>
+<file path=ppt/slides/slide43.xml><?xml version="1.0" encoding="utf-8"?>
 <p:sld xmlns:a="http://schemas.openxmlformats.org/drawingml/2006/main" xmlns:r="http://schemas.openxmlformats.org/officeDocument/2006/relationships" xmlns:p="http://schemas.openxmlformats.org/presentationml/2006/main" show="0">
   <p:cSld name="Slide37">
     <p:bg>
@@ -8996,17 +11427,9 @@
 </p:sld>
 </file>
 
-<file path=ppt/slides/slide4.xml><?xml version="1.0" encoding="utf-8"?>
+<file path=ppt/slides/slide5.xml><?xml version="1.0" encoding="utf-8"?>
 <p:sld xmlns:a="http://schemas.openxmlformats.org/drawingml/2006/main" xmlns:r="http://schemas.openxmlformats.org/officeDocument/2006/relationships" xmlns:p="http://schemas.openxmlformats.org/presentationml/2006/main">
-  <p:cSld name="Slide47">
-    <p:bg>
-      <p:bgPr>
-        <a:solidFill>
-          <a:srgbClr val="006388"/>
-        </a:solidFill>
-        <a:effectLst/>
-      </p:bgPr>
-    </p:bg>
+  <p:cSld>
     <p:spTree>
       <p:nvGrpSpPr>
         <p:cNvPr id="1" name=""/>
@@ -9026,7 +11449,7 @@
           <p:cNvPr id="2" name="Title 1">
             <a:extLst>
               <a:ext uri="{FF2B5EF4-FFF2-40B4-BE49-F238E27FC236}">
-                <a16:creationId xmlns:a16="http://schemas.microsoft.com/office/drawing/2014/main" id="{36BA4411-C7D7-4278-BB83-409F1B5C06AB}"/>
+                <a16:creationId xmlns:a16="http://schemas.microsoft.com/office/drawing/2014/main" id="{743FADAD-7D51-496D-A8D5-5E58759DC032}"/>
               </a:ext>
             </a:extLst>
           </p:cNvPr>
@@ -9048,29 +11471,25 @@
               </a:lnSpc>
             </a:pPr>
             <a:r>
-              <a:rPr lang="en-GB" sz="5400" b="1" kern="0">
-                <a:solidFill>
-                  <a:srgbClr val="FFFFFF"/>
+              <a:rPr lang="en-GB" sz="5400" b="1" kern="0" dirty="0">
+                <a:solidFill>
+                  <a:srgbClr val="006388"/>
                 </a:solidFill>
                 <a:latin typeface="Fira Sans" pitchFamily="34"/>
                 <a:ea typeface="Fira Code" pitchFamily="49"/>
               </a:rPr>
-              <a:t>Today’s plan: morning</a:t>
-            </a:r>
-            <a:endParaRPr lang="en-GB" sz="1800" kern="0">
-              <a:solidFill>
-                <a:srgbClr val="FFFFFF"/>
-              </a:solidFill>
-            </a:endParaRPr>
-          </a:p>
-        </p:txBody>
-      </p:sp>
-      <p:sp>
-        <p:nvSpPr>
-          <p:cNvPr id="3" name="Content Placeholder 2">
-            <a:extLst>
-              <a:ext uri="{FF2B5EF4-FFF2-40B4-BE49-F238E27FC236}">
-                <a16:creationId xmlns:a16="http://schemas.microsoft.com/office/drawing/2014/main" id="{F5AB15E0-B1DD-406B-896C-D1BCB6BFF600}"/>
+              <a:t>Summary</a:t>
+            </a:r>
+            <a:endParaRPr lang="en-GB" sz="1800" kern="0" dirty="0"/>
+          </a:p>
+        </p:txBody>
+      </p:sp>
+      <p:sp>
+        <p:nvSpPr>
+          <p:cNvPr id="4" name="Content Placeholder 2">
+            <a:extLst>
+              <a:ext uri="{FF2B5EF4-FFF2-40B4-BE49-F238E27FC236}">
+                <a16:creationId xmlns:a16="http://schemas.microsoft.com/office/drawing/2014/main" id="{6A465D5B-CF66-0783-9C5A-A17CF6A28DA8}"/>
               </a:ext>
             </a:extLst>
           </p:cNvPr>
@@ -9093,73 +11512,198 @@
           </a:bodyPr>
           <a:lstStyle/>
           <a:p>
-            <a:pPr lvl="0"/>
-            <a:r>
-              <a:rPr lang="en-GB" sz="3600" dirty="0">
-                <a:solidFill>
-                  <a:srgbClr val="FFFFFF"/>
-                </a:solidFill>
-                <a:latin typeface="Fira Sans" pitchFamily="34"/>
-              </a:rPr>
-              <a:t>Introduction &amp; Recap (60 minutes)</a:t>
-            </a:r>
-          </a:p>
-          <a:p>
-            <a:pPr lvl="0"/>
-            <a:r>
-              <a:rPr lang="en-GB" sz="3600" dirty="0">
-                <a:solidFill>
-                  <a:srgbClr val="FFFFFF"/>
-                </a:solidFill>
-                <a:latin typeface="Fira Sans" pitchFamily="34"/>
-              </a:rPr>
-              <a:t>Short break (10 minutes)</a:t>
-            </a:r>
-          </a:p>
-          <a:p>
-            <a:r>
-              <a:rPr lang="en-GB" sz="3600" dirty="0">
-                <a:solidFill>
-                  <a:srgbClr val="FFFFFF"/>
-                </a:solidFill>
-                <a:latin typeface="Fira Sans" pitchFamily="34"/>
-              </a:rPr>
-              <a:t>Supervised learning: bias/variance (80 minutes)</a:t>
-            </a:r>
-          </a:p>
-          <a:p>
-            <a:r>
-              <a:rPr lang="en-GB" sz="3600" dirty="0">
-                <a:solidFill>
-                  <a:srgbClr val="FFFFFF"/>
-                </a:solidFill>
-                <a:latin typeface="Fira Sans" pitchFamily="34"/>
-              </a:rPr>
-              <a:t>Supervised learning: classification (40 minutes)</a:t>
-            </a:r>
-          </a:p>
-          <a:p>
-            <a:endParaRPr lang="en-GB" sz="3600" dirty="0">
+            <a:pPr marL="0" lvl="0" indent="0">
+              <a:buNone/>
+            </a:pPr>
+            <a:r>
+              <a:rPr lang="en-GB" dirty="0">
+                <a:solidFill>
+                  <a:srgbClr val="404040"/>
+                </a:solidFill>
+                <a:latin typeface="Fira Sans" pitchFamily="34"/>
+              </a:rPr>
+              <a:t>Many different methods have been developed to answer these types of research questions</a:t>
+            </a:r>
+          </a:p>
+          <a:p>
+            <a:pPr marL="0" lvl="0" indent="0">
+              <a:buNone/>
+            </a:pPr>
+            <a:endParaRPr lang="en-GB" dirty="0">
               <a:solidFill>
-                <a:srgbClr val="FFFFFF"/>
+                <a:srgbClr val="404040"/>
               </a:solidFill>
               <a:latin typeface="Fira Sans" pitchFamily="34"/>
             </a:endParaRPr>
           </a:p>
           <a:p>
-            <a:r>
-              <a:rPr lang="en-GB" sz="3600" dirty="0">
-                <a:solidFill>
-                  <a:srgbClr val="FFFFFF"/>
-                </a:solidFill>
-                <a:latin typeface="Fira Sans" pitchFamily="34"/>
-              </a:rPr>
-              <a:t>Lunch around 12:40</a:t>
-            </a:r>
+            <a:pPr marL="0" lvl="0" indent="0">
+              <a:buNone/>
+            </a:pPr>
+            <a:r>
+              <a:rPr lang="en-GB" dirty="0">
+                <a:solidFill>
+                  <a:srgbClr val="404040"/>
+                </a:solidFill>
+                <a:latin typeface="Fira Sans" pitchFamily="34"/>
+              </a:rPr>
+              <a:t>These methods differ in terms of:</a:t>
+            </a:r>
+          </a:p>
+          <a:p>
+            <a:pPr lvl="0">
+              <a:buFontTx/>
+              <a:buChar char="-"/>
+            </a:pPr>
+            <a:r>
+              <a:rPr lang="en-GB" dirty="0">
+                <a:solidFill>
+                  <a:srgbClr val="404040"/>
+                </a:solidFill>
+                <a:latin typeface="Fira Sans" pitchFamily="34"/>
+              </a:rPr>
+              <a:t>The </a:t>
+            </a:r>
+            <a:r>
+              <a:rPr lang="en-GB" b="1" dirty="0">
+                <a:solidFill>
+                  <a:srgbClr val="404040"/>
+                </a:solidFill>
+                <a:latin typeface="Fira Sans" pitchFamily="34"/>
+              </a:rPr>
+              <a:t>amount</a:t>
+            </a:r>
+            <a:r>
+              <a:rPr lang="en-GB" dirty="0">
+                <a:solidFill>
+                  <a:srgbClr val="404040"/>
+                </a:solidFill>
+                <a:latin typeface="Fira Sans" pitchFamily="34"/>
+              </a:rPr>
+              <a:t> and </a:t>
+            </a:r>
+            <a:r>
+              <a:rPr lang="en-GB" b="1" dirty="0">
+                <a:solidFill>
+                  <a:srgbClr val="404040"/>
+                </a:solidFill>
+                <a:latin typeface="Fira Sans" pitchFamily="34"/>
+              </a:rPr>
+              <a:t>type</a:t>
+            </a:r>
+            <a:r>
+              <a:rPr lang="en-GB" dirty="0">
+                <a:solidFill>
+                  <a:srgbClr val="404040"/>
+                </a:solidFill>
+                <a:latin typeface="Fira Sans" pitchFamily="34"/>
+              </a:rPr>
+              <a:t> of information they use</a:t>
+            </a:r>
+          </a:p>
+          <a:p>
+            <a:pPr lvl="1">
+              <a:buFontTx/>
+              <a:buChar char="-"/>
+            </a:pPr>
+            <a:r>
+              <a:rPr lang="en-GB" dirty="0">
+                <a:solidFill>
+                  <a:srgbClr val="404040"/>
+                </a:solidFill>
+                <a:latin typeface="Fira Sans" pitchFamily="34"/>
+              </a:rPr>
+              <a:t>Amount of time-points and amount of potential “control” units</a:t>
+            </a:r>
+          </a:p>
+          <a:p>
+            <a:pPr>
+              <a:buFontTx/>
+              <a:buChar char="-"/>
+            </a:pPr>
+            <a:r>
+              <a:rPr lang="en-GB" dirty="0">
+                <a:solidFill>
+                  <a:srgbClr val="404040"/>
+                </a:solidFill>
+                <a:latin typeface="Fira Sans" pitchFamily="34"/>
+              </a:rPr>
+              <a:t>The specific </a:t>
+            </a:r>
+            <a:r>
+              <a:rPr lang="en-GB" b="1" dirty="0">
+                <a:solidFill>
+                  <a:srgbClr val="404040"/>
+                </a:solidFill>
+                <a:latin typeface="Fira Sans" pitchFamily="34"/>
+              </a:rPr>
+              <a:t>statistical approach</a:t>
+            </a:r>
+            <a:r>
+              <a:rPr lang="en-GB" dirty="0">
+                <a:solidFill>
+                  <a:srgbClr val="404040"/>
+                </a:solidFill>
+                <a:latin typeface="Fira Sans" pitchFamily="34"/>
+              </a:rPr>
+              <a:t> they take</a:t>
+            </a:r>
+          </a:p>
+          <a:p>
+            <a:pPr>
+              <a:buFontTx/>
+              <a:buChar char="-"/>
+            </a:pPr>
+            <a:r>
+              <a:rPr lang="en-GB" dirty="0">
+                <a:solidFill>
+                  <a:srgbClr val="404040"/>
+                </a:solidFill>
+                <a:latin typeface="Fira Sans" pitchFamily="34"/>
+              </a:rPr>
+              <a:t>The types of </a:t>
+            </a:r>
+            <a:r>
+              <a:rPr lang="en-GB" b="1" dirty="0">
+                <a:solidFill>
+                  <a:srgbClr val="404040"/>
+                </a:solidFill>
+                <a:latin typeface="Fira Sans" pitchFamily="34"/>
+              </a:rPr>
+              <a:t>assumptions</a:t>
+            </a:r>
+            <a:r>
+              <a:rPr lang="en-GB" dirty="0">
+                <a:solidFill>
+                  <a:srgbClr val="404040"/>
+                </a:solidFill>
+                <a:latin typeface="Fira Sans" pitchFamily="34"/>
+              </a:rPr>
+              <a:t> they make</a:t>
+            </a:r>
+          </a:p>
+          <a:p>
+            <a:pPr marL="0" indent="0">
+              <a:lnSpc>
+                <a:spcPct val="100000"/>
+              </a:lnSpc>
+              <a:buNone/>
+            </a:pPr>
+            <a:endParaRPr lang="en-GB" sz="2400" dirty="0">
+              <a:solidFill>
+                <a:srgbClr val="404040"/>
+              </a:solidFill>
+              <a:latin typeface="Fira Sans" pitchFamily="34"/>
+            </a:endParaRPr>
           </a:p>
         </p:txBody>
       </p:sp>
     </p:spTree>
+    <p:extLst>
+      <p:ext uri="{BB962C8B-B14F-4D97-AF65-F5344CB8AC3E}">
+        <p14:creationId xmlns:p14="http://schemas.microsoft.com/office/powerpoint/2010/main" val="3227257795"/>
+      </p:ext>
+    </p:extLst>
   </p:cSld>
   <p:clrMapOvr>
     <a:masterClrMapping/>
@@ -9167,17 +11711,9 @@
 </p:sld>
 </file>
 
-<file path=ppt/slides/slide5.xml><?xml version="1.0" encoding="utf-8"?>
+<file path=ppt/slides/slide6.xml><?xml version="1.0" encoding="utf-8"?>
 <p:sld xmlns:a="http://schemas.openxmlformats.org/drawingml/2006/main" xmlns:r="http://schemas.openxmlformats.org/officeDocument/2006/relationships" xmlns:p="http://schemas.openxmlformats.org/presentationml/2006/main">
   <p:cSld>
-    <p:bg>
-      <p:bgPr>
-        <a:solidFill>
-          <a:srgbClr val="006388"/>
-        </a:solidFill>
-        <a:effectLst/>
-      </p:bgPr>
-    </p:bg>
     <p:spTree>
       <p:nvGrpSpPr>
         <p:cNvPr id="1" name=""/>
@@ -9197,7 +11733,7 @@
           <p:cNvPr id="2" name="Title 1">
             <a:extLst>
               <a:ext uri="{FF2B5EF4-FFF2-40B4-BE49-F238E27FC236}">
-                <a16:creationId xmlns:a16="http://schemas.microsoft.com/office/drawing/2014/main" id="{36BA4411-C7D7-4278-BB83-409F1B5C06AB}"/>
+                <a16:creationId xmlns:a16="http://schemas.microsoft.com/office/drawing/2014/main" id="{743FADAD-7D51-496D-A8D5-5E58759DC032}"/>
               </a:ext>
             </a:extLst>
           </p:cNvPr>
@@ -9221,27 +11757,23 @@
             <a:r>
               <a:rPr lang="en-GB" sz="5400" b="1" kern="0" dirty="0">
                 <a:solidFill>
-                  <a:srgbClr val="FFFFFF"/>
+                  <a:srgbClr val="006388"/>
                 </a:solidFill>
                 <a:latin typeface="Fira Sans" pitchFamily="34"/>
                 <a:ea typeface="Fira Code" pitchFamily="49"/>
               </a:rPr>
-              <a:t>Today’s plan: afternoon</a:t>
-            </a:r>
-            <a:endParaRPr lang="en-GB" sz="1800" kern="0" dirty="0">
-              <a:solidFill>
-                <a:srgbClr val="FFFFFF"/>
-              </a:solidFill>
-            </a:endParaRPr>
-          </a:p>
-        </p:txBody>
-      </p:sp>
-      <p:sp>
-        <p:nvSpPr>
-          <p:cNvPr id="3" name="Content Placeholder 2">
-            <a:extLst>
-              <a:ext uri="{FF2B5EF4-FFF2-40B4-BE49-F238E27FC236}">
-                <a16:creationId xmlns:a16="http://schemas.microsoft.com/office/drawing/2014/main" id="{F5AB15E0-B1DD-406B-896C-D1BCB6BFF600}"/>
+              <a:t>Common Themes</a:t>
+            </a:r>
+            <a:endParaRPr lang="en-GB" sz="1800" kern="0" dirty="0"/>
+          </a:p>
+        </p:txBody>
+      </p:sp>
+      <p:sp>
+        <p:nvSpPr>
+          <p:cNvPr id="4" name="Content Placeholder 2">
+            <a:extLst>
+              <a:ext uri="{FF2B5EF4-FFF2-40B4-BE49-F238E27FC236}">
+                <a16:creationId xmlns:a16="http://schemas.microsoft.com/office/drawing/2014/main" id="{6A465D5B-CF66-0783-9C5A-A17CF6A28DA8}"/>
               </a:ext>
             </a:extLst>
           </p:cNvPr>
@@ -9255,7 +11787,7 @@
         <p:spPr>
           <a:xfrm>
             <a:off x="838203" y="1825627"/>
-            <a:ext cx="10515600" cy="4667243"/>
+            <a:ext cx="10747440" cy="4667243"/>
           </a:xfrm>
         </p:spPr>
         <p:txBody>
@@ -9264,69 +11796,55 @@
           </a:bodyPr>
           <a:lstStyle/>
           <a:p>
-            <a:pPr lvl="0"/>
-            <a:r>
-              <a:rPr lang="en-GB" sz="3600" dirty="0">
-                <a:solidFill>
-                  <a:srgbClr val="FFFFFF"/>
-                </a:solidFill>
-                <a:latin typeface="Fira Sans" pitchFamily="34"/>
-              </a:rPr>
-              <a:t>Prediction competition in groups (90 minutes)</a:t>
-            </a:r>
-          </a:p>
-          <a:p>
-            <a:pPr lvl="0"/>
-            <a:r>
-              <a:rPr lang="en-GB" sz="3600" dirty="0">
-                <a:solidFill>
-                  <a:srgbClr val="FFFFFF"/>
-                </a:solidFill>
-                <a:latin typeface="Fira Sans" pitchFamily="34"/>
-              </a:rPr>
-              <a:t>Short break (10 minutes)</a:t>
-            </a:r>
-          </a:p>
-          <a:p>
-            <a:pPr lvl="0"/>
-            <a:r>
-              <a:rPr lang="en-GB" sz="3600" dirty="0">
-                <a:solidFill>
-                  <a:srgbClr val="FFFFFF"/>
-                </a:solidFill>
-                <a:latin typeface="Fira Sans" pitchFamily="34"/>
-              </a:rPr>
-              <a:t>Intermezzo: fairness &amp; feedback loops in prediction (30 minutes)</a:t>
-            </a:r>
-          </a:p>
-          <a:p>
-            <a:r>
-              <a:rPr lang="en-GB" sz="3600" dirty="0">
-                <a:solidFill>
-                  <a:srgbClr val="FFFFFF"/>
-                </a:solidFill>
-                <a:latin typeface="Fira Sans" pitchFamily="34"/>
-              </a:rPr>
-              <a:t>Unsupervised learning (45 minutes)</a:t>
-            </a:r>
-          </a:p>
-          <a:p>
-            <a:endParaRPr lang="en-GB" sz="3600" dirty="0">
-              <a:solidFill>
-                <a:srgbClr val="FFFFFF"/>
-              </a:solidFill>
-              <a:latin typeface="Fira Sans" pitchFamily="34"/>
-            </a:endParaRPr>
-          </a:p>
-          <a:p>
-            <a:r>
-              <a:rPr lang="en-GB" sz="3600" dirty="0">
-                <a:solidFill>
-                  <a:srgbClr val="FFFFFF"/>
-                </a:solidFill>
-                <a:latin typeface="Fira Sans" pitchFamily="34"/>
-              </a:rPr>
-              <a:t>Finish around 16:30</a:t>
+            <a:pPr marL="0" indent="0">
+              <a:lnSpc>
+                <a:spcPct val="100000"/>
+              </a:lnSpc>
+              <a:buNone/>
+            </a:pPr>
+            <a:r>
+              <a:rPr lang="en-GB" sz="2400" dirty="0">
+                <a:solidFill>
+                  <a:srgbClr val="404040"/>
+                </a:solidFill>
+                <a:latin typeface="Fira Sans" pitchFamily="34"/>
+              </a:rPr>
+              <a:t>Evaluation of assumptions crucial for plausibility of causal effect estimates</a:t>
+            </a:r>
+          </a:p>
+          <a:p>
+            <a:pPr marL="0" indent="0">
+              <a:lnSpc>
+                <a:spcPct val="100000"/>
+              </a:lnSpc>
+              <a:buNone/>
+            </a:pPr>
+            <a:r>
+              <a:rPr lang="en-GB" sz="2400" dirty="0">
+                <a:solidFill>
+                  <a:srgbClr val="404040"/>
+                </a:solidFill>
+                <a:latin typeface="Fira Sans" pitchFamily="34"/>
+              </a:rPr>
+              <a:t> </a:t>
+            </a:r>
+            <a:r>
+              <a:rPr lang="en-GB" sz="2400">
+                <a:solidFill>
+                  <a:srgbClr val="404040"/>
+                </a:solidFill>
+                <a:latin typeface="Fira Sans" pitchFamily="34"/>
+              </a:rPr>
+              <a:t>- In, </a:t>
+            </a:r>
+            <a:r>
+              <a:rPr lang="en-GB" sz="2400" dirty="0">
+                <a:solidFill>
+                  <a:srgbClr val="404040"/>
+                </a:solidFill>
+                <a:latin typeface="Fira Sans" pitchFamily="34"/>
+              </a:rPr>
+              <a:t>time trend</a:t>
             </a:r>
           </a:p>
         </p:txBody>
@@ -9334,7 +11852,7 @@
     </p:spTree>
     <p:extLst>
       <p:ext uri="{BB962C8B-B14F-4D97-AF65-F5344CB8AC3E}">
-        <p14:creationId xmlns:p14="http://schemas.microsoft.com/office/powerpoint/2010/main" val="3990727277"/>
+        <p14:creationId xmlns:p14="http://schemas.microsoft.com/office/powerpoint/2010/main" val="1618529544"/>
       </p:ext>
     </p:extLst>
   </p:cSld>
@@ -9344,9 +11862,9 @@
 </p:sld>
 </file>
 
-<file path=ppt/slides/slide6.xml><?xml version="1.0" encoding="utf-8"?>
+<file path=ppt/slides/slide7.xml><?xml version="1.0" encoding="utf-8"?>
 <p:sld xmlns:a="http://schemas.openxmlformats.org/drawingml/2006/main" xmlns:r="http://schemas.openxmlformats.org/officeDocument/2006/relationships" xmlns:p="http://schemas.openxmlformats.org/presentationml/2006/main">
-  <p:cSld name="Slide42">
+  <p:cSld>
     <p:spTree>
       <p:nvGrpSpPr>
         <p:cNvPr id="1" name=""/>
@@ -9363,220 +11881,211 @@
       </p:grpSpPr>
       <p:sp>
         <p:nvSpPr>
-          <p:cNvPr id="2" name="TextBox 8">
-            <a:extLst>
-              <a:ext uri="{FF2B5EF4-FFF2-40B4-BE49-F238E27FC236}">
-                <a16:creationId xmlns:a16="http://schemas.microsoft.com/office/drawing/2014/main" id="{6A53B518-72AB-48DA-A784-E23AEC5AD3FA}"/>
-              </a:ext>
-            </a:extLst>
-          </p:cNvPr>
-          <p:cNvSpPr txBox="1"/>
-          <p:nvPr/>
-        </p:nvSpPr>
-        <p:spPr>
-          <a:xfrm>
-            <a:off x="1258433" y="1680100"/>
-            <a:ext cx="9675138" cy="923330"/>
-          </a:xfrm>
-          <a:prstGeom prst="rect">
-            <a:avLst/>
-          </a:prstGeom>
-          <a:noFill/>
-          <a:ln cap="flat">
-            <a:noFill/>
-          </a:ln>
-        </p:spPr>
-        <p:txBody>
-          <a:bodyPr vert="horz" wrap="square" lIns="91440" tIns="45720" rIns="91440" bIns="45720" anchor="t" anchorCtr="0" compatLnSpc="1">
-            <a:spAutoFit/>
-          </a:bodyPr>
-          <a:lstStyle/>
-          <a:p>
-            <a:pPr marL="0" marR="0" lvl="0" indent="0" algn="l" defTabSz="914400" rtl="0" fontAlgn="auto" hangingPunct="1">
-              <a:lnSpc>
-                <a:spcPct val="100000"/>
-              </a:lnSpc>
-              <a:spcBef>
-                <a:spcPts val="0"/>
-              </a:spcBef>
-              <a:spcAft>
-                <a:spcPts val="0"/>
-              </a:spcAft>
-              <a:buNone/>
-              <a:tabLst/>
-              <a:defRPr sz="1800" b="0" i="0" u="none" strike="noStrike" kern="0" cap="none" spc="0" baseline="0">
-                <a:solidFill>
-                  <a:srgbClr val="000000"/>
-                </a:solidFill>
-                <a:uFillTx/>
-              </a:defRPr>
-            </a:pPr>
-            <a:r>
-              <a:rPr lang="en-GB" sz="5400" b="1" dirty="0">
-                <a:solidFill>
-                  <a:srgbClr val="006388"/>
-                </a:solidFill>
-                <a:latin typeface="Fira Sans" pitchFamily="34"/>
-                <a:ea typeface="Fira Code" pitchFamily="49"/>
-              </a:rPr>
-              <a:t>Data wrangling, visualisation</a:t>
-            </a:r>
-            <a:endParaRPr lang="en-GB" sz="5400" b="1" i="0" u="none" strike="noStrike" kern="1200" cap="none" spc="0" baseline="0" dirty="0">
-              <a:solidFill>
-                <a:srgbClr val="006388"/>
-              </a:solidFill>
-              <a:uFillTx/>
-              <a:latin typeface="Fira Sans" pitchFamily="34"/>
-              <a:ea typeface="Fira Code" pitchFamily="49"/>
-            </a:endParaRPr>
-          </a:p>
-        </p:txBody>
-      </p:sp>
-      <p:sp>
-        <p:nvSpPr>
-          <p:cNvPr id="3" name="TextBox 15">
-            <a:extLst>
-              <a:ext uri="{FF2B5EF4-FFF2-40B4-BE49-F238E27FC236}">
-                <a16:creationId xmlns:a16="http://schemas.microsoft.com/office/drawing/2014/main" id="{276B2FB2-D9A5-44FE-9094-1C7E0F35A0B1}"/>
-              </a:ext>
-            </a:extLst>
-          </p:cNvPr>
-          <p:cNvSpPr txBox="1"/>
-          <p:nvPr/>
-        </p:nvSpPr>
-        <p:spPr>
-          <a:xfrm>
-            <a:off x="1258433" y="5507239"/>
-            <a:ext cx="7361779" cy="523219"/>
-          </a:xfrm>
-          <a:prstGeom prst="rect">
-            <a:avLst/>
-          </a:prstGeom>
-          <a:noFill/>
-          <a:ln cap="flat">
-            <a:noFill/>
-          </a:ln>
-        </p:spPr>
-        <p:txBody>
-          <a:bodyPr vert="horz" wrap="square" lIns="91440" tIns="45720" rIns="91440" bIns="45720" anchor="t" anchorCtr="0" compatLnSpc="1">
-            <a:spAutoFit/>
-          </a:bodyPr>
-          <a:lstStyle/>
-          <a:p>
-            <a:pPr marL="0" marR="0" lvl="0" indent="0" algn="l" defTabSz="914400" rtl="0" fontAlgn="auto" hangingPunct="1">
-              <a:lnSpc>
-                <a:spcPct val="100000"/>
-              </a:lnSpc>
-              <a:spcBef>
-                <a:spcPts val="0"/>
-              </a:spcBef>
-              <a:spcAft>
-                <a:spcPts val="0"/>
-              </a:spcAft>
-              <a:buNone/>
-              <a:tabLst/>
-              <a:defRPr sz="1800" b="0" i="0" u="none" strike="noStrike" kern="0" cap="none" spc="0" baseline="0">
-                <a:solidFill>
-                  <a:srgbClr val="000000"/>
-                </a:solidFill>
-                <a:uFillTx/>
-              </a:defRPr>
-            </a:pPr>
-            <a:r>
-              <a:rPr lang="en-GB" sz="2800" b="0" i="1" u="none" strike="noStrike" kern="1200" cap="none" spc="0" baseline="0">
-                <a:solidFill>
-                  <a:srgbClr val="7F7F7F"/>
-                </a:solidFill>
-                <a:uFillTx/>
-                <a:latin typeface="Fira Sans" pitchFamily="34"/>
-              </a:rPr>
-              <a:t>Erik-Jan van Kesteren</a:t>
-            </a:r>
-          </a:p>
-        </p:txBody>
-      </p:sp>
-      <p:sp>
-        <p:nvSpPr>
-          <p:cNvPr id="4" name="Title 1">
-            <a:extLst>
-              <a:ext uri="{FF2B5EF4-FFF2-40B4-BE49-F238E27FC236}">
-                <a16:creationId xmlns:a16="http://schemas.microsoft.com/office/drawing/2014/main" id="{E4667E13-EE5D-47FD-B212-2BD2D0DF01F4}"/>
-              </a:ext>
-            </a:extLst>
-          </p:cNvPr>
-          <p:cNvSpPr txBox="1"/>
-          <p:nvPr/>
-        </p:nvSpPr>
-        <p:spPr>
-          <a:xfrm>
-            <a:off x="1258433" y="2532412"/>
-            <a:ext cx="9675138" cy="896587"/>
-          </a:xfrm>
-          <a:prstGeom prst="rect">
-            <a:avLst/>
-          </a:prstGeom>
-          <a:noFill/>
-          <a:ln cap="flat">
-            <a:noFill/>
-          </a:ln>
-        </p:spPr>
-        <p:txBody>
-          <a:bodyPr vert="horz" wrap="square" lIns="91440" tIns="45720" rIns="91440" bIns="45720" anchor="ctr" anchorCtr="0" compatLnSpc="1">
+          <p:cNvPr id="2" name="Title 1">
+            <a:extLst>
+              <a:ext uri="{FF2B5EF4-FFF2-40B4-BE49-F238E27FC236}">
+                <a16:creationId xmlns:a16="http://schemas.microsoft.com/office/drawing/2014/main" id="{743FADAD-7D51-496D-A8D5-5E58759DC032}"/>
+              </a:ext>
+            </a:extLst>
+          </p:cNvPr>
+          <p:cNvSpPr txBox="1">
+            <a:spLocks noGrp="1"/>
+          </p:cNvSpPr>
+          <p:nvPr>
+            <p:ph type="title"/>
+          </p:nvPr>
+        </p:nvSpPr>
+        <p:spPr/>
+        <p:txBody>
+          <a:bodyPr>
             <a:normAutofit/>
           </a:bodyPr>
           <a:lstStyle/>
           <a:p>
-            <a:pPr marL="0" marR="0" lvl="0" indent="0" algn="l" defTabSz="914400" rtl="0" fontAlgn="auto" hangingPunct="1">
-              <a:lnSpc>
-                <a:spcPct val="90000"/>
-              </a:lnSpc>
-              <a:spcBef>
-                <a:spcPts val="0"/>
-              </a:spcBef>
-              <a:spcAft>
-                <a:spcPts val="0"/>
-              </a:spcAft>
-              <a:buNone/>
-              <a:tabLst/>
-              <a:defRPr sz="1800" b="0" i="0" u="none" strike="noStrike" kern="0" cap="none" spc="0" baseline="0">
-                <a:solidFill>
-                  <a:srgbClr val="000000"/>
-                </a:solidFill>
-                <a:uFillTx/>
-              </a:defRPr>
-            </a:pPr>
-            <a:r>
-              <a:rPr lang="en-GB" sz="4400" b="1" i="0" u="none" strike="noStrike" kern="0" cap="none" spc="0" baseline="0" dirty="0">
-                <a:solidFill>
-                  <a:srgbClr val="7F7F7F"/>
-                </a:solidFill>
-                <a:uFillTx/>
+            <a:pPr lvl="0">
+              <a:lnSpc>
+                <a:spcPct val="100000"/>
+              </a:lnSpc>
+            </a:pPr>
+            <a:r>
+              <a:rPr lang="en-GB" b="1" kern="0" dirty="0">
+                <a:solidFill>
+                  <a:srgbClr val="006388"/>
+                </a:solidFill>
                 <a:latin typeface="Fira Sans" pitchFamily="34"/>
                 <a:ea typeface="Fira Code" pitchFamily="49"/>
               </a:rPr>
-              <a:t>A shor</a:t>
-            </a:r>
-            <a:r>
-              <a:rPr lang="en-GB" sz="4400" b="1" kern="0" dirty="0">
-                <a:solidFill>
-                  <a:srgbClr val="7F7F7F"/>
-                </a:solidFill>
-                <a:latin typeface="Fira Sans" pitchFamily="34"/>
-                <a:ea typeface="Fira Code" pitchFamily="49"/>
-              </a:rPr>
-              <a:t>t recap</a:t>
-            </a:r>
-            <a:endParaRPr lang="en-GB" sz="4400" b="0" i="0" u="none" strike="noStrike" kern="1200" cap="none" spc="0" baseline="0" dirty="0">
+              <a:t>Useful References</a:t>
+            </a:r>
+            <a:endParaRPr lang="en-GB" sz="1400" kern="0" dirty="0"/>
+          </a:p>
+        </p:txBody>
+      </p:sp>
+      <p:sp>
+        <p:nvSpPr>
+          <p:cNvPr id="4" name="Content Placeholder 2">
+            <a:extLst>
+              <a:ext uri="{FF2B5EF4-FFF2-40B4-BE49-F238E27FC236}">
+                <a16:creationId xmlns:a16="http://schemas.microsoft.com/office/drawing/2014/main" id="{6A465D5B-CF66-0783-9C5A-A17CF6A28DA8}"/>
+              </a:ext>
+            </a:extLst>
+          </p:cNvPr>
+          <p:cNvSpPr txBox="1">
+            <a:spLocks noGrp="1"/>
+          </p:cNvSpPr>
+          <p:nvPr>
+            <p:ph idx="1"/>
+          </p:nvPr>
+        </p:nvSpPr>
+        <p:spPr>
+          <a:xfrm>
+            <a:off x="838203" y="1825627"/>
+            <a:ext cx="10515600" cy="4667243"/>
+          </a:xfrm>
+        </p:spPr>
+        <p:txBody>
+          <a:bodyPr>
+            <a:normAutofit/>
+          </a:bodyPr>
+          <a:lstStyle/>
+          <a:p>
+            <a:pPr marL="0" lvl="0" indent="0">
+              <a:lnSpc>
+                <a:spcPct val="100000"/>
+              </a:lnSpc>
+              <a:buNone/>
+            </a:pPr>
+            <a:r>
+              <a:rPr lang="en-GB" b="1" dirty="0">
+                <a:solidFill>
+                  <a:srgbClr val="404040"/>
+                </a:solidFill>
+                <a:latin typeface="Fira Sans" pitchFamily="34"/>
+              </a:rPr>
+              <a:t>Difference in Differences</a:t>
+            </a:r>
+          </a:p>
+          <a:p>
+            <a:pPr marL="0" lvl="0" indent="0">
+              <a:lnSpc>
+                <a:spcPct val="100000"/>
+              </a:lnSpc>
+              <a:buNone/>
+            </a:pPr>
+            <a:endParaRPr lang="en-GB" b="1" dirty="0">
               <a:solidFill>
-                <a:srgbClr val="7F7F7F"/>
+                <a:srgbClr val="404040"/>
               </a:solidFill>
-              <a:uFillTx/>
-              <a:latin typeface="Calibri Light"/>
+              <a:latin typeface="Fira Sans" pitchFamily="34"/>
             </a:endParaRPr>
           </a:p>
+          <a:p>
+            <a:pPr marL="0" lvl="0" indent="0">
+              <a:lnSpc>
+                <a:spcPct val="100000"/>
+              </a:lnSpc>
+              <a:buNone/>
+            </a:pPr>
+            <a:r>
+              <a:rPr lang="en-GB" b="1" dirty="0">
+                <a:solidFill>
+                  <a:srgbClr val="404040"/>
+                </a:solidFill>
+                <a:latin typeface="Fira Sans" pitchFamily="34"/>
+              </a:rPr>
+              <a:t>Interrupted Time Series</a:t>
+            </a:r>
+          </a:p>
+          <a:p>
+            <a:pPr marL="0" lvl="0" indent="0">
+              <a:lnSpc>
+                <a:spcPct val="100000"/>
+              </a:lnSpc>
+              <a:buNone/>
+            </a:pPr>
+            <a:endParaRPr lang="en-GB" b="1" dirty="0">
+              <a:solidFill>
+                <a:srgbClr val="404040"/>
+              </a:solidFill>
+              <a:latin typeface="Fira Sans" pitchFamily="34"/>
+            </a:endParaRPr>
+          </a:p>
+          <a:p>
+            <a:pPr marL="0" lvl="0" indent="0">
+              <a:lnSpc>
+                <a:spcPct val="100000"/>
+              </a:lnSpc>
+              <a:buNone/>
+            </a:pPr>
+            <a:r>
+              <a:rPr lang="en-GB" b="1" dirty="0">
+                <a:solidFill>
+                  <a:srgbClr val="404040"/>
+                </a:solidFill>
+                <a:latin typeface="Fira Sans" pitchFamily="34"/>
+              </a:rPr>
+              <a:t>Synthetic Control</a:t>
+            </a:r>
+          </a:p>
+          <a:p>
+            <a:pPr marL="0" lvl="0" indent="0">
+              <a:lnSpc>
+                <a:spcPct val="100000"/>
+              </a:lnSpc>
+              <a:buNone/>
+            </a:pPr>
+            <a:endParaRPr lang="en-GB" b="1" dirty="0">
+              <a:solidFill>
+                <a:srgbClr val="404040"/>
+              </a:solidFill>
+              <a:latin typeface="Fira Sans" pitchFamily="34"/>
+            </a:endParaRPr>
+          </a:p>
+          <a:p>
+            <a:pPr marL="0" lvl="0" indent="0">
+              <a:lnSpc>
+                <a:spcPct val="100000"/>
+              </a:lnSpc>
+              <a:buNone/>
+            </a:pPr>
+            <a:r>
+              <a:rPr lang="en-GB" b="1" dirty="0" err="1">
+                <a:solidFill>
+                  <a:srgbClr val="404040"/>
+                </a:solidFill>
+                <a:latin typeface="Fira Sans" pitchFamily="34"/>
+              </a:rPr>
+              <a:t>CausalImpact</a:t>
+            </a:r>
+            <a:endParaRPr lang="en-GB" b="1" dirty="0">
+              <a:solidFill>
+                <a:srgbClr val="404040"/>
+              </a:solidFill>
+              <a:latin typeface="Fira Sans" pitchFamily="34"/>
+            </a:endParaRPr>
+          </a:p>
+          <a:p>
+            <a:pPr marL="0" indent="0">
+              <a:lnSpc>
+                <a:spcPct val="100000"/>
+              </a:lnSpc>
+              <a:buNone/>
+            </a:pPr>
+            <a:endParaRPr lang="en-GB" dirty="0">
+              <a:solidFill>
+                <a:srgbClr val="404040"/>
+              </a:solidFill>
+              <a:latin typeface="Fira Sans" pitchFamily="34"/>
+            </a:endParaRPr>
+          </a:p>
         </p:txBody>
       </p:sp>
     </p:spTree>
+    <p:extLst>
+      <p:ext uri="{BB962C8B-B14F-4D97-AF65-F5344CB8AC3E}">
+        <p14:creationId xmlns:p14="http://schemas.microsoft.com/office/powerpoint/2010/main" val="379654223"/>
+      </p:ext>
+    </p:extLst>
   </p:cSld>
   <p:clrMapOvr>
     <a:masterClrMapping/>
@@ -9584,9 +12093,9 @@
 </p:sld>
 </file>
 
-<file path=ppt/slides/slide7.xml><?xml version="1.0" encoding="utf-8"?>
+<file path=ppt/slides/slide8.xml><?xml version="1.0" encoding="utf-8"?>
 <p:sld xmlns:a="http://schemas.openxmlformats.org/drawingml/2006/main" xmlns:r="http://schemas.openxmlformats.org/officeDocument/2006/relationships" xmlns:p="http://schemas.openxmlformats.org/presentationml/2006/main">
-  <p:cSld name="Slide43">
+  <p:cSld>
     <p:spTree>
       <p:nvGrpSpPr>
         <p:cNvPr id="1" name=""/>
@@ -9606,7 +12115,7 @@
           <p:cNvPr id="2" name="Title 1">
             <a:extLst>
               <a:ext uri="{FF2B5EF4-FFF2-40B4-BE49-F238E27FC236}">
-                <a16:creationId xmlns:a16="http://schemas.microsoft.com/office/drawing/2014/main" id="{63A7B462-0A9D-4652-A57B-47811F469343}"/>
+                <a16:creationId xmlns:a16="http://schemas.microsoft.com/office/drawing/2014/main" id="{743FADAD-7D51-496D-A8D5-5E58759DC032}"/>
               </a:ext>
             </a:extLst>
           </p:cNvPr>
@@ -9619,7 +12128,9 @@
         </p:nvSpPr>
         <p:spPr/>
         <p:txBody>
-          <a:bodyPr/>
+          <a:bodyPr>
+            <a:normAutofit/>
+          </a:bodyPr>
           <a:lstStyle/>
           <a:p>
             <a:pPr lvl="0">
@@ -9628,216 +12139,210 @@
               </a:lnSpc>
             </a:pPr>
             <a:r>
-              <a:rPr lang="en-GB" sz="5400" b="1" kern="0">
+              <a:rPr lang="en-GB" b="1" kern="0" dirty="0">
                 <a:solidFill>
                   <a:srgbClr val="006388"/>
                 </a:solidFill>
                 <a:latin typeface="Fira Sans" pitchFamily="34"/>
                 <a:ea typeface="Fira Code" pitchFamily="49"/>
               </a:rPr>
-              <a:t>Exploratory data analysis</a:t>
-            </a:r>
-            <a:endParaRPr lang="en-GB" sz="1800" kern="0"/>
-          </a:p>
-        </p:txBody>
-      </p:sp>
-      <p:pic>
-        <p:nvPicPr>
-          <p:cNvPr id="3" name="Content Placeholder 6" descr="Graphical user interface, application&#10;&#10;Description automatically generated">
-            <a:extLst>
-              <a:ext uri="{FF2B5EF4-FFF2-40B4-BE49-F238E27FC236}">
-                <a16:creationId xmlns:a16="http://schemas.microsoft.com/office/drawing/2014/main" id="{0789C4F0-BA6C-40BF-BA61-577E36E2C4A0}"/>
-              </a:ext>
-            </a:extLst>
-          </p:cNvPr>
-          <p:cNvPicPr>
-            <a:picLocks noGrp="1" noChangeAspect="1"/>
-          </p:cNvPicPr>
+              <a:t>Useful References</a:t>
+            </a:r>
+            <a:endParaRPr lang="en-GB" sz="1400" kern="0" dirty="0"/>
+          </a:p>
+        </p:txBody>
+      </p:sp>
+      <p:sp>
+        <p:nvSpPr>
+          <p:cNvPr id="4" name="Content Placeholder 2">
+            <a:extLst>
+              <a:ext uri="{FF2B5EF4-FFF2-40B4-BE49-F238E27FC236}">
+                <a16:creationId xmlns:a16="http://schemas.microsoft.com/office/drawing/2014/main" id="{6A465D5B-CF66-0783-9C5A-A17CF6A28DA8}"/>
+              </a:ext>
+            </a:extLst>
+          </p:cNvPr>
+          <p:cNvSpPr txBox="1">
+            <a:spLocks noGrp="1"/>
+          </p:cNvSpPr>
           <p:nvPr>
             <p:ph idx="1"/>
           </p:nvPr>
-        </p:nvPicPr>
-        <p:blipFill>
-          <a:blip r:embed="rId2"/>
-          <a:stretch>
-            <a:fillRect/>
-          </a:stretch>
-        </p:blipFill>
+        </p:nvSpPr>
         <p:spPr>
           <a:xfrm>
-            <a:off x="5123931" y="3055531"/>
-            <a:ext cx="6229871" cy="2289511"/>
+            <a:off x="838203" y="1825627"/>
+            <a:ext cx="10515600" cy="4667243"/>
           </a:xfrm>
         </p:spPr>
-      </p:pic>
-      <p:sp>
-        <p:nvSpPr>
-          <p:cNvPr id="4" name="TextBox 8">
-            <a:extLst>
-              <a:ext uri="{FF2B5EF4-FFF2-40B4-BE49-F238E27FC236}">
-                <a16:creationId xmlns:a16="http://schemas.microsoft.com/office/drawing/2014/main" id="{A5A75038-8C9C-458D-A859-D3049747093B}"/>
-              </a:ext>
-            </a:extLst>
-          </p:cNvPr>
-          <p:cNvSpPr txBox="1"/>
-          <p:nvPr/>
-        </p:nvSpPr>
-        <p:spPr>
-          <a:xfrm>
-            <a:off x="5259665" y="1911443"/>
-            <a:ext cx="6094137" cy="923333"/>
-          </a:xfrm>
-          <a:prstGeom prst="rect">
-            <a:avLst/>
-          </a:prstGeom>
-          <a:noFill/>
-          <a:ln cap="flat">
-            <a:noFill/>
-          </a:ln>
-        </p:spPr>
-        <p:txBody>
-          <a:bodyPr vert="horz" wrap="square" lIns="91440" tIns="45720" rIns="91440" bIns="45720" anchor="t" anchorCtr="0" compatLnSpc="1">
-            <a:spAutoFit/>
+        <p:txBody>
+          <a:bodyPr>
+            <a:normAutofit/>
           </a:bodyPr>
           <a:lstStyle/>
           <a:p>
-            <a:pPr marL="0" marR="0" lvl="0" indent="0" algn="l" defTabSz="914400" rtl="0" fontAlgn="auto" hangingPunct="1">
+            <a:pPr marL="0" lvl="0" indent="0">
               <a:lnSpc>
                 <a:spcPct val="100000"/>
               </a:lnSpc>
-              <a:spcBef>
-                <a:spcPts val="0"/>
-              </a:spcBef>
-              <a:spcAft>
-                <a:spcPts val="0"/>
-              </a:spcAft>
-              <a:buNone/>
-              <a:tabLst/>
-              <a:defRPr sz="1800" b="0" i="0" u="none" strike="noStrike" kern="0" cap="none" spc="0" baseline="0">
-                <a:solidFill>
-                  <a:srgbClr val="000000"/>
-                </a:solidFill>
-                <a:uFillTx/>
-              </a:defRPr>
-            </a:pPr>
-            <a:r>
-              <a:rPr lang="en-US" sz="1800" b="0" i="1" u="none" strike="noStrike" kern="1200" cap="none" spc="0" baseline="0">
+              <a:buNone/>
+            </a:pPr>
+            <a:r>
+              <a:rPr lang="en-GB" b="1" dirty="0">
                 <a:solidFill>
                   <a:srgbClr val="404040"/>
                 </a:solidFill>
-                <a:uFillTx/>
-                <a:latin typeface="Fira Sans" pitchFamily="34"/>
-              </a:rPr>
-              <a:t>The goal of data exploration is to generate many promising leads that you can later explore in more depth.</a:t>
-            </a:r>
-            <a:endParaRPr lang="en-GB" sz="1800" b="0" i="1" u="none" strike="noStrike" kern="1200" cap="none" spc="0" baseline="0">
+                <a:latin typeface="Fira Sans" pitchFamily="34"/>
+              </a:rPr>
+              <a:t>Synthetic </a:t>
+            </a:r>
+            <a:r>
+              <a:rPr lang="en-GB" b="1" dirty="0" err="1">
+                <a:solidFill>
+                  <a:srgbClr val="404040"/>
+                </a:solidFill>
+                <a:latin typeface="Fira Sans" pitchFamily="34"/>
+              </a:rPr>
+              <a:t>DiD</a:t>
+            </a:r>
+            <a:endParaRPr lang="en-GB" b="1" dirty="0">
               <a:solidFill>
                 <a:srgbClr val="404040"/>
               </a:solidFill>
-              <a:uFillTx/>
               <a:latin typeface="Fira Sans" pitchFamily="34"/>
             </a:endParaRPr>
           </a:p>
-        </p:txBody>
-      </p:sp>
-      <p:sp>
-        <p:nvSpPr>
-          <p:cNvPr id="5" name="TextBox 10">
-            <a:extLst>
-              <a:ext uri="{FF2B5EF4-FFF2-40B4-BE49-F238E27FC236}">
-                <a16:creationId xmlns:a16="http://schemas.microsoft.com/office/drawing/2014/main" id="{65E5AA44-7AE7-4E1E-982D-0BC33E1B1BC6}"/>
-              </a:ext>
-            </a:extLst>
-          </p:cNvPr>
-          <p:cNvSpPr txBox="1"/>
-          <p:nvPr/>
-        </p:nvSpPr>
-        <p:spPr>
-          <a:xfrm>
-            <a:off x="838193" y="6338986"/>
-            <a:ext cx="3047750" cy="307777"/>
-          </a:xfrm>
-          <a:prstGeom prst="rect">
-            <a:avLst/>
-          </a:prstGeom>
-          <a:noFill/>
-          <a:ln cap="flat">
-            <a:noFill/>
-          </a:ln>
-        </p:spPr>
-        <p:txBody>
-          <a:bodyPr vert="horz" wrap="square" lIns="91440" tIns="45720" rIns="91440" bIns="45720" anchor="t" anchorCtr="0" compatLnSpc="1">
-            <a:spAutoFit/>
-          </a:bodyPr>
-          <a:lstStyle/>
-          <a:p>
-            <a:pPr marL="0" marR="0" lvl="0" indent="0" algn="r" defTabSz="914400" rtl="0" fontAlgn="auto" hangingPunct="1">
+          <a:p>
+            <a:pPr marL="0" lvl="0" indent="0">
               <a:lnSpc>
                 <a:spcPct val="100000"/>
               </a:lnSpc>
-              <a:spcBef>
-                <a:spcPts val="0"/>
-              </a:spcBef>
-              <a:spcAft>
-                <a:spcPts val="0"/>
-              </a:spcAft>
-              <a:buNone/>
-              <a:tabLst/>
-              <a:defRPr sz="1800" b="0" i="0" u="none" strike="noStrike" kern="0" cap="none" spc="0" baseline="0">
-                <a:solidFill>
-                  <a:srgbClr val="000000"/>
-                </a:solidFill>
-                <a:uFillTx/>
-              </a:defRPr>
-            </a:pPr>
-            <a:r>
-              <a:rPr lang="en-GB" sz="1400" b="0" i="0" u="none" strike="noStrike" kern="1200" cap="none" spc="0" baseline="0">
-                <a:solidFill>
-                  <a:srgbClr val="000000"/>
-                </a:solidFill>
-                <a:uFillTx/>
-                <a:latin typeface="Fira Sans" pitchFamily="34"/>
-              </a:rPr>
-              <a:t>https://r4ds.had.co.nz/</a:t>
-            </a:r>
-          </a:p>
-        </p:txBody>
-      </p:sp>
-      <p:pic>
-        <p:nvPicPr>
-          <p:cNvPr id="6" name="Picture 12" descr="Logo&#10;&#10;Description automatically generated">
-            <a:extLst>
-              <a:ext uri="{FF2B5EF4-FFF2-40B4-BE49-F238E27FC236}">
-                <a16:creationId xmlns:a16="http://schemas.microsoft.com/office/drawing/2014/main" id="{DE989F00-AFA4-4F51-9ED0-C0D2FBBCAF07}"/>
-              </a:ext>
-            </a:extLst>
-          </p:cNvPr>
-          <p:cNvPicPr>
-            <a:picLocks noChangeAspect="1"/>
-          </p:cNvPicPr>
-          <p:nvPr/>
-        </p:nvPicPr>
-        <p:blipFill>
-          <a:blip r:embed="rId3"/>
-          <a:stretch>
-            <a:fillRect/>
-          </a:stretch>
-        </p:blipFill>
-        <p:spPr>
-          <a:xfrm>
-            <a:off x="838193" y="1690689"/>
-            <a:ext cx="3047750" cy="4571625"/>
-          </a:xfrm>
-          <a:prstGeom prst="rect">
-            <a:avLst/>
-          </a:prstGeom>
-          <a:noFill/>
-          <a:ln cap="flat">
-            <a:noFill/>
-          </a:ln>
-        </p:spPr>
-      </p:pic>
+              <a:buNone/>
+            </a:pPr>
+            <a:endParaRPr lang="en-GB" b="1" dirty="0">
+              <a:solidFill>
+                <a:srgbClr val="404040"/>
+              </a:solidFill>
+              <a:latin typeface="Fira Sans" pitchFamily="34"/>
+            </a:endParaRPr>
+          </a:p>
+          <a:p>
+            <a:pPr marL="0" lvl="0" indent="0">
+              <a:lnSpc>
+                <a:spcPct val="100000"/>
+              </a:lnSpc>
+              <a:buNone/>
+            </a:pPr>
+            <a:endParaRPr lang="en-GB" b="1" dirty="0">
+              <a:solidFill>
+                <a:srgbClr val="404040"/>
+              </a:solidFill>
+              <a:latin typeface="Fira Sans" pitchFamily="34"/>
+            </a:endParaRPr>
+          </a:p>
+          <a:p>
+            <a:pPr marL="0" lvl="0" indent="0">
+              <a:lnSpc>
+                <a:spcPct val="100000"/>
+              </a:lnSpc>
+              <a:buNone/>
+            </a:pPr>
+            <a:r>
+              <a:rPr lang="en-GB" b="1" dirty="0">
+                <a:solidFill>
+                  <a:srgbClr val="404040"/>
+                </a:solidFill>
+                <a:latin typeface="Fira Sans" pitchFamily="34"/>
+              </a:rPr>
+              <a:t>More on Causal Policy Evaluation</a:t>
+            </a:r>
+          </a:p>
+          <a:p>
+            <a:pPr marL="0" lvl="0" indent="0">
+              <a:lnSpc>
+                <a:spcPct val="100000"/>
+              </a:lnSpc>
+              <a:buNone/>
+            </a:pPr>
+            <a:r>
+              <a:rPr lang="en-GB" dirty="0">
+                <a:solidFill>
+                  <a:srgbClr val="404040"/>
+                </a:solidFill>
+                <a:latin typeface="Fira Sans" pitchFamily="34"/>
+              </a:rPr>
+              <a:t>Free online course materials made by Andrew </a:t>
+            </a:r>
+            <a:r>
+              <a:rPr lang="en-GB" dirty="0" err="1">
+                <a:solidFill>
+                  <a:srgbClr val="404040"/>
+                </a:solidFill>
+                <a:latin typeface="Fira Sans" pitchFamily="34"/>
+              </a:rPr>
+              <a:t>Heiss</a:t>
+            </a:r>
+            <a:endParaRPr lang="en-GB" dirty="0">
+              <a:solidFill>
+                <a:srgbClr val="404040"/>
+              </a:solidFill>
+              <a:latin typeface="Fira Sans" pitchFamily="34"/>
+            </a:endParaRPr>
+          </a:p>
+          <a:p>
+            <a:pPr marL="0" indent="0">
+              <a:lnSpc>
+                <a:spcPct val="100000"/>
+              </a:lnSpc>
+              <a:buNone/>
+            </a:pPr>
+            <a:r>
+              <a:rPr lang="en-GB" dirty="0">
+                <a:solidFill>
+                  <a:srgbClr val="404040"/>
+                </a:solidFill>
+                <a:latin typeface="Fira Sans" pitchFamily="34"/>
+                <a:hlinkClick r:id="rId2"/>
+              </a:rPr>
+              <a:t>https://evalsp23.classes.andrewheiss.com/</a:t>
+            </a:r>
+            <a:r>
+              <a:rPr lang="en-GB" dirty="0">
+                <a:solidFill>
+                  <a:srgbClr val="404040"/>
+                </a:solidFill>
+                <a:latin typeface="Fira Sans" pitchFamily="34"/>
+              </a:rPr>
+              <a:t> </a:t>
+            </a:r>
+            <a:endParaRPr lang="en-GB" b="1" dirty="0">
+              <a:solidFill>
+                <a:srgbClr val="404040"/>
+              </a:solidFill>
+              <a:latin typeface="Fira Sans" pitchFamily="34"/>
+            </a:endParaRPr>
+          </a:p>
+          <a:p>
+            <a:pPr marL="0" indent="0">
+              <a:lnSpc>
+                <a:spcPct val="100000"/>
+              </a:lnSpc>
+              <a:buNone/>
+            </a:pPr>
+            <a:endParaRPr lang="en-GB" dirty="0">
+              <a:solidFill>
+                <a:srgbClr val="404040"/>
+              </a:solidFill>
+              <a:latin typeface="Fira Sans" pitchFamily="34"/>
+            </a:endParaRPr>
+          </a:p>
+        </p:txBody>
+      </p:sp>
     </p:spTree>
+    <p:extLst>
+      <p:ext uri="{BB962C8B-B14F-4D97-AF65-F5344CB8AC3E}">
+        <p14:creationId xmlns:p14="http://schemas.microsoft.com/office/powerpoint/2010/main" val="3314082057"/>
+      </p:ext>
+    </p:extLst>
   </p:cSld>
   <p:clrMapOvr>
     <a:masterClrMapping/>
@@ -9845,9 +12350,9 @@
 </p:sld>
 </file>
 
-<file path=ppt/slides/slide8.xml><?xml version="1.0" encoding="utf-8"?>
+<file path=ppt/slides/slide9.xml><?xml version="1.0" encoding="utf-8"?>
 <p:sld xmlns:a="http://schemas.openxmlformats.org/drawingml/2006/main" xmlns:r="http://schemas.openxmlformats.org/officeDocument/2006/relationships" xmlns:p="http://schemas.openxmlformats.org/presentationml/2006/main">
-  <p:cSld name="Slide50">
+  <p:cSld>
     <p:spTree>
       <p:nvGrpSpPr>
         <p:cNvPr id="1" name=""/>
@@ -9867,11 +12372,11 @@
           <p:cNvPr id="2" name="Title 1">
             <a:extLst>
               <a:ext uri="{FF2B5EF4-FFF2-40B4-BE49-F238E27FC236}">
-                <a16:creationId xmlns:a16="http://schemas.microsoft.com/office/drawing/2014/main" id="{AD5C8D82-9C73-409E-BCB5-8FC0C58FFD6F}"/>
-              </a:ext>
-            </a:extLst>
-          </p:cNvPr>
-          <p:cNvSpPr txBox="1">
+                <a16:creationId xmlns:a16="http://schemas.microsoft.com/office/drawing/2014/main" id="{D8F50B41-7031-A8F4-633A-605E940CB204}"/>
+              </a:ext>
+            </a:extLst>
+          </p:cNvPr>
+          <p:cNvSpPr>
             <a:spLocks noGrp="1"/>
           </p:cNvSpPr>
           <p:nvPr>
@@ -9883,32 +12388,7 @@
           <a:bodyPr/>
           <a:lstStyle/>
           <a:p>
-            <a:pPr lvl="0">
-              <a:lnSpc>
-                <a:spcPct val="100000"/>
-              </a:lnSpc>
-            </a:pPr>
-            <a:r>
-              <a:rPr lang="en-GB" sz="5400" b="1" kern="0" dirty="0">
-                <a:solidFill>
-                  <a:srgbClr val="006388"/>
-                </a:solidFill>
-                <a:latin typeface="Fira Sans" pitchFamily="34"/>
-                <a:ea typeface="Fira Code" pitchFamily="49"/>
-              </a:rPr>
-              <a:t>Data wrangling with </a:t>
-            </a:r>
-            <a:r>
-              <a:rPr lang="en-GB" sz="5400" b="1" kern="0" dirty="0" err="1">
-                <a:solidFill>
-                  <a:srgbClr val="006388"/>
-                </a:solidFill>
-                <a:latin typeface="Fira Sans" pitchFamily="34"/>
-                <a:ea typeface="Fira Code" pitchFamily="49"/>
-              </a:rPr>
-              <a:t>dplyr</a:t>
-            </a:r>
-            <a:endParaRPr lang="en-GB" sz="1800" kern="0" dirty="0"/>
+            <a:endParaRPr lang="nl-NL" dirty="0"/>
           </a:p>
         </p:txBody>
       </p:sp>
@@ -9917,225 +12397,15 @@
           <p:cNvPr id="3" name="Content Placeholder 2">
             <a:extLst>
               <a:ext uri="{FF2B5EF4-FFF2-40B4-BE49-F238E27FC236}">
-                <a16:creationId xmlns:a16="http://schemas.microsoft.com/office/drawing/2014/main" id="{52AC049D-3A71-449E-8E64-0A8A70569E28}"/>
-              </a:ext>
-            </a:extLst>
-          </p:cNvPr>
-          <p:cNvSpPr txBox="1">
+                <a16:creationId xmlns:a16="http://schemas.microsoft.com/office/drawing/2014/main" id="{ED2E5B7B-7D35-46D3-E7EA-CD930A9252D8}"/>
+              </a:ext>
+            </a:extLst>
+          </p:cNvPr>
+          <p:cNvSpPr>
             <a:spLocks noGrp="1"/>
           </p:cNvSpPr>
           <p:nvPr>
             <p:ph idx="1"/>
-          </p:nvPr>
-        </p:nvSpPr>
-        <p:spPr>
-          <a:xfrm>
-            <a:off x="838203" y="1825627"/>
-            <a:ext cx="10515600" cy="4667243"/>
-          </a:xfrm>
-        </p:spPr>
-        <p:txBody>
-          <a:bodyPr>
-            <a:normAutofit fontScale="92500" lnSpcReduction="20000"/>
-          </a:bodyPr>
-          <a:lstStyle/>
-          <a:p>
-            <a:pPr marL="0" lvl="0" indent="0">
-              <a:buNone/>
-            </a:pPr>
-            <a:r>
-              <a:rPr lang="en-GB" b="1" dirty="0">
-                <a:solidFill>
-                  <a:srgbClr val="404040"/>
-                </a:solidFill>
-                <a:latin typeface="Fira Sans" pitchFamily="34"/>
-              </a:rPr>
-              <a:t>filter</a:t>
-            </a:r>
-          </a:p>
-          <a:p>
-            <a:pPr marL="0" lvl="0" indent="0">
-              <a:buNone/>
-            </a:pPr>
-            <a:r>
-              <a:rPr lang="en-GB" dirty="0">
-                <a:solidFill>
-                  <a:srgbClr val="404040"/>
-                </a:solidFill>
-                <a:latin typeface="Fira Sans" pitchFamily="34"/>
-              </a:rPr>
-              <a:t>Get only rows that satisfy a condition</a:t>
-            </a:r>
-          </a:p>
-          <a:p>
-            <a:pPr marL="0" lvl="0" indent="0">
-              <a:buNone/>
-            </a:pPr>
-            <a:endParaRPr lang="en-GB" b="1" dirty="0">
-              <a:solidFill>
-                <a:srgbClr val="404040"/>
-              </a:solidFill>
-              <a:latin typeface="Fira Sans" pitchFamily="34"/>
-            </a:endParaRPr>
-          </a:p>
-          <a:p>
-            <a:pPr marL="0" lvl="0" indent="0">
-              <a:buNone/>
-            </a:pPr>
-            <a:r>
-              <a:rPr lang="en-GB" b="1" dirty="0">
-                <a:solidFill>
-                  <a:srgbClr val="404040"/>
-                </a:solidFill>
-                <a:latin typeface="Fira Sans" pitchFamily="34"/>
-              </a:rPr>
-              <a:t>select</a:t>
-            </a:r>
-          </a:p>
-          <a:p>
-            <a:pPr marL="0" lvl="0" indent="0">
-              <a:buNone/>
-            </a:pPr>
-            <a:r>
-              <a:rPr lang="en-GB" dirty="0">
-                <a:solidFill>
-                  <a:srgbClr val="404040"/>
-                </a:solidFill>
-                <a:latin typeface="Fira Sans" pitchFamily="34"/>
-              </a:rPr>
-              <a:t>Select columns from a dataset</a:t>
-            </a:r>
-          </a:p>
-          <a:p>
-            <a:pPr marL="0" lvl="0" indent="0">
-              <a:buNone/>
-            </a:pPr>
-            <a:endParaRPr lang="en-GB" dirty="0">
-              <a:solidFill>
-                <a:srgbClr val="404040"/>
-              </a:solidFill>
-              <a:latin typeface="Fira Sans" pitchFamily="34"/>
-            </a:endParaRPr>
-          </a:p>
-          <a:p>
-            <a:pPr marL="0" lvl="0" indent="0">
-              <a:buNone/>
-            </a:pPr>
-            <a:r>
-              <a:rPr lang="en-GB" b="1" dirty="0">
-                <a:solidFill>
-                  <a:srgbClr val="404040"/>
-                </a:solidFill>
-                <a:latin typeface="Fira Sans" pitchFamily="34"/>
-              </a:rPr>
-              <a:t>mutate</a:t>
-            </a:r>
-          </a:p>
-          <a:p>
-            <a:pPr marL="0" lvl="0" indent="0">
-              <a:buNone/>
-            </a:pPr>
-            <a:r>
-              <a:rPr lang="en-GB" dirty="0">
-                <a:solidFill>
-                  <a:srgbClr val="404040"/>
-                </a:solidFill>
-                <a:latin typeface="Fira Sans" pitchFamily="34"/>
-              </a:rPr>
-              <a:t>Compute new columns / change existing columns</a:t>
-            </a:r>
-          </a:p>
-          <a:p>
-            <a:pPr marL="0" lvl="0" indent="0">
-              <a:buNone/>
-            </a:pPr>
-            <a:endParaRPr lang="en-GB" dirty="0">
-              <a:solidFill>
-                <a:srgbClr val="404040"/>
-              </a:solidFill>
-              <a:latin typeface="Fira Sans" pitchFamily="34"/>
-            </a:endParaRPr>
-          </a:p>
-          <a:p>
-            <a:pPr marL="0" lvl="0" indent="0">
-              <a:buNone/>
-            </a:pPr>
-            <a:r>
-              <a:rPr lang="en-GB" b="1" dirty="0">
-                <a:solidFill>
-                  <a:srgbClr val="404040"/>
-                </a:solidFill>
-                <a:latin typeface="Fira Sans" pitchFamily="34"/>
-              </a:rPr>
-              <a:t>arrange</a:t>
-            </a:r>
-          </a:p>
-          <a:p>
-            <a:pPr marL="0" lvl="0" indent="0">
-              <a:buNone/>
-            </a:pPr>
-            <a:r>
-              <a:rPr lang="en-GB" dirty="0">
-                <a:solidFill>
-                  <a:srgbClr val="404040"/>
-                </a:solidFill>
-                <a:latin typeface="Fira Sans" pitchFamily="34"/>
-              </a:rPr>
-              <a:t>Sort/reorder the dataset based on a column</a:t>
-            </a:r>
-          </a:p>
-          <a:p>
-            <a:pPr marL="0" lvl="0" indent="0">
-              <a:buNone/>
-            </a:pPr>
-            <a:endParaRPr lang="en-GB" dirty="0">
-              <a:solidFill>
-                <a:srgbClr val="404040"/>
-              </a:solidFill>
-              <a:latin typeface="Fira Sans" pitchFamily="34"/>
-            </a:endParaRPr>
-          </a:p>
-        </p:txBody>
-      </p:sp>
-    </p:spTree>
-  </p:cSld>
-  <p:clrMapOvr>
-    <a:masterClrMapping/>
-  </p:clrMapOvr>
-</p:sld>
-</file>
-
-<file path=ppt/slides/slide9.xml><?xml version="1.0" encoding="utf-8"?>
-<p:sld xmlns:a="http://schemas.openxmlformats.org/drawingml/2006/main" xmlns:r="http://schemas.openxmlformats.org/officeDocument/2006/relationships" xmlns:p="http://schemas.openxmlformats.org/presentationml/2006/main">
-  <p:cSld name="Slide53">
-    <p:spTree>
-      <p:nvGrpSpPr>
-        <p:cNvPr id="1" name=""/>
-        <p:cNvGrpSpPr/>
-        <p:nvPr/>
-      </p:nvGrpSpPr>
-      <p:grpSpPr>
-        <a:xfrm>
-          <a:off x="0" y="0"/>
-          <a:ext cx="0" cy="0"/>
-          <a:chOff x="0" y="0"/>
-          <a:chExt cx="0" cy="0"/>
-        </a:xfrm>
-      </p:grpSpPr>
-      <p:sp>
-        <p:nvSpPr>
-          <p:cNvPr id="2" name="Title 1">
-            <a:extLst>
-              <a:ext uri="{FF2B5EF4-FFF2-40B4-BE49-F238E27FC236}">
-                <a16:creationId xmlns:a16="http://schemas.microsoft.com/office/drawing/2014/main" id="{F4F737D5-F7B5-4FDE-BE2A-23C8580FAE61}"/>
-              </a:ext>
-            </a:extLst>
-          </p:cNvPr>
-          <p:cNvSpPr txBox="1">
-            <a:spLocks noGrp="1"/>
-          </p:cNvSpPr>
-          <p:nvPr>
-            <p:ph type="title"/>
           </p:nvPr>
         </p:nvSpPr>
         <p:spPr/>
@@ -10143,56 +12413,16 @@
           <a:bodyPr/>
           <a:lstStyle/>
           <a:p>
-            <a:pPr lvl="0">
-              <a:lnSpc>
-                <a:spcPct val="100000"/>
-              </a:lnSpc>
-            </a:pPr>
-            <a:r>
-              <a:rPr lang="en-GB" sz="5400" b="1" kern="0">
-                <a:solidFill>
-                  <a:srgbClr val="006388"/>
-                </a:solidFill>
-                <a:latin typeface="Fira Sans" pitchFamily="34"/>
-                <a:ea typeface="Fira Code" pitchFamily="49"/>
-              </a:rPr>
-              <a:t>Example dataset: cars</a:t>
-            </a:r>
-            <a:endParaRPr lang="en-GB" sz="1800" kern="0"/>
-          </a:p>
-        </p:txBody>
-      </p:sp>
-      <p:pic>
-        <p:nvPicPr>
-          <p:cNvPr id="7" name="Picture 6">
-            <a:extLst>
-              <a:ext uri="{FF2B5EF4-FFF2-40B4-BE49-F238E27FC236}">
-                <a16:creationId xmlns:a16="http://schemas.microsoft.com/office/drawing/2014/main" id="{E4AC1E95-2D67-F170-85C4-434251F7D455}"/>
-              </a:ext>
-            </a:extLst>
-          </p:cNvPr>
-          <p:cNvPicPr>
-            <a:picLocks noChangeAspect="1"/>
-          </p:cNvPicPr>
-          <p:nvPr/>
-        </p:nvPicPr>
-        <p:blipFill>
-          <a:blip r:embed="rId2"/>
-          <a:stretch>
-            <a:fillRect/>
-          </a:stretch>
-        </p:blipFill>
-        <p:spPr>
-          <a:xfrm>
-            <a:off x="912757" y="2070100"/>
-            <a:ext cx="10441046" cy="3657600"/>
-          </a:xfrm>
-          <a:prstGeom prst="rect">
-            <a:avLst/>
-          </a:prstGeom>
-        </p:spPr>
-      </p:pic>
+            <a:endParaRPr lang="nl-NL"/>
+          </a:p>
+        </p:txBody>
+      </p:sp>
     </p:spTree>
+    <p:extLst>
+      <p:ext uri="{BB962C8B-B14F-4D97-AF65-F5344CB8AC3E}">
+        <p14:creationId xmlns:p14="http://schemas.microsoft.com/office/powerpoint/2010/main" val="850121691"/>
+      </p:ext>
+    </p:extLst>
   </p:cSld>
   <p:clrMapOvr>
     <a:masterClrMapping/>

--- a/lectures/05_discussion/discussion.pptx
+++ b/lectures/05_discussion/discussion.pptx
@@ -5,52 +5,53 @@
     <p:sldMasterId id="2147483648" r:id="rId1"/>
   </p:sldMasterIdLst>
   <p:notesMasterIdLst>
-    <p:notesMasterId r:id="rId45"/>
+    <p:notesMasterId r:id="rId46"/>
   </p:notesMasterIdLst>
   <p:sldIdLst>
     <p:sldId id="338" r:id="rId2"/>
     <p:sldId id="436" r:id="rId3"/>
     <p:sldId id="401" r:id="rId4"/>
     <p:sldId id="439" r:id="rId5"/>
-    <p:sldId id="443" r:id="rId6"/>
-    <p:sldId id="444" r:id="rId7"/>
-    <p:sldId id="441" r:id="rId8"/>
-    <p:sldId id="442" r:id="rId9"/>
-    <p:sldId id="438" r:id="rId10"/>
-    <p:sldId id="437" r:id="rId11"/>
-    <p:sldId id="300" r:id="rId12"/>
-    <p:sldId id="302" r:id="rId13"/>
-    <p:sldId id="340" r:id="rId14"/>
-    <p:sldId id="297" r:id="rId15"/>
-    <p:sldId id="298" r:id="rId16"/>
-    <p:sldId id="305" r:id="rId17"/>
-    <p:sldId id="308" r:id="rId18"/>
-    <p:sldId id="342" r:id="rId19"/>
-    <p:sldId id="343" r:id="rId20"/>
-    <p:sldId id="341" r:id="rId21"/>
-    <p:sldId id="344" r:id="rId22"/>
-    <p:sldId id="346" r:id="rId23"/>
-    <p:sldId id="347" r:id="rId24"/>
-    <p:sldId id="348" r:id="rId25"/>
-    <p:sldId id="350" r:id="rId26"/>
-    <p:sldId id="349" r:id="rId27"/>
-    <p:sldId id="351" r:id="rId28"/>
-    <p:sldId id="352" r:id="rId29"/>
-    <p:sldId id="353" r:id="rId30"/>
-    <p:sldId id="355" r:id="rId31"/>
-    <p:sldId id="356" r:id="rId32"/>
-    <p:sldId id="357" r:id="rId33"/>
-    <p:sldId id="358" r:id="rId34"/>
-    <p:sldId id="359" r:id="rId35"/>
-    <p:sldId id="360" r:id="rId36"/>
-    <p:sldId id="361" r:id="rId37"/>
-    <p:sldId id="325" r:id="rId38"/>
-    <p:sldId id="307" r:id="rId39"/>
-    <p:sldId id="313" r:id="rId40"/>
-    <p:sldId id="335" r:id="rId41"/>
-    <p:sldId id="362" r:id="rId42"/>
-    <p:sldId id="339" r:id="rId43"/>
-    <p:sldId id="292" r:id="rId44"/>
+    <p:sldId id="445" r:id="rId6"/>
+    <p:sldId id="443" r:id="rId7"/>
+    <p:sldId id="444" r:id="rId8"/>
+    <p:sldId id="441" r:id="rId9"/>
+    <p:sldId id="442" r:id="rId10"/>
+    <p:sldId id="438" r:id="rId11"/>
+    <p:sldId id="437" r:id="rId12"/>
+    <p:sldId id="300" r:id="rId13"/>
+    <p:sldId id="302" r:id="rId14"/>
+    <p:sldId id="340" r:id="rId15"/>
+    <p:sldId id="297" r:id="rId16"/>
+    <p:sldId id="298" r:id="rId17"/>
+    <p:sldId id="305" r:id="rId18"/>
+    <p:sldId id="308" r:id="rId19"/>
+    <p:sldId id="342" r:id="rId20"/>
+    <p:sldId id="343" r:id="rId21"/>
+    <p:sldId id="341" r:id="rId22"/>
+    <p:sldId id="344" r:id="rId23"/>
+    <p:sldId id="346" r:id="rId24"/>
+    <p:sldId id="347" r:id="rId25"/>
+    <p:sldId id="348" r:id="rId26"/>
+    <p:sldId id="350" r:id="rId27"/>
+    <p:sldId id="349" r:id="rId28"/>
+    <p:sldId id="351" r:id="rId29"/>
+    <p:sldId id="352" r:id="rId30"/>
+    <p:sldId id="353" r:id="rId31"/>
+    <p:sldId id="355" r:id="rId32"/>
+    <p:sldId id="356" r:id="rId33"/>
+    <p:sldId id="357" r:id="rId34"/>
+    <p:sldId id="358" r:id="rId35"/>
+    <p:sldId id="359" r:id="rId36"/>
+    <p:sldId id="360" r:id="rId37"/>
+    <p:sldId id="361" r:id="rId38"/>
+    <p:sldId id="325" r:id="rId39"/>
+    <p:sldId id="307" r:id="rId40"/>
+    <p:sldId id="313" r:id="rId41"/>
+    <p:sldId id="335" r:id="rId42"/>
+    <p:sldId id="362" r:id="rId43"/>
+    <p:sldId id="339" r:id="rId44"/>
+    <p:sldId id="292" r:id="rId45"/>
   </p:sldIdLst>
   <p:sldSz cx="12192000" cy="6858000"/>
   <p:notesSz cx="6858000" cy="9144000"/>
@@ -4132,6 +4133,86 @@
           <p:cNvPr id="2" name="Title 1">
             <a:extLst>
               <a:ext uri="{FF2B5EF4-FFF2-40B4-BE49-F238E27FC236}">
+                <a16:creationId xmlns:a16="http://schemas.microsoft.com/office/drawing/2014/main" id="{D8F50B41-7031-A8F4-633A-605E940CB204}"/>
+              </a:ext>
+            </a:extLst>
+          </p:cNvPr>
+          <p:cNvSpPr>
+            <a:spLocks noGrp="1"/>
+          </p:cNvSpPr>
+          <p:nvPr>
+            <p:ph type="title"/>
+          </p:nvPr>
+        </p:nvSpPr>
+        <p:spPr/>
+        <p:txBody>
+          <a:bodyPr/>
+          <a:lstStyle/>
+          <a:p>
+            <a:endParaRPr lang="nl-NL" dirty="0"/>
+          </a:p>
+        </p:txBody>
+      </p:sp>
+      <p:sp>
+        <p:nvSpPr>
+          <p:cNvPr id="3" name="Content Placeholder 2">
+            <a:extLst>
+              <a:ext uri="{FF2B5EF4-FFF2-40B4-BE49-F238E27FC236}">
+                <a16:creationId xmlns:a16="http://schemas.microsoft.com/office/drawing/2014/main" id="{ED2E5B7B-7D35-46D3-E7EA-CD930A9252D8}"/>
+              </a:ext>
+            </a:extLst>
+          </p:cNvPr>
+          <p:cNvSpPr>
+            <a:spLocks noGrp="1"/>
+          </p:cNvSpPr>
+          <p:nvPr>
+            <p:ph idx="1"/>
+          </p:nvPr>
+        </p:nvSpPr>
+        <p:spPr/>
+        <p:txBody>
+          <a:bodyPr/>
+          <a:lstStyle/>
+          <a:p>
+            <a:endParaRPr lang="nl-NL"/>
+          </a:p>
+        </p:txBody>
+      </p:sp>
+    </p:spTree>
+    <p:extLst>
+      <p:ext uri="{BB962C8B-B14F-4D97-AF65-F5344CB8AC3E}">
+        <p14:creationId xmlns:p14="http://schemas.microsoft.com/office/powerpoint/2010/main" val="850121691"/>
+      </p:ext>
+    </p:extLst>
+  </p:cSld>
+  <p:clrMapOvr>
+    <a:masterClrMapping/>
+  </p:clrMapOvr>
+</p:sld>
+</file>
+
+<file path=ppt/slides/slide11.xml><?xml version="1.0" encoding="utf-8"?>
+<p:sld xmlns:a="http://schemas.openxmlformats.org/drawingml/2006/main" xmlns:r="http://schemas.openxmlformats.org/officeDocument/2006/relationships" xmlns:p="http://schemas.openxmlformats.org/presentationml/2006/main">
+  <p:cSld>
+    <p:spTree>
+      <p:nvGrpSpPr>
+        <p:cNvPr id="1" name=""/>
+        <p:cNvGrpSpPr/>
+        <p:nvPr/>
+      </p:nvGrpSpPr>
+      <p:grpSpPr>
+        <a:xfrm>
+          <a:off x="0" y="0"/>
+          <a:ext cx="0" cy="0"/>
+          <a:chOff x="0" y="0"/>
+          <a:chExt cx="0" cy="0"/>
+        </a:xfrm>
+      </p:grpSpPr>
+      <p:sp>
+        <p:nvSpPr>
+          <p:cNvPr id="2" name="Title 1">
+            <a:extLst>
+              <a:ext uri="{FF2B5EF4-FFF2-40B4-BE49-F238E27FC236}">
                 <a16:creationId xmlns:a16="http://schemas.microsoft.com/office/drawing/2014/main" id="{743FADAD-7D51-496D-A8D5-5E58759DC032}"/>
               </a:ext>
             </a:extLst>
@@ -4406,7 +4487,7 @@
 </p:sld>
 </file>
 
-<file path=ppt/slides/slide11.xml><?xml version="1.0" encoding="utf-8"?>
+<file path=ppt/slides/slide12.xml><?xml version="1.0" encoding="utf-8"?>
 <p:sld xmlns:a="http://schemas.openxmlformats.org/drawingml/2006/main" xmlns:r="http://schemas.openxmlformats.org/officeDocument/2006/relationships" xmlns:p="http://schemas.openxmlformats.org/presentationml/2006/main">
   <p:cSld name="Slide45">
     <p:spTree>
@@ -4720,7 +4801,7 @@
 </p:sld>
 </file>
 
-<file path=ppt/slides/slide12.xml><?xml version="1.0" encoding="utf-8"?>
+<file path=ppt/slides/slide13.xml><?xml version="1.0" encoding="utf-8"?>
 <p:sld xmlns:a="http://schemas.openxmlformats.org/drawingml/2006/main" xmlns:r="http://schemas.openxmlformats.org/officeDocument/2006/relationships" xmlns:p="http://schemas.openxmlformats.org/presentationml/2006/main">
   <p:cSld name="Slide47">
     <p:bg>
@@ -4891,7 +4972,7 @@
 </p:sld>
 </file>
 
-<file path=ppt/slides/slide13.xml><?xml version="1.0" encoding="utf-8"?>
+<file path=ppt/slides/slide14.xml><?xml version="1.0" encoding="utf-8"?>
 <p:sld xmlns:a="http://schemas.openxmlformats.org/drawingml/2006/main" xmlns:r="http://schemas.openxmlformats.org/officeDocument/2006/relationships" xmlns:p="http://schemas.openxmlformats.org/presentationml/2006/main">
   <p:cSld>
     <p:bg>
@@ -5068,7 +5149,7 @@
 </p:sld>
 </file>
 
-<file path=ppt/slides/slide14.xml><?xml version="1.0" encoding="utf-8"?>
+<file path=ppt/slides/slide15.xml><?xml version="1.0" encoding="utf-8"?>
 <p:sld xmlns:a="http://schemas.openxmlformats.org/drawingml/2006/main" xmlns:r="http://schemas.openxmlformats.org/officeDocument/2006/relationships" xmlns:p="http://schemas.openxmlformats.org/presentationml/2006/main">
   <p:cSld name="Slide42">
     <p:spTree>
@@ -5308,7 +5389,7 @@
 </p:sld>
 </file>
 
-<file path=ppt/slides/slide15.xml><?xml version="1.0" encoding="utf-8"?>
+<file path=ppt/slides/slide16.xml><?xml version="1.0" encoding="utf-8"?>
 <p:sld xmlns:a="http://schemas.openxmlformats.org/drawingml/2006/main" xmlns:r="http://schemas.openxmlformats.org/officeDocument/2006/relationships" xmlns:p="http://schemas.openxmlformats.org/presentationml/2006/main">
   <p:cSld name="Slide43">
     <p:spTree>
@@ -5569,7 +5650,7 @@
 </p:sld>
 </file>
 
-<file path=ppt/slides/slide16.xml><?xml version="1.0" encoding="utf-8"?>
+<file path=ppt/slides/slide17.xml><?xml version="1.0" encoding="utf-8"?>
 <p:sld xmlns:a="http://schemas.openxmlformats.org/drawingml/2006/main" xmlns:r="http://schemas.openxmlformats.org/officeDocument/2006/relationships" xmlns:p="http://schemas.openxmlformats.org/presentationml/2006/main">
   <p:cSld name="Slide50">
     <p:spTree>
@@ -5829,7 +5910,7 @@
 </p:sld>
 </file>
 
-<file path=ppt/slides/slide17.xml><?xml version="1.0" encoding="utf-8"?>
+<file path=ppt/slides/slide18.xml><?xml version="1.0" encoding="utf-8"?>
 <p:sld xmlns:a="http://schemas.openxmlformats.org/drawingml/2006/main" xmlns:r="http://schemas.openxmlformats.org/officeDocument/2006/relationships" xmlns:p="http://schemas.openxmlformats.org/presentationml/2006/main">
   <p:cSld name="Slide53">
     <p:spTree>
@@ -5924,7 +6005,7 @@
 </p:sld>
 </file>
 
-<file path=ppt/slides/slide18.xml><?xml version="1.0" encoding="utf-8"?>
+<file path=ppt/slides/slide19.xml><?xml version="1.0" encoding="utf-8"?>
 <p:sld xmlns:a="http://schemas.openxmlformats.org/drawingml/2006/main" xmlns:r="http://schemas.openxmlformats.org/officeDocument/2006/relationships" xmlns:p="http://schemas.openxmlformats.org/presentationml/2006/main">
   <p:cSld>
     <p:spTree>
@@ -6099,121 +6180,6 @@
 </p:sld>
 </file>
 
-<file path=ppt/slides/slide19.xml><?xml version="1.0" encoding="utf-8"?>
-<p:sld xmlns:a="http://schemas.openxmlformats.org/drawingml/2006/main" xmlns:r="http://schemas.openxmlformats.org/officeDocument/2006/relationships" xmlns:p="http://schemas.openxmlformats.org/presentationml/2006/main">
-  <p:cSld>
-    <p:spTree>
-      <p:nvGrpSpPr>
-        <p:cNvPr id="1" name=""/>
-        <p:cNvGrpSpPr/>
-        <p:nvPr/>
-      </p:nvGrpSpPr>
-      <p:grpSpPr>
-        <a:xfrm>
-          <a:off x="0" y="0"/>
-          <a:ext cx="0" cy="0"/>
-          <a:chOff x="0" y="0"/>
-          <a:chExt cx="0" cy="0"/>
-        </a:xfrm>
-      </p:grpSpPr>
-      <p:sp>
-        <p:nvSpPr>
-          <p:cNvPr id="2" name="Title 1">
-            <a:extLst>
-              <a:ext uri="{FF2B5EF4-FFF2-40B4-BE49-F238E27FC236}">
-                <a16:creationId xmlns:a16="http://schemas.microsoft.com/office/drawing/2014/main" id="{F4F737D5-F7B5-4FDE-BE2A-23C8580FAE61}"/>
-              </a:ext>
-            </a:extLst>
-          </p:cNvPr>
-          <p:cNvSpPr txBox="1">
-            <a:spLocks noGrp="1"/>
-          </p:cNvSpPr>
-          <p:nvPr>
-            <p:ph type="title"/>
-          </p:nvPr>
-        </p:nvSpPr>
-        <p:spPr/>
-        <p:txBody>
-          <a:bodyPr/>
-          <a:lstStyle/>
-          <a:p>
-            <a:pPr lvl="0">
-              <a:lnSpc>
-                <a:spcPct val="100000"/>
-              </a:lnSpc>
-            </a:pPr>
-            <a:r>
-              <a:rPr lang="en-GB" sz="5400" b="1" kern="0" dirty="0">
-                <a:solidFill>
-                  <a:srgbClr val="006388"/>
-                </a:solidFill>
-                <a:latin typeface="Fira Sans" pitchFamily="34"/>
-                <a:ea typeface="Fira Code" pitchFamily="49"/>
-              </a:rPr>
-              <a:t>Data wrangling with </a:t>
-            </a:r>
-            <a:r>
-              <a:rPr lang="en-GB" sz="5400" b="1" kern="0" dirty="0" err="1">
-                <a:solidFill>
-                  <a:srgbClr val="006388"/>
-                </a:solidFill>
-                <a:latin typeface="Fira Sans" pitchFamily="34"/>
-                <a:ea typeface="Fira Code" pitchFamily="49"/>
-              </a:rPr>
-              <a:t>dplyr</a:t>
-            </a:r>
-            <a:endParaRPr lang="en-GB" sz="1800" kern="0" dirty="0"/>
-          </a:p>
-        </p:txBody>
-      </p:sp>
-      <p:pic>
-        <p:nvPicPr>
-          <p:cNvPr id="7" name="Picture 6">
-            <a:extLst>
-              <a:ext uri="{FF2B5EF4-FFF2-40B4-BE49-F238E27FC236}">
-                <a16:creationId xmlns:a16="http://schemas.microsoft.com/office/drawing/2014/main" id="{E4AC1E95-2D67-F170-85C4-434251F7D455}"/>
-              </a:ext>
-            </a:extLst>
-          </p:cNvPr>
-          <p:cNvPicPr>
-            <a:picLocks noChangeAspect="1"/>
-          </p:cNvPicPr>
-          <p:nvPr/>
-        </p:nvPicPr>
-        <p:blipFill>
-          <a:blip r:embed="rId2">
-            <a:extLst>
-              <a:ext uri="{28A0092B-C50C-407E-A947-70E740481C1C}">
-                <a14:useLocalDpi xmlns:a14="http://schemas.microsoft.com/office/drawing/2010/main" val="0"/>
-              </a:ext>
-            </a:extLst>
-          </a:blip>
-          <a:srcRect/>
-          <a:stretch/>
-        </p:blipFill>
-        <p:spPr>
-          <a:xfrm>
-            <a:off x="973989" y="2057400"/>
-            <a:ext cx="7930982" cy="3657600"/>
-          </a:xfrm>
-          <a:prstGeom prst="rect">
-            <a:avLst/>
-          </a:prstGeom>
-        </p:spPr>
-      </p:pic>
-    </p:spTree>
-    <p:extLst>
-      <p:ext uri="{BB962C8B-B14F-4D97-AF65-F5344CB8AC3E}">
-        <p14:creationId xmlns:p14="http://schemas.microsoft.com/office/powerpoint/2010/main" val="1786558084"/>
-      </p:ext>
-    </p:extLst>
-  </p:cSld>
-  <p:clrMapOvr>
-    <a:masterClrMapping/>
-  </p:clrMapOvr>
-</p:sld>
-</file>
-
 <file path=ppt/slides/slide2.xml><?xml version="1.0" encoding="utf-8"?>
 <p:sld xmlns:a="http://schemas.openxmlformats.org/drawingml/2006/main" xmlns:r="http://schemas.openxmlformats.org/officeDocument/2006/relationships" xmlns:p="http://schemas.openxmlformats.org/presentationml/2006/main">
   <p:cSld>
@@ -6532,6 +6498,121 @@
           <p:cNvPr id="2" name="Title 1">
             <a:extLst>
               <a:ext uri="{FF2B5EF4-FFF2-40B4-BE49-F238E27FC236}">
+                <a16:creationId xmlns:a16="http://schemas.microsoft.com/office/drawing/2014/main" id="{F4F737D5-F7B5-4FDE-BE2A-23C8580FAE61}"/>
+              </a:ext>
+            </a:extLst>
+          </p:cNvPr>
+          <p:cNvSpPr txBox="1">
+            <a:spLocks noGrp="1"/>
+          </p:cNvSpPr>
+          <p:nvPr>
+            <p:ph type="title"/>
+          </p:nvPr>
+        </p:nvSpPr>
+        <p:spPr/>
+        <p:txBody>
+          <a:bodyPr/>
+          <a:lstStyle/>
+          <a:p>
+            <a:pPr lvl="0">
+              <a:lnSpc>
+                <a:spcPct val="100000"/>
+              </a:lnSpc>
+            </a:pPr>
+            <a:r>
+              <a:rPr lang="en-GB" sz="5400" b="1" kern="0" dirty="0">
+                <a:solidFill>
+                  <a:srgbClr val="006388"/>
+                </a:solidFill>
+                <a:latin typeface="Fira Sans" pitchFamily="34"/>
+                <a:ea typeface="Fira Code" pitchFamily="49"/>
+              </a:rPr>
+              <a:t>Data wrangling with </a:t>
+            </a:r>
+            <a:r>
+              <a:rPr lang="en-GB" sz="5400" b="1" kern="0" dirty="0" err="1">
+                <a:solidFill>
+                  <a:srgbClr val="006388"/>
+                </a:solidFill>
+                <a:latin typeface="Fira Sans" pitchFamily="34"/>
+                <a:ea typeface="Fira Code" pitchFamily="49"/>
+              </a:rPr>
+              <a:t>dplyr</a:t>
+            </a:r>
+            <a:endParaRPr lang="en-GB" sz="1800" kern="0" dirty="0"/>
+          </a:p>
+        </p:txBody>
+      </p:sp>
+      <p:pic>
+        <p:nvPicPr>
+          <p:cNvPr id="7" name="Picture 6">
+            <a:extLst>
+              <a:ext uri="{FF2B5EF4-FFF2-40B4-BE49-F238E27FC236}">
+                <a16:creationId xmlns:a16="http://schemas.microsoft.com/office/drawing/2014/main" id="{E4AC1E95-2D67-F170-85C4-434251F7D455}"/>
+              </a:ext>
+            </a:extLst>
+          </p:cNvPr>
+          <p:cNvPicPr>
+            <a:picLocks noChangeAspect="1"/>
+          </p:cNvPicPr>
+          <p:nvPr/>
+        </p:nvPicPr>
+        <p:blipFill>
+          <a:blip r:embed="rId2">
+            <a:extLst>
+              <a:ext uri="{28A0092B-C50C-407E-A947-70E740481C1C}">
+                <a14:useLocalDpi xmlns:a14="http://schemas.microsoft.com/office/drawing/2010/main" val="0"/>
+              </a:ext>
+            </a:extLst>
+          </a:blip>
+          <a:srcRect/>
+          <a:stretch/>
+        </p:blipFill>
+        <p:spPr>
+          <a:xfrm>
+            <a:off x="973989" y="2057400"/>
+            <a:ext cx="7930982" cy="3657600"/>
+          </a:xfrm>
+          <a:prstGeom prst="rect">
+            <a:avLst/>
+          </a:prstGeom>
+        </p:spPr>
+      </p:pic>
+    </p:spTree>
+    <p:extLst>
+      <p:ext uri="{BB962C8B-B14F-4D97-AF65-F5344CB8AC3E}">
+        <p14:creationId xmlns:p14="http://schemas.microsoft.com/office/powerpoint/2010/main" val="1786558084"/>
+      </p:ext>
+    </p:extLst>
+  </p:cSld>
+  <p:clrMapOvr>
+    <a:masterClrMapping/>
+  </p:clrMapOvr>
+</p:sld>
+</file>
+
+<file path=ppt/slides/slide21.xml><?xml version="1.0" encoding="utf-8"?>
+<p:sld xmlns:a="http://schemas.openxmlformats.org/drawingml/2006/main" xmlns:r="http://schemas.openxmlformats.org/officeDocument/2006/relationships" xmlns:p="http://schemas.openxmlformats.org/presentationml/2006/main">
+  <p:cSld>
+    <p:spTree>
+      <p:nvGrpSpPr>
+        <p:cNvPr id="1" name=""/>
+        <p:cNvGrpSpPr/>
+        <p:nvPr/>
+      </p:nvGrpSpPr>
+      <p:grpSpPr>
+        <a:xfrm>
+          <a:off x="0" y="0"/>
+          <a:ext cx="0" cy="0"/>
+          <a:chOff x="0" y="0"/>
+          <a:chExt cx="0" cy="0"/>
+        </a:xfrm>
+      </p:grpSpPr>
+      <p:sp>
+        <p:nvSpPr>
+          <p:cNvPr id="2" name="Title 1">
+            <a:extLst>
+              <a:ext uri="{FF2B5EF4-FFF2-40B4-BE49-F238E27FC236}">
                 <a16:creationId xmlns:a16="http://schemas.microsoft.com/office/drawing/2014/main" id="{B05E64BA-2929-4A07-8AD6-785B76E0CA05}"/>
               </a:ext>
             </a:extLst>
@@ -6834,7 +6915,7 @@
 </p:sld>
 </file>
 
-<file path=ppt/slides/slide21.xml><?xml version="1.0" encoding="utf-8"?>
+<file path=ppt/slides/slide22.xml><?xml version="1.0" encoding="utf-8"?>
 <p:sld xmlns:a="http://schemas.openxmlformats.org/drawingml/2006/main" xmlns:r="http://schemas.openxmlformats.org/officeDocument/2006/relationships" xmlns:p="http://schemas.openxmlformats.org/presentationml/2006/main">
   <p:cSld>
     <p:spTree>
@@ -6939,7 +7020,7 @@
 </p:sld>
 </file>
 
-<file path=ppt/slides/slide22.xml><?xml version="1.0" encoding="utf-8"?>
+<file path=ppt/slides/slide23.xml><?xml version="1.0" encoding="utf-8"?>
 <p:sld xmlns:a="http://schemas.openxmlformats.org/drawingml/2006/main" xmlns:r="http://schemas.openxmlformats.org/officeDocument/2006/relationships" xmlns:p="http://schemas.openxmlformats.org/presentationml/2006/main">
   <p:cSld>
     <p:spTree>
@@ -7109,7 +7190,7 @@
 </p:sld>
 </file>
 
-<file path=ppt/slides/slide23.xml><?xml version="1.0" encoding="utf-8"?>
+<file path=ppt/slides/slide24.xml><?xml version="1.0" encoding="utf-8"?>
 <p:sld xmlns:a="http://schemas.openxmlformats.org/drawingml/2006/main" xmlns:r="http://schemas.openxmlformats.org/officeDocument/2006/relationships" xmlns:p="http://schemas.openxmlformats.org/presentationml/2006/main">
   <p:cSld>
     <p:spTree>
@@ -7215,7 +7296,7 @@
 </p:sld>
 </file>
 
-<file path=ppt/slides/slide24.xml><?xml version="1.0" encoding="utf-8"?>
+<file path=ppt/slides/slide25.xml><?xml version="1.0" encoding="utf-8"?>
 <p:sld xmlns:a="http://schemas.openxmlformats.org/drawingml/2006/main" xmlns:r="http://schemas.openxmlformats.org/officeDocument/2006/relationships" xmlns:p="http://schemas.openxmlformats.org/presentationml/2006/main">
   <p:cSld>
     <p:spTree>
@@ -7437,7 +7518,7 @@
 </p:sld>
 </file>
 
-<file path=ppt/slides/slide25.xml><?xml version="1.0" encoding="utf-8"?>
+<file path=ppt/slides/slide26.xml><?xml version="1.0" encoding="utf-8"?>
 <p:sld xmlns:a="http://schemas.openxmlformats.org/drawingml/2006/main" xmlns:r="http://schemas.openxmlformats.org/officeDocument/2006/relationships" xmlns:p="http://schemas.openxmlformats.org/presentationml/2006/main">
   <p:cSld>
     <p:spTree>
@@ -7542,7 +7623,7 @@
 </p:sld>
 </file>
 
-<file path=ppt/slides/slide26.xml><?xml version="1.0" encoding="utf-8"?>
+<file path=ppt/slides/slide27.xml><?xml version="1.0" encoding="utf-8"?>
 <p:sld xmlns:a="http://schemas.openxmlformats.org/drawingml/2006/main" xmlns:r="http://schemas.openxmlformats.org/officeDocument/2006/relationships" xmlns:p="http://schemas.openxmlformats.org/presentationml/2006/main">
   <p:cSld>
     <p:spTree>
@@ -7752,7 +7833,7 @@
 </p:sld>
 </file>
 
-<file path=ppt/slides/slide27.xml><?xml version="1.0" encoding="utf-8"?>
+<file path=ppt/slides/slide28.xml><?xml version="1.0" encoding="utf-8"?>
 <p:sld xmlns:a="http://schemas.openxmlformats.org/drawingml/2006/main" xmlns:r="http://schemas.openxmlformats.org/officeDocument/2006/relationships" xmlns:p="http://schemas.openxmlformats.org/presentationml/2006/main">
   <p:cSld>
     <p:spTree>
@@ -7962,237 +8043,6 @@
 </p:sld>
 </file>
 
-<file path=ppt/slides/slide28.xml><?xml version="1.0" encoding="utf-8"?>
-<p:sld xmlns:a="http://schemas.openxmlformats.org/drawingml/2006/main" xmlns:r="http://schemas.openxmlformats.org/officeDocument/2006/relationships" xmlns:p="http://schemas.openxmlformats.org/presentationml/2006/main">
-  <p:cSld>
-    <p:spTree>
-      <p:nvGrpSpPr>
-        <p:cNvPr id="1" name=""/>
-        <p:cNvGrpSpPr/>
-        <p:nvPr/>
-      </p:nvGrpSpPr>
-      <p:grpSpPr>
-        <a:xfrm>
-          <a:off x="0" y="0"/>
-          <a:ext cx="0" cy="0"/>
-          <a:chOff x="0" y="0"/>
-          <a:chExt cx="0" cy="0"/>
-        </a:xfrm>
-      </p:grpSpPr>
-      <p:sp>
-        <p:nvSpPr>
-          <p:cNvPr id="2" name="Title 1">
-            <a:extLst>
-              <a:ext uri="{FF2B5EF4-FFF2-40B4-BE49-F238E27FC236}">
-                <a16:creationId xmlns:a16="http://schemas.microsoft.com/office/drawing/2014/main" id="{AD5C8D82-9C73-409E-BCB5-8FC0C58FFD6F}"/>
-              </a:ext>
-            </a:extLst>
-          </p:cNvPr>
-          <p:cNvSpPr txBox="1">
-            <a:spLocks noGrp="1"/>
-          </p:cNvSpPr>
-          <p:nvPr>
-            <p:ph type="title"/>
-          </p:nvPr>
-        </p:nvSpPr>
-        <p:spPr/>
-        <p:txBody>
-          <a:bodyPr/>
-          <a:lstStyle/>
-          <a:p>
-            <a:pPr lvl="0">
-              <a:lnSpc>
-                <a:spcPct val="100000"/>
-              </a:lnSpc>
-            </a:pPr>
-            <a:r>
-              <a:rPr lang="en-GB" sz="5400" b="1" kern="0" dirty="0">
-                <a:solidFill>
-                  <a:srgbClr val="006388"/>
-                </a:solidFill>
-                <a:latin typeface="Fira Sans" pitchFamily="34"/>
-                <a:ea typeface="Fira Code" pitchFamily="49"/>
-              </a:rPr>
-              <a:t>Pivoting with </a:t>
-            </a:r>
-            <a:r>
-              <a:rPr lang="en-GB" sz="5400" b="1" kern="0" dirty="0" err="1">
-                <a:solidFill>
-                  <a:srgbClr val="006388"/>
-                </a:solidFill>
-                <a:latin typeface="Fira Sans" pitchFamily="34"/>
-                <a:ea typeface="Fira Code" pitchFamily="49"/>
-              </a:rPr>
-              <a:t>tidyr</a:t>
-            </a:r>
-            <a:endParaRPr lang="en-GB" sz="1800" kern="0" dirty="0"/>
-          </a:p>
-        </p:txBody>
-      </p:sp>
-      <p:sp>
-        <p:nvSpPr>
-          <p:cNvPr id="3" name="Content Placeholder 2">
-            <a:extLst>
-              <a:ext uri="{FF2B5EF4-FFF2-40B4-BE49-F238E27FC236}">
-                <a16:creationId xmlns:a16="http://schemas.microsoft.com/office/drawing/2014/main" id="{52AC049D-3A71-449E-8E64-0A8A70569E28}"/>
-              </a:ext>
-            </a:extLst>
-          </p:cNvPr>
-          <p:cNvSpPr txBox="1">
-            <a:spLocks noGrp="1"/>
-          </p:cNvSpPr>
-          <p:nvPr>
-            <p:ph idx="1"/>
-          </p:nvPr>
-        </p:nvSpPr>
-        <p:spPr>
-          <a:xfrm>
-            <a:off x="838203" y="1825627"/>
-            <a:ext cx="10515600" cy="4667243"/>
-          </a:xfrm>
-        </p:spPr>
-        <p:txBody>
-          <a:bodyPr>
-            <a:normAutofit lnSpcReduction="10000"/>
-          </a:bodyPr>
-          <a:lstStyle/>
-          <a:p>
-            <a:pPr marL="0" lvl="0" indent="0">
-              <a:lnSpc>
-                <a:spcPct val="120000"/>
-              </a:lnSpc>
-              <a:buNone/>
-            </a:pPr>
-            <a:r>
-              <a:rPr lang="en-GB" b="1" dirty="0" err="1">
-                <a:solidFill>
-                  <a:srgbClr val="404040"/>
-                </a:solidFill>
-                <a:latin typeface="Fira Sans" pitchFamily="34"/>
-              </a:rPr>
-              <a:t>pivot_longer</a:t>
-            </a:r>
-            <a:endParaRPr lang="en-GB" b="1" dirty="0">
-              <a:solidFill>
-                <a:srgbClr val="404040"/>
-              </a:solidFill>
-              <a:latin typeface="Fira Sans" pitchFamily="34"/>
-            </a:endParaRPr>
-          </a:p>
-          <a:p>
-            <a:pPr marL="0" lvl="0" indent="0">
-              <a:lnSpc>
-                <a:spcPct val="120000"/>
-              </a:lnSpc>
-              <a:buNone/>
-            </a:pPr>
-            <a:r>
-              <a:rPr lang="en-GB" dirty="0">
-                <a:solidFill>
-                  <a:srgbClr val="404040"/>
-                </a:solidFill>
-                <a:latin typeface="Fira Sans" pitchFamily="34"/>
-              </a:rPr>
-              <a:t>Combines various columns into a single “value” column with an additional “name” column to indicate where the value came from</a:t>
-            </a:r>
-          </a:p>
-          <a:p>
-            <a:pPr marL="0" lvl="0" indent="0">
-              <a:lnSpc>
-                <a:spcPct val="120000"/>
-              </a:lnSpc>
-              <a:buNone/>
-            </a:pPr>
-            <a:endParaRPr lang="en-GB" b="1" dirty="0">
-              <a:solidFill>
-                <a:srgbClr val="404040"/>
-              </a:solidFill>
-              <a:latin typeface="Fira Sans" pitchFamily="34"/>
-            </a:endParaRPr>
-          </a:p>
-          <a:p>
-            <a:pPr marL="0" lvl="0" indent="0">
-              <a:lnSpc>
-                <a:spcPct val="120000"/>
-              </a:lnSpc>
-              <a:buNone/>
-            </a:pPr>
-            <a:r>
-              <a:rPr lang="en-GB" b="1" dirty="0" err="1">
-                <a:solidFill>
-                  <a:srgbClr val="404040"/>
-                </a:solidFill>
-                <a:latin typeface="Fira Sans" pitchFamily="34"/>
-              </a:rPr>
-              <a:t>pivot_wider</a:t>
-            </a:r>
-            <a:endParaRPr lang="en-GB" b="1" dirty="0">
-              <a:solidFill>
-                <a:srgbClr val="404040"/>
-              </a:solidFill>
-              <a:latin typeface="Fira Sans" pitchFamily="34"/>
-            </a:endParaRPr>
-          </a:p>
-          <a:p>
-            <a:pPr marL="0" lvl="0" indent="0">
-              <a:lnSpc>
-                <a:spcPct val="120000"/>
-              </a:lnSpc>
-              <a:buNone/>
-            </a:pPr>
-            <a:r>
-              <a:rPr lang="en-GB" dirty="0">
-                <a:solidFill>
-                  <a:srgbClr val="404040"/>
-                </a:solidFill>
-                <a:latin typeface="Fira Sans" pitchFamily="34"/>
-              </a:rPr>
-              <a:t>The opposite: puts rows of different categories in separate columns</a:t>
-            </a:r>
-          </a:p>
-          <a:p>
-            <a:pPr marL="0" lvl="0" indent="0">
-              <a:lnSpc>
-                <a:spcPct val="120000"/>
-              </a:lnSpc>
-              <a:buNone/>
-            </a:pPr>
-            <a:endParaRPr lang="en-GB" b="1" dirty="0">
-              <a:solidFill>
-                <a:srgbClr val="404040"/>
-              </a:solidFill>
-              <a:latin typeface="Fira Sans" pitchFamily="34"/>
-            </a:endParaRPr>
-          </a:p>
-          <a:p>
-            <a:pPr marL="0" lvl="0" indent="0">
-              <a:lnSpc>
-                <a:spcPct val="120000"/>
-              </a:lnSpc>
-              <a:buNone/>
-            </a:pPr>
-            <a:endParaRPr lang="en-GB" dirty="0">
-              <a:solidFill>
-                <a:srgbClr val="404040"/>
-              </a:solidFill>
-              <a:latin typeface="Fira Sans" pitchFamily="34"/>
-            </a:endParaRPr>
-          </a:p>
-        </p:txBody>
-      </p:sp>
-    </p:spTree>
-    <p:extLst>
-      <p:ext uri="{BB962C8B-B14F-4D97-AF65-F5344CB8AC3E}">
-        <p14:creationId xmlns:p14="http://schemas.microsoft.com/office/powerpoint/2010/main" val="607770992"/>
-      </p:ext>
-    </p:extLst>
-  </p:cSld>
-  <p:clrMapOvr>
-    <a:masterClrMapping/>
-  </p:clrMapOvr>
-</p:sld>
-</file>
-
 <file path=ppt/slides/slide29.xml><?xml version="1.0" encoding="utf-8"?>
 <p:sld xmlns:a="http://schemas.openxmlformats.org/drawingml/2006/main" xmlns:r="http://schemas.openxmlformats.org/officeDocument/2006/relationships" xmlns:p="http://schemas.openxmlformats.org/presentationml/2006/main">
   <p:cSld>
@@ -8215,7 +8065,7 @@
           <p:cNvPr id="2" name="Title 1">
             <a:extLst>
               <a:ext uri="{FF2B5EF4-FFF2-40B4-BE49-F238E27FC236}">
-                <a16:creationId xmlns:a16="http://schemas.microsoft.com/office/drawing/2014/main" id="{F4F737D5-F7B5-4FDE-BE2A-23C8580FAE61}"/>
+                <a16:creationId xmlns:a16="http://schemas.microsoft.com/office/drawing/2014/main" id="{AD5C8D82-9C73-409E-BCB5-8FC0C58FFD6F}"/>
               </a:ext>
             </a:extLst>
           </p:cNvPr>
@@ -8244,51 +8094,177 @@
                 <a:latin typeface="Fira Sans" pitchFamily="34"/>
                 <a:ea typeface="Fira Code" pitchFamily="49"/>
               </a:rPr>
-              <a:t>Example dataset: l100k</a:t>
+              <a:t>Pivoting with </a:t>
+            </a:r>
+            <a:r>
+              <a:rPr lang="en-GB" sz="5400" b="1" kern="0" dirty="0" err="1">
+                <a:solidFill>
+                  <a:srgbClr val="006388"/>
+                </a:solidFill>
+                <a:latin typeface="Fira Sans" pitchFamily="34"/>
+                <a:ea typeface="Fira Code" pitchFamily="49"/>
+              </a:rPr>
+              <a:t>tidyr</a:t>
             </a:r>
             <a:endParaRPr lang="en-GB" sz="1800" kern="0" dirty="0"/>
           </a:p>
         </p:txBody>
       </p:sp>
-      <p:pic>
-        <p:nvPicPr>
-          <p:cNvPr id="7" name="Picture 6">
-            <a:extLst>
-              <a:ext uri="{FF2B5EF4-FFF2-40B4-BE49-F238E27FC236}">
-                <a16:creationId xmlns:a16="http://schemas.microsoft.com/office/drawing/2014/main" id="{E4AC1E95-2D67-F170-85C4-434251F7D455}"/>
-              </a:ext>
-            </a:extLst>
-          </p:cNvPr>
-          <p:cNvPicPr>
-            <a:picLocks noChangeAspect="1"/>
-          </p:cNvPicPr>
-          <p:nvPr/>
-        </p:nvPicPr>
-        <p:blipFill>
-          <a:blip r:embed="rId2">
-            <a:extLst>
-              <a:ext uri="{28A0092B-C50C-407E-A947-70E740481C1C}">
-                <a14:useLocalDpi xmlns:a14="http://schemas.microsoft.com/office/drawing/2010/main" val="0"/>
-              </a:ext>
-            </a:extLst>
-          </a:blip>
-          <a:srcRect/>
-          <a:stretch/>
-        </p:blipFill>
+      <p:sp>
+        <p:nvSpPr>
+          <p:cNvPr id="3" name="Content Placeholder 2">
+            <a:extLst>
+              <a:ext uri="{FF2B5EF4-FFF2-40B4-BE49-F238E27FC236}">
+                <a16:creationId xmlns:a16="http://schemas.microsoft.com/office/drawing/2014/main" id="{52AC049D-3A71-449E-8E64-0A8A70569E28}"/>
+              </a:ext>
+            </a:extLst>
+          </p:cNvPr>
+          <p:cNvSpPr txBox="1">
+            <a:spLocks noGrp="1"/>
+          </p:cNvSpPr>
+          <p:nvPr>
+            <p:ph idx="1"/>
+          </p:nvPr>
+        </p:nvSpPr>
         <p:spPr>
           <a:xfrm>
-            <a:off x="973989" y="2057400"/>
-            <a:ext cx="7930982" cy="3657600"/>
+            <a:off x="838203" y="1825627"/>
+            <a:ext cx="10515600" cy="4667243"/>
           </a:xfrm>
-          <a:prstGeom prst="rect">
-            <a:avLst/>
-          </a:prstGeom>
         </p:spPr>
-      </p:pic>
+        <p:txBody>
+          <a:bodyPr>
+            <a:normAutofit lnSpcReduction="10000"/>
+          </a:bodyPr>
+          <a:lstStyle/>
+          <a:p>
+            <a:pPr marL="0" lvl="0" indent="0">
+              <a:lnSpc>
+                <a:spcPct val="120000"/>
+              </a:lnSpc>
+              <a:buNone/>
+            </a:pPr>
+            <a:r>
+              <a:rPr lang="en-GB" b="1" dirty="0" err="1">
+                <a:solidFill>
+                  <a:srgbClr val="404040"/>
+                </a:solidFill>
+                <a:latin typeface="Fira Sans" pitchFamily="34"/>
+              </a:rPr>
+              <a:t>pivot_longer</a:t>
+            </a:r>
+            <a:endParaRPr lang="en-GB" b="1" dirty="0">
+              <a:solidFill>
+                <a:srgbClr val="404040"/>
+              </a:solidFill>
+              <a:latin typeface="Fira Sans" pitchFamily="34"/>
+            </a:endParaRPr>
+          </a:p>
+          <a:p>
+            <a:pPr marL="0" lvl="0" indent="0">
+              <a:lnSpc>
+                <a:spcPct val="120000"/>
+              </a:lnSpc>
+              <a:buNone/>
+            </a:pPr>
+            <a:r>
+              <a:rPr lang="en-GB" dirty="0">
+                <a:solidFill>
+                  <a:srgbClr val="404040"/>
+                </a:solidFill>
+                <a:latin typeface="Fira Sans" pitchFamily="34"/>
+              </a:rPr>
+              <a:t>Combines various columns into a single “value” column with an additional “name” column to indicate where the value came from</a:t>
+            </a:r>
+          </a:p>
+          <a:p>
+            <a:pPr marL="0" lvl="0" indent="0">
+              <a:lnSpc>
+                <a:spcPct val="120000"/>
+              </a:lnSpc>
+              <a:buNone/>
+            </a:pPr>
+            <a:endParaRPr lang="en-GB" b="1" dirty="0">
+              <a:solidFill>
+                <a:srgbClr val="404040"/>
+              </a:solidFill>
+              <a:latin typeface="Fira Sans" pitchFamily="34"/>
+            </a:endParaRPr>
+          </a:p>
+          <a:p>
+            <a:pPr marL="0" lvl="0" indent="0">
+              <a:lnSpc>
+                <a:spcPct val="120000"/>
+              </a:lnSpc>
+              <a:buNone/>
+            </a:pPr>
+            <a:r>
+              <a:rPr lang="en-GB" b="1" dirty="0" err="1">
+                <a:solidFill>
+                  <a:srgbClr val="404040"/>
+                </a:solidFill>
+                <a:latin typeface="Fira Sans" pitchFamily="34"/>
+              </a:rPr>
+              <a:t>pivot_wider</a:t>
+            </a:r>
+            <a:endParaRPr lang="en-GB" b="1" dirty="0">
+              <a:solidFill>
+                <a:srgbClr val="404040"/>
+              </a:solidFill>
+              <a:latin typeface="Fira Sans" pitchFamily="34"/>
+            </a:endParaRPr>
+          </a:p>
+          <a:p>
+            <a:pPr marL="0" lvl="0" indent="0">
+              <a:lnSpc>
+                <a:spcPct val="120000"/>
+              </a:lnSpc>
+              <a:buNone/>
+            </a:pPr>
+            <a:r>
+              <a:rPr lang="en-GB" dirty="0">
+                <a:solidFill>
+                  <a:srgbClr val="404040"/>
+                </a:solidFill>
+                <a:latin typeface="Fira Sans" pitchFamily="34"/>
+              </a:rPr>
+              <a:t>The opposite: puts rows of different categories in separate columns</a:t>
+            </a:r>
+          </a:p>
+          <a:p>
+            <a:pPr marL="0" lvl="0" indent="0">
+              <a:lnSpc>
+                <a:spcPct val="120000"/>
+              </a:lnSpc>
+              <a:buNone/>
+            </a:pPr>
+            <a:endParaRPr lang="en-GB" b="1" dirty="0">
+              <a:solidFill>
+                <a:srgbClr val="404040"/>
+              </a:solidFill>
+              <a:latin typeface="Fira Sans" pitchFamily="34"/>
+            </a:endParaRPr>
+          </a:p>
+          <a:p>
+            <a:pPr marL="0" lvl="0" indent="0">
+              <a:lnSpc>
+                <a:spcPct val="120000"/>
+              </a:lnSpc>
+              <a:buNone/>
+            </a:pPr>
+            <a:endParaRPr lang="en-GB" dirty="0">
+              <a:solidFill>
+                <a:srgbClr val="404040"/>
+              </a:solidFill>
+              <a:latin typeface="Fira Sans" pitchFamily="34"/>
+            </a:endParaRPr>
+          </a:p>
+        </p:txBody>
+      </p:sp>
     </p:spTree>
     <p:extLst>
       <p:ext uri="{BB962C8B-B14F-4D97-AF65-F5344CB8AC3E}">
-        <p14:creationId xmlns:p14="http://schemas.microsoft.com/office/powerpoint/2010/main" val="1037772374"/>
+        <p14:creationId xmlns:p14="http://schemas.microsoft.com/office/powerpoint/2010/main" val="607770992"/>
       </p:ext>
     </p:extLst>
   </p:cSld>
@@ -8924,6 +8900,111 @@
           <p:cNvPr id="2" name="Title 1">
             <a:extLst>
               <a:ext uri="{FF2B5EF4-FFF2-40B4-BE49-F238E27FC236}">
+                <a16:creationId xmlns:a16="http://schemas.microsoft.com/office/drawing/2014/main" id="{F4F737D5-F7B5-4FDE-BE2A-23C8580FAE61}"/>
+              </a:ext>
+            </a:extLst>
+          </p:cNvPr>
+          <p:cNvSpPr txBox="1">
+            <a:spLocks noGrp="1"/>
+          </p:cNvSpPr>
+          <p:nvPr>
+            <p:ph type="title"/>
+          </p:nvPr>
+        </p:nvSpPr>
+        <p:spPr/>
+        <p:txBody>
+          <a:bodyPr/>
+          <a:lstStyle/>
+          <a:p>
+            <a:pPr lvl="0">
+              <a:lnSpc>
+                <a:spcPct val="100000"/>
+              </a:lnSpc>
+            </a:pPr>
+            <a:r>
+              <a:rPr lang="en-GB" sz="5400" b="1" kern="0" dirty="0">
+                <a:solidFill>
+                  <a:srgbClr val="006388"/>
+                </a:solidFill>
+                <a:latin typeface="Fira Sans" pitchFamily="34"/>
+                <a:ea typeface="Fira Code" pitchFamily="49"/>
+              </a:rPr>
+              <a:t>Example dataset: l100k</a:t>
+            </a:r>
+            <a:endParaRPr lang="en-GB" sz="1800" kern="0" dirty="0"/>
+          </a:p>
+        </p:txBody>
+      </p:sp>
+      <p:pic>
+        <p:nvPicPr>
+          <p:cNvPr id="7" name="Picture 6">
+            <a:extLst>
+              <a:ext uri="{FF2B5EF4-FFF2-40B4-BE49-F238E27FC236}">
+                <a16:creationId xmlns:a16="http://schemas.microsoft.com/office/drawing/2014/main" id="{E4AC1E95-2D67-F170-85C4-434251F7D455}"/>
+              </a:ext>
+            </a:extLst>
+          </p:cNvPr>
+          <p:cNvPicPr>
+            <a:picLocks noChangeAspect="1"/>
+          </p:cNvPicPr>
+          <p:nvPr/>
+        </p:nvPicPr>
+        <p:blipFill>
+          <a:blip r:embed="rId2">
+            <a:extLst>
+              <a:ext uri="{28A0092B-C50C-407E-A947-70E740481C1C}">
+                <a14:useLocalDpi xmlns:a14="http://schemas.microsoft.com/office/drawing/2010/main" val="0"/>
+              </a:ext>
+            </a:extLst>
+          </a:blip>
+          <a:srcRect/>
+          <a:stretch/>
+        </p:blipFill>
+        <p:spPr>
+          <a:xfrm>
+            <a:off x="973989" y="2057400"/>
+            <a:ext cx="7930982" cy="3657600"/>
+          </a:xfrm>
+          <a:prstGeom prst="rect">
+            <a:avLst/>
+          </a:prstGeom>
+        </p:spPr>
+      </p:pic>
+    </p:spTree>
+    <p:extLst>
+      <p:ext uri="{BB962C8B-B14F-4D97-AF65-F5344CB8AC3E}">
+        <p14:creationId xmlns:p14="http://schemas.microsoft.com/office/powerpoint/2010/main" val="1037772374"/>
+      </p:ext>
+    </p:extLst>
+  </p:cSld>
+  <p:clrMapOvr>
+    <a:masterClrMapping/>
+  </p:clrMapOvr>
+</p:sld>
+</file>
+
+<file path=ppt/slides/slide31.xml><?xml version="1.0" encoding="utf-8"?>
+<p:sld xmlns:a="http://schemas.openxmlformats.org/drawingml/2006/main" xmlns:r="http://schemas.openxmlformats.org/officeDocument/2006/relationships" xmlns:p="http://schemas.openxmlformats.org/presentationml/2006/main">
+  <p:cSld>
+    <p:spTree>
+      <p:nvGrpSpPr>
+        <p:cNvPr id="1" name=""/>
+        <p:cNvGrpSpPr/>
+        <p:nvPr/>
+      </p:nvGrpSpPr>
+      <p:grpSpPr>
+        <a:xfrm>
+          <a:off x="0" y="0"/>
+          <a:ext cx="0" cy="0"/>
+          <a:chOff x="0" y="0"/>
+          <a:chExt cx="0" cy="0"/>
+        </a:xfrm>
+      </p:grpSpPr>
+      <p:sp>
+        <p:nvSpPr>
+          <p:cNvPr id="2" name="Title 1">
+            <a:extLst>
+              <a:ext uri="{FF2B5EF4-FFF2-40B4-BE49-F238E27FC236}">
                 <a16:creationId xmlns:a16="http://schemas.microsoft.com/office/drawing/2014/main" id="{AD5C8D82-9C73-409E-BCB5-8FC0C58FFD6F}"/>
               </a:ext>
             </a:extLst>
@@ -9082,7 +9163,7 @@
 </p:sld>
 </file>
 
-<file path=ppt/slides/slide31.xml><?xml version="1.0" encoding="utf-8"?>
+<file path=ppt/slides/slide32.xml><?xml version="1.0" encoding="utf-8"?>
 <p:sld xmlns:a="http://schemas.openxmlformats.org/drawingml/2006/main" xmlns:r="http://schemas.openxmlformats.org/officeDocument/2006/relationships" xmlns:p="http://schemas.openxmlformats.org/presentationml/2006/main">
   <p:cSld>
     <p:spTree>
@@ -9197,7 +9278,7 @@
 </p:sld>
 </file>
 
-<file path=ppt/slides/slide32.xml><?xml version="1.0" encoding="utf-8"?>
+<file path=ppt/slides/slide33.xml><?xml version="1.0" encoding="utf-8"?>
 <p:sld xmlns:a="http://schemas.openxmlformats.org/drawingml/2006/main" xmlns:r="http://schemas.openxmlformats.org/officeDocument/2006/relationships" xmlns:p="http://schemas.openxmlformats.org/presentationml/2006/main">
   <p:cSld>
     <p:spTree>
@@ -9398,7 +9479,7 @@
 </p:sld>
 </file>
 
-<file path=ppt/slides/slide33.xml><?xml version="1.0" encoding="utf-8"?>
+<file path=ppt/slides/slide34.xml><?xml version="1.0" encoding="utf-8"?>
 <p:sld xmlns:a="http://schemas.openxmlformats.org/drawingml/2006/main" xmlns:r="http://schemas.openxmlformats.org/officeDocument/2006/relationships" xmlns:p="http://schemas.openxmlformats.org/presentationml/2006/main">
   <p:cSld>
     <p:spTree>
@@ -9565,7 +9646,7 @@
 </p:sld>
 </file>
 
-<file path=ppt/slides/slide34.xml><?xml version="1.0" encoding="utf-8"?>
+<file path=ppt/slides/slide35.xml><?xml version="1.0" encoding="utf-8"?>
 <p:sld xmlns:a="http://schemas.openxmlformats.org/drawingml/2006/main" xmlns:r="http://schemas.openxmlformats.org/officeDocument/2006/relationships" xmlns:p="http://schemas.openxmlformats.org/presentationml/2006/main">
   <p:cSld>
     <p:spTree>
@@ -9732,7 +9813,7 @@
 </p:sld>
 </file>
 
-<file path=ppt/slides/slide35.xml><?xml version="1.0" encoding="utf-8"?>
+<file path=ppt/slides/slide36.xml><?xml version="1.0" encoding="utf-8"?>
 <p:sld xmlns:a="http://schemas.openxmlformats.org/drawingml/2006/main" xmlns:r="http://schemas.openxmlformats.org/officeDocument/2006/relationships" xmlns:p="http://schemas.openxmlformats.org/presentationml/2006/main">
   <p:cSld>
     <p:spTree>
@@ -9891,7 +9972,7 @@
 </p:sld>
 </file>
 
-<file path=ppt/slides/slide36.xml><?xml version="1.0" encoding="utf-8"?>
+<file path=ppt/slides/slide37.xml><?xml version="1.0" encoding="utf-8"?>
 <p:sld xmlns:a="http://schemas.openxmlformats.org/drawingml/2006/main" xmlns:r="http://schemas.openxmlformats.org/officeDocument/2006/relationships" xmlns:p="http://schemas.openxmlformats.org/presentationml/2006/main">
   <p:cSld>
     <p:spTree>
@@ -10006,7 +10087,7 @@
 </p:sld>
 </file>
 
-<file path=ppt/slides/slide37.xml><?xml version="1.0" encoding="utf-8"?>
+<file path=ppt/slides/slide38.xml><?xml version="1.0" encoding="utf-8"?>
 <p:sld xmlns:a="http://schemas.openxmlformats.org/drawingml/2006/main" xmlns:r="http://schemas.openxmlformats.org/officeDocument/2006/relationships" xmlns:p="http://schemas.openxmlformats.org/presentationml/2006/main">
   <p:cSld name="Slide70">
     <p:spTree>
@@ -10230,7 +10311,7 @@
 </p:sld>
 </file>
 
-<file path=ppt/slides/slide38.xml><?xml version="1.0" encoding="utf-8"?>
+<file path=ppt/slides/slide39.xml><?xml version="1.0" encoding="utf-8"?>
 <p:sld xmlns:a="http://schemas.openxmlformats.org/drawingml/2006/main" xmlns:r="http://schemas.openxmlformats.org/officeDocument/2006/relationships" xmlns:p="http://schemas.openxmlformats.org/presentationml/2006/main">
   <p:cSld name="Slide52">
     <p:bg>
@@ -10300,254 +10381,6 @@
               <a:solidFill>
                 <a:srgbClr val="FFFFFF"/>
               </a:solidFill>
-            </a:endParaRPr>
-          </a:p>
-        </p:txBody>
-      </p:sp>
-    </p:spTree>
-  </p:cSld>
-  <p:clrMapOvr>
-    <a:masterClrMapping/>
-  </p:clrMapOvr>
-</p:sld>
-</file>
-
-<file path=ppt/slides/slide39.xml><?xml version="1.0" encoding="utf-8"?>
-<p:sld xmlns:a="http://schemas.openxmlformats.org/drawingml/2006/main" xmlns:r="http://schemas.openxmlformats.org/officeDocument/2006/relationships" xmlns:p="http://schemas.openxmlformats.org/presentationml/2006/main" show="0">
-  <p:cSld name="Slide58">
-    <p:spTree>
-      <p:nvGrpSpPr>
-        <p:cNvPr id="1" name=""/>
-        <p:cNvGrpSpPr/>
-        <p:nvPr/>
-      </p:nvGrpSpPr>
-      <p:grpSpPr>
-        <a:xfrm>
-          <a:off x="0" y="0"/>
-          <a:ext cx="0" cy="0"/>
-          <a:chOff x="0" y="0"/>
-          <a:chExt cx="0" cy="0"/>
-        </a:xfrm>
-      </p:grpSpPr>
-      <p:sp>
-        <p:nvSpPr>
-          <p:cNvPr id="2" name="Title 1">
-            <a:extLst>
-              <a:ext uri="{FF2B5EF4-FFF2-40B4-BE49-F238E27FC236}">
-                <a16:creationId xmlns:a16="http://schemas.microsoft.com/office/drawing/2014/main" id="{036EB03B-6F62-4CCD-A4CD-12EC24AAF912}"/>
-              </a:ext>
-            </a:extLst>
-          </p:cNvPr>
-          <p:cNvSpPr txBox="1">
-            <a:spLocks noGrp="1"/>
-          </p:cNvSpPr>
-          <p:nvPr>
-            <p:ph type="title"/>
-          </p:nvPr>
-        </p:nvSpPr>
-        <p:spPr/>
-        <p:txBody>
-          <a:bodyPr/>
-          <a:lstStyle/>
-          <a:p>
-            <a:pPr lvl="0">
-              <a:lnSpc>
-                <a:spcPct val="100000"/>
-              </a:lnSpc>
-            </a:pPr>
-            <a:r>
-              <a:rPr lang="en-GB" sz="5400" b="1" kern="0">
-                <a:solidFill>
-                  <a:srgbClr val="006388"/>
-                </a:solidFill>
-                <a:latin typeface="Fira Sans" pitchFamily="34"/>
-                <a:ea typeface="Fira Code" pitchFamily="49"/>
-              </a:rPr>
-              <a:t>Default light slide</a:t>
-            </a:r>
-            <a:endParaRPr lang="en-GB" sz="1800" kern="0"/>
-          </a:p>
-        </p:txBody>
-      </p:sp>
-      <p:sp>
-        <p:nvSpPr>
-          <p:cNvPr id="3" name="Content Placeholder 2">
-            <a:extLst>
-              <a:ext uri="{FF2B5EF4-FFF2-40B4-BE49-F238E27FC236}">
-                <a16:creationId xmlns:a16="http://schemas.microsoft.com/office/drawing/2014/main" id="{101C6031-0036-4227-9AE0-DCC63CE3973A}"/>
-              </a:ext>
-            </a:extLst>
-          </p:cNvPr>
-          <p:cNvSpPr txBox="1">
-            <a:spLocks noGrp="1"/>
-          </p:cNvSpPr>
-          <p:nvPr>
-            <p:ph idx="1"/>
-          </p:nvPr>
-        </p:nvSpPr>
-        <p:spPr>
-          <a:xfrm>
-            <a:off x="838203" y="1825627"/>
-            <a:ext cx="10515600" cy="4667243"/>
-          </a:xfrm>
-        </p:spPr>
-        <p:txBody>
-          <a:bodyPr/>
-          <a:lstStyle/>
-          <a:p>
-            <a:pPr marL="0" lvl="0" indent="0">
-              <a:buNone/>
-            </a:pPr>
-            <a:r>
-              <a:rPr lang="en-GB" sz="2000" b="1">
-                <a:solidFill>
-                  <a:srgbClr val="404040"/>
-                </a:solidFill>
-                <a:latin typeface="Fira Sans" pitchFamily="34"/>
-              </a:rPr>
-              <a:t>Default subheading</a:t>
-            </a:r>
-          </a:p>
-          <a:p>
-            <a:pPr marL="0" lvl="0" indent="0">
-              <a:buNone/>
-            </a:pPr>
-            <a:r>
-              <a:rPr lang="en-GB" sz="2000">
-                <a:solidFill>
-                  <a:srgbClr val="404040"/>
-                </a:solidFill>
-                <a:latin typeface="Fira Sans" pitchFamily="34"/>
-              </a:rPr>
-              <a:t>This is the body of the text </a:t>
-            </a:r>
-          </a:p>
-          <a:p>
-            <a:pPr marL="0" lvl="0" indent="0">
-              <a:buNone/>
-            </a:pPr>
-            <a:endParaRPr lang="en-GB" sz="2000">
-              <a:solidFill>
-                <a:srgbClr val="404040"/>
-              </a:solidFill>
-              <a:latin typeface="Fira Sans" pitchFamily="34"/>
-            </a:endParaRPr>
-          </a:p>
-          <a:p>
-            <a:pPr marL="0" lvl="0" indent="0">
-              <a:buNone/>
-            </a:pPr>
-            <a:r>
-              <a:rPr lang="en-GB" sz="2000" b="1">
-                <a:solidFill>
-                  <a:srgbClr val="404040"/>
-                </a:solidFill>
-                <a:latin typeface="Fira Sans" pitchFamily="34"/>
-              </a:rPr>
-              <a:t>Default subheading</a:t>
-            </a:r>
-          </a:p>
-          <a:p>
-            <a:pPr marL="0" lvl="0" indent="0">
-              <a:buNone/>
-            </a:pPr>
-            <a:r>
-              <a:rPr lang="en-GB" sz="2000">
-                <a:solidFill>
-                  <a:srgbClr val="404040"/>
-                </a:solidFill>
-                <a:latin typeface="Fira Sans" pitchFamily="34"/>
-              </a:rPr>
-              <a:t>Note that the text is not black, but “black, text 1, lighter 25%”</a:t>
-            </a:r>
-          </a:p>
-          <a:p>
-            <a:pPr marL="0" lvl="0" indent="0">
-              <a:buNone/>
-            </a:pPr>
-            <a:endParaRPr lang="en-GB" sz="2000">
-              <a:solidFill>
-                <a:srgbClr val="404040"/>
-              </a:solidFill>
-              <a:latin typeface="Fira Sans" pitchFamily="34"/>
-            </a:endParaRPr>
-          </a:p>
-          <a:p>
-            <a:pPr marL="0" lvl="0" indent="0">
-              <a:buNone/>
-            </a:pPr>
-            <a:r>
-              <a:rPr lang="en-GB" sz="2000" b="1">
-                <a:solidFill>
-                  <a:srgbClr val="404040"/>
-                </a:solidFill>
-                <a:latin typeface="Fira Sans" pitchFamily="34"/>
-              </a:rPr>
-              <a:t>Default subheading</a:t>
-            </a:r>
-          </a:p>
-          <a:p>
-            <a:pPr marL="0" lvl="0" indent="0">
-              <a:buNone/>
-            </a:pPr>
-            <a:r>
-              <a:rPr lang="en-GB" sz="2000">
-                <a:solidFill>
-                  <a:srgbClr val="404040"/>
-                </a:solidFill>
-                <a:latin typeface="Fira Sans" pitchFamily="34"/>
-              </a:rPr>
-              <a:t>This makes things easier on the eyes</a:t>
-            </a:r>
-          </a:p>
-          <a:p>
-            <a:pPr marL="0" lvl="0" indent="0">
-              <a:buNone/>
-            </a:pPr>
-            <a:endParaRPr lang="en-GB" sz="2000">
-              <a:solidFill>
-                <a:srgbClr val="404040"/>
-              </a:solidFill>
-              <a:latin typeface="Fira Sans" pitchFamily="34"/>
-            </a:endParaRPr>
-          </a:p>
-          <a:p>
-            <a:pPr marL="0" lvl="0" indent="0">
-              <a:buNone/>
-            </a:pPr>
-            <a:r>
-              <a:rPr lang="en-GB" sz="2000" b="1">
-                <a:solidFill>
-                  <a:srgbClr val="404040"/>
-                </a:solidFill>
-                <a:latin typeface="Fira Sans" pitchFamily="34"/>
-              </a:rPr>
-              <a:t>Default subheading</a:t>
-            </a:r>
-          </a:p>
-          <a:p>
-            <a:pPr marL="0" lvl="0" indent="0">
-              <a:buNone/>
-            </a:pPr>
-            <a:r>
-              <a:rPr lang="en-GB" sz="2000">
-                <a:solidFill>
-                  <a:srgbClr val="404040"/>
-                </a:solidFill>
-                <a:latin typeface="Fira Sans" pitchFamily="34"/>
-              </a:rPr>
-              <a:t>This is the body of the text </a:t>
-            </a:r>
-          </a:p>
-          <a:p>
-            <a:pPr marL="0" lvl="0" indent="0">
-              <a:buNone/>
-            </a:pPr>
-            <a:endParaRPr lang="en-GB" sz="2000">
-              <a:solidFill>
-                <a:srgbClr val="404040"/>
-              </a:solidFill>
-              <a:latin typeface="Fira Sans" pitchFamily="34"/>
             </a:endParaRPr>
           </a:p>
         </p:txBody>
@@ -10852,6 +10685,254 @@
 
 <file path=ppt/slides/slide40.xml><?xml version="1.0" encoding="utf-8"?>
 <p:sld xmlns:a="http://schemas.openxmlformats.org/drawingml/2006/main" xmlns:r="http://schemas.openxmlformats.org/officeDocument/2006/relationships" xmlns:p="http://schemas.openxmlformats.org/presentationml/2006/main" show="0">
+  <p:cSld name="Slide58">
+    <p:spTree>
+      <p:nvGrpSpPr>
+        <p:cNvPr id="1" name=""/>
+        <p:cNvGrpSpPr/>
+        <p:nvPr/>
+      </p:nvGrpSpPr>
+      <p:grpSpPr>
+        <a:xfrm>
+          <a:off x="0" y="0"/>
+          <a:ext cx="0" cy="0"/>
+          <a:chOff x="0" y="0"/>
+          <a:chExt cx="0" cy="0"/>
+        </a:xfrm>
+      </p:grpSpPr>
+      <p:sp>
+        <p:nvSpPr>
+          <p:cNvPr id="2" name="Title 1">
+            <a:extLst>
+              <a:ext uri="{FF2B5EF4-FFF2-40B4-BE49-F238E27FC236}">
+                <a16:creationId xmlns:a16="http://schemas.microsoft.com/office/drawing/2014/main" id="{036EB03B-6F62-4CCD-A4CD-12EC24AAF912}"/>
+              </a:ext>
+            </a:extLst>
+          </p:cNvPr>
+          <p:cNvSpPr txBox="1">
+            <a:spLocks noGrp="1"/>
+          </p:cNvSpPr>
+          <p:nvPr>
+            <p:ph type="title"/>
+          </p:nvPr>
+        </p:nvSpPr>
+        <p:spPr/>
+        <p:txBody>
+          <a:bodyPr/>
+          <a:lstStyle/>
+          <a:p>
+            <a:pPr lvl="0">
+              <a:lnSpc>
+                <a:spcPct val="100000"/>
+              </a:lnSpc>
+            </a:pPr>
+            <a:r>
+              <a:rPr lang="en-GB" sz="5400" b="1" kern="0">
+                <a:solidFill>
+                  <a:srgbClr val="006388"/>
+                </a:solidFill>
+                <a:latin typeface="Fira Sans" pitchFamily="34"/>
+                <a:ea typeface="Fira Code" pitchFamily="49"/>
+              </a:rPr>
+              <a:t>Default light slide</a:t>
+            </a:r>
+            <a:endParaRPr lang="en-GB" sz="1800" kern="0"/>
+          </a:p>
+        </p:txBody>
+      </p:sp>
+      <p:sp>
+        <p:nvSpPr>
+          <p:cNvPr id="3" name="Content Placeholder 2">
+            <a:extLst>
+              <a:ext uri="{FF2B5EF4-FFF2-40B4-BE49-F238E27FC236}">
+                <a16:creationId xmlns:a16="http://schemas.microsoft.com/office/drawing/2014/main" id="{101C6031-0036-4227-9AE0-DCC63CE3973A}"/>
+              </a:ext>
+            </a:extLst>
+          </p:cNvPr>
+          <p:cNvSpPr txBox="1">
+            <a:spLocks noGrp="1"/>
+          </p:cNvSpPr>
+          <p:nvPr>
+            <p:ph idx="1"/>
+          </p:nvPr>
+        </p:nvSpPr>
+        <p:spPr>
+          <a:xfrm>
+            <a:off x="838203" y="1825627"/>
+            <a:ext cx="10515600" cy="4667243"/>
+          </a:xfrm>
+        </p:spPr>
+        <p:txBody>
+          <a:bodyPr/>
+          <a:lstStyle/>
+          <a:p>
+            <a:pPr marL="0" lvl="0" indent="0">
+              <a:buNone/>
+            </a:pPr>
+            <a:r>
+              <a:rPr lang="en-GB" sz="2000" b="1">
+                <a:solidFill>
+                  <a:srgbClr val="404040"/>
+                </a:solidFill>
+                <a:latin typeface="Fira Sans" pitchFamily="34"/>
+              </a:rPr>
+              <a:t>Default subheading</a:t>
+            </a:r>
+          </a:p>
+          <a:p>
+            <a:pPr marL="0" lvl="0" indent="0">
+              <a:buNone/>
+            </a:pPr>
+            <a:r>
+              <a:rPr lang="en-GB" sz="2000">
+                <a:solidFill>
+                  <a:srgbClr val="404040"/>
+                </a:solidFill>
+                <a:latin typeface="Fira Sans" pitchFamily="34"/>
+              </a:rPr>
+              <a:t>This is the body of the text </a:t>
+            </a:r>
+          </a:p>
+          <a:p>
+            <a:pPr marL="0" lvl="0" indent="0">
+              <a:buNone/>
+            </a:pPr>
+            <a:endParaRPr lang="en-GB" sz="2000">
+              <a:solidFill>
+                <a:srgbClr val="404040"/>
+              </a:solidFill>
+              <a:latin typeface="Fira Sans" pitchFamily="34"/>
+            </a:endParaRPr>
+          </a:p>
+          <a:p>
+            <a:pPr marL="0" lvl="0" indent="0">
+              <a:buNone/>
+            </a:pPr>
+            <a:r>
+              <a:rPr lang="en-GB" sz="2000" b="1">
+                <a:solidFill>
+                  <a:srgbClr val="404040"/>
+                </a:solidFill>
+                <a:latin typeface="Fira Sans" pitchFamily="34"/>
+              </a:rPr>
+              <a:t>Default subheading</a:t>
+            </a:r>
+          </a:p>
+          <a:p>
+            <a:pPr marL="0" lvl="0" indent="0">
+              <a:buNone/>
+            </a:pPr>
+            <a:r>
+              <a:rPr lang="en-GB" sz="2000">
+                <a:solidFill>
+                  <a:srgbClr val="404040"/>
+                </a:solidFill>
+                <a:latin typeface="Fira Sans" pitchFamily="34"/>
+              </a:rPr>
+              <a:t>Note that the text is not black, but “black, text 1, lighter 25%”</a:t>
+            </a:r>
+          </a:p>
+          <a:p>
+            <a:pPr marL="0" lvl="0" indent="0">
+              <a:buNone/>
+            </a:pPr>
+            <a:endParaRPr lang="en-GB" sz="2000">
+              <a:solidFill>
+                <a:srgbClr val="404040"/>
+              </a:solidFill>
+              <a:latin typeface="Fira Sans" pitchFamily="34"/>
+            </a:endParaRPr>
+          </a:p>
+          <a:p>
+            <a:pPr marL="0" lvl="0" indent="0">
+              <a:buNone/>
+            </a:pPr>
+            <a:r>
+              <a:rPr lang="en-GB" sz="2000" b="1">
+                <a:solidFill>
+                  <a:srgbClr val="404040"/>
+                </a:solidFill>
+                <a:latin typeface="Fira Sans" pitchFamily="34"/>
+              </a:rPr>
+              <a:t>Default subheading</a:t>
+            </a:r>
+          </a:p>
+          <a:p>
+            <a:pPr marL="0" lvl="0" indent="0">
+              <a:buNone/>
+            </a:pPr>
+            <a:r>
+              <a:rPr lang="en-GB" sz="2000">
+                <a:solidFill>
+                  <a:srgbClr val="404040"/>
+                </a:solidFill>
+                <a:latin typeface="Fira Sans" pitchFamily="34"/>
+              </a:rPr>
+              <a:t>This makes things easier on the eyes</a:t>
+            </a:r>
+          </a:p>
+          <a:p>
+            <a:pPr marL="0" lvl="0" indent="0">
+              <a:buNone/>
+            </a:pPr>
+            <a:endParaRPr lang="en-GB" sz="2000">
+              <a:solidFill>
+                <a:srgbClr val="404040"/>
+              </a:solidFill>
+              <a:latin typeface="Fira Sans" pitchFamily="34"/>
+            </a:endParaRPr>
+          </a:p>
+          <a:p>
+            <a:pPr marL="0" lvl="0" indent="0">
+              <a:buNone/>
+            </a:pPr>
+            <a:r>
+              <a:rPr lang="en-GB" sz="2000" b="1">
+                <a:solidFill>
+                  <a:srgbClr val="404040"/>
+                </a:solidFill>
+                <a:latin typeface="Fira Sans" pitchFamily="34"/>
+              </a:rPr>
+              <a:t>Default subheading</a:t>
+            </a:r>
+          </a:p>
+          <a:p>
+            <a:pPr marL="0" lvl="0" indent="0">
+              <a:buNone/>
+            </a:pPr>
+            <a:r>
+              <a:rPr lang="en-GB" sz="2000">
+                <a:solidFill>
+                  <a:srgbClr val="404040"/>
+                </a:solidFill>
+                <a:latin typeface="Fira Sans" pitchFamily="34"/>
+              </a:rPr>
+              <a:t>This is the body of the text </a:t>
+            </a:r>
+          </a:p>
+          <a:p>
+            <a:pPr marL="0" lvl="0" indent="0">
+              <a:buNone/>
+            </a:pPr>
+            <a:endParaRPr lang="en-GB" sz="2000">
+              <a:solidFill>
+                <a:srgbClr val="404040"/>
+              </a:solidFill>
+              <a:latin typeface="Fira Sans" pitchFamily="34"/>
+            </a:endParaRPr>
+          </a:p>
+        </p:txBody>
+      </p:sp>
+    </p:spTree>
+  </p:cSld>
+  <p:clrMapOvr>
+    <a:masterClrMapping/>
+  </p:clrMapOvr>
+</p:sld>
+</file>
+
+<file path=ppt/slides/slide41.xml><?xml version="1.0" encoding="utf-8"?>
+<p:sld xmlns:a="http://schemas.openxmlformats.org/drawingml/2006/main" xmlns:r="http://schemas.openxmlformats.org/officeDocument/2006/relationships" xmlns:p="http://schemas.openxmlformats.org/presentationml/2006/main" show="0">
   <p:cSld name="Slide80">
     <p:bg>
       <p:bgPr>
@@ -11110,7 +11191,7 @@
 </p:sld>
 </file>
 
-<file path=ppt/slides/slide41.xml><?xml version="1.0" encoding="utf-8"?>
+<file path=ppt/slides/slide42.xml><?xml version="1.0" encoding="utf-8"?>
 <p:sld xmlns:a="http://schemas.openxmlformats.org/drawingml/2006/main" xmlns:r="http://schemas.openxmlformats.org/officeDocument/2006/relationships" xmlns:p="http://schemas.openxmlformats.org/presentationml/2006/main" show="0">
   <p:cSld>
     <p:bg>
@@ -11197,7 +11278,7 @@
 </p:sld>
 </file>
 
-<file path=ppt/slides/slide42.xml><?xml version="1.0" encoding="utf-8"?>
+<file path=ppt/slides/slide43.xml><?xml version="1.0" encoding="utf-8"?>
 <p:sld xmlns:a="http://schemas.openxmlformats.org/drawingml/2006/main" xmlns:r="http://schemas.openxmlformats.org/officeDocument/2006/relationships" xmlns:p="http://schemas.openxmlformats.org/presentationml/2006/main" show="0">
   <p:cSld>
     <p:spTree>
@@ -11345,7 +11426,7 @@
 </p:sld>
 </file>
 
-<file path=ppt/slides/slide43.xml><?xml version="1.0" encoding="utf-8"?>
+<file path=ppt/slides/slide44.xml><?xml version="1.0" encoding="utf-8"?>
 <p:sld xmlns:a="http://schemas.openxmlformats.org/drawingml/2006/main" xmlns:r="http://schemas.openxmlformats.org/officeDocument/2006/relationships" xmlns:p="http://schemas.openxmlformats.org/presentationml/2006/main" show="0">
   <p:cSld name="Slide37">
     <p:bg>
@@ -11478,7 +11559,7 @@
                 <a:latin typeface="Fira Sans" pitchFamily="34"/>
                 <a:ea typeface="Fira Code" pitchFamily="49"/>
               </a:rPr>
-              <a:t>Summary</a:t>
+              <a:t>Advanced Topics</a:t>
             </a:r>
             <a:endParaRPr lang="en-GB" sz="1800" kern="0" dirty="0"/>
           </a:p>
@@ -11512,196 +11593,54 @@
           </a:bodyPr>
           <a:lstStyle/>
           <a:p>
-            <a:pPr marL="0" lvl="0" indent="0">
-              <a:buNone/>
-            </a:pPr>
-            <a:r>
-              <a:rPr lang="en-GB" dirty="0">
+            <a:pPr marL="0" indent="0">
+              <a:lnSpc>
+                <a:spcPct val="100000"/>
+              </a:lnSpc>
+              <a:buNone/>
+            </a:pPr>
+            <a:r>
+              <a:rPr lang="en-GB" sz="2400" dirty="0">
                 <a:solidFill>
                   <a:srgbClr val="404040"/>
                 </a:solidFill>
                 <a:latin typeface="Fira Sans" pitchFamily="34"/>
               </a:rPr>
-              <a:t>Many different methods have been developed to answer these types of research questions</a:t>
-            </a:r>
-          </a:p>
-          <a:p>
-            <a:pPr marL="0" lvl="0" indent="0">
-              <a:buNone/>
-            </a:pPr>
-            <a:endParaRPr lang="en-GB" dirty="0">
-              <a:solidFill>
-                <a:srgbClr val="404040"/>
-              </a:solidFill>
-              <a:latin typeface="Fira Sans" pitchFamily="34"/>
-            </a:endParaRPr>
-          </a:p>
-          <a:p>
-            <a:pPr marL="0" lvl="0" indent="0">
-              <a:buNone/>
-            </a:pPr>
-            <a:r>
-              <a:rPr lang="en-GB" dirty="0">
+              <a:t>How to deal with interventions which are not “sharp”?</a:t>
+            </a:r>
+          </a:p>
+          <a:p>
+            <a:pPr marL="0" indent="0">
+              <a:lnSpc>
+                <a:spcPct val="100000"/>
+              </a:lnSpc>
+              <a:buNone/>
+            </a:pPr>
+            <a:r>
+              <a:rPr lang="en-GB" sz="2400" dirty="0">
                 <a:solidFill>
                   <a:srgbClr val="404040"/>
                 </a:solidFill>
                 <a:latin typeface="Fira Sans" pitchFamily="34"/>
               </a:rPr>
-              <a:t>These methods differ in terms of:</a:t>
-            </a:r>
-          </a:p>
-          <a:p>
-            <a:pPr lvl="0">
-              <a:buFontTx/>
-              <a:buChar char="-"/>
-            </a:pPr>
-            <a:r>
-              <a:rPr lang="en-GB" dirty="0">
+              <a:t> - Outcome may be affected by </a:t>
+            </a:r>
+            <a:r>
+              <a:rPr lang="en-GB" sz="2400" u="sng" dirty="0">
                 <a:solidFill>
                   <a:srgbClr val="404040"/>
                 </a:solidFill>
                 <a:latin typeface="Fira Sans" pitchFamily="34"/>
               </a:rPr>
-              <a:t>The </a:t>
-            </a:r>
-            <a:r>
-              <a:rPr lang="en-GB" b="1" dirty="0">
-                <a:solidFill>
-                  <a:srgbClr val="404040"/>
-                </a:solidFill>
-                <a:latin typeface="Fira Sans" pitchFamily="34"/>
-              </a:rPr>
-              <a:t>amount</a:t>
-            </a:r>
-            <a:r>
-              <a:rPr lang="en-GB" dirty="0">
-                <a:solidFill>
-                  <a:srgbClr val="404040"/>
-                </a:solidFill>
-                <a:latin typeface="Fira Sans" pitchFamily="34"/>
-              </a:rPr>
-              <a:t> and </a:t>
-            </a:r>
-            <a:r>
-              <a:rPr lang="en-GB" b="1" dirty="0">
-                <a:solidFill>
-                  <a:srgbClr val="404040"/>
-                </a:solidFill>
-                <a:latin typeface="Fira Sans" pitchFamily="34"/>
-              </a:rPr>
-              <a:t>type</a:t>
-            </a:r>
-            <a:r>
-              <a:rPr lang="en-GB" dirty="0">
-                <a:solidFill>
-                  <a:srgbClr val="404040"/>
-                </a:solidFill>
-                <a:latin typeface="Fira Sans" pitchFamily="34"/>
-              </a:rPr>
-              <a:t> of information they use</a:t>
-            </a:r>
-          </a:p>
-          <a:p>
-            <a:pPr lvl="1">
-              <a:buFontTx/>
-              <a:buChar char="-"/>
-            </a:pPr>
-            <a:r>
-              <a:rPr lang="en-GB" dirty="0">
-                <a:solidFill>
-                  <a:srgbClr val="404040"/>
-                </a:solidFill>
-                <a:latin typeface="Fira Sans" pitchFamily="34"/>
-              </a:rPr>
-              <a:t>Amount of time-points and amount of potential “control” units</a:t>
-            </a:r>
-          </a:p>
-          <a:p>
-            <a:pPr>
-              <a:buFontTx/>
-              <a:buChar char="-"/>
-            </a:pPr>
-            <a:r>
-              <a:rPr lang="en-GB" dirty="0">
-                <a:solidFill>
-                  <a:srgbClr val="404040"/>
-                </a:solidFill>
-                <a:latin typeface="Fira Sans" pitchFamily="34"/>
-              </a:rPr>
-              <a:t>The specific </a:t>
-            </a:r>
-            <a:r>
-              <a:rPr lang="en-GB" b="1" dirty="0">
-                <a:solidFill>
-                  <a:srgbClr val="404040"/>
-                </a:solidFill>
-                <a:latin typeface="Fira Sans" pitchFamily="34"/>
-              </a:rPr>
-              <a:t>statistical approach</a:t>
-            </a:r>
-            <a:r>
-              <a:rPr lang="en-GB" dirty="0">
-                <a:solidFill>
-                  <a:srgbClr val="404040"/>
-                </a:solidFill>
-                <a:latin typeface="Fira Sans" pitchFamily="34"/>
-              </a:rPr>
-              <a:t> they take</a:t>
-            </a:r>
-          </a:p>
-          <a:p>
-            <a:pPr>
-              <a:buFontTx/>
-              <a:buChar char="-"/>
-            </a:pPr>
-            <a:r>
-              <a:rPr lang="en-GB" dirty="0">
-                <a:solidFill>
-                  <a:srgbClr val="404040"/>
-                </a:solidFill>
-                <a:latin typeface="Fira Sans" pitchFamily="34"/>
-              </a:rPr>
-              <a:t>The types of </a:t>
-            </a:r>
-            <a:r>
-              <a:rPr lang="en-GB" b="1" dirty="0">
-                <a:solidFill>
-                  <a:srgbClr val="404040"/>
-                </a:solidFill>
-                <a:latin typeface="Fira Sans" pitchFamily="34"/>
-              </a:rPr>
-              <a:t>assumptions</a:t>
-            </a:r>
-            <a:r>
-              <a:rPr lang="en-GB" dirty="0">
-                <a:solidFill>
-                  <a:srgbClr val="404040"/>
-                </a:solidFill>
-                <a:latin typeface="Fira Sans" pitchFamily="34"/>
-              </a:rPr>
-              <a:t> they make</a:t>
-            </a:r>
-          </a:p>
-          <a:p>
-            <a:pPr marL="0" indent="0">
-              <a:lnSpc>
-                <a:spcPct val="100000"/>
-              </a:lnSpc>
-              <a:buNone/>
-            </a:pPr>
-            <a:endParaRPr lang="en-GB" sz="2400" dirty="0">
-              <a:solidFill>
-                <a:srgbClr val="404040"/>
-              </a:solidFill>
-              <a:latin typeface="Fira Sans" pitchFamily="34"/>
-            </a:endParaRPr>
+              <a:t>anticipation</a:t>
+            </a:r>
           </a:p>
         </p:txBody>
       </p:sp>
     </p:spTree>
     <p:extLst>
       <p:ext uri="{BB962C8B-B14F-4D97-AF65-F5344CB8AC3E}">
-        <p14:creationId xmlns:p14="http://schemas.microsoft.com/office/powerpoint/2010/main" val="3227257795"/>
+        <p14:creationId xmlns:p14="http://schemas.microsoft.com/office/powerpoint/2010/main" val="4268884060"/>
       </p:ext>
     </p:extLst>
   </p:cSld>
@@ -11762,7 +11701,7 @@
                 <a:latin typeface="Fira Sans" pitchFamily="34"/>
                 <a:ea typeface="Fira Code" pitchFamily="49"/>
               </a:rPr>
-              <a:t>Common Themes</a:t>
+              <a:t>Summary</a:t>
             </a:r>
             <a:endParaRPr lang="en-GB" sz="1800" kern="0" dirty="0"/>
           </a:p>
@@ -11787,7 +11726,7 @@
         <p:spPr>
           <a:xfrm>
             <a:off x="838203" y="1825627"/>
-            <a:ext cx="10747440" cy="4667243"/>
+            <a:ext cx="10515600" cy="4667243"/>
           </a:xfrm>
         </p:spPr>
         <p:txBody>
@@ -11796,63 +11735,196 @@
           </a:bodyPr>
           <a:lstStyle/>
           <a:p>
+            <a:pPr marL="0" lvl="0" indent="0">
+              <a:buNone/>
+            </a:pPr>
+            <a:r>
+              <a:rPr lang="en-GB" dirty="0">
+                <a:solidFill>
+                  <a:srgbClr val="404040"/>
+                </a:solidFill>
+                <a:latin typeface="Fira Sans" pitchFamily="34"/>
+              </a:rPr>
+              <a:t>Many different methods have been developed to answer these types of research questions</a:t>
+            </a:r>
+          </a:p>
+          <a:p>
+            <a:pPr marL="0" lvl="0" indent="0">
+              <a:buNone/>
+            </a:pPr>
+            <a:endParaRPr lang="en-GB" dirty="0">
+              <a:solidFill>
+                <a:srgbClr val="404040"/>
+              </a:solidFill>
+              <a:latin typeface="Fira Sans" pitchFamily="34"/>
+            </a:endParaRPr>
+          </a:p>
+          <a:p>
+            <a:pPr marL="0" lvl="0" indent="0">
+              <a:buNone/>
+            </a:pPr>
+            <a:r>
+              <a:rPr lang="en-GB" dirty="0">
+                <a:solidFill>
+                  <a:srgbClr val="404040"/>
+                </a:solidFill>
+                <a:latin typeface="Fira Sans" pitchFamily="34"/>
+              </a:rPr>
+              <a:t>These methods differ in terms of:</a:t>
+            </a:r>
+          </a:p>
+          <a:p>
+            <a:pPr lvl="0">
+              <a:buFontTx/>
+              <a:buChar char="-"/>
+            </a:pPr>
+            <a:r>
+              <a:rPr lang="en-GB" dirty="0">
+                <a:solidFill>
+                  <a:srgbClr val="404040"/>
+                </a:solidFill>
+                <a:latin typeface="Fira Sans" pitchFamily="34"/>
+              </a:rPr>
+              <a:t>The </a:t>
+            </a:r>
+            <a:r>
+              <a:rPr lang="en-GB" b="1" dirty="0">
+                <a:solidFill>
+                  <a:srgbClr val="404040"/>
+                </a:solidFill>
+                <a:latin typeface="Fira Sans" pitchFamily="34"/>
+              </a:rPr>
+              <a:t>amount</a:t>
+            </a:r>
+            <a:r>
+              <a:rPr lang="en-GB" dirty="0">
+                <a:solidFill>
+                  <a:srgbClr val="404040"/>
+                </a:solidFill>
+                <a:latin typeface="Fira Sans" pitchFamily="34"/>
+              </a:rPr>
+              <a:t> and </a:t>
+            </a:r>
+            <a:r>
+              <a:rPr lang="en-GB" b="1" dirty="0">
+                <a:solidFill>
+                  <a:srgbClr val="404040"/>
+                </a:solidFill>
+                <a:latin typeface="Fira Sans" pitchFamily="34"/>
+              </a:rPr>
+              <a:t>type</a:t>
+            </a:r>
+            <a:r>
+              <a:rPr lang="en-GB" dirty="0">
+                <a:solidFill>
+                  <a:srgbClr val="404040"/>
+                </a:solidFill>
+                <a:latin typeface="Fira Sans" pitchFamily="34"/>
+              </a:rPr>
+              <a:t> of information they use</a:t>
+            </a:r>
+          </a:p>
+          <a:p>
+            <a:pPr lvl="1">
+              <a:buFontTx/>
+              <a:buChar char="-"/>
+            </a:pPr>
+            <a:r>
+              <a:rPr lang="en-GB" dirty="0">
+                <a:solidFill>
+                  <a:srgbClr val="404040"/>
+                </a:solidFill>
+                <a:latin typeface="Fira Sans" pitchFamily="34"/>
+              </a:rPr>
+              <a:t>Amount of time-points and amount of potential “control” units</a:t>
+            </a:r>
+          </a:p>
+          <a:p>
+            <a:pPr>
+              <a:buFontTx/>
+              <a:buChar char="-"/>
+            </a:pPr>
+            <a:r>
+              <a:rPr lang="en-GB" dirty="0">
+                <a:solidFill>
+                  <a:srgbClr val="404040"/>
+                </a:solidFill>
+                <a:latin typeface="Fira Sans" pitchFamily="34"/>
+              </a:rPr>
+              <a:t>The specific </a:t>
+            </a:r>
+            <a:r>
+              <a:rPr lang="en-GB" b="1" dirty="0">
+                <a:solidFill>
+                  <a:srgbClr val="404040"/>
+                </a:solidFill>
+                <a:latin typeface="Fira Sans" pitchFamily="34"/>
+              </a:rPr>
+              <a:t>statistical approach</a:t>
+            </a:r>
+            <a:r>
+              <a:rPr lang="en-GB" dirty="0">
+                <a:solidFill>
+                  <a:srgbClr val="404040"/>
+                </a:solidFill>
+                <a:latin typeface="Fira Sans" pitchFamily="34"/>
+              </a:rPr>
+              <a:t> they take</a:t>
+            </a:r>
+          </a:p>
+          <a:p>
+            <a:pPr>
+              <a:buFontTx/>
+              <a:buChar char="-"/>
+            </a:pPr>
+            <a:r>
+              <a:rPr lang="en-GB" dirty="0">
+                <a:solidFill>
+                  <a:srgbClr val="404040"/>
+                </a:solidFill>
+                <a:latin typeface="Fira Sans" pitchFamily="34"/>
+              </a:rPr>
+              <a:t>The types of </a:t>
+            </a:r>
+            <a:r>
+              <a:rPr lang="en-GB" b="1" dirty="0">
+                <a:solidFill>
+                  <a:srgbClr val="404040"/>
+                </a:solidFill>
+                <a:latin typeface="Fira Sans" pitchFamily="34"/>
+              </a:rPr>
+              <a:t>assumptions</a:t>
+            </a:r>
+            <a:r>
+              <a:rPr lang="en-GB" dirty="0">
+                <a:solidFill>
+                  <a:srgbClr val="404040"/>
+                </a:solidFill>
+                <a:latin typeface="Fira Sans" pitchFamily="34"/>
+              </a:rPr>
+              <a:t> they make</a:t>
+            </a:r>
+          </a:p>
+          <a:p>
             <a:pPr marL="0" indent="0">
               <a:lnSpc>
                 <a:spcPct val="100000"/>
               </a:lnSpc>
               <a:buNone/>
             </a:pPr>
-            <a:r>
-              <a:rPr lang="en-GB" sz="2400" dirty="0">
-                <a:solidFill>
-                  <a:srgbClr val="404040"/>
-                </a:solidFill>
-                <a:latin typeface="Fira Sans" pitchFamily="34"/>
-              </a:rPr>
-              <a:t>Evaluation of assumptions crucial for plausibility of causal effect estimates</a:t>
-            </a:r>
-          </a:p>
-          <a:p>
-            <a:pPr marL="0" indent="0">
-              <a:lnSpc>
-                <a:spcPct val="100000"/>
-              </a:lnSpc>
-              <a:buNone/>
-            </a:pPr>
-            <a:r>
-              <a:rPr lang="en-GB" sz="2400" dirty="0">
-                <a:solidFill>
-                  <a:srgbClr val="404040"/>
-                </a:solidFill>
-                <a:latin typeface="Fira Sans" pitchFamily="34"/>
-              </a:rPr>
-              <a:t> </a:t>
-            </a:r>
-            <a:r>
-              <a:rPr lang="en-GB" sz="2400">
-                <a:solidFill>
-                  <a:srgbClr val="404040"/>
-                </a:solidFill>
-                <a:latin typeface="Fira Sans" pitchFamily="34"/>
-              </a:rPr>
-              <a:t>- In, </a:t>
-            </a:r>
-            <a:r>
-              <a:rPr lang="en-GB" sz="2400" dirty="0">
-                <a:solidFill>
-                  <a:srgbClr val="404040"/>
-                </a:solidFill>
-                <a:latin typeface="Fira Sans" pitchFamily="34"/>
-              </a:rPr>
-              <a:t>time trend</a:t>
-            </a:r>
+            <a:endParaRPr lang="en-GB" sz="2400" dirty="0">
+              <a:solidFill>
+                <a:srgbClr val="404040"/>
+              </a:solidFill>
+              <a:latin typeface="Fira Sans" pitchFamily="34"/>
+            </a:endParaRPr>
           </a:p>
         </p:txBody>
       </p:sp>
     </p:spTree>
     <p:extLst>
       <p:ext uri="{BB962C8B-B14F-4D97-AF65-F5344CB8AC3E}">
-        <p14:creationId xmlns:p14="http://schemas.microsoft.com/office/powerpoint/2010/main" val="1618529544"/>
+        <p14:creationId xmlns:p14="http://schemas.microsoft.com/office/powerpoint/2010/main" val="3227257795"/>
       </p:ext>
     </p:extLst>
   </p:cSld>
@@ -11897,193 +11969,113 @@
         </p:nvSpPr>
         <p:spPr/>
         <p:txBody>
+          <a:bodyPr/>
+          <a:lstStyle/>
+          <a:p>
+            <a:pPr lvl="0">
+              <a:lnSpc>
+                <a:spcPct val="100000"/>
+              </a:lnSpc>
+            </a:pPr>
+            <a:r>
+              <a:rPr lang="en-GB" sz="5400" b="1" kern="0" dirty="0">
+                <a:solidFill>
+                  <a:srgbClr val="006388"/>
+                </a:solidFill>
+                <a:latin typeface="Fira Sans" pitchFamily="34"/>
+                <a:ea typeface="Fira Code" pitchFamily="49"/>
+              </a:rPr>
+              <a:t>Common Themes</a:t>
+            </a:r>
+            <a:endParaRPr lang="en-GB" sz="1800" kern="0" dirty="0"/>
+          </a:p>
+        </p:txBody>
+      </p:sp>
+      <p:sp>
+        <p:nvSpPr>
+          <p:cNvPr id="4" name="Content Placeholder 2">
+            <a:extLst>
+              <a:ext uri="{FF2B5EF4-FFF2-40B4-BE49-F238E27FC236}">
+                <a16:creationId xmlns:a16="http://schemas.microsoft.com/office/drawing/2014/main" id="{6A465D5B-CF66-0783-9C5A-A17CF6A28DA8}"/>
+              </a:ext>
+            </a:extLst>
+          </p:cNvPr>
+          <p:cNvSpPr txBox="1">
+            <a:spLocks noGrp="1"/>
+          </p:cNvSpPr>
+          <p:nvPr>
+            <p:ph idx="1"/>
+          </p:nvPr>
+        </p:nvSpPr>
+        <p:spPr>
+          <a:xfrm>
+            <a:off x="838203" y="1825627"/>
+            <a:ext cx="10747440" cy="4667243"/>
+          </a:xfrm>
+        </p:spPr>
+        <p:txBody>
           <a:bodyPr>
             <a:normAutofit/>
           </a:bodyPr>
           <a:lstStyle/>
           <a:p>
-            <a:pPr lvl="0">
+            <a:pPr marL="0" indent="0">
               <a:lnSpc>
                 <a:spcPct val="100000"/>
               </a:lnSpc>
-            </a:pPr>
-            <a:r>
-              <a:rPr lang="en-GB" b="1" kern="0" dirty="0">
-                <a:solidFill>
-                  <a:srgbClr val="006388"/>
-                </a:solidFill>
-                <a:latin typeface="Fira Sans" pitchFamily="34"/>
-                <a:ea typeface="Fira Code" pitchFamily="49"/>
-              </a:rPr>
-              <a:t>Useful References</a:t>
-            </a:r>
-            <a:endParaRPr lang="en-GB" sz="1400" kern="0" dirty="0"/>
-          </a:p>
-        </p:txBody>
-      </p:sp>
-      <p:sp>
-        <p:nvSpPr>
-          <p:cNvPr id="4" name="Content Placeholder 2">
-            <a:extLst>
-              <a:ext uri="{FF2B5EF4-FFF2-40B4-BE49-F238E27FC236}">
-                <a16:creationId xmlns:a16="http://schemas.microsoft.com/office/drawing/2014/main" id="{6A465D5B-CF66-0783-9C5A-A17CF6A28DA8}"/>
-              </a:ext>
-            </a:extLst>
-          </p:cNvPr>
-          <p:cNvSpPr txBox="1">
-            <a:spLocks noGrp="1"/>
-          </p:cNvSpPr>
-          <p:nvPr>
-            <p:ph idx="1"/>
-          </p:nvPr>
-        </p:nvSpPr>
-        <p:spPr>
-          <a:xfrm>
-            <a:off x="838203" y="1825627"/>
-            <a:ext cx="10515600" cy="4667243"/>
-          </a:xfrm>
-        </p:spPr>
-        <p:txBody>
-          <a:bodyPr>
-            <a:normAutofit/>
-          </a:bodyPr>
-          <a:lstStyle/>
-          <a:p>
-            <a:pPr marL="0" lvl="0" indent="0">
+              <a:buNone/>
+            </a:pPr>
+            <a:r>
+              <a:rPr lang="en-GB" sz="2400" dirty="0">
+                <a:solidFill>
+                  <a:srgbClr val="404040"/>
+                </a:solidFill>
+                <a:latin typeface="Fira Sans" pitchFamily="34"/>
+              </a:rPr>
+              <a:t>Evaluation of assumptions crucial for plausibility of causal effect estimates</a:t>
+            </a:r>
+          </a:p>
+          <a:p>
+            <a:pPr marL="0" indent="0">
               <a:lnSpc>
                 <a:spcPct val="100000"/>
               </a:lnSpc>
               <a:buNone/>
             </a:pPr>
             <a:r>
-              <a:rPr lang="en-GB" b="1" dirty="0">
+              <a:rPr lang="en-GB" sz="2400" dirty="0">
                 <a:solidFill>
                   <a:srgbClr val="404040"/>
                 </a:solidFill>
                 <a:latin typeface="Fira Sans" pitchFamily="34"/>
               </a:rPr>
-              <a:t>Difference in Differences</a:t>
-            </a:r>
-          </a:p>
-          <a:p>
-            <a:pPr marL="0" lvl="0" indent="0">
-              <a:lnSpc>
-                <a:spcPct val="100000"/>
-              </a:lnSpc>
-              <a:buNone/>
-            </a:pPr>
-            <a:endParaRPr lang="en-GB" b="1" dirty="0">
-              <a:solidFill>
-                <a:srgbClr val="404040"/>
-              </a:solidFill>
-              <a:latin typeface="Fira Sans" pitchFamily="34"/>
-            </a:endParaRPr>
-          </a:p>
-          <a:p>
-            <a:pPr marL="0" lvl="0" indent="0">
-              <a:lnSpc>
-                <a:spcPct val="100000"/>
-              </a:lnSpc>
-              <a:buNone/>
-            </a:pPr>
-            <a:r>
-              <a:rPr lang="en-GB" b="1" dirty="0">
+              <a:t> </a:t>
+            </a:r>
+            <a:r>
+              <a:rPr lang="en-GB" sz="2400">
                 <a:solidFill>
                   <a:srgbClr val="404040"/>
                 </a:solidFill>
                 <a:latin typeface="Fira Sans" pitchFamily="34"/>
               </a:rPr>
-              <a:t>Interrupted Time Series</a:t>
-            </a:r>
-          </a:p>
-          <a:p>
-            <a:pPr marL="0" lvl="0" indent="0">
-              <a:lnSpc>
-                <a:spcPct val="100000"/>
-              </a:lnSpc>
-              <a:buNone/>
-            </a:pPr>
-            <a:endParaRPr lang="en-GB" b="1" dirty="0">
-              <a:solidFill>
-                <a:srgbClr val="404040"/>
-              </a:solidFill>
-              <a:latin typeface="Fira Sans" pitchFamily="34"/>
-            </a:endParaRPr>
-          </a:p>
-          <a:p>
-            <a:pPr marL="0" lvl="0" indent="0">
-              <a:lnSpc>
-                <a:spcPct val="100000"/>
-              </a:lnSpc>
-              <a:buNone/>
-            </a:pPr>
-            <a:r>
-              <a:rPr lang="en-GB" b="1" dirty="0">
+              <a:t>- In, </a:t>
+            </a:r>
+            <a:r>
+              <a:rPr lang="en-GB" sz="2400" dirty="0">
                 <a:solidFill>
                   <a:srgbClr val="404040"/>
                 </a:solidFill>
                 <a:latin typeface="Fira Sans" pitchFamily="34"/>
               </a:rPr>
-              <a:t>Synthetic Control</a:t>
-            </a:r>
-          </a:p>
-          <a:p>
-            <a:pPr marL="0" lvl="0" indent="0">
-              <a:lnSpc>
-                <a:spcPct val="100000"/>
-              </a:lnSpc>
-              <a:buNone/>
-            </a:pPr>
-            <a:endParaRPr lang="en-GB" b="1" dirty="0">
-              <a:solidFill>
-                <a:srgbClr val="404040"/>
-              </a:solidFill>
-              <a:latin typeface="Fira Sans" pitchFamily="34"/>
-            </a:endParaRPr>
-          </a:p>
-          <a:p>
-            <a:pPr marL="0" lvl="0" indent="0">
-              <a:lnSpc>
-                <a:spcPct val="100000"/>
-              </a:lnSpc>
-              <a:buNone/>
-            </a:pPr>
-            <a:r>
-              <a:rPr lang="en-GB" b="1" dirty="0" err="1">
-                <a:solidFill>
-                  <a:srgbClr val="404040"/>
-                </a:solidFill>
-                <a:latin typeface="Fira Sans" pitchFamily="34"/>
-              </a:rPr>
-              <a:t>CausalImpact</a:t>
-            </a:r>
-            <a:endParaRPr lang="en-GB" b="1" dirty="0">
-              <a:solidFill>
-                <a:srgbClr val="404040"/>
-              </a:solidFill>
-              <a:latin typeface="Fira Sans" pitchFamily="34"/>
-            </a:endParaRPr>
-          </a:p>
-          <a:p>
-            <a:pPr marL="0" indent="0">
-              <a:lnSpc>
-                <a:spcPct val="100000"/>
-              </a:lnSpc>
-              <a:buNone/>
-            </a:pPr>
-            <a:endParaRPr lang="en-GB" dirty="0">
-              <a:solidFill>
-                <a:srgbClr val="404040"/>
-              </a:solidFill>
-              <a:latin typeface="Fira Sans" pitchFamily="34"/>
-            </a:endParaRPr>
+              <a:t>time trend</a:t>
+            </a:r>
           </a:p>
         </p:txBody>
       </p:sp>
     </p:spTree>
     <p:extLst>
       <p:ext uri="{BB962C8B-B14F-4D97-AF65-F5344CB8AC3E}">
-        <p14:creationId xmlns:p14="http://schemas.microsoft.com/office/powerpoint/2010/main" val="379654223"/>
+        <p14:creationId xmlns:p14="http://schemas.microsoft.com/office/powerpoint/2010/main" val="1618529544"/>
       </p:ext>
     </p:extLst>
   </p:cSld>
@@ -12193,17 +12185,16 @@
                 </a:solidFill>
                 <a:latin typeface="Fira Sans" pitchFamily="34"/>
               </a:rPr>
-              <a:t>Synthetic </a:t>
-            </a:r>
-            <a:r>
-              <a:rPr lang="en-GB" b="1" dirty="0" err="1">
-                <a:solidFill>
-                  <a:srgbClr val="404040"/>
-                </a:solidFill>
-                <a:latin typeface="Fira Sans" pitchFamily="34"/>
-              </a:rPr>
-              <a:t>DiD</a:t>
-            </a:r>
+              <a:t>Difference in Differences</a:t>
+            </a:r>
+          </a:p>
+          <a:p>
+            <a:pPr marL="0" lvl="0" indent="0">
+              <a:lnSpc>
+                <a:spcPct val="100000"/>
+              </a:lnSpc>
+              <a:buNone/>
+            </a:pPr>
             <a:endParaRPr lang="en-GB" b="1" dirty="0">
               <a:solidFill>
                 <a:srgbClr val="404040"/>
@@ -12218,6 +12209,23 @@
               </a:lnSpc>
               <a:buNone/>
             </a:pPr>
+            <a:r>
+              <a:rPr lang="en-GB" b="1" dirty="0">
+                <a:solidFill>
+                  <a:srgbClr val="404040"/>
+                </a:solidFill>
+                <a:latin typeface="Fira Sans" pitchFamily="34"/>
+              </a:rPr>
+              <a:t>Interrupted Time Series</a:t>
+            </a:r>
+          </a:p>
+          <a:p>
+            <a:pPr marL="0" lvl="0" indent="0">
+              <a:lnSpc>
+                <a:spcPct val="100000"/>
+              </a:lnSpc>
+              <a:buNone/>
+            </a:pPr>
             <a:endParaRPr lang="en-GB" b="1" dirty="0">
               <a:solidFill>
                 <a:srgbClr val="404040"/>
@@ -12232,6 +12240,23 @@
               </a:lnSpc>
               <a:buNone/>
             </a:pPr>
+            <a:r>
+              <a:rPr lang="en-GB" b="1" dirty="0">
+                <a:solidFill>
+                  <a:srgbClr val="404040"/>
+                </a:solidFill>
+                <a:latin typeface="Fira Sans" pitchFamily="34"/>
+              </a:rPr>
+              <a:t>Synthetic Control</a:t>
+            </a:r>
+          </a:p>
+          <a:p>
+            <a:pPr marL="0" lvl="0" indent="0">
+              <a:lnSpc>
+                <a:spcPct val="100000"/>
+              </a:lnSpc>
+              <a:buNone/>
+            </a:pPr>
             <a:endParaRPr lang="en-GB" b="1" dirty="0">
               <a:solidFill>
                 <a:srgbClr val="404040"/>
@@ -12247,40 +12272,28 @@
               <a:buNone/>
             </a:pPr>
             <a:r>
-              <a:rPr lang="en-GB" b="1" dirty="0">
+              <a:rPr lang="en-GB" b="1" dirty="0" err="1">
                 <a:solidFill>
                   <a:srgbClr val="404040"/>
                 </a:solidFill>
                 <a:latin typeface="Fira Sans" pitchFamily="34"/>
               </a:rPr>
-              <a:t>More on Causal Policy Evaluation</a:t>
-            </a:r>
-          </a:p>
-          <a:p>
-            <a:pPr marL="0" lvl="0" indent="0">
+              <a:t>CausalImpact</a:t>
+            </a:r>
+            <a:endParaRPr lang="en-GB" b="1" dirty="0">
+              <a:solidFill>
+                <a:srgbClr val="404040"/>
+              </a:solidFill>
+              <a:latin typeface="Fira Sans" pitchFamily="34"/>
+            </a:endParaRPr>
+          </a:p>
+          <a:p>
+            <a:pPr marL="0" indent="0">
               <a:lnSpc>
                 <a:spcPct val="100000"/>
               </a:lnSpc>
               <a:buNone/>
             </a:pPr>
-            <a:r>
-              <a:rPr lang="en-GB" dirty="0">
-                <a:solidFill>
-                  <a:srgbClr val="404040"/>
-                </a:solidFill>
-                <a:latin typeface="Fira Sans" pitchFamily="34"/>
-              </a:rPr>
-              <a:t>Free online course materials made by Andrew </a:t>
-            </a:r>
-            <a:r>
-              <a:rPr lang="en-GB" dirty="0" err="1">
-                <a:solidFill>
-                  <a:srgbClr val="404040"/>
-                </a:solidFill>
-                <a:latin typeface="Fira Sans" pitchFamily="34"/>
-              </a:rPr>
-              <a:t>Heiss</a:t>
-            </a:r>
             <a:endParaRPr lang="en-GB" dirty="0">
               <a:solidFill>
                 <a:srgbClr val="404040"/>
@@ -12288,59 +12301,12 @@
               <a:latin typeface="Fira Sans" pitchFamily="34"/>
             </a:endParaRPr>
           </a:p>
-          <a:p>
-            <a:pPr marL="0" indent="0">
-              <a:lnSpc>
-                <a:spcPct val="100000"/>
-              </a:lnSpc>
-              <a:buNone/>
-            </a:pPr>
-            <a:r>
-              <a:rPr lang="en-GB" dirty="0">
-                <a:solidFill>
-                  <a:srgbClr val="404040"/>
-                </a:solidFill>
-                <a:latin typeface="Fira Sans" pitchFamily="34"/>
-                <a:hlinkClick r:id="rId2"/>
-              </a:rPr>
-              <a:t>https://evalsp23.classes.andrewheiss.com/</a:t>
-            </a:r>
-            <a:r>
-              <a:rPr lang="en-GB" dirty="0">
-                <a:solidFill>
-                  <a:srgbClr val="404040"/>
-                </a:solidFill>
-                <a:latin typeface="Fira Sans" pitchFamily="34"/>
-              </a:rPr>
-              <a:t> </a:t>
-            </a:r>
-            <a:endParaRPr lang="en-GB" b="1" dirty="0">
-              <a:solidFill>
-                <a:srgbClr val="404040"/>
-              </a:solidFill>
-              <a:latin typeface="Fira Sans" pitchFamily="34"/>
-            </a:endParaRPr>
-          </a:p>
-          <a:p>
-            <a:pPr marL="0" indent="0">
-              <a:lnSpc>
-                <a:spcPct val="100000"/>
-              </a:lnSpc>
-              <a:buNone/>
-            </a:pPr>
-            <a:endParaRPr lang="en-GB" dirty="0">
-              <a:solidFill>
-                <a:srgbClr val="404040"/>
-              </a:solidFill>
-              <a:latin typeface="Fira Sans" pitchFamily="34"/>
-            </a:endParaRPr>
-          </a:p>
         </p:txBody>
       </p:sp>
     </p:spTree>
     <p:extLst>
       <p:ext uri="{BB962C8B-B14F-4D97-AF65-F5344CB8AC3E}">
-        <p14:creationId xmlns:p14="http://schemas.microsoft.com/office/powerpoint/2010/main" val="3314082057"/>
+        <p14:creationId xmlns:p14="http://schemas.microsoft.com/office/powerpoint/2010/main" val="379654223"/>
       </p:ext>
     </p:extLst>
   </p:cSld>
@@ -12372,11 +12338,11 @@
           <p:cNvPr id="2" name="Title 1">
             <a:extLst>
               <a:ext uri="{FF2B5EF4-FFF2-40B4-BE49-F238E27FC236}">
-                <a16:creationId xmlns:a16="http://schemas.microsoft.com/office/drawing/2014/main" id="{D8F50B41-7031-A8F4-633A-605E940CB204}"/>
-              </a:ext>
-            </a:extLst>
-          </p:cNvPr>
-          <p:cNvSpPr>
+                <a16:creationId xmlns:a16="http://schemas.microsoft.com/office/drawing/2014/main" id="{743FADAD-7D51-496D-A8D5-5E58759DC032}"/>
+              </a:ext>
+            </a:extLst>
+          </p:cNvPr>
+          <p:cNvSpPr txBox="1">
             <a:spLocks noGrp="1"/>
           </p:cNvSpPr>
           <p:nvPr>
@@ -12385,42 +12351,219 @@
         </p:nvSpPr>
         <p:spPr/>
         <p:txBody>
-          <a:bodyPr/>
+          <a:bodyPr>
+            <a:normAutofit/>
+          </a:bodyPr>
           <a:lstStyle/>
           <a:p>
-            <a:endParaRPr lang="nl-NL" dirty="0"/>
-          </a:p>
-        </p:txBody>
-      </p:sp>
-      <p:sp>
-        <p:nvSpPr>
-          <p:cNvPr id="3" name="Content Placeholder 2">
-            <a:extLst>
-              <a:ext uri="{FF2B5EF4-FFF2-40B4-BE49-F238E27FC236}">
-                <a16:creationId xmlns:a16="http://schemas.microsoft.com/office/drawing/2014/main" id="{ED2E5B7B-7D35-46D3-E7EA-CD930A9252D8}"/>
-              </a:ext>
-            </a:extLst>
-          </p:cNvPr>
-          <p:cNvSpPr>
+            <a:pPr lvl="0">
+              <a:lnSpc>
+                <a:spcPct val="100000"/>
+              </a:lnSpc>
+            </a:pPr>
+            <a:r>
+              <a:rPr lang="en-GB" b="1" kern="0" dirty="0">
+                <a:solidFill>
+                  <a:srgbClr val="006388"/>
+                </a:solidFill>
+                <a:latin typeface="Fira Sans" pitchFamily="34"/>
+                <a:ea typeface="Fira Code" pitchFamily="49"/>
+              </a:rPr>
+              <a:t>Useful References</a:t>
+            </a:r>
+            <a:endParaRPr lang="en-GB" sz="1400" kern="0" dirty="0"/>
+          </a:p>
+        </p:txBody>
+      </p:sp>
+      <p:sp>
+        <p:nvSpPr>
+          <p:cNvPr id="4" name="Content Placeholder 2">
+            <a:extLst>
+              <a:ext uri="{FF2B5EF4-FFF2-40B4-BE49-F238E27FC236}">
+                <a16:creationId xmlns:a16="http://schemas.microsoft.com/office/drawing/2014/main" id="{6A465D5B-CF66-0783-9C5A-A17CF6A28DA8}"/>
+              </a:ext>
+            </a:extLst>
+          </p:cNvPr>
+          <p:cNvSpPr txBox="1">
             <a:spLocks noGrp="1"/>
           </p:cNvSpPr>
           <p:nvPr>
             <p:ph idx="1"/>
           </p:nvPr>
         </p:nvSpPr>
-        <p:spPr/>
-        <p:txBody>
-          <a:bodyPr/>
+        <p:spPr>
+          <a:xfrm>
+            <a:off x="838203" y="1825627"/>
+            <a:ext cx="10515600" cy="4667243"/>
+          </a:xfrm>
+        </p:spPr>
+        <p:txBody>
+          <a:bodyPr>
+            <a:normAutofit/>
+          </a:bodyPr>
           <a:lstStyle/>
           <a:p>
-            <a:endParaRPr lang="nl-NL"/>
+            <a:pPr marL="0" lvl="0" indent="0">
+              <a:lnSpc>
+                <a:spcPct val="100000"/>
+              </a:lnSpc>
+              <a:buNone/>
+            </a:pPr>
+            <a:r>
+              <a:rPr lang="en-GB" b="1" dirty="0">
+                <a:solidFill>
+                  <a:srgbClr val="404040"/>
+                </a:solidFill>
+                <a:latin typeface="Fira Sans" pitchFamily="34"/>
+              </a:rPr>
+              <a:t>Synthetic </a:t>
+            </a:r>
+            <a:r>
+              <a:rPr lang="en-GB" b="1" dirty="0" err="1">
+                <a:solidFill>
+                  <a:srgbClr val="404040"/>
+                </a:solidFill>
+                <a:latin typeface="Fira Sans" pitchFamily="34"/>
+              </a:rPr>
+              <a:t>DiD</a:t>
+            </a:r>
+            <a:endParaRPr lang="en-GB" b="1" dirty="0">
+              <a:solidFill>
+                <a:srgbClr val="404040"/>
+              </a:solidFill>
+              <a:latin typeface="Fira Sans" pitchFamily="34"/>
+            </a:endParaRPr>
+          </a:p>
+          <a:p>
+            <a:pPr marL="0" lvl="0" indent="0">
+              <a:lnSpc>
+                <a:spcPct val="100000"/>
+              </a:lnSpc>
+              <a:buNone/>
+            </a:pPr>
+            <a:endParaRPr lang="en-GB" b="1" dirty="0">
+              <a:solidFill>
+                <a:srgbClr val="404040"/>
+              </a:solidFill>
+              <a:latin typeface="Fira Sans" pitchFamily="34"/>
+            </a:endParaRPr>
+          </a:p>
+          <a:p>
+            <a:pPr marL="0" lvl="0" indent="0">
+              <a:lnSpc>
+                <a:spcPct val="100000"/>
+              </a:lnSpc>
+              <a:buNone/>
+            </a:pPr>
+            <a:endParaRPr lang="en-GB" b="1" dirty="0">
+              <a:solidFill>
+                <a:srgbClr val="404040"/>
+              </a:solidFill>
+              <a:latin typeface="Fira Sans" pitchFamily="34"/>
+            </a:endParaRPr>
+          </a:p>
+          <a:p>
+            <a:pPr marL="0" lvl="0" indent="0">
+              <a:lnSpc>
+                <a:spcPct val="100000"/>
+              </a:lnSpc>
+              <a:buNone/>
+            </a:pPr>
+            <a:r>
+              <a:rPr lang="en-GB" b="1" dirty="0">
+                <a:solidFill>
+                  <a:srgbClr val="404040"/>
+                </a:solidFill>
+                <a:latin typeface="Fira Sans" pitchFamily="34"/>
+              </a:rPr>
+              <a:t>More on Causal Policy Evaluation</a:t>
+            </a:r>
+          </a:p>
+          <a:p>
+            <a:pPr marL="0" lvl="0" indent="0">
+              <a:lnSpc>
+                <a:spcPct val="100000"/>
+              </a:lnSpc>
+              <a:buNone/>
+            </a:pPr>
+            <a:r>
+              <a:rPr lang="en-GB" dirty="0">
+                <a:solidFill>
+                  <a:srgbClr val="404040"/>
+                </a:solidFill>
+                <a:latin typeface="Fira Sans" pitchFamily="34"/>
+              </a:rPr>
+              <a:t>Free online course materials made by Andrew </a:t>
+            </a:r>
+            <a:r>
+              <a:rPr lang="en-GB" dirty="0" err="1">
+                <a:solidFill>
+                  <a:srgbClr val="404040"/>
+                </a:solidFill>
+                <a:latin typeface="Fira Sans" pitchFamily="34"/>
+              </a:rPr>
+              <a:t>Heiss</a:t>
+            </a:r>
+            <a:endParaRPr lang="en-GB" dirty="0">
+              <a:solidFill>
+                <a:srgbClr val="404040"/>
+              </a:solidFill>
+              <a:latin typeface="Fira Sans" pitchFamily="34"/>
+            </a:endParaRPr>
+          </a:p>
+          <a:p>
+            <a:pPr marL="0" indent="0">
+              <a:lnSpc>
+                <a:spcPct val="100000"/>
+              </a:lnSpc>
+              <a:buNone/>
+            </a:pPr>
+            <a:r>
+              <a:rPr lang="en-GB" dirty="0">
+                <a:solidFill>
+                  <a:srgbClr val="404040"/>
+                </a:solidFill>
+                <a:latin typeface="Fira Sans" pitchFamily="34"/>
+                <a:hlinkClick r:id="rId2"/>
+              </a:rPr>
+              <a:t>https://evalsp23.classes.andrewheiss.com/</a:t>
+            </a:r>
+            <a:r>
+              <a:rPr lang="en-GB" dirty="0">
+                <a:solidFill>
+                  <a:srgbClr val="404040"/>
+                </a:solidFill>
+                <a:latin typeface="Fira Sans" pitchFamily="34"/>
+              </a:rPr>
+              <a:t> </a:t>
+            </a:r>
+            <a:endParaRPr lang="en-GB" b="1" dirty="0">
+              <a:solidFill>
+                <a:srgbClr val="404040"/>
+              </a:solidFill>
+              <a:latin typeface="Fira Sans" pitchFamily="34"/>
+            </a:endParaRPr>
+          </a:p>
+          <a:p>
+            <a:pPr marL="0" indent="0">
+              <a:lnSpc>
+                <a:spcPct val="100000"/>
+              </a:lnSpc>
+              <a:buNone/>
+            </a:pPr>
+            <a:endParaRPr lang="en-GB" dirty="0">
+              <a:solidFill>
+                <a:srgbClr val="404040"/>
+              </a:solidFill>
+              <a:latin typeface="Fira Sans" pitchFamily="34"/>
+            </a:endParaRPr>
           </a:p>
         </p:txBody>
       </p:sp>
     </p:spTree>
     <p:extLst>
       <p:ext uri="{BB962C8B-B14F-4D97-AF65-F5344CB8AC3E}">
-        <p14:creationId xmlns:p14="http://schemas.microsoft.com/office/powerpoint/2010/main" val="850121691"/>
+        <p14:creationId xmlns:p14="http://schemas.microsoft.com/office/powerpoint/2010/main" val="3314082057"/>
       </p:ext>
     </p:extLst>
   </p:cSld>

--- a/lectures/05_discussion/discussion.pptx
+++ b/lectures/05_discussion/discussion.pptx
@@ -5,7 +5,7 @@
     <p:sldMasterId id="2147483648" r:id="rId1"/>
   </p:sldMasterIdLst>
   <p:notesMasterIdLst>
-    <p:notesMasterId r:id="rId46"/>
+    <p:notesMasterId r:id="rId21"/>
   </p:notesMasterIdLst>
   <p:sldIdLst>
     <p:sldId id="338" r:id="rId2"/>
@@ -13,45 +13,20 @@
     <p:sldId id="401" r:id="rId4"/>
     <p:sldId id="439" r:id="rId5"/>
     <p:sldId id="445" r:id="rId6"/>
-    <p:sldId id="443" r:id="rId7"/>
-    <p:sldId id="444" r:id="rId8"/>
-    <p:sldId id="441" r:id="rId9"/>
-    <p:sldId id="442" r:id="rId10"/>
-    <p:sldId id="438" r:id="rId11"/>
-    <p:sldId id="437" r:id="rId12"/>
-    <p:sldId id="300" r:id="rId13"/>
-    <p:sldId id="302" r:id="rId14"/>
-    <p:sldId id="340" r:id="rId15"/>
-    <p:sldId id="297" r:id="rId16"/>
-    <p:sldId id="298" r:id="rId17"/>
-    <p:sldId id="305" r:id="rId18"/>
-    <p:sldId id="308" r:id="rId19"/>
-    <p:sldId id="342" r:id="rId20"/>
-    <p:sldId id="343" r:id="rId21"/>
-    <p:sldId id="341" r:id="rId22"/>
-    <p:sldId id="344" r:id="rId23"/>
-    <p:sldId id="346" r:id="rId24"/>
-    <p:sldId id="347" r:id="rId25"/>
-    <p:sldId id="348" r:id="rId26"/>
-    <p:sldId id="350" r:id="rId27"/>
-    <p:sldId id="349" r:id="rId28"/>
-    <p:sldId id="351" r:id="rId29"/>
-    <p:sldId id="352" r:id="rId30"/>
-    <p:sldId id="353" r:id="rId31"/>
-    <p:sldId id="355" r:id="rId32"/>
-    <p:sldId id="356" r:id="rId33"/>
-    <p:sldId id="357" r:id="rId34"/>
-    <p:sldId id="358" r:id="rId35"/>
-    <p:sldId id="359" r:id="rId36"/>
-    <p:sldId id="360" r:id="rId37"/>
-    <p:sldId id="361" r:id="rId38"/>
-    <p:sldId id="325" r:id="rId39"/>
-    <p:sldId id="307" r:id="rId40"/>
-    <p:sldId id="313" r:id="rId41"/>
-    <p:sldId id="335" r:id="rId42"/>
-    <p:sldId id="362" r:id="rId43"/>
-    <p:sldId id="339" r:id="rId44"/>
-    <p:sldId id="292" r:id="rId45"/>
+    <p:sldId id="446" r:id="rId7"/>
+    <p:sldId id="443" r:id="rId8"/>
+    <p:sldId id="307" r:id="rId9"/>
+    <p:sldId id="449" r:id="rId10"/>
+    <p:sldId id="447" r:id="rId11"/>
+    <p:sldId id="441" r:id="rId12"/>
+    <p:sldId id="452" r:id="rId13"/>
+    <p:sldId id="442" r:id="rId14"/>
+    <p:sldId id="453" r:id="rId15"/>
+    <p:sldId id="313" r:id="rId16"/>
+    <p:sldId id="335" r:id="rId17"/>
+    <p:sldId id="362" r:id="rId18"/>
+    <p:sldId id="339" r:id="rId19"/>
+    <p:sldId id="292" r:id="rId20"/>
   </p:sldIdLst>
   <p:sldSz cx="12192000" cy="6858000"/>
   <p:notesSz cx="6858000" cy="9144000"/>
@@ -4133,11 +4108,11 @@
           <p:cNvPr id="2" name="Title 1">
             <a:extLst>
               <a:ext uri="{FF2B5EF4-FFF2-40B4-BE49-F238E27FC236}">
-                <a16:creationId xmlns:a16="http://schemas.microsoft.com/office/drawing/2014/main" id="{D8F50B41-7031-A8F4-633A-605E940CB204}"/>
-              </a:ext>
-            </a:extLst>
-          </p:cNvPr>
-          <p:cNvSpPr>
+                <a16:creationId xmlns:a16="http://schemas.microsoft.com/office/drawing/2014/main" id="{743FADAD-7D51-496D-A8D5-5E58759DC032}"/>
+              </a:ext>
+            </a:extLst>
+          </p:cNvPr>
+          <p:cNvSpPr txBox="1">
             <a:spLocks noGrp="1"/>
           </p:cNvSpPr>
           <p:nvPr>
@@ -4146,42 +4121,217 @@
         </p:nvSpPr>
         <p:spPr/>
         <p:txBody>
-          <a:bodyPr/>
+          <a:bodyPr>
+            <a:normAutofit fontScale="90000"/>
+          </a:bodyPr>
           <a:lstStyle/>
           <a:p>
-            <a:endParaRPr lang="nl-NL" dirty="0"/>
-          </a:p>
-        </p:txBody>
-      </p:sp>
-      <p:sp>
-        <p:nvSpPr>
-          <p:cNvPr id="3" name="Content Placeholder 2">
-            <a:extLst>
-              <a:ext uri="{FF2B5EF4-FFF2-40B4-BE49-F238E27FC236}">
-                <a16:creationId xmlns:a16="http://schemas.microsoft.com/office/drawing/2014/main" id="{ED2E5B7B-7D35-46D3-E7EA-CD930A9252D8}"/>
-              </a:ext>
-            </a:extLst>
-          </p:cNvPr>
-          <p:cNvSpPr>
+            <a:pPr lvl="0">
+              <a:lnSpc>
+                <a:spcPct val="100000"/>
+              </a:lnSpc>
+            </a:pPr>
+            <a:r>
+              <a:rPr lang="en-GB" sz="5400" b="1" kern="0" dirty="0">
+                <a:solidFill>
+                  <a:srgbClr val="006388"/>
+                </a:solidFill>
+                <a:latin typeface="Fira Sans" pitchFamily="34"/>
+                <a:ea typeface="Fira Code" pitchFamily="49"/>
+              </a:rPr>
+              <a:t>Other dimensions to keep in mind</a:t>
+            </a:r>
+            <a:endParaRPr lang="en-GB" sz="1800" kern="0" dirty="0"/>
+          </a:p>
+        </p:txBody>
+      </p:sp>
+      <p:sp>
+        <p:nvSpPr>
+          <p:cNvPr id="4" name="Content Placeholder 2">
+            <a:extLst>
+              <a:ext uri="{FF2B5EF4-FFF2-40B4-BE49-F238E27FC236}">
+                <a16:creationId xmlns:a16="http://schemas.microsoft.com/office/drawing/2014/main" id="{6A465D5B-CF66-0783-9C5A-A17CF6A28DA8}"/>
+              </a:ext>
+            </a:extLst>
+          </p:cNvPr>
+          <p:cNvSpPr txBox="1">
             <a:spLocks noGrp="1"/>
           </p:cNvSpPr>
           <p:nvPr>
             <p:ph idx="1"/>
           </p:nvPr>
         </p:nvSpPr>
-        <p:spPr/>
-        <p:txBody>
-          <a:bodyPr/>
+        <p:spPr>
+          <a:xfrm>
+            <a:off x="838203" y="1825627"/>
+            <a:ext cx="10515600" cy="4667243"/>
+          </a:xfrm>
+        </p:spPr>
+        <p:txBody>
+          <a:bodyPr>
+            <a:normAutofit lnSpcReduction="10000"/>
+          </a:bodyPr>
           <a:lstStyle/>
           <a:p>
-            <a:endParaRPr lang="nl-NL"/>
+            <a:pPr marL="0" lvl="0" indent="0">
+              <a:buNone/>
+            </a:pPr>
+            <a:r>
+              <a:rPr lang="en-GB" b="1" dirty="0">
+                <a:solidFill>
+                  <a:srgbClr val="404040"/>
+                </a:solidFill>
+                <a:latin typeface="Fira Sans" pitchFamily="34"/>
+              </a:rPr>
+              <a:t>Interpretability of the model</a:t>
+            </a:r>
+          </a:p>
+          <a:p>
+            <a:pPr lvl="0">
+              <a:buFontTx/>
+              <a:buChar char="-"/>
+            </a:pPr>
+            <a:r>
+              <a:rPr lang="en-GB" dirty="0">
+                <a:solidFill>
+                  <a:srgbClr val="404040"/>
+                </a:solidFill>
+                <a:latin typeface="Fira Sans" pitchFamily="34"/>
+              </a:rPr>
+              <a:t>Nice to know/ understand where inferences are coming from</a:t>
+            </a:r>
+          </a:p>
+          <a:p>
+            <a:pPr lvl="0">
+              <a:buFontTx/>
+              <a:buChar char="-"/>
+            </a:pPr>
+            <a:r>
+              <a:rPr lang="en-GB" dirty="0">
+                <a:solidFill>
+                  <a:srgbClr val="404040"/>
+                </a:solidFill>
+                <a:latin typeface="Fira Sans" pitchFamily="34"/>
+              </a:rPr>
+              <a:t>Some methods better than others (e.g. synthetic control more understandable than </a:t>
+            </a:r>
+            <a:r>
+              <a:rPr lang="en-GB" dirty="0" err="1">
+                <a:solidFill>
+                  <a:srgbClr val="404040"/>
+                </a:solidFill>
+                <a:latin typeface="Fira Sans" pitchFamily="34"/>
+              </a:rPr>
+              <a:t>CausalImpact</a:t>
+            </a:r>
+            <a:r>
+              <a:rPr lang="en-GB" dirty="0">
+                <a:solidFill>
+                  <a:srgbClr val="404040"/>
+                </a:solidFill>
+                <a:latin typeface="Fira Sans" pitchFamily="34"/>
+              </a:rPr>
+              <a:t>)</a:t>
+            </a:r>
+          </a:p>
+          <a:p>
+            <a:pPr marL="0" lvl="0" indent="0">
+              <a:buNone/>
+            </a:pPr>
+            <a:endParaRPr lang="en-GB" dirty="0">
+              <a:solidFill>
+                <a:srgbClr val="404040"/>
+              </a:solidFill>
+              <a:latin typeface="Fira Sans" pitchFamily="34"/>
+            </a:endParaRPr>
+          </a:p>
+          <a:p>
+            <a:pPr marL="0" lvl="0" indent="0">
+              <a:buNone/>
+            </a:pPr>
+            <a:r>
+              <a:rPr lang="en-GB" b="1" dirty="0">
+                <a:solidFill>
+                  <a:srgbClr val="404040"/>
+                </a:solidFill>
+                <a:latin typeface="Fira Sans" pitchFamily="34"/>
+              </a:rPr>
+              <a:t>Sensitivity / Robustness / Researcher Degrees of Freedom</a:t>
+            </a:r>
+          </a:p>
+          <a:p>
+            <a:pPr lvl="0">
+              <a:buFontTx/>
+              <a:buChar char="-"/>
+            </a:pPr>
+            <a:r>
+              <a:rPr lang="en-GB" dirty="0">
+                <a:solidFill>
+                  <a:srgbClr val="404040"/>
+                </a:solidFill>
+                <a:latin typeface="Fira Sans" pitchFamily="34"/>
+              </a:rPr>
+              <a:t>How many arbitrary choices do you have to make?</a:t>
+            </a:r>
+          </a:p>
+          <a:p>
+            <a:pPr lvl="0">
+              <a:buFontTx/>
+              <a:buChar char="-"/>
+            </a:pPr>
+            <a:r>
+              <a:rPr lang="en-GB" dirty="0">
+                <a:solidFill>
+                  <a:srgbClr val="404040"/>
+                </a:solidFill>
+                <a:latin typeface="Fira Sans" pitchFamily="34"/>
+              </a:rPr>
+              <a:t>How much do the results change if you make a different choice?</a:t>
+            </a:r>
+          </a:p>
+          <a:p>
+            <a:pPr lvl="0">
+              <a:buFontTx/>
+              <a:buChar char="-"/>
+            </a:pPr>
+            <a:r>
+              <a:rPr lang="en-GB" dirty="0">
+                <a:solidFill>
+                  <a:srgbClr val="404040"/>
+                </a:solidFill>
+                <a:latin typeface="Fira Sans" pitchFamily="34"/>
+              </a:rPr>
+              <a:t>In practice, perform sensitivity checks whenever you can</a:t>
+            </a:r>
+          </a:p>
+          <a:p>
+            <a:pPr marL="0" lvl="0" indent="0">
+              <a:buNone/>
+            </a:pPr>
+            <a:endParaRPr lang="en-GB" dirty="0">
+              <a:solidFill>
+                <a:srgbClr val="404040"/>
+              </a:solidFill>
+              <a:latin typeface="Fira Sans" pitchFamily="34"/>
+            </a:endParaRPr>
+          </a:p>
+          <a:p>
+            <a:pPr marL="0" lvl="0" indent="0">
+              <a:buNone/>
+            </a:pPr>
+            <a:endParaRPr lang="en-GB" dirty="0">
+              <a:solidFill>
+                <a:srgbClr val="404040"/>
+              </a:solidFill>
+              <a:latin typeface="Fira Sans" pitchFamily="34"/>
+            </a:endParaRPr>
           </a:p>
         </p:txBody>
       </p:sp>
     </p:spTree>
     <p:extLst>
       <p:ext uri="{BB962C8B-B14F-4D97-AF65-F5344CB8AC3E}">
-        <p14:creationId xmlns:p14="http://schemas.microsoft.com/office/powerpoint/2010/main" val="850121691"/>
+        <p14:creationId xmlns:p14="http://schemas.microsoft.com/office/powerpoint/2010/main" val="1916107289"/>
       </p:ext>
     </p:extLst>
   </p:cSld>
@@ -4226,7 +4376,9 @@
         </p:nvSpPr>
         <p:spPr/>
         <p:txBody>
-          <a:bodyPr/>
+          <a:bodyPr>
+            <a:normAutofit/>
+          </a:bodyPr>
           <a:lstStyle/>
           <a:p>
             <a:pPr lvl="0">
@@ -4235,16 +4387,16 @@
               </a:lnSpc>
             </a:pPr>
             <a:r>
-              <a:rPr lang="en-GB" sz="5400" b="1" kern="0" dirty="0">
+              <a:rPr lang="en-GB" b="1" kern="0" dirty="0">
                 <a:solidFill>
                   <a:srgbClr val="006388"/>
                 </a:solidFill>
                 <a:latin typeface="Fira Sans" pitchFamily="34"/>
                 <a:ea typeface="Fira Code" pitchFamily="49"/>
               </a:rPr>
-              <a:t>Summary</a:t>
-            </a:r>
-            <a:endParaRPr lang="en-GB" sz="1800" kern="0" dirty="0"/>
+              <a:t>Useful References</a:t>
+            </a:r>
+            <a:endParaRPr lang="en-GB" sz="1400" kern="0" dirty="0"/>
           </a:p>
         </p:txBody>
       </p:sp>
@@ -4283,115 +4435,177 @@
               <a:buNone/>
             </a:pPr>
             <a:r>
-              <a:rPr lang="en-GB" dirty="0">
-                <a:solidFill>
-                  <a:srgbClr val="404040"/>
-                </a:solidFill>
-                <a:latin typeface="Fira Sans" pitchFamily="34"/>
-              </a:rPr>
-              <a:t>A brief survey and practical introduction to the</a:t>
-            </a:r>
-          </a:p>
-          <a:p>
-            <a:pPr>
+              <a:rPr lang="en-GB" b="1" dirty="0">
+                <a:solidFill>
+                  <a:srgbClr val="404040"/>
+                </a:solidFill>
+                <a:latin typeface="Fira Sans" pitchFamily="34"/>
+              </a:rPr>
+              <a:t>Difference in Differences</a:t>
+            </a:r>
+          </a:p>
+          <a:p>
+            <a:pPr marL="0" lvl="0" indent="0">
               <a:lnSpc>
                 <a:spcPct val="100000"/>
               </a:lnSpc>
-            </a:pPr>
-            <a:r>
-              <a:rPr lang="en-GB" dirty="0">
-                <a:solidFill>
-                  <a:srgbClr val="404040"/>
-                </a:solidFill>
-                <a:latin typeface="Fira Sans" pitchFamily="34"/>
-              </a:rPr>
-              <a:t>Core concepts</a:t>
-            </a:r>
-          </a:p>
-          <a:p>
-            <a:pPr>
+              <a:buNone/>
+            </a:pPr>
+            <a:r>
+              <a:rPr lang="en-GB" sz="1700" b="0" i="0" dirty="0">
+                <a:solidFill>
+                  <a:srgbClr val="222222"/>
+                </a:solidFill>
+                <a:effectLst/>
+                <a:latin typeface="Fira Sans" panose="020B0503050000020004" pitchFamily="34" charset="0"/>
+              </a:rPr>
+              <a:t>Angrist, J. D., &amp; Krueger, A. B. (1999). Empirical strategies in </a:t>
+            </a:r>
+            <a:r>
+              <a:rPr lang="en-GB" sz="1700" b="0" i="0" dirty="0" err="1">
+                <a:solidFill>
+                  <a:srgbClr val="222222"/>
+                </a:solidFill>
+                <a:effectLst/>
+                <a:latin typeface="Fira Sans" panose="020B0503050000020004" pitchFamily="34" charset="0"/>
+              </a:rPr>
+              <a:t>labor</a:t>
+            </a:r>
+            <a:r>
+              <a:rPr lang="en-GB" sz="1700" b="0" i="0" dirty="0">
+                <a:solidFill>
+                  <a:srgbClr val="222222"/>
+                </a:solidFill>
+                <a:effectLst/>
+                <a:latin typeface="Fira Sans" panose="020B0503050000020004" pitchFamily="34" charset="0"/>
+              </a:rPr>
+              <a:t> economics. In Handbook of </a:t>
+            </a:r>
+            <a:r>
+              <a:rPr lang="en-GB" sz="1700" b="0" i="0" dirty="0" err="1">
+                <a:solidFill>
+                  <a:srgbClr val="222222"/>
+                </a:solidFill>
+                <a:effectLst/>
+                <a:latin typeface="Fira Sans" panose="020B0503050000020004" pitchFamily="34" charset="0"/>
+              </a:rPr>
+              <a:t>labor</a:t>
+            </a:r>
+            <a:r>
+              <a:rPr lang="en-GB" sz="1700" b="0" i="0" dirty="0">
+                <a:solidFill>
+                  <a:srgbClr val="222222"/>
+                </a:solidFill>
+                <a:effectLst/>
+                <a:latin typeface="Fira Sans" panose="020B0503050000020004" pitchFamily="34" charset="0"/>
+              </a:rPr>
+              <a:t> economics (Vol. 3, pp. 1277-1366). Elsevier.</a:t>
+            </a:r>
+          </a:p>
+          <a:p>
+            <a:pPr marL="0" lvl="0" indent="0">
               <a:lnSpc>
                 <a:spcPct val="100000"/>
               </a:lnSpc>
-            </a:pPr>
-            <a:r>
-              <a:rPr lang="en-GB" dirty="0">
-                <a:solidFill>
-                  <a:srgbClr val="404040"/>
-                </a:solidFill>
-                <a:latin typeface="Fira Sans" pitchFamily="34"/>
-              </a:rPr>
-              <a:t>Key assumptions </a:t>
-            </a:r>
-          </a:p>
-          <a:p>
-            <a:pPr>
+              <a:buNone/>
+            </a:pPr>
+            <a:r>
+              <a:rPr lang="en-GB" sz="1700" b="0" i="0" dirty="0">
+                <a:solidFill>
+                  <a:srgbClr val="222222"/>
+                </a:solidFill>
+                <a:effectLst/>
+                <a:latin typeface="Fira Sans" panose="020B0503050000020004" pitchFamily="34" charset="0"/>
+              </a:rPr>
+              <a:t>Angrist, J. D., &amp; </a:t>
+            </a:r>
+            <a:r>
+              <a:rPr lang="en-GB" sz="1700" b="0" i="0" dirty="0" err="1">
+                <a:solidFill>
+                  <a:srgbClr val="222222"/>
+                </a:solidFill>
+                <a:effectLst/>
+                <a:latin typeface="Fira Sans" panose="020B0503050000020004" pitchFamily="34" charset="0"/>
+              </a:rPr>
+              <a:t>Pischke</a:t>
+            </a:r>
+            <a:r>
+              <a:rPr lang="en-GB" sz="1700" b="0" i="0" dirty="0">
+                <a:solidFill>
+                  <a:srgbClr val="222222"/>
+                </a:solidFill>
+                <a:effectLst/>
+                <a:latin typeface="Fira Sans" panose="020B0503050000020004" pitchFamily="34" charset="0"/>
+              </a:rPr>
+              <a:t>, J. S. (2009). Mostly harmless econometrics: An empiricist's companion. Princeton university press.</a:t>
+            </a:r>
+          </a:p>
+          <a:p>
+            <a:pPr marL="0" lvl="0" indent="0">
               <a:lnSpc>
                 <a:spcPct val="100000"/>
               </a:lnSpc>
-            </a:pPr>
-            <a:r>
-              <a:rPr lang="en-GB" dirty="0">
-                <a:solidFill>
-                  <a:srgbClr val="404040"/>
-                </a:solidFill>
-                <a:latin typeface="Fira Sans" pitchFamily="34"/>
-              </a:rPr>
-              <a:t>Different statistical methods </a:t>
-            </a:r>
-          </a:p>
-          <a:p>
-            <a:pPr marL="0" indent="0">
+              <a:buNone/>
+            </a:pPr>
+            <a:r>
+              <a:rPr lang="en-GB" sz="1700" b="0" i="0" dirty="0">
+                <a:solidFill>
+                  <a:srgbClr val="222222"/>
+                </a:solidFill>
+                <a:effectLst/>
+                <a:latin typeface="Fira Sans" panose="020B0503050000020004" pitchFamily="34" charset="0"/>
+              </a:rPr>
+              <a:t>Caniglia, E. C., &amp; Murray, E. J. (2020). Difference-in-difference in the time of cholera: a gentle introduction for epidemiologists. </a:t>
+            </a:r>
+            <a:r>
+              <a:rPr lang="en-GB" sz="1700" b="0" i="1" dirty="0">
+                <a:solidFill>
+                  <a:srgbClr val="222222"/>
+                </a:solidFill>
+                <a:effectLst/>
+                <a:latin typeface="Fira Sans" panose="020B0503050000020004" pitchFamily="34" charset="0"/>
+              </a:rPr>
+              <a:t>Current epidemiology reports</a:t>
+            </a:r>
+            <a:r>
+              <a:rPr lang="en-GB" sz="1700" b="0" i="0" dirty="0">
+                <a:solidFill>
+                  <a:srgbClr val="222222"/>
+                </a:solidFill>
+                <a:effectLst/>
+                <a:latin typeface="Fira Sans" panose="020B0503050000020004" pitchFamily="34" charset="0"/>
+              </a:rPr>
+              <a:t>, </a:t>
+            </a:r>
+            <a:r>
+              <a:rPr lang="en-GB" sz="1700" b="0" i="1" dirty="0">
+                <a:solidFill>
+                  <a:srgbClr val="222222"/>
+                </a:solidFill>
+                <a:effectLst/>
+                <a:latin typeface="Fira Sans" panose="020B0503050000020004" pitchFamily="34" charset="0"/>
+              </a:rPr>
+              <a:t>7</a:t>
+            </a:r>
+            <a:r>
+              <a:rPr lang="en-GB" sz="1700" b="0" i="0" dirty="0">
+                <a:solidFill>
+                  <a:srgbClr val="222222"/>
+                </a:solidFill>
+                <a:effectLst/>
+                <a:latin typeface="Fira Sans" panose="020B0503050000020004" pitchFamily="34" charset="0"/>
+              </a:rPr>
+              <a:t>, 203-211.</a:t>
+            </a:r>
+          </a:p>
+          <a:p>
+            <a:pPr marL="0" lvl="0" indent="0">
               <a:lnSpc>
                 <a:spcPct val="100000"/>
               </a:lnSpc>
               <a:buNone/>
             </a:pPr>
-            <a:r>
-              <a:rPr lang="en-GB" dirty="0">
-                <a:solidFill>
-                  <a:srgbClr val="404040"/>
-                </a:solidFill>
-                <a:latin typeface="Fira Sans" pitchFamily="34"/>
-              </a:rPr>
-              <a:t>used to evaluate the </a:t>
-            </a:r>
-            <a:r>
-              <a:rPr lang="en-GB" b="1" dirty="0">
-                <a:solidFill>
-                  <a:srgbClr val="404040"/>
-                </a:solidFill>
-                <a:latin typeface="Fira Sans" pitchFamily="34"/>
-              </a:rPr>
-              <a:t>causal effects </a:t>
-            </a:r>
-            <a:r>
-              <a:rPr lang="en-GB" dirty="0">
-                <a:solidFill>
-                  <a:srgbClr val="404040"/>
-                </a:solidFill>
-                <a:latin typeface="Fira Sans" pitchFamily="34"/>
-              </a:rPr>
-              <a:t>of </a:t>
-            </a:r>
-            <a:r>
-              <a:rPr lang="en-GB" b="1" dirty="0">
-                <a:solidFill>
-                  <a:srgbClr val="404040"/>
-                </a:solidFill>
-                <a:latin typeface="Fira Sans" pitchFamily="34"/>
-              </a:rPr>
-              <a:t>policy interventions</a:t>
-            </a:r>
-          </a:p>
-          <a:p>
-            <a:pPr marL="0" indent="0">
-              <a:lnSpc>
-                <a:spcPct val="100000"/>
-              </a:lnSpc>
-              <a:buNone/>
-            </a:pPr>
-            <a:endParaRPr lang="en-GB" u="sng" dirty="0">
+            <a:endParaRPr lang="en-GB" b="1" dirty="0">
               <a:solidFill>
                 <a:srgbClr val="404040"/>
               </a:solidFill>
@@ -4399,73 +4613,100 @@
             </a:endParaRPr>
           </a:p>
           <a:p>
+            <a:pPr marL="0" lvl="0" indent="0">
+              <a:lnSpc>
+                <a:spcPct val="100000"/>
+              </a:lnSpc>
+              <a:buNone/>
+            </a:pPr>
+            <a:r>
+              <a:rPr lang="en-GB" b="1" dirty="0">
+                <a:solidFill>
+                  <a:srgbClr val="404040"/>
+                </a:solidFill>
+                <a:latin typeface="Fira Sans" pitchFamily="34"/>
+              </a:rPr>
+              <a:t>Interrupted Time Series</a:t>
+            </a:r>
+          </a:p>
+          <a:p>
+            <a:pPr marL="0" lvl="0" indent="0">
+              <a:lnSpc>
+                <a:spcPct val="100000"/>
+              </a:lnSpc>
+              <a:buNone/>
+            </a:pPr>
+            <a:r>
+              <a:rPr lang="en-GB" sz="1600" dirty="0">
+                <a:solidFill>
+                  <a:srgbClr val="404040"/>
+                </a:solidFill>
+                <a:latin typeface="Fira Sans" pitchFamily="34"/>
+              </a:rPr>
+              <a:t>Bernal, J. L., Cummins, S., &amp; </a:t>
+            </a:r>
+            <a:r>
+              <a:rPr lang="en-GB" sz="1600" dirty="0" err="1">
+                <a:solidFill>
+                  <a:srgbClr val="404040"/>
+                </a:solidFill>
+                <a:latin typeface="Fira Sans" pitchFamily="34"/>
+              </a:rPr>
+              <a:t>Gasparrini</a:t>
+            </a:r>
+            <a:r>
+              <a:rPr lang="en-GB" sz="1600" dirty="0">
+                <a:solidFill>
+                  <a:srgbClr val="404040"/>
+                </a:solidFill>
+                <a:latin typeface="Fira Sans" pitchFamily="34"/>
+              </a:rPr>
+              <a:t>, A. (2017). Interrupted time series regression for the evaluation of public health interventions: a tutorial. International journal of epidemiology, 46(1), 348-355.</a:t>
+            </a:r>
+          </a:p>
+          <a:p>
+            <a:pPr marL="0" lvl="0" indent="0">
+              <a:lnSpc>
+                <a:spcPct val="100000"/>
+              </a:lnSpc>
+              <a:buNone/>
+            </a:pPr>
+            <a:r>
+              <a:rPr lang="en-GB" sz="1600" dirty="0">
+                <a:solidFill>
+                  <a:srgbClr val="404040"/>
+                </a:solidFill>
+                <a:latin typeface="Fira Sans" pitchFamily="34"/>
+              </a:rPr>
+              <a:t>Bernal, J.L, Cummins, S., &amp; </a:t>
+            </a:r>
+            <a:r>
+              <a:rPr lang="en-GB" sz="1600" dirty="0" err="1">
+                <a:solidFill>
+                  <a:srgbClr val="404040"/>
+                </a:solidFill>
+                <a:latin typeface="Fira Sans" pitchFamily="34"/>
+              </a:rPr>
+              <a:t>Gasparrini</a:t>
+            </a:r>
+            <a:r>
+              <a:rPr lang="en-GB" sz="1600" dirty="0">
+                <a:solidFill>
+                  <a:srgbClr val="404040"/>
+                </a:solidFill>
+                <a:latin typeface="Fira Sans" pitchFamily="34"/>
+              </a:rPr>
+              <a:t>, A. (2019). Difference in difference, controlled interrupted time series and synthetic controls. International journal of epidemiology, 48(6), 2062-2063.</a:t>
+            </a:r>
+          </a:p>
+          <a:p>
             <a:pPr marL="0" indent="0">
               <a:lnSpc>
                 <a:spcPct val="100000"/>
               </a:lnSpc>
               <a:buNone/>
             </a:pPr>
-            <a:r>
-              <a:rPr lang="en-GB" b="1" u="sng" dirty="0">
-                <a:solidFill>
-                  <a:srgbClr val="404040"/>
-                </a:solidFill>
-                <a:latin typeface="Fira Sans" pitchFamily="34"/>
-              </a:rPr>
-              <a:t>Disclaimer</a:t>
-            </a:r>
-            <a:r>
-              <a:rPr lang="en-GB" u="sng" dirty="0">
-                <a:solidFill>
-                  <a:srgbClr val="404040"/>
-                </a:solidFill>
-                <a:latin typeface="Fira Sans" pitchFamily="34"/>
-              </a:rPr>
-              <a:t>:</a:t>
-            </a:r>
-          </a:p>
-          <a:p>
-            <a:pPr marL="0" indent="0">
-              <a:lnSpc>
-                <a:spcPct val="100000"/>
-              </a:lnSpc>
-              <a:buNone/>
-            </a:pPr>
-            <a:r>
-              <a:rPr lang="en-GB" dirty="0">
-                <a:solidFill>
-                  <a:srgbClr val="404040"/>
-                </a:solidFill>
-                <a:latin typeface="Fira Sans" pitchFamily="34"/>
-              </a:rPr>
-              <a:t>We took a “wide” instead of “deep” view</a:t>
-            </a:r>
-          </a:p>
-          <a:p>
-            <a:pPr marL="0" indent="0">
-              <a:lnSpc>
-                <a:spcPct val="100000"/>
-              </a:lnSpc>
-              <a:buNone/>
-            </a:pPr>
-            <a:r>
-              <a:rPr lang="en-GB" dirty="0">
-                <a:solidFill>
-                  <a:srgbClr val="404040"/>
-                </a:solidFill>
-                <a:latin typeface="Fira Sans" pitchFamily="34"/>
-              </a:rPr>
-              <a:t>Many details / extensions / advanced topics omitted!</a:t>
-            </a:r>
-          </a:p>
-          <a:p>
-            <a:pPr marL="0" indent="0">
-              <a:lnSpc>
-                <a:spcPct val="100000"/>
-              </a:lnSpc>
-              <a:buNone/>
-            </a:pPr>
-            <a:endParaRPr lang="en-GB" dirty="0">
+            <a:endParaRPr lang="en-GB" sz="1800" dirty="0">
               <a:solidFill>
                 <a:srgbClr val="404040"/>
               </a:solidFill>
@@ -4477,7 +4718,7 @@
     </p:spTree>
     <p:extLst>
       <p:ext uri="{BB962C8B-B14F-4D97-AF65-F5344CB8AC3E}">
-        <p14:creationId xmlns:p14="http://schemas.microsoft.com/office/powerpoint/2010/main" val="1489954365"/>
+        <p14:creationId xmlns:p14="http://schemas.microsoft.com/office/powerpoint/2010/main" val="379654223"/>
       </p:ext>
     </p:extLst>
   </p:cSld>
@@ -4489,7 +4730,7 @@
 
 <file path=ppt/slides/slide12.xml><?xml version="1.0" encoding="utf-8"?>
 <p:sld xmlns:a="http://schemas.openxmlformats.org/drawingml/2006/main" xmlns:r="http://schemas.openxmlformats.org/officeDocument/2006/relationships" xmlns:p="http://schemas.openxmlformats.org/presentationml/2006/main">
-  <p:cSld name="Slide45">
+  <p:cSld>
     <p:spTree>
       <p:nvGrpSpPr>
         <p:cNvPr id="1" name=""/>
@@ -4522,7 +4763,9 @@
         </p:nvSpPr>
         <p:spPr/>
         <p:txBody>
-          <a:bodyPr/>
+          <a:bodyPr>
+            <a:normAutofit/>
+          </a:bodyPr>
           <a:lstStyle/>
           <a:p>
             <a:pPr lvl="0">
@@ -4531,25 +4774,25 @@
               </a:lnSpc>
             </a:pPr>
             <a:r>
-              <a:rPr lang="en-GB" sz="5400" b="1" kern="0" dirty="0">
+              <a:rPr lang="en-GB" b="1" kern="0" dirty="0">
                 <a:solidFill>
                   <a:srgbClr val="006388"/>
                 </a:solidFill>
                 <a:latin typeface="Fira Sans" pitchFamily="34"/>
                 <a:ea typeface="Fira Code" pitchFamily="49"/>
               </a:rPr>
-              <a:t>About me</a:t>
-            </a:r>
-            <a:endParaRPr lang="en-GB" sz="1800" kern="0" dirty="0"/>
-          </a:p>
-        </p:txBody>
-      </p:sp>
-      <p:sp>
-        <p:nvSpPr>
-          <p:cNvPr id="3" name="Content Placeholder 2">
-            <a:extLst>
-              <a:ext uri="{FF2B5EF4-FFF2-40B4-BE49-F238E27FC236}">
-                <a16:creationId xmlns:a16="http://schemas.microsoft.com/office/drawing/2014/main" id="{88AD4E46-B512-463D-B59E-7A6FB569FBAA}"/>
+              <a:t>Useful References</a:t>
+            </a:r>
+            <a:endParaRPr lang="en-GB" sz="1400" kern="0" dirty="0"/>
+          </a:p>
+        </p:txBody>
+      </p:sp>
+      <p:sp>
+        <p:nvSpPr>
+          <p:cNvPr id="4" name="Content Placeholder 2">
+            <a:extLst>
+              <a:ext uri="{FF2B5EF4-FFF2-40B4-BE49-F238E27FC236}">
+                <a16:creationId xmlns:a16="http://schemas.microsoft.com/office/drawing/2014/main" id="{6A465D5B-CF66-0783-9C5A-A17CF6A28DA8}"/>
               </a:ext>
             </a:extLst>
           </p:cNvPr>
@@ -4562,8 +4805,8 @@
         </p:nvSpPr>
         <p:spPr>
           <a:xfrm>
-            <a:off x="2705362" y="1698662"/>
-            <a:ext cx="7110173" cy="4667243"/>
+            <a:off x="838203" y="1825627"/>
+            <a:ext cx="10515600" cy="4667243"/>
           </a:xfrm>
         </p:spPr>
         <p:txBody>
@@ -4574,76 +4817,80 @@
           <a:p>
             <a:pPr marL="0" lvl="0" indent="0">
               <a:lnSpc>
-                <a:spcPct val="110000"/>
+                <a:spcPct val="100000"/>
               </a:lnSpc>
               <a:buNone/>
             </a:pPr>
             <a:r>
-              <a:rPr lang="en-GB" sz="1700" b="1" dirty="0">
-                <a:solidFill>
-                  <a:srgbClr val="404040"/>
-                </a:solidFill>
-                <a:latin typeface="Fira Sans" pitchFamily="34"/>
-              </a:rPr>
-              <a:t>Erik-Jan van Kesteren</a:t>
-            </a:r>
-          </a:p>
-          <a:p>
-            <a:pPr>
-              <a:lnSpc>
-                <a:spcPct val="110000"/>
-              </a:lnSpc>
-            </a:pPr>
-            <a:r>
-              <a:rPr lang="en-GB" sz="1700" dirty="0">
-                <a:solidFill>
-                  <a:srgbClr val="404040"/>
-                </a:solidFill>
-                <a:latin typeface="Fira Sans" pitchFamily="34"/>
-              </a:rPr>
-              <a:t>Background in statistics / social science</a:t>
-            </a:r>
-          </a:p>
-          <a:p>
-            <a:pPr>
-              <a:lnSpc>
-                <a:spcPct val="110000"/>
-              </a:lnSpc>
-            </a:pPr>
-            <a:r>
-              <a:rPr lang="en-GB" sz="1700" dirty="0">
-                <a:solidFill>
-                  <a:srgbClr val="404040"/>
-                </a:solidFill>
-                <a:latin typeface="Fira Sans" pitchFamily="34"/>
-              </a:rPr>
-              <a:t>Assistant professor @ methodology &amp; statistics UU</a:t>
-            </a:r>
-          </a:p>
-          <a:p>
-            <a:pPr>
-              <a:lnSpc>
-                <a:spcPct val="110000"/>
-              </a:lnSpc>
-            </a:pPr>
-            <a:r>
-              <a:rPr lang="en-GB" sz="1700" dirty="0">
-                <a:solidFill>
-                  <a:srgbClr val="404040"/>
-                </a:solidFill>
-                <a:latin typeface="Fira Sans" pitchFamily="34"/>
-              </a:rPr>
-              <a:t>Social Data Science team lead @ ODISSEI (consortium of universities)</a:t>
+              <a:rPr lang="en-GB" b="1" dirty="0">
+                <a:solidFill>
+                  <a:srgbClr val="404040"/>
+                </a:solidFill>
+                <a:latin typeface="Fira Sans" pitchFamily="34"/>
+              </a:rPr>
+              <a:t>Synthetic Control</a:t>
             </a:r>
           </a:p>
           <a:p>
             <a:pPr marL="0" lvl="0" indent="0">
               <a:lnSpc>
-                <a:spcPct val="110000"/>
+                <a:spcPct val="100000"/>
               </a:lnSpc>
               <a:buNone/>
             </a:pPr>
-            <a:endParaRPr lang="en-GB" sz="1700" dirty="0">
+            <a:r>
+              <a:rPr lang="en-GB" sz="1800" dirty="0">
+                <a:solidFill>
+                  <a:srgbClr val="404040"/>
+                </a:solidFill>
+                <a:latin typeface="Fira Sans" pitchFamily="34"/>
+              </a:rPr>
+              <a:t>Abadie, A., Diamond, A., &amp; </a:t>
+            </a:r>
+            <a:r>
+              <a:rPr lang="en-GB" sz="1800" dirty="0" err="1">
+                <a:solidFill>
+                  <a:srgbClr val="404040"/>
+                </a:solidFill>
+                <a:latin typeface="Fira Sans" pitchFamily="34"/>
+              </a:rPr>
+              <a:t>Hainmueller</a:t>
+            </a:r>
+            <a:r>
+              <a:rPr lang="en-GB" sz="1800" dirty="0">
+                <a:solidFill>
+                  <a:srgbClr val="404040"/>
+                </a:solidFill>
+                <a:latin typeface="Fira Sans" pitchFamily="34"/>
+              </a:rPr>
+              <a:t>, J. (2010). Synthetic control methods for comparative case studies: Estimating the effect of California’s tobacco control program. Journal of the American Statistical Association, 105(490), 493-505.</a:t>
+            </a:r>
+          </a:p>
+          <a:p>
+            <a:pPr marL="0" lvl="0" indent="0">
+              <a:lnSpc>
+                <a:spcPct val="100000"/>
+              </a:lnSpc>
+              <a:buNone/>
+            </a:pPr>
+            <a:r>
+              <a:rPr lang="en-GB" sz="1800" dirty="0">
+                <a:solidFill>
+                  <a:srgbClr val="404040"/>
+                </a:solidFill>
+                <a:latin typeface="Fira Sans" pitchFamily="34"/>
+              </a:rPr>
+              <a:t>Abadie, A. (2021). Using synthetic controls: Feasibility, data requirements, and methodological aspects. Journal of Economic Literature, 59(2), 391-425.</a:t>
+            </a:r>
+          </a:p>
+          <a:p>
+            <a:pPr marL="0" lvl="0" indent="0">
+              <a:lnSpc>
+                <a:spcPct val="100000"/>
+              </a:lnSpc>
+              <a:buNone/>
+            </a:pPr>
+            <a:endParaRPr lang="en-GB" sz="1800" dirty="0">
               <a:solidFill>
                 <a:srgbClr val="404040"/>
               </a:solidFill>
@@ -4653,11 +4900,20 @@
           <a:p>
             <a:pPr marL="0" lvl="0" indent="0">
               <a:lnSpc>
-                <a:spcPct val="110000"/>
+                <a:spcPct val="100000"/>
               </a:lnSpc>
               <a:buNone/>
             </a:pPr>
-            <a:endParaRPr lang="en-GB" sz="1700" dirty="0">
+            <a:r>
+              <a:rPr lang="en-GB" b="1" dirty="0" err="1">
+                <a:solidFill>
+                  <a:srgbClr val="404040"/>
+                </a:solidFill>
+                <a:latin typeface="Fira Sans" pitchFamily="34"/>
+              </a:rPr>
+              <a:t>CausalImpact</a:t>
+            </a:r>
+            <a:endParaRPr lang="en-GB" b="1" dirty="0">
               <a:solidFill>
                 <a:srgbClr val="404040"/>
               </a:solidFill>
@@ -4665,135 +4921,101 @@
             </a:endParaRPr>
           </a:p>
           <a:p>
-            <a:pPr marL="0" lvl="0" indent="0">
+            <a:pPr marL="0" indent="0">
               <a:lnSpc>
-                <a:spcPct val="110000"/>
+                <a:spcPct val="100000"/>
               </a:lnSpc>
               <a:buNone/>
             </a:pPr>
-            <a:endParaRPr lang="en-GB" sz="1700" dirty="0">
-              <a:solidFill>
-                <a:srgbClr val="404040"/>
-              </a:solidFill>
-              <a:latin typeface="Fira Sans" pitchFamily="34"/>
-            </a:endParaRPr>
-          </a:p>
-          <a:p>
-            <a:pPr marL="0" lvl="0" indent="0">
+            <a:r>
+              <a:rPr lang="en-GB" sz="1800" dirty="0" err="1">
+                <a:solidFill>
+                  <a:srgbClr val="404040"/>
+                </a:solidFill>
+                <a:latin typeface="Fira Sans" pitchFamily="34"/>
+              </a:rPr>
+              <a:t>Brodersen</a:t>
+            </a:r>
+            <a:r>
+              <a:rPr lang="en-GB" sz="1800" dirty="0">
+                <a:solidFill>
+                  <a:srgbClr val="404040"/>
+                </a:solidFill>
+                <a:latin typeface="Fira Sans" pitchFamily="34"/>
+              </a:rPr>
+              <a:t>, K. H., </a:t>
+            </a:r>
+            <a:r>
+              <a:rPr lang="en-GB" sz="1800" dirty="0" err="1">
+                <a:solidFill>
+                  <a:srgbClr val="404040"/>
+                </a:solidFill>
+                <a:latin typeface="Fira Sans" pitchFamily="34"/>
+              </a:rPr>
+              <a:t>Gallusser</a:t>
+            </a:r>
+            <a:r>
+              <a:rPr lang="en-GB" sz="1800" dirty="0">
+                <a:solidFill>
+                  <a:srgbClr val="404040"/>
+                </a:solidFill>
+                <a:latin typeface="Fira Sans" pitchFamily="34"/>
+              </a:rPr>
+              <a:t>, F., Koehler, J., Remy, N., &amp; Scott, S. L. (2015). Inferring causal impact using Bayesian structural time-series models. The Annals of Applied Statistics, 247-274.</a:t>
+            </a:r>
+          </a:p>
+          <a:p>
+            <a:pPr marL="0" indent="0">
               <a:lnSpc>
-                <a:spcPct val="110000"/>
+                <a:spcPct val="100000"/>
               </a:lnSpc>
               <a:buNone/>
             </a:pPr>
             <a:r>
-              <a:rPr lang="en-GB" sz="1700" dirty="0">
-                <a:solidFill>
-                  <a:srgbClr val="404040"/>
-                </a:solidFill>
-                <a:latin typeface="Fira Sans" pitchFamily="34"/>
-              </a:rPr>
-              <a:t>Some stuff I work on:</a:t>
-            </a:r>
-          </a:p>
-          <a:p>
-            <a:pPr marL="0" lvl="0" indent="0">
+              <a:rPr lang="en-GB" sz="1800" dirty="0">
+                <a:solidFill>
+                  <a:srgbClr val="404040"/>
+                </a:solidFill>
+                <a:latin typeface="Fira Sans" pitchFamily="34"/>
+              </a:rPr>
+              <a:t>Linden, A. (2018). Combining synthetic controls and interrupted time series analysis to improve causal inference in program evaluation. Journal of evaluation in clinical practice, 24(2), 447-453.</a:t>
+            </a:r>
+          </a:p>
+          <a:p>
+            <a:pPr marL="0" indent="0">
               <a:lnSpc>
-                <a:spcPct val="110000"/>
+                <a:spcPct val="100000"/>
               </a:lnSpc>
               <a:buNone/>
             </a:pPr>
             <a:r>
-              <a:rPr lang="en-GB" sz="1700" dirty="0">
-                <a:solidFill>
-                  <a:srgbClr val="404040"/>
-                </a:solidFill>
-                <a:latin typeface="Fira Sans" pitchFamily="34"/>
-              </a:rPr>
-              <a:t>Latent variables, high-dimensional data, optimization, regularization, visualisation, Bayesian statistics, multilevel models, spatial data, generalized linear models, privacy, synthetic data, high-performance computing, software development, open science &amp; reproducibility</a:t>
-            </a:r>
-          </a:p>
-        </p:txBody>
-      </p:sp>
-      <p:pic>
-        <p:nvPicPr>
-          <p:cNvPr id="4" name="Picture 7">
-            <a:extLst>
-              <a:ext uri="{FF2B5EF4-FFF2-40B4-BE49-F238E27FC236}">
-                <a16:creationId xmlns:a16="http://schemas.microsoft.com/office/drawing/2014/main" id="{2C92E365-10AA-45C2-A560-32B44CB8B09B}"/>
-              </a:ext>
-            </a:extLst>
-          </p:cNvPr>
-          <p:cNvPicPr>
-            <a:picLocks noChangeAspect="1"/>
-          </p:cNvPicPr>
-          <p:nvPr/>
-        </p:nvPicPr>
-        <p:blipFill>
-          <a:blip r:embed="rId2">
-            <a:extLst>
-              <a:ext uri="{28A0092B-C50C-407E-A947-70E740481C1C}">
-                <a14:useLocalDpi xmlns:a14="http://schemas.microsoft.com/office/drawing/2010/main" val="0"/>
-              </a:ext>
-            </a:extLst>
-          </a:blip>
-          <a:srcRect/>
-          <a:stretch/>
-        </p:blipFill>
-        <p:spPr>
-          <a:xfrm>
-            <a:off x="901154" y="1791763"/>
-            <a:ext cx="1538267" cy="1536162"/>
-          </a:xfrm>
-          <a:prstGeom prst="rect">
-            <a:avLst/>
-          </a:prstGeom>
-          <a:noFill/>
-          <a:ln cap="flat">
-            <a:noFill/>
-          </a:ln>
-        </p:spPr>
-      </p:pic>
-      <p:pic>
-        <p:nvPicPr>
-          <p:cNvPr id="6" name="Graphic 3">
-            <a:extLst>
-              <a:ext uri="{FF2B5EF4-FFF2-40B4-BE49-F238E27FC236}">
-                <a16:creationId xmlns:a16="http://schemas.microsoft.com/office/drawing/2014/main" id="{2F77BD52-0F24-4FCB-BA39-100F17AA3037}"/>
-              </a:ext>
-            </a:extLst>
-          </p:cNvPr>
-          <p:cNvPicPr>
-            <a:picLocks noChangeAspect="1"/>
-          </p:cNvPicPr>
-          <p:nvPr/>
-        </p:nvPicPr>
-        <p:blipFill>
-          <a:blip r:embed="rId3">
-            <a:extLst>
-              <a:ext uri="{96DAC541-7B7A-43D3-8B79-37D633B846F1}">
-                <asvg:svgBlip xmlns:asvg="http://schemas.microsoft.com/office/drawing/2016/SVG/main" r:embed="rId4"/>
-              </a:ext>
-            </a:extLst>
-          </a:blip>
-          <a:stretch>
-            <a:fillRect/>
-          </a:stretch>
-        </p:blipFill>
-        <p:spPr>
-          <a:xfrm>
-            <a:off x="2591062" y="3429000"/>
-            <a:ext cx="1934815" cy="653320"/>
-          </a:xfrm>
-          <a:prstGeom prst="rect">
-            <a:avLst/>
-          </a:prstGeom>
-          <a:noFill/>
-          <a:ln cap="flat">
-            <a:noFill/>
-          </a:ln>
-        </p:spPr>
-      </p:pic>
+              <a:rPr lang="en-GB" sz="1800" dirty="0">
+                <a:solidFill>
+                  <a:srgbClr val="404040"/>
+                </a:solidFill>
+                <a:latin typeface="Fira Sans" pitchFamily="34"/>
+                <a:hlinkClick r:id="rId2"/>
+              </a:rPr>
+              <a:t>http://google.github.io/CausalImpact/CausalImpact.html</a:t>
+            </a:r>
+            <a:r>
+              <a:rPr lang="en-GB" sz="1800" dirty="0">
+                <a:solidFill>
+                  <a:srgbClr val="404040"/>
+                </a:solidFill>
+                <a:latin typeface="Fira Sans" pitchFamily="34"/>
+              </a:rPr>
+              <a:t> </a:t>
+            </a:r>
+          </a:p>
+        </p:txBody>
+      </p:sp>
     </p:spTree>
+    <p:extLst>
+      <p:ext uri="{BB962C8B-B14F-4D97-AF65-F5344CB8AC3E}">
+        <p14:creationId xmlns:p14="http://schemas.microsoft.com/office/powerpoint/2010/main" val="3672588166"/>
+      </p:ext>
+    </p:extLst>
   </p:cSld>
   <p:clrMapOvr>
     <a:masterClrMapping/>
@@ -4803,15 +5025,7 @@
 
 <file path=ppt/slides/slide13.xml><?xml version="1.0" encoding="utf-8"?>
 <p:sld xmlns:a="http://schemas.openxmlformats.org/drawingml/2006/main" xmlns:r="http://schemas.openxmlformats.org/officeDocument/2006/relationships" xmlns:p="http://schemas.openxmlformats.org/presentationml/2006/main">
-  <p:cSld name="Slide47">
-    <p:bg>
-      <p:bgPr>
-        <a:solidFill>
-          <a:srgbClr val="006388"/>
-        </a:solidFill>
-        <a:effectLst/>
-      </p:bgPr>
-    </p:bg>
+  <p:cSld>
     <p:spTree>
       <p:nvGrpSpPr>
         <p:cNvPr id="1" name=""/>
@@ -4831,7 +5045,7 @@
           <p:cNvPr id="2" name="Title 1">
             <a:extLst>
               <a:ext uri="{FF2B5EF4-FFF2-40B4-BE49-F238E27FC236}">
-                <a16:creationId xmlns:a16="http://schemas.microsoft.com/office/drawing/2014/main" id="{36BA4411-C7D7-4278-BB83-409F1B5C06AB}"/>
+                <a16:creationId xmlns:a16="http://schemas.microsoft.com/office/drawing/2014/main" id="{743FADAD-7D51-496D-A8D5-5E58759DC032}"/>
               </a:ext>
             </a:extLst>
           </p:cNvPr>
@@ -4844,7 +5058,9 @@
         </p:nvSpPr>
         <p:spPr/>
         <p:txBody>
-          <a:bodyPr/>
+          <a:bodyPr>
+            <a:normAutofit/>
+          </a:bodyPr>
           <a:lstStyle/>
           <a:p>
             <a:pPr lvl="0">
@@ -4853,29 +5069,25 @@
               </a:lnSpc>
             </a:pPr>
             <a:r>
-              <a:rPr lang="en-GB" sz="5400" b="1" kern="0">
-                <a:solidFill>
-                  <a:srgbClr val="FFFFFF"/>
+              <a:rPr lang="en-GB" b="1" kern="0" dirty="0">
+                <a:solidFill>
+                  <a:srgbClr val="006388"/>
                 </a:solidFill>
                 <a:latin typeface="Fira Sans" pitchFamily="34"/>
                 <a:ea typeface="Fira Code" pitchFamily="49"/>
               </a:rPr>
-              <a:t>Today’s plan: morning</a:t>
-            </a:r>
-            <a:endParaRPr lang="en-GB" sz="1800" kern="0">
-              <a:solidFill>
-                <a:srgbClr val="FFFFFF"/>
-              </a:solidFill>
-            </a:endParaRPr>
-          </a:p>
-        </p:txBody>
-      </p:sp>
-      <p:sp>
-        <p:nvSpPr>
-          <p:cNvPr id="3" name="Content Placeholder 2">
-            <a:extLst>
-              <a:ext uri="{FF2B5EF4-FFF2-40B4-BE49-F238E27FC236}">
-                <a16:creationId xmlns:a16="http://schemas.microsoft.com/office/drawing/2014/main" id="{F5AB15E0-B1DD-406B-896C-D1BCB6BFF600}"/>
+              <a:t>Useful References</a:t>
+            </a:r>
+            <a:endParaRPr lang="en-GB" sz="1400" kern="0" dirty="0"/>
+          </a:p>
+        </p:txBody>
+      </p:sp>
+      <p:sp>
+        <p:nvSpPr>
+          <p:cNvPr id="4" name="Content Placeholder 2">
+            <a:extLst>
+              <a:ext uri="{FF2B5EF4-FFF2-40B4-BE49-F238E27FC236}">
+                <a16:creationId xmlns:a16="http://schemas.microsoft.com/office/drawing/2014/main" id="{6A465D5B-CF66-0783-9C5A-A17CF6A28DA8}"/>
               </a:ext>
             </a:extLst>
           </p:cNvPr>
@@ -4898,73 +5110,272 @@
           </a:bodyPr>
           <a:lstStyle/>
           <a:p>
-            <a:pPr lvl="0"/>
-            <a:r>
-              <a:rPr lang="en-GB" sz="3600" dirty="0">
-                <a:solidFill>
-                  <a:srgbClr val="FFFFFF"/>
-                </a:solidFill>
-                <a:latin typeface="Fira Sans" pitchFamily="34"/>
-              </a:rPr>
-              <a:t>Introduction &amp; Recap (60 minutes)</a:t>
-            </a:r>
-          </a:p>
-          <a:p>
-            <a:pPr lvl="0"/>
-            <a:r>
-              <a:rPr lang="en-GB" sz="3600" dirty="0">
-                <a:solidFill>
-                  <a:srgbClr val="FFFFFF"/>
-                </a:solidFill>
-                <a:latin typeface="Fira Sans" pitchFamily="34"/>
-              </a:rPr>
-              <a:t>Short break (10 minutes)</a:t>
-            </a:r>
-          </a:p>
-          <a:p>
-            <a:r>
-              <a:rPr lang="en-GB" sz="3600" dirty="0">
-                <a:solidFill>
-                  <a:srgbClr val="FFFFFF"/>
-                </a:solidFill>
-                <a:latin typeface="Fira Sans" pitchFamily="34"/>
-              </a:rPr>
-              <a:t>Supervised learning: bias/variance (80 minutes)</a:t>
-            </a:r>
-          </a:p>
-          <a:p>
-            <a:r>
-              <a:rPr lang="en-GB" sz="3600" dirty="0">
-                <a:solidFill>
-                  <a:srgbClr val="FFFFFF"/>
-                </a:solidFill>
-                <a:latin typeface="Fira Sans" pitchFamily="34"/>
-              </a:rPr>
-              <a:t>Supervised learning: classification (40 minutes)</a:t>
-            </a:r>
-          </a:p>
-          <a:p>
-            <a:endParaRPr lang="en-GB" sz="3600" dirty="0">
+            <a:pPr marL="0" lvl="0" indent="0">
+              <a:lnSpc>
+                <a:spcPct val="100000"/>
+              </a:lnSpc>
+              <a:buNone/>
+            </a:pPr>
+            <a:r>
+              <a:rPr lang="en-GB" b="1" dirty="0">
+                <a:solidFill>
+                  <a:srgbClr val="404040"/>
+                </a:solidFill>
+                <a:latin typeface="Fira Sans" pitchFamily="34"/>
+              </a:rPr>
+              <a:t>Synthetic </a:t>
+            </a:r>
+            <a:r>
+              <a:rPr lang="en-GB" b="1" dirty="0" err="1">
+                <a:solidFill>
+                  <a:srgbClr val="404040"/>
+                </a:solidFill>
+                <a:latin typeface="Fira Sans" pitchFamily="34"/>
+              </a:rPr>
+              <a:t>DiD</a:t>
+            </a:r>
+            <a:endParaRPr lang="en-GB" b="1" dirty="0">
               <a:solidFill>
-                <a:srgbClr val="FFFFFF"/>
+                <a:srgbClr val="404040"/>
               </a:solidFill>
               <a:latin typeface="Fira Sans" pitchFamily="34"/>
             </a:endParaRPr>
           </a:p>
           <a:p>
-            <a:r>
-              <a:rPr lang="en-GB" sz="3600" dirty="0">
-                <a:solidFill>
-                  <a:srgbClr val="FFFFFF"/>
-                </a:solidFill>
-                <a:latin typeface="Fira Sans" pitchFamily="34"/>
-              </a:rPr>
-              <a:t>Lunch around 12:40</a:t>
-            </a:r>
+            <a:pPr marL="0" lvl="0" indent="0">
+              <a:lnSpc>
+                <a:spcPct val="100000"/>
+              </a:lnSpc>
+              <a:buNone/>
+            </a:pPr>
+            <a:r>
+              <a:rPr lang="en-GB" sz="2000" b="0" i="0" dirty="0" err="1">
+                <a:solidFill>
+                  <a:srgbClr val="222222"/>
+                </a:solidFill>
+                <a:effectLst/>
+                <a:latin typeface="Arial" panose="020B0604020202020204" pitchFamily="34" charset="0"/>
+              </a:rPr>
+              <a:t>Arkhangelsky</a:t>
+            </a:r>
+            <a:r>
+              <a:rPr lang="en-GB" sz="2000" b="0" i="0" dirty="0">
+                <a:solidFill>
+                  <a:srgbClr val="222222"/>
+                </a:solidFill>
+                <a:effectLst/>
+                <a:latin typeface="Arial" panose="020B0604020202020204" pitchFamily="34" charset="0"/>
+              </a:rPr>
+              <a:t>, D., </a:t>
+            </a:r>
+            <a:r>
+              <a:rPr lang="en-GB" sz="2000" b="0" i="0" dirty="0" err="1">
+                <a:solidFill>
+                  <a:srgbClr val="222222"/>
+                </a:solidFill>
+                <a:effectLst/>
+                <a:latin typeface="Arial" panose="020B0604020202020204" pitchFamily="34" charset="0"/>
+              </a:rPr>
+              <a:t>Athey</a:t>
+            </a:r>
+            <a:r>
+              <a:rPr lang="en-GB" sz="2000" b="0" i="0" dirty="0">
+                <a:solidFill>
+                  <a:srgbClr val="222222"/>
+                </a:solidFill>
+                <a:effectLst/>
+                <a:latin typeface="Arial" panose="020B0604020202020204" pitchFamily="34" charset="0"/>
+              </a:rPr>
+              <a:t>, S., Hirshberg, D. A., </a:t>
+            </a:r>
+            <a:r>
+              <a:rPr lang="en-GB" sz="2000" b="0" i="0" dirty="0" err="1">
+                <a:solidFill>
+                  <a:srgbClr val="222222"/>
+                </a:solidFill>
+                <a:effectLst/>
+                <a:latin typeface="Arial" panose="020B0604020202020204" pitchFamily="34" charset="0"/>
+              </a:rPr>
+              <a:t>Imbens</a:t>
+            </a:r>
+            <a:r>
+              <a:rPr lang="en-GB" sz="2000" b="0" i="0" dirty="0">
+                <a:solidFill>
+                  <a:srgbClr val="222222"/>
+                </a:solidFill>
+                <a:effectLst/>
+                <a:latin typeface="Arial" panose="020B0604020202020204" pitchFamily="34" charset="0"/>
+              </a:rPr>
+              <a:t>, G. W., &amp; Wager, S. (2021). Synthetic difference-in-differences. </a:t>
+            </a:r>
+            <a:r>
+              <a:rPr lang="en-GB" sz="2000" b="0" i="1" dirty="0">
+                <a:solidFill>
+                  <a:srgbClr val="222222"/>
+                </a:solidFill>
+                <a:effectLst/>
+                <a:latin typeface="Arial" panose="020B0604020202020204" pitchFamily="34" charset="0"/>
+              </a:rPr>
+              <a:t>American Economic Review</a:t>
+            </a:r>
+            <a:r>
+              <a:rPr lang="en-GB" sz="2000" b="0" i="0" dirty="0">
+                <a:solidFill>
+                  <a:srgbClr val="222222"/>
+                </a:solidFill>
+                <a:effectLst/>
+                <a:latin typeface="Arial" panose="020B0604020202020204" pitchFamily="34" charset="0"/>
+              </a:rPr>
+              <a:t>, </a:t>
+            </a:r>
+            <a:r>
+              <a:rPr lang="en-GB" sz="2000" b="0" i="1" dirty="0">
+                <a:solidFill>
+                  <a:srgbClr val="222222"/>
+                </a:solidFill>
+                <a:effectLst/>
+                <a:latin typeface="Arial" panose="020B0604020202020204" pitchFamily="34" charset="0"/>
+              </a:rPr>
+              <a:t>111</a:t>
+            </a:r>
+            <a:r>
+              <a:rPr lang="en-GB" sz="2000" b="0" i="0" dirty="0">
+                <a:solidFill>
+                  <a:srgbClr val="222222"/>
+                </a:solidFill>
+                <a:effectLst/>
+                <a:latin typeface="Arial" panose="020B0604020202020204" pitchFamily="34" charset="0"/>
+              </a:rPr>
+              <a:t>(12), 4088-4118.</a:t>
+            </a:r>
+            <a:endParaRPr lang="en-GB" sz="2000" b="1" dirty="0">
+              <a:solidFill>
+                <a:srgbClr val="404040"/>
+              </a:solidFill>
+              <a:latin typeface="Fira Sans" pitchFamily="34"/>
+            </a:endParaRPr>
+          </a:p>
+          <a:p>
+            <a:pPr marL="0" lvl="0" indent="0">
+              <a:lnSpc>
+                <a:spcPct val="100000"/>
+              </a:lnSpc>
+              <a:buNone/>
+            </a:pPr>
+            <a:endParaRPr lang="en-GB" b="1" dirty="0">
+              <a:solidFill>
+                <a:srgbClr val="404040"/>
+              </a:solidFill>
+              <a:latin typeface="Fira Sans" pitchFamily="34"/>
+            </a:endParaRPr>
+          </a:p>
+          <a:p>
+            <a:pPr marL="0" lvl="0" indent="0">
+              <a:lnSpc>
+                <a:spcPct val="100000"/>
+              </a:lnSpc>
+              <a:buNone/>
+            </a:pPr>
+            <a:r>
+              <a:rPr lang="en-GB" b="1" dirty="0">
+                <a:solidFill>
+                  <a:srgbClr val="404040"/>
+                </a:solidFill>
+                <a:latin typeface="Fira Sans" pitchFamily="34"/>
+              </a:rPr>
+              <a:t>More on Causal Policy Evaluation</a:t>
+            </a:r>
+          </a:p>
+          <a:p>
+            <a:pPr marL="0" lvl="0" indent="0">
+              <a:lnSpc>
+                <a:spcPct val="100000"/>
+              </a:lnSpc>
+              <a:buNone/>
+            </a:pPr>
+            <a:r>
+              <a:rPr lang="en-GB" sz="2000" dirty="0">
+                <a:solidFill>
+                  <a:srgbClr val="404040"/>
+                </a:solidFill>
+                <a:latin typeface="Fira Sans" pitchFamily="34"/>
+              </a:rPr>
+              <a:t>Free online course materials made by Andrew </a:t>
+            </a:r>
+            <a:r>
+              <a:rPr lang="en-GB" sz="2000" dirty="0" err="1">
+                <a:solidFill>
+                  <a:srgbClr val="404040"/>
+                </a:solidFill>
+                <a:latin typeface="Fira Sans" pitchFamily="34"/>
+              </a:rPr>
+              <a:t>Heiss</a:t>
+            </a:r>
+            <a:endParaRPr lang="en-GB" sz="2000" dirty="0">
+              <a:solidFill>
+                <a:srgbClr val="404040"/>
+              </a:solidFill>
+              <a:latin typeface="Fira Sans" pitchFamily="34"/>
+            </a:endParaRPr>
+          </a:p>
+          <a:p>
+            <a:pPr marL="0" lvl="0" indent="0">
+              <a:lnSpc>
+                <a:spcPct val="100000"/>
+              </a:lnSpc>
+              <a:buNone/>
+            </a:pPr>
+            <a:r>
+              <a:rPr lang="en-GB" sz="2000" i="1" dirty="0">
+                <a:solidFill>
+                  <a:srgbClr val="404040"/>
+                </a:solidFill>
+                <a:latin typeface="Fira Sans" pitchFamily="34"/>
+              </a:rPr>
+              <a:t>Program Evaluation for Public Service</a:t>
+            </a:r>
+          </a:p>
+          <a:p>
+            <a:pPr marL="0" indent="0">
+              <a:lnSpc>
+                <a:spcPct val="100000"/>
+              </a:lnSpc>
+              <a:buNone/>
+            </a:pPr>
+            <a:r>
+              <a:rPr lang="en-GB" sz="2000" dirty="0">
+                <a:solidFill>
+                  <a:srgbClr val="404040"/>
+                </a:solidFill>
+                <a:latin typeface="Fira Sans" pitchFamily="34"/>
+                <a:hlinkClick r:id="rId2"/>
+              </a:rPr>
+              <a:t>https://evalf22.classes.andrewheiss.com/content/</a:t>
+            </a:r>
+            <a:r>
+              <a:rPr lang="en-GB" sz="2000" dirty="0">
+                <a:solidFill>
+                  <a:srgbClr val="404040"/>
+                </a:solidFill>
+                <a:latin typeface="Fira Sans" pitchFamily="34"/>
+              </a:rPr>
+              <a:t> </a:t>
+            </a:r>
+            <a:endParaRPr lang="en-GB" dirty="0">
+              <a:solidFill>
+                <a:srgbClr val="404040"/>
+              </a:solidFill>
+              <a:latin typeface="Fira Sans" pitchFamily="34"/>
+            </a:endParaRPr>
           </a:p>
         </p:txBody>
       </p:sp>
     </p:spTree>
+    <p:extLst>
+      <p:ext uri="{BB962C8B-B14F-4D97-AF65-F5344CB8AC3E}">
+        <p14:creationId xmlns:p14="http://schemas.microsoft.com/office/powerpoint/2010/main" val="3314082057"/>
+      </p:ext>
+    </p:extLst>
   </p:cSld>
   <p:clrMapOvr>
     <a:masterClrMapping/>
@@ -5002,7 +5413,7 @@
           <p:cNvPr id="2" name="Title 1">
             <a:extLst>
               <a:ext uri="{FF2B5EF4-FFF2-40B4-BE49-F238E27FC236}">
-                <a16:creationId xmlns:a16="http://schemas.microsoft.com/office/drawing/2014/main" id="{36BA4411-C7D7-4278-BB83-409F1B5C06AB}"/>
+                <a16:creationId xmlns:a16="http://schemas.microsoft.com/office/drawing/2014/main" id="{35BAD9E9-4EDD-4A8E-BACA-88345240EC67}"/>
               </a:ext>
             </a:extLst>
           </p:cNvPr>
@@ -5013,17 +5424,34 @@
             <p:ph type="title"/>
           </p:nvPr>
         </p:nvSpPr>
-        <p:spPr/>
-        <p:txBody>
-          <a:bodyPr/>
+        <p:spPr>
+          <a:xfrm>
+            <a:off x="838203" y="2766215"/>
+            <a:ext cx="10515600" cy="1325559"/>
+          </a:xfrm>
+        </p:spPr>
+        <p:txBody>
+          <a:bodyPr anchorCtr="1">
+            <a:normAutofit fontScale="90000"/>
+          </a:bodyPr>
           <a:lstStyle/>
           <a:p>
-            <a:pPr lvl="0">
+            <a:pPr lvl="0" algn="ctr">
               <a:lnSpc>
                 <a:spcPct val="100000"/>
               </a:lnSpc>
             </a:pPr>
             <a:r>
+              <a:rPr lang="en-GB" sz="8900" b="1" kern="0" dirty="0">
+                <a:solidFill>
+                  <a:srgbClr val="FFFFFF"/>
+                </a:solidFill>
+                <a:latin typeface="Fira Sans" pitchFamily="34"/>
+                <a:ea typeface="Fira Code" pitchFamily="49"/>
+              </a:rPr>
+              <a:t>Thanks!</a:t>
+            </a:r>
+            <a:br>
               <a:rPr lang="en-GB" sz="5400" b="1" kern="0" dirty="0">
                 <a:solidFill>
                   <a:srgbClr val="FFFFFF"/>
@@ -5031,8 +5459,64 @@
                 <a:latin typeface="Fira Sans" pitchFamily="34"/>
                 <a:ea typeface="Fira Code" pitchFamily="49"/>
               </a:rPr>
-              <a:t>Today’s plan: afternoon</a:t>
-            </a:r>
+            </a:br>
+            <a:r>
+              <a:rPr lang="en-GB" sz="3100" kern="0" dirty="0">
+                <a:solidFill>
+                  <a:srgbClr val="FFFFFF"/>
+                </a:solidFill>
+                <a:latin typeface="Fira Sans" pitchFamily="34"/>
+                <a:ea typeface="Fira Code" pitchFamily="49"/>
+              </a:rPr>
+              <a:t>Get in touch:</a:t>
+            </a:r>
+            <a:br>
+              <a:rPr lang="en-GB" sz="3100" kern="0" dirty="0">
+                <a:solidFill>
+                  <a:srgbClr val="FFFFFF"/>
+                </a:solidFill>
+                <a:latin typeface="Fira Sans" pitchFamily="34"/>
+                <a:ea typeface="Fira Code" pitchFamily="49"/>
+              </a:rPr>
+            </a:br>
+            <a:r>
+              <a:rPr lang="en-GB" sz="3100" kern="0" dirty="0">
+                <a:solidFill>
+                  <a:srgbClr val="FFFFFF"/>
+                </a:solidFill>
+                <a:latin typeface="Fira Sans" pitchFamily="34"/>
+                <a:ea typeface="Fira Code" pitchFamily="49"/>
+              </a:rPr>
+              <a:t>ryanoisin@gmail.com</a:t>
+            </a:r>
+            <a:br>
+              <a:rPr lang="en-GB" sz="3100" kern="0" dirty="0">
+                <a:solidFill>
+                  <a:srgbClr val="FFFFFF"/>
+                </a:solidFill>
+                <a:latin typeface="Fira Sans" pitchFamily="34"/>
+                <a:ea typeface="Fira Code" pitchFamily="49"/>
+              </a:rPr>
+            </a:br>
+            <a:r>
+              <a:rPr lang="en-GB" sz="3100" kern="0" dirty="0">
+                <a:solidFill>
+                  <a:srgbClr val="FFFFFF"/>
+                </a:solidFill>
+                <a:latin typeface="Fira Sans" pitchFamily="34"/>
+                <a:ea typeface="Fira Code" pitchFamily="49"/>
+              </a:rPr>
+              <a:t>e.j.vankesteren@uu.nl</a:t>
+            </a:r>
+            <a:br>
+              <a:rPr lang="en-GB" sz="5400" kern="0" dirty="0">
+                <a:solidFill>
+                  <a:srgbClr val="FFFFFF"/>
+                </a:solidFill>
+                <a:latin typeface="Fira Sans" pitchFamily="34"/>
+                <a:ea typeface="Fira Code" pitchFamily="49"/>
+              </a:rPr>
+            </a:br>
             <a:endParaRPr lang="en-GB" sz="1800" kern="0" dirty="0">
               <a:solidFill>
                 <a:srgbClr val="FFFFFF"/>
@@ -5041,105 +5525,10 @@
           </a:p>
         </p:txBody>
       </p:sp>
-      <p:sp>
-        <p:nvSpPr>
-          <p:cNvPr id="3" name="Content Placeholder 2">
-            <a:extLst>
-              <a:ext uri="{FF2B5EF4-FFF2-40B4-BE49-F238E27FC236}">
-                <a16:creationId xmlns:a16="http://schemas.microsoft.com/office/drawing/2014/main" id="{F5AB15E0-B1DD-406B-896C-D1BCB6BFF600}"/>
-              </a:ext>
-            </a:extLst>
-          </p:cNvPr>
-          <p:cNvSpPr txBox="1">
-            <a:spLocks noGrp="1"/>
-          </p:cNvSpPr>
-          <p:nvPr>
-            <p:ph idx="1"/>
-          </p:nvPr>
-        </p:nvSpPr>
-        <p:spPr>
-          <a:xfrm>
-            <a:off x="838203" y="1825627"/>
-            <a:ext cx="10515600" cy="4667243"/>
-          </a:xfrm>
-        </p:spPr>
-        <p:txBody>
-          <a:bodyPr>
-            <a:normAutofit/>
-          </a:bodyPr>
-          <a:lstStyle/>
-          <a:p>
-            <a:pPr lvl="0"/>
-            <a:r>
-              <a:rPr lang="en-GB" sz="3600" dirty="0">
-                <a:solidFill>
-                  <a:srgbClr val="FFFFFF"/>
-                </a:solidFill>
-                <a:latin typeface="Fira Sans" pitchFamily="34"/>
-              </a:rPr>
-              <a:t>Prediction competition in groups (90 minutes)</a:t>
-            </a:r>
-          </a:p>
-          <a:p>
-            <a:pPr lvl="0"/>
-            <a:r>
-              <a:rPr lang="en-GB" sz="3600" dirty="0">
-                <a:solidFill>
-                  <a:srgbClr val="FFFFFF"/>
-                </a:solidFill>
-                <a:latin typeface="Fira Sans" pitchFamily="34"/>
-              </a:rPr>
-              <a:t>Short break (10 minutes)</a:t>
-            </a:r>
-          </a:p>
-          <a:p>
-            <a:pPr lvl="0"/>
-            <a:r>
-              <a:rPr lang="en-GB" sz="3600" dirty="0">
-                <a:solidFill>
-                  <a:srgbClr val="FFFFFF"/>
-                </a:solidFill>
-                <a:latin typeface="Fira Sans" pitchFamily="34"/>
-              </a:rPr>
-              <a:t>Intermezzo: fairness &amp; feedback loops in prediction (30 minutes)</a:t>
-            </a:r>
-          </a:p>
-          <a:p>
-            <a:r>
-              <a:rPr lang="en-GB" sz="3600" dirty="0">
-                <a:solidFill>
-                  <a:srgbClr val="FFFFFF"/>
-                </a:solidFill>
-                <a:latin typeface="Fira Sans" pitchFamily="34"/>
-              </a:rPr>
-              <a:t>Unsupervised learning (45 minutes)</a:t>
-            </a:r>
-          </a:p>
-          <a:p>
-            <a:endParaRPr lang="en-GB" sz="3600" dirty="0">
-              <a:solidFill>
-                <a:srgbClr val="FFFFFF"/>
-              </a:solidFill>
-              <a:latin typeface="Fira Sans" pitchFamily="34"/>
-            </a:endParaRPr>
-          </a:p>
-          <a:p>
-            <a:r>
-              <a:rPr lang="en-GB" sz="3600" dirty="0">
-                <a:solidFill>
-                  <a:srgbClr val="FFFFFF"/>
-                </a:solidFill>
-                <a:latin typeface="Fira Sans" pitchFamily="34"/>
-              </a:rPr>
-              <a:t>Finish around 16:30</a:t>
-            </a:r>
-          </a:p>
-        </p:txBody>
-      </p:sp>
     </p:spTree>
     <p:extLst>
       <p:ext uri="{BB962C8B-B14F-4D97-AF65-F5344CB8AC3E}">
-        <p14:creationId xmlns:p14="http://schemas.microsoft.com/office/powerpoint/2010/main" val="3990727277"/>
+        <p14:creationId xmlns:p14="http://schemas.microsoft.com/office/powerpoint/2010/main" val="3886328798"/>
       </p:ext>
     </p:extLst>
   </p:cSld>
@@ -5150,8 +5539,8 @@
 </file>
 
 <file path=ppt/slides/slide15.xml><?xml version="1.0" encoding="utf-8"?>
-<p:sld xmlns:a="http://schemas.openxmlformats.org/drawingml/2006/main" xmlns:r="http://schemas.openxmlformats.org/officeDocument/2006/relationships" xmlns:p="http://schemas.openxmlformats.org/presentationml/2006/main">
-  <p:cSld name="Slide42">
+<p:sld xmlns:a="http://schemas.openxmlformats.org/drawingml/2006/main" xmlns:r="http://schemas.openxmlformats.org/officeDocument/2006/relationships" xmlns:p="http://schemas.openxmlformats.org/presentationml/2006/main" show="0">
+  <p:cSld name="Slide58">
     <p:spTree>
       <p:nvGrpSpPr>
         <p:cNvPr id="1" name=""/>
@@ -5168,215 +5557,223 @@
       </p:grpSpPr>
       <p:sp>
         <p:nvSpPr>
-          <p:cNvPr id="2" name="TextBox 8">
-            <a:extLst>
-              <a:ext uri="{FF2B5EF4-FFF2-40B4-BE49-F238E27FC236}">
-                <a16:creationId xmlns:a16="http://schemas.microsoft.com/office/drawing/2014/main" id="{6A53B518-72AB-48DA-A784-E23AEC5AD3FA}"/>
-              </a:ext>
-            </a:extLst>
-          </p:cNvPr>
-          <p:cNvSpPr txBox="1"/>
-          <p:nvPr/>
-        </p:nvSpPr>
-        <p:spPr>
-          <a:xfrm>
-            <a:off x="1258433" y="1680100"/>
-            <a:ext cx="9675138" cy="923330"/>
-          </a:xfrm>
-          <a:prstGeom prst="rect">
-            <a:avLst/>
-          </a:prstGeom>
-          <a:noFill/>
-          <a:ln cap="flat">
-            <a:noFill/>
-          </a:ln>
-        </p:spPr>
-        <p:txBody>
-          <a:bodyPr vert="horz" wrap="square" lIns="91440" tIns="45720" rIns="91440" bIns="45720" anchor="t" anchorCtr="0" compatLnSpc="1">
-            <a:spAutoFit/>
-          </a:bodyPr>
+          <p:cNvPr id="2" name="Title 1">
+            <a:extLst>
+              <a:ext uri="{FF2B5EF4-FFF2-40B4-BE49-F238E27FC236}">
+                <a16:creationId xmlns:a16="http://schemas.microsoft.com/office/drawing/2014/main" id="{036EB03B-6F62-4CCD-A4CD-12EC24AAF912}"/>
+              </a:ext>
+            </a:extLst>
+          </p:cNvPr>
+          <p:cNvSpPr txBox="1">
+            <a:spLocks noGrp="1"/>
+          </p:cNvSpPr>
+          <p:nvPr>
+            <p:ph type="title"/>
+          </p:nvPr>
+        </p:nvSpPr>
+        <p:spPr/>
+        <p:txBody>
+          <a:bodyPr/>
           <a:lstStyle/>
           <a:p>
-            <a:pPr marL="0" marR="0" lvl="0" indent="0" algn="l" defTabSz="914400" rtl="0" fontAlgn="auto" hangingPunct="1">
+            <a:pPr lvl="0">
               <a:lnSpc>
                 <a:spcPct val="100000"/>
               </a:lnSpc>
-              <a:spcBef>
-                <a:spcPts val="0"/>
-              </a:spcBef>
-              <a:spcAft>
-                <a:spcPts val="0"/>
-              </a:spcAft>
-              <a:buNone/>
-              <a:tabLst/>
-              <a:defRPr sz="1800" b="0" i="0" u="none" strike="noStrike" kern="0" cap="none" spc="0" baseline="0">
-                <a:solidFill>
-                  <a:srgbClr val="000000"/>
-                </a:solidFill>
-                <a:uFillTx/>
-              </a:defRPr>
-            </a:pPr>
-            <a:r>
-              <a:rPr lang="en-GB" sz="5400" b="1" dirty="0">
+            </a:pPr>
+            <a:r>
+              <a:rPr lang="en-GB" sz="5400" b="1" kern="0">
                 <a:solidFill>
                   <a:srgbClr val="006388"/>
                 </a:solidFill>
                 <a:latin typeface="Fira Sans" pitchFamily="34"/>
                 <a:ea typeface="Fira Code" pitchFamily="49"/>
               </a:rPr>
-              <a:t>Data wrangling, visualisation</a:t>
-            </a:r>
-            <a:endParaRPr lang="en-GB" sz="5400" b="1" i="0" u="none" strike="noStrike" kern="1200" cap="none" spc="0" baseline="0" dirty="0">
-              <a:solidFill>
-                <a:srgbClr val="006388"/>
-              </a:solidFill>
-              <a:uFillTx/>
-              <a:latin typeface="Fira Sans" pitchFamily="34"/>
-              <a:ea typeface="Fira Code" pitchFamily="49"/>
-            </a:endParaRPr>
-          </a:p>
-        </p:txBody>
-      </p:sp>
-      <p:sp>
-        <p:nvSpPr>
-          <p:cNvPr id="3" name="TextBox 15">
-            <a:extLst>
-              <a:ext uri="{FF2B5EF4-FFF2-40B4-BE49-F238E27FC236}">
-                <a16:creationId xmlns:a16="http://schemas.microsoft.com/office/drawing/2014/main" id="{276B2FB2-D9A5-44FE-9094-1C7E0F35A0B1}"/>
-              </a:ext>
-            </a:extLst>
-          </p:cNvPr>
-          <p:cNvSpPr txBox="1"/>
-          <p:nvPr/>
+              <a:t>Default light slide</a:t>
+            </a:r>
+            <a:endParaRPr lang="en-GB" sz="1800" kern="0"/>
+          </a:p>
+        </p:txBody>
+      </p:sp>
+      <p:sp>
+        <p:nvSpPr>
+          <p:cNvPr id="3" name="Content Placeholder 2">
+            <a:extLst>
+              <a:ext uri="{FF2B5EF4-FFF2-40B4-BE49-F238E27FC236}">
+                <a16:creationId xmlns:a16="http://schemas.microsoft.com/office/drawing/2014/main" id="{101C6031-0036-4227-9AE0-DCC63CE3973A}"/>
+              </a:ext>
+            </a:extLst>
+          </p:cNvPr>
+          <p:cNvSpPr txBox="1">
+            <a:spLocks noGrp="1"/>
+          </p:cNvSpPr>
+          <p:nvPr>
+            <p:ph idx="1"/>
+          </p:nvPr>
         </p:nvSpPr>
         <p:spPr>
           <a:xfrm>
-            <a:off x="1258433" y="5507239"/>
-            <a:ext cx="7361779" cy="523219"/>
+            <a:off x="838203" y="1825627"/>
+            <a:ext cx="10515600" cy="4667243"/>
           </a:xfrm>
-          <a:prstGeom prst="rect">
-            <a:avLst/>
-          </a:prstGeom>
-          <a:noFill/>
-          <a:ln cap="flat">
-            <a:noFill/>
-          </a:ln>
         </p:spPr>
         <p:txBody>
-          <a:bodyPr vert="horz" wrap="square" lIns="91440" tIns="45720" rIns="91440" bIns="45720" anchor="t" anchorCtr="0" compatLnSpc="1">
-            <a:spAutoFit/>
-          </a:bodyPr>
+          <a:bodyPr/>
           <a:lstStyle/>
           <a:p>
-            <a:pPr marL="0" marR="0" lvl="0" indent="0" algn="l" defTabSz="914400" rtl="0" fontAlgn="auto" hangingPunct="1">
-              <a:lnSpc>
-                <a:spcPct val="100000"/>
-              </a:lnSpc>
-              <a:spcBef>
-                <a:spcPts val="0"/>
-              </a:spcBef>
-              <a:spcAft>
-                <a:spcPts val="0"/>
-              </a:spcAft>
-              <a:buNone/>
-              <a:tabLst/>
-              <a:defRPr sz="1800" b="0" i="0" u="none" strike="noStrike" kern="0" cap="none" spc="0" baseline="0">
-                <a:solidFill>
-                  <a:srgbClr val="000000"/>
-                </a:solidFill>
-                <a:uFillTx/>
-              </a:defRPr>
-            </a:pPr>
-            <a:r>
-              <a:rPr lang="en-GB" sz="2800" b="0" i="1" u="none" strike="noStrike" kern="1200" cap="none" spc="0" baseline="0">
-                <a:solidFill>
-                  <a:srgbClr val="7F7F7F"/>
-                </a:solidFill>
-                <a:uFillTx/>
-                <a:latin typeface="Fira Sans" pitchFamily="34"/>
-              </a:rPr>
-              <a:t>Erik-Jan van Kesteren</a:t>
-            </a:r>
-          </a:p>
-        </p:txBody>
-      </p:sp>
-      <p:sp>
-        <p:nvSpPr>
-          <p:cNvPr id="4" name="Title 1">
-            <a:extLst>
-              <a:ext uri="{FF2B5EF4-FFF2-40B4-BE49-F238E27FC236}">
-                <a16:creationId xmlns:a16="http://schemas.microsoft.com/office/drawing/2014/main" id="{E4667E13-EE5D-47FD-B212-2BD2D0DF01F4}"/>
-              </a:ext>
-            </a:extLst>
-          </p:cNvPr>
-          <p:cNvSpPr txBox="1"/>
-          <p:nvPr/>
-        </p:nvSpPr>
-        <p:spPr>
-          <a:xfrm>
-            <a:off x="1258433" y="2532412"/>
-            <a:ext cx="9675138" cy="896587"/>
-          </a:xfrm>
-          <a:prstGeom prst="rect">
-            <a:avLst/>
-          </a:prstGeom>
-          <a:noFill/>
-          <a:ln cap="flat">
-            <a:noFill/>
-          </a:ln>
-        </p:spPr>
-        <p:txBody>
-          <a:bodyPr vert="horz" wrap="square" lIns="91440" tIns="45720" rIns="91440" bIns="45720" anchor="ctr" anchorCtr="0" compatLnSpc="1">
-            <a:normAutofit/>
-          </a:bodyPr>
-          <a:lstStyle/>
-          <a:p>
-            <a:pPr marL="0" marR="0" lvl="0" indent="0" algn="l" defTabSz="914400" rtl="0" fontAlgn="auto" hangingPunct="1">
-              <a:lnSpc>
-                <a:spcPct val="90000"/>
-              </a:lnSpc>
-              <a:spcBef>
-                <a:spcPts val="0"/>
-              </a:spcBef>
-              <a:spcAft>
-                <a:spcPts val="0"/>
-              </a:spcAft>
-              <a:buNone/>
-              <a:tabLst/>
-              <a:defRPr sz="1800" b="0" i="0" u="none" strike="noStrike" kern="0" cap="none" spc="0" baseline="0">
-                <a:solidFill>
-                  <a:srgbClr val="000000"/>
-                </a:solidFill>
-                <a:uFillTx/>
-              </a:defRPr>
-            </a:pPr>
-            <a:r>
-              <a:rPr lang="en-GB" sz="4400" b="1" i="0" u="none" strike="noStrike" kern="0" cap="none" spc="0" baseline="0" dirty="0">
-                <a:solidFill>
-                  <a:srgbClr val="7F7F7F"/>
-                </a:solidFill>
-                <a:uFillTx/>
-                <a:latin typeface="Fira Sans" pitchFamily="34"/>
-                <a:ea typeface="Fira Code" pitchFamily="49"/>
-              </a:rPr>
-              <a:t>A shor</a:t>
-            </a:r>
-            <a:r>
-              <a:rPr lang="en-GB" sz="4400" b="1" kern="0" dirty="0">
-                <a:solidFill>
-                  <a:srgbClr val="7F7F7F"/>
-                </a:solidFill>
-                <a:latin typeface="Fira Sans" pitchFamily="34"/>
-                <a:ea typeface="Fira Code" pitchFamily="49"/>
-              </a:rPr>
-              <a:t>t recap</a:t>
-            </a:r>
-            <a:endParaRPr lang="en-GB" sz="4400" b="0" i="0" u="none" strike="noStrike" kern="1200" cap="none" spc="0" baseline="0" dirty="0">
+            <a:pPr marL="0" lvl="0" indent="0">
+              <a:buNone/>
+            </a:pPr>
+            <a:r>
+              <a:rPr lang="en-GB" sz="2000" b="1">
+                <a:solidFill>
+                  <a:srgbClr val="404040"/>
+                </a:solidFill>
+                <a:latin typeface="Fira Sans" pitchFamily="34"/>
+              </a:rPr>
+              <a:t>Default subheading</a:t>
+            </a:r>
+          </a:p>
+          <a:p>
+            <a:pPr marL="0" lvl="0" indent="0">
+              <a:buNone/>
+            </a:pPr>
+            <a:r>
+              <a:rPr lang="en-GB" sz="2000">
+                <a:solidFill>
+                  <a:srgbClr val="404040"/>
+                </a:solidFill>
+                <a:latin typeface="Fira Sans" pitchFamily="34"/>
+              </a:rPr>
+              <a:t>This is the body of the text </a:t>
+            </a:r>
+          </a:p>
+          <a:p>
+            <a:pPr marL="0" lvl="0" indent="0">
+              <a:buNone/>
+            </a:pPr>
+            <a:endParaRPr lang="en-GB" sz="2000">
               <a:solidFill>
-                <a:srgbClr val="7F7F7F"/>
+                <a:srgbClr val="404040"/>
               </a:solidFill>
-              <a:uFillTx/>
-              <a:latin typeface="Calibri Light"/>
+              <a:latin typeface="Fira Sans" pitchFamily="34"/>
+            </a:endParaRPr>
+          </a:p>
+          <a:p>
+            <a:pPr marL="0" lvl="0" indent="0">
+              <a:buNone/>
+            </a:pPr>
+            <a:r>
+              <a:rPr lang="en-GB" sz="2000" b="1">
+                <a:solidFill>
+                  <a:srgbClr val="404040"/>
+                </a:solidFill>
+                <a:latin typeface="Fira Sans" pitchFamily="34"/>
+              </a:rPr>
+              <a:t>Default subheading</a:t>
+            </a:r>
+          </a:p>
+          <a:p>
+            <a:pPr marL="0" lvl="0" indent="0">
+              <a:buNone/>
+            </a:pPr>
+            <a:r>
+              <a:rPr lang="en-GB" sz="2000">
+                <a:solidFill>
+                  <a:srgbClr val="404040"/>
+                </a:solidFill>
+                <a:latin typeface="Fira Sans" pitchFamily="34"/>
+              </a:rPr>
+              <a:t>Note that the text is not black, but “black, text 1, lighter 25%”</a:t>
+            </a:r>
+          </a:p>
+          <a:p>
+            <a:pPr marL="0" lvl="0" indent="0">
+              <a:buNone/>
+            </a:pPr>
+            <a:endParaRPr lang="en-GB" sz="2000">
+              <a:solidFill>
+                <a:srgbClr val="404040"/>
+              </a:solidFill>
+              <a:latin typeface="Fira Sans" pitchFamily="34"/>
+            </a:endParaRPr>
+          </a:p>
+          <a:p>
+            <a:pPr marL="0" lvl="0" indent="0">
+              <a:buNone/>
+            </a:pPr>
+            <a:r>
+              <a:rPr lang="en-GB" sz="2000" b="1">
+                <a:solidFill>
+                  <a:srgbClr val="404040"/>
+                </a:solidFill>
+                <a:latin typeface="Fira Sans" pitchFamily="34"/>
+              </a:rPr>
+              <a:t>Default subheading</a:t>
+            </a:r>
+          </a:p>
+          <a:p>
+            <a:pPr marL="0" lvl="0" indent="0">
+              <a:buNone/>
+            </a:pPr>
+            <a:r>
+              <a:rPr lang="en-GB" sz="2000">
+                <a:solidFill>
+                  <a:srgbClr val="404040"/>
+                </a:solidFill>
+                <a:latin typeface="Fira Sans" pitchFamily="34"/>
+              </a:rPr>
+              <a:t>This makes things easier on the eyes</a:t>
+            </a:r>
+          </a:p>
+          <a:p>
+            <a:pPr marL="0" lvl="0" indent="0">
+              <a:buNone/>
+            </a:pPr>
+            <a:endParaRPr lang="en-GB" sz="2000">
+              <a:solidFill>
+                <a:srgbClr val="404040"/>
+              </a:solidFill>
+              <a:latin typeface="Fira Sans" pitchFamily="34"/>
+            </a:endParaRPr>
+          </a:p>
+          <a:p>
+            <a:pPr marL="0" lvl="0" indent="0">
+              <a:buNone/>
+            </a:pPr>
+            <a:r>
+              <a:rPr lang="en-GB" sz="2000" b="1">
+                <a:solidFill>
+                  <a:srgbClr val="404040"/>
+                </a:solidFill>
+                <a:latin typeface="Fira Sans" pitchFamily="34"/>
+              </a:rPr>
+              <a:t>Default subheading</a:t>
+            </a:r>
+          </a:p>
+          <a:p>
+            <a:pPr marL="0" lvl="0" indent="0">
+              <a:buNone/>
+            </a:pPr>
+            <a:r>
+              <a:rPr lang="en-GB" sz="2000">
+                <a:solidFill>
+                  <a:srgbClr val="404040"/>
+                </a:solidFill>
+                <a:latin typeface="Fira Sans" pitchFamily="34"/>
+              </a:rPr>
+              <a:t>This is the body of the text </a:t>
+            </a:r>
+          </a:p>
+          <a:p>
+            <a:pPr marL="0" lvl="0" indent="0">
+              <a:buNone/>
+            </a:pPr>
+            <a:endParaRPr lang="en-GB" sz="2000">
+              <a:solidFill>
+                <a:srgbClr val="404040"/>
+              </a:solidFill>
+              <a:latin typeface="Fira Sans" pitchFamily="34"/>
             </a:endParaRPr>
           </a:p>
         </p:txBody>
@@ -5390,8 +5787,16 @@
 </file>
 
 <file path=ppt/slides/slide16.xml><?xml version="1.0" encoding="utf-8"?>
-<p:sld xmlns:a="http://schemas.openxmlformats.org/drawingml/2006/main" xmlns:r="http://schemas.openxmlformats.org/officeDocument/2006/relationships" xmlns:p="http://schemas.openxmlformats.org/presentationml/2006/main">
-  <p:cSld name="Slide43">
+<p:sld xmlns:a="http://schemas.openxmlformats.org/drawingml/2006/main" xmlns:r="http://schemas.openxmlformats.org/officeDocument/2006/relationships" xmlns:p="http://schemas.openxmlformats.org/presentationml/2006/main" show="0">
+  <p:cSld name="Slide80">
+    <p:bg>
+      <p:bgPr>
+        <a:solidFill>
+          <a:srgbClr val="006388"/>
+        </a:solidFill>
+        <a:effectLst/>
+      </p:bgPr>
+    </p:bg>
     <p:spTree>
       <p:nvGrpSpPr>
         <p:cNvPr id="1" name=""/>
@@ -5411,7 +5816,7 @@
           <p:cNvPr id="2" name="Title 1">
             <a:extLst>
               <a:ext uri="{FF2B5EF4-FFF2-40B4-BE49-F238E27FC236}">
-                <a16:creationId xmlns:a16="http://schemas.microsoft.com/office/drawing/2014/main" id="{63A7B462-0A9D-4652-A57B-47811F469343}"/>
+                <a16:creationId xmlns:a16="http://schemas.microsoft.com/office/drawing/2014/main" id="{D1D06355-8CFC-4BA5-9ECA-5D945A042530}"/>
               </a:ext>
             </a:extLst>
           </p:cNvPr>
@@ -5435,213 +5840,204 @@
             <a:r>
               <a:rPr lang="en-GB" sz="5400" b="1" kern="0">
                 <a:solidFill>
-                  <a:srgbClr val="006388"/>
+                  <a:srgbClr val="FFFFFF"/>
                 </a:solidFill>
                 <a:latin typeface="Fira Sans" pitchFamily="34"/>
                 <a:ea typeface="Fira Code" pitchFamily="49"/>
               </a:rPr>
-              <a:t>Exploratory data analysis</a:t>
-            </a:r>
-            <a:endParaRPr lang="en-GB" sz="1800" kern="0"/>
-          </a:p>
-        </p:txBody>
-      </p:sp>
-      <p:pic>
-        <p:nvPicPr>
-          <p:cNvPr id="3" name="Content Placeholder 6" descr="Graphical user interface, application&#10;&#10;Description automatically generated">
-            <a:extLst>
-              <a:ext uri="{FF2B5EF4-FFF2-40B4-BE49-F238E27FC236}">
-                <a16:creationId xmlns:a16="http://schemas.microsoft.com/office/drawing/2014/main" id="{0789C4F0-BA6C-40BF-BA61-577E36E2C4A0}"/>
-              </a:ext>
-            </a:extLst>
-          </p:cNvPr>
-          <p:cNvPicPr>
-            <a:picLocks noGrp="1" noChangeAspect="1"/>
-          </p:cNvPicPr>
+              <a:t>Default dark slide</a:t>
+            </a:r>
+            <a:endParaRPr lang="en-GB" sz="1800" kern="0">
+              <a:solidFill>
+                <a:srgbClr val="FFFFFF"/>
+              </a:solidFill>
+            </a:endParaRPr>
+          </a:p>
+        </p:txBody>
+      </p:sp>
+      <p:sp>
+        <p:nvSpPr>
+          <p:cNvPr id="3" name="Content Placeholder 2">
+            <a:extLst>
+              <a:ext uri="{FF2B5EF4-FFF2-40B4-BE49-F238E27FC236}">
+                <a16:creationId xmlns:a16="http://schemas.microsoft.com/office/drawing/2014/main" id="{179B9019-9F4E-4758-95C6-42F5357D5CD9}"/>
+              </a:ext>
+            </a:extLst>
+          </p:cNvPr>
+          <p:cNvSpPr txBox="1">
+            <a:spLocks noGrp="1"/>
+          </p:cNvSpPr>
           <p:nvPr>
             <p:ph idx="1"/>
           </p:nvPr>
-        </p:nvPicPr>
-        <p:blipFill>
-          <a:blip r:embed="rId2"/>
-          <a:stretch>
-            <a:fillRect/>
-          </a:stretch>
-        </p:blipFill>
+        </p:nvSpPr>
         <p:spPr>
           <a:xfrm>
-            <a:off x="5123931" y="3055531"/>
-            <a:ext cx="6229871" cy="2289511"/>
+            <a:off x="838203" y="1825627"/>
+            <a:ext cx="10515600" cy="4667243"/>
           </a:xfrm>
         </p:spPr>
-      </p:pic>
-      <p:sp>
-        <p:nvSpPr>
-          <p:cNvPr id="4" name="TextBox 8">
-            <a:extLst>
-              <a:ext uri="{FF2B5EF4-FFF2-40B4-BE49-F238E27FC236}">
-                <a16:creationId xmlns:a16="http://schemas.microsoft.com/office/drawing/2014/main" id="{A5A75038-8C9C-458D-A859-D3049747093B}"/>
-              </a:ext>
-            </a:extLst>
-          </p:cNvPr>
-          <p:cNvSpPr txBox="1"/>
-          <p:nvPr/>
-        </p:nvSpPr>
-        <p:spPr>
-          <a:xfrm>
-            <a:off x="5259665" y="1911443"/>
-            <a:ext cx="6094137" cy="923333"/>
-          </a:xfrm>
-          <a:prstGeom prst="rect">
-            <a:avLst/>
-          </a:prstGeom>
-          <a:noFill/>
-          <a:ln cap="flat">
-            <a:noFill/>
-          </a:ln>
-        </p:spPr>
-        <p:txBody>
-          <a:bodyPr vert="horz" wrap="square" lIns="91440" tIns="45720" rIns="91440" bIns="45720" anchor="t" anchorCtr="0" compatLnSpc="1">
-            <a:spAutoFit/>
-          </a:bodyPr>
+        <p:txBody>
+          <a:bodyPr/>
           <a:lstStyle/>
           <a:p>
-            <a:pPr marL="0" marR="0" lvl="0" indent="0" algn="l" defTabSz="914400" rtl="0" fontAlgn="auto" hangingPunct="1">
-              <a:lnSpc>
-                <a:spcPct val="100000"/>
-              </a:lnSpc>
-              <a:spcBef>
-                <a:spcPts val="0"/>
-              </a:spcBef>
-              <a:spcAft>
-                <a:spcPts val="0"/>
-              </a:spcAft>
-              <a:buNone/>
-              <a:tabLst/>
-              <a:defRPr sz="1800" b="0" i="0" u="none" strike="noStrike" kern="0" cap="none" spc="0" baseline="0">
-                <a:solidFill>
-                  <a:srgbClr val="000000"/>
-                </a:solidFill>
-                <a:uFillTx/>
-              </a:defRPr>
-            </a:pPr>
-            <a:r>
-              <a:rPr lang="en-US" sz="1800" b="0" i="1" u="none" strike="noStrike" kern="1200" cap="none" spc="0" baseline="0">
-                <a:solidFill>
-                  <a:srgbClr val="404040"/>
-                </a:solidFill>
-                <a:uFillTx/>
-                <a:latin typeface="Fira Sans" pitchFamily="34"/>
-              </a:rPr>
-              <a:t>The goal of data exploration is to generate many promising leads that you can later explore in more depth.</a:t>
-            </a:r>
-            <a:endParaRPr lang="en-GB" sz="1800" b="0" i="1" u="none" strike="noStrike" kern="1200" cap="none" spc="0" baseline="0">
+            <a:pPr marL="0" lvl="0" indent="0">
+              <a:buNone/>
+            </a:pPr>
+            <a:r>
+              <a:rPr lang="en-GB" sz="2000" b="1">
+                <a:solidFill>
+                  <a:srgbClr val="FFFFFF"/>
+                </a:solidFill>
+                <a:latin typeface="Fira Sans" pitchFamily="34"/>
+              </a:rPr>
+              <a:t>Default subheading</a:t>
+            </a:r>
+          </a:p>
+          <a:p>
+            <a:pPr marL="0" lvl="0" indent="0">
+              <a:buNone/>
+            </a:pPr>
+            <a:r>
+              <a:rPr lang="en-GB" sz="2000">
+                <a:solidFill>
+                  <a:srgbClr val="FFFFFF"/>
+                </a:solidFill>
+                <a:latin typeface="Fira Sans" pitchFamily="34"/>
+              </a:rPr>
+              <a:t>The dark slide brings some variation</a:t>
+            </a:r>
+          </a:p>
+          <a:p>
+            <a:pPr marL="0" lvl="0" indent="0">
+              <a:buNone/>
+            </a:pPr>
+            <a:endParaRPr lang="en-GB" sz="2000">
               <a:solidFill>
-                <a:srgbClr val="404040"/>
+                <a:srgbClr val="FFFFFF"/>
               </a:solidFill>
-              <a:uFillTx/>
               <a:latin typeface="Fira Sans" pitchFamily="34"/>
             </a:endParaRPr>
           </a:p>
-        </p:txBody>
-      </p:sp>
-      <p:sp>
-        <p:nvSpPr>
-          <p:cNvPr id="5" name="TextBox 10">
-            <a:extLst>
-              <a:ext uri="{FF2B5EF4-FFF2-40B4-BE49-F238E27FC236}">
-                <a16:creationId xmlns:a16="http://schemas.microsoft.com/office/drawing/2014/main" id="{65E5AA44-7AE7-4E1E-982D-0BC33E1B1BC6}"/>
-              </a:ext>
-            </a:extLst>
-          </p:cNvPr>
-          <p:cNvSpPr txBox="1"/>
-          <p:nvPr/>
-        </p:nvSpPr>
-        <p:spPr>
-          <a:xfrm>
-            <a:off x="838193" y="6338986"/>
-            <a:ext cx="3047750" cy="307777"/>
-          </a:xfrm>
-          <a:prstGeom prst="rect">
-            <a:avLst/>
-          </a:prstGeom>
-          <a:noFill/>
-          <a:ln cap="flat">
-            <a:noFill/>
-          </a:ln>
-        </p:spPr>
-        <p:txBody>
-          <a:bodyPr vert="horz" wrap="square" lIns="91440" tIns="45720" rIns="91440" bIns="45720" anchor="t" anchorCtr="0" compatLnSpc="1">
-            <a:spAutoFit/>
-          </a:bodyPr>
-          <a:lstStyle/>
-          <a:p>
-            <a:pPr marL="0" marR="0" lvl="0" indent="0" algn="r" defTabSz="914400" rtl="0" fontAlgn="auto" hangingPunct="1">
-              <a:lnSpc>
-                <a:spcPct val="100000"/>
-              </a:lnSpc>
-              <a:spcBef>
-                <a:spcPts val="0"/>
-              </a:spcBef>
-              <a:spcAft>
-                <a:spcPts val="0"/>
-              </a:spcAft>
-              <a:buNone/>
-              <a:tabLst/>
-              <a:defRPr sz="1800" b="0" i="0" u="none" strike="noStrike" kern="0" cap="none" spc="0" baseline="0">
-                <a:solidFill>
-                  <a:srgbClr val="000000"/>
-                </a:solidFill>
-                <a:uFillTx/>
-              </a:defRPr>
-            </a:pPr>
-            <a:r>
-              <a:rPr lang="en-GB" sz="1400" b="0" i="0" u="none" strike="noStrike" kern="1200" cap="none" spc="0" baseline="0">
-                <a:solidFill>
-                  <a:srgbClr val="000000"/>
-                </a:solidFill>
-                <a:uFillTx/>
-                <a:latin typeface="Fira Sans" pitchFamily="34"/>
-              </a:rPr>
-              <a:t>https://r4ds.had.co.nz/</a:t>
-            </a:r>
-          </a:p>
-        </p:txBody>
-      </p:sp>
-      <p:pic>
-        <p:nvPicPr>
-          <p:cNvPr id="6" name="Picture 12" descr="Logo&#10;&#10;Description automatically generated">
-            <a:extLst>
-              <a:ext uri="{FF2B5EF4-FFF2-40B4-BE49-F238E27FC236}">
-                <a16:creationId xmlns:a16="http://schemas.microsoft.com/office/drawing/2014/main" id="{DE989F00-AFA4-4F51-9ED0-C0D2FBBCAF07}"/>
-              </a:ext>
-            </a:extLst>
-          </p:cNvPr>
-          <p:cNvPicPr>
-            <a:picLocks noChangeAspect="1"/>
-          </p:cNvPicPr>
-          <p:nvPr/>
-        </p:nvPicPr>
-        <p:blipFill>
-          <a:blip r:embed="rId3"/>
-          <a:stretch>
-            <a:fillRect/>
-          </a:stretch>
-        </p:blipFill>
-        <p:spPr>
-          <a:xfrm>
-            <a:off x="838193" y="1690689"/>
-            <a:ext cx="3047750" cy="4571625"/>
-          </a:xfrm>
-          <a:prstGeom prst="rect">
-            <a:avLst/>
-          </a:prstGeom>
-          <a:noFill/>
-          <a:ln cap="flat">
-            <a:noFill/>
-          </a:ln>
-        </p:spPr>
-      </p:pic>
+          <a:p>
+            <a:pPr marL="0" lvl="0" indent="0">
+              <a:buNone/>
+            </a:pPr>
+            <a:r>
+              <a:rPr lang="en-GB" sz="2000" b="1">
+                <a:solidFill>
+                  <a:srgbClr val="FFFFFF"/>
+                </a:solidFill>
+                <a:latin typeface="Fira Sans" pitchFamily="34"/>
+              </a:rPr>
+              <a:t>Default subheading</a:t>
+            </a:r>
+          </a:p>
+          <a:p>
+            <a:pPr marL="0" lvl="0" indent="0">
+              <a:buNone/>
+            </a:pPr>
+            <a:r>
+              <a:rPr lang="en-GB" sz="2000">
+                <a:solidFill>
+                  <a:srgbClr val="FFFFFF"/>
+                </a:solidFill>
+                <a:latin typeface="Fira Sans" pitchFamily="34"/>
+              </a:rPr>
+              <a:t>It can highlight important aspects of the presentation.</a:t>
+            </a:r>
+          </a:p>
+          <a:p>
+            <a:pPr marL="0" lvl="0" indent="0">
+              <a:buNone/>
+            </a:pPr>
+            <a:endParaRPr lang="en-GB" sz="2000">
+              <a:solidFill>
+                <a:srgbClr val="FFFFFF"/>
+              </a:solidFill>
+              <a:latin typeface="Fira Sans" pitchFamily="34"/>
+            </a:endParaRPr>
+          </a:p>
+          <a:p>
+            <a:pPr marL="0" lvl="0" indent="0">
+              <a:buNone/>
+            </a:pPr>
+            <a:r>
+              <a:rPr lang="en-GB" sz="2000" b="1">
+                <a:solidFill>
+                  <a:srgbClr val="FFFFFF"/>
+                </a:solidFill>
+                <a:latin typeface="Fira Sans" pitchFamily="34"/>
+              </a:rPr>
+              <a:t>Default subheading</a:t>
+            </a:r>
+          </a:p>
+          <a:p>
+            <a:pPr marL="0" lvl="0" indent="0">
+              <a:buNone/>
+            </a:pPr>
+            <a:r>
+              <a:rPr lang="en-GB" sz="2000">
+                <a:solidFill>
+                  <a:srgbClr val="FFFFFF"/>
+                </a:solidFill>
+                <a:latin typeface="Fira Sans" pitchFamily="34"/>
+              </a:rPr>
+              <a:t>This is the body of the text </a:t>
+            </a:r>
+          </a:p>
+          <a:p>
+            <a:pPr marL="0" lvl="0" indent="0">
+              <a:buNone/>
+            </a:pPr>
+            <a:endParaRPr lang="en-GB" sz="2000">
+              <a:solidFill>
+                <a:srgbClr val="FFFFFF"/>
+              </a:solidFill>
+              <a:latin typeface="Fira Sans" pitchFamily="34"/>
+            </a:endParaRPr>
+          </a:p>
+          <a:p>
+            <a:pPr marL="0" lvl="0" indent="0">
+              <a:buNone/>
+            </a:pPr>
+            <a:r>
+              <a:rPr lang="en-GB" sz="2000" b="1">
+                <a:solidFill>
+                  <a:srgbClr val="FFFFFF"/>
+                </a:solidFill>
+                <a:latin typeface="Fira Sans" pitchFamily="34"/>
+              </a:rPr>
+              <a:t>Default subheading</a:t>
+            </a:r>
+          </a:p>
+          <a:p>
+            <a:pPr marL="0" lvl="0" indent="0">
+              <a:buNone/>
+            </a:pPr>
+            <a:r>
+              <a:rPr lang="en-GB" sz="2000">
+                <a:solidFill>
+                  <a:srgbClr val="FFFFFF"/>
+                </a:solidFill>
+                <a:latin typeface="Fira Sans" pitchFamily="34"/>
+              </a:rPr>
+              <a:t>This is the body of the text </a:t>
+            </a:r>
+          </a:p>
+          <a:p>
+            <a:pPr marL="0" lvl="0" indent="0">
+              <a:buNone/>
+            </a:pPr>
+            <a:endParaRPr lang="en-GB" sz="2000">
+              <a:solidFill>
+                <a:srgbClr val="FFFFFF"/>
+              </a:solidFill>
+              <a:latin typeface="Fira Sans" pitchFamily="34"/>
+            </a:endParaRPr>
+          </a:p>
+        </p:txBody>
+      </p:sp>
     </p:spTree>
   </p:cSld>
   <p:clrMapOvr>
@@ -5651,8 +6047,16 @@
 </file>
 
 <file path=ppt/slides/slide17.xml><?xml version="1.0" encoding="utf-8"?>
-<p:sld xmlns:a="http://schemas.openxmlformats.org/drawingml/2006/main" xmlns:r="http://schemas.openxmlformats.org/officeDocument/2006/relationships" xmlns:p="http://schemas.openxmlformats.org/presentationml/2006/main">
-  <p:cSld name="Slide50">
+<p:sld xmlns:a="http://schemas.openxmlformats.org/drawingml/2006/main" xmlns:r="http://schemas.openxmlformats.org/officeDocument/2006/relationships" xmlns:p="http://schemas.openxmlformats.org/presentationml/2006/main" show="0">
+  <p:cSld>
+    <p:bg>
+      <p:bgPr>
+        <a:solidFill>
+          <a:srgbClr val="006388"/>
+        </a:solidFill>
+        <a:effectLst/>
+      </p:bgPr>
+    </p:bg>
     <p:spTree>
       <p:nvGrpSpPr>
         <p:cNvPr id="1" name=""/>
@@ -5672,7 +6076,7 @@
           <p:cNvPr id="2" name="Title 1">
             <a:extLst>
               <a:ext uri="{FF2B5EF4-FFF2-40B4-BE49-F238E27FC236}">
-                <a16:creationId xmlns:a16="http://schemas.microsoft.com/office/drawing/2014/main" id="{AD5C8D82-9C73-409E-BCB5-8FC0C58FFD6F}"/>
+                <a16:creationId xmlns:a16="http://schemas.microsoft.com/office/drawing/2014/main" id="{35BAD9E9-4EDD-4A8E-BACA-88345240EC67}"/>
               </a:ext>
             </a:extLst>
           </p:cNvPr>
@@ -5683,226 +6087,45 @@
             <p:ph type="title"/>
           </p:nvPr>
         </p:nvSpPr>
-        <p:spPr/>
-        <p:txBody>
-          <a:bodyPr/>
+        <p:spPr>
+          <a:xfrm>
+            <a:off x="838203" y="2766215"/>
+            <a:ext cx="10515600" cy="1325559"/>
+          </a:xfrm>
+        </p:spPr>
+        <p:txBody>
+          <a:bodyPr anchorCtr="1"/>
           <a:lstStyle/>
           <a:p>
-            <a:pPr lvl="0">
+            <a:pPr lvl="0" algn="ctr">
               <a:lnSpc>
                 <a:spcPct val="100000"/>
               </a:lnSpc>
             </a:pPr>
             <a:r>
-              <a:rPr lang="en-GB" sz="5400" b="1" kern="0" dirty="0">
-                <a:solidFill>
-                  <a:srgbClr val="006388"/>
+              <a:rPr lang="en-GB" sz="5400" b="1" kern="0">
+                <a:solidFill>
+                  <a:srgbClr val="FFFFFF"/>
                 </a:solidFill>
                 <a:latin typeface="Fira Sans" pitchFamily="34"/>
                 <a:ea typeface="Fira Code" pitchFamily="49"/>
               </a:rPr>
-              <a:t>Data wrangling with </a:t>
-            </a:r>
-            <a:r>
-              <a:rPr lang="en-GB" sz="5400" b="1" kern="0" dirty="0" err="1">
-                <a:solidFill>
-                  <a:srgbClr val="006388"/>
-                </a:solidFill>
-                <a:latin typeface="Fira Sans" pitchFamily="34"/>
-                <a:ea typeface="Fira Code" pitchFamily="49"/>
-              </a:rPr>
-              <a:t>dplyr</a:t>
-            </a:r>
-            <a:endParaRPr lang="en-GB" sz="1800" kern="0" dirty="0"/>
-          </a:p>
-        </p:txBody>
-      </p:sp>
-      <p:sp>
-        <p:nvSpPr>
-          <p:cNvPr id="3" name="Content Placeholder 2">
-            <a:extLst>
-              <a:ext uri="{FF2B5EF4-FFF2-40B4-BE49-F238E27FC236}">
-                <a16:creationId xmlns:a16="http://schemas.microsoft.com/office/drawing/2014/main" id="{52AC049D-3A71-449E-8E64-0A8A70569E28}"/>
-              </a:ext>
-            </a:extLst>
-          </p:cNvPr>
-          <p:cNvSpPr txBox="1">
-            <a:spLocks noGrp="1"/>
-          </p:cNvSpPr>
-          <p:nvPr>
-            <p:ph idx="1"/>
-          </p:nvPr>
-        </p:nvSpPr>
-        <p:spPr>
-          <a:xfrm>
-            <a:off x="838203" y="1825627"/>
-            <a:ext cx="10515600" cy="4667243"/>
-          </a:xfrm>
-        </p:spPr>
-        <p:txBody>
-          <a:bodyPr>
-            <a:normAutofit fontScale="92500" lnSpcReduction="20000"/>
-          </a:bodyPr>
-          <a:lstStyle/>
-          <a:p>
-            <a:pPr marL="0" lvl="0" indent="0">
-              <a:buNone/>
-            </a:pPr>
-            <a:r>
-              <a:rPr lang="en-GB" b="1" dirty="0">
-                <a:solidFill>
-                  <a:srgbClr val="404040"/>
-                </a:solidFill>
-                <a:latin typeface="Fira Sans" pitchFamily="34"/>
-              </a:rPr>
-              <a:t>filter</a:t>
-            </a:r>
-          </a:p>
-          <a:p>
-            <a:pPr marL="0" lvl="0" indent="0">
-              <a:buNone/>
-            </a:pPr>
-            <a:r>
-              <a:rPr lang="en-GB" dirty="0">
-                <a:solidFill>
-                  <a:srgbClr val="404040"/>
-                </a:solidFill>
-                <a:latin typeface="Fira Sans" pitchFamily="34"/>
-              </a:rPr>
-              <a:t>Get only rows that satisfy a condition</a:t>
-            </a:r>
-          </a:p>
-          <a:p>
-            <a:pPr marL="0" lvl="0" indent="0">
-              <a:buNone/>
-            </a:pPr>
-            <a:endParaRPr lang="en-GB" b="1" dirty="0">
+              <a:t>Is this an impact slide?</a:t>
+            </a:r>
+            <a:endParaRPr lang="en-GB" sz="1800" kern="0">
               <a:solidFill>
-                <a:srgbClr val="404040"/>
+                <a:srgbClr val="FFFFFF"/>
               </a:solidFill>
-              <a:latin typeface="Fira Sans" pitchFamily="34"/>
             </a:endParaRPr>
           </a:p>
-          <a:p>
-            <a:pPr marL="0" lvl="0" indent="0">
-              <a:buNone/>
-            </a:pPr>
-            <a:r>
-              <a:rPr lang="en-GB" b="1" dirty="0">
-                <a:solidFill>
-                  <a:srgbClr val="404040"/>
-                </a:solidFill>
-                <a:latin typeface="Fira Sans" pitchFamily="34"/>
-              </a:rPr>
-              <a:t>select</a:t>
-            </a:r>
-          </a:p>
-          <a:p>
-            <a:pPr marL="0" lvl="0" indent="0">
-              <a:buNone/>
-            </a:pPr>
-            <a:r>
-              <a:rPr lang="en-GB" dirty="0">
-                <a:solidFill>
-                  <a:srgbClr val="404040"/>
-                </a:solidFill>
-                <a:latin typeface="Fira Sans" pitchFamily="34"/>
-              </a:rPr>
-              <a:t>Select columns from a dataset</a:t>
-            </a:r>
-          </a:p>
-          <a:p>
-            <a:pPr marL="0" lvl="0" indent="0">
-              <a:buNone/>
-            </a:pPr>
-            <a:endParaRPr lang="en-GB" dirty="0">
-              <a:solidFill>
-                <a:srgbClr val="404040"/>
-              </a:solidFill>
-              <a:latin typeface="Fira Sans" pitchFamily="34"/>
-            </a:endParaRPr>
-          </a:p>
-          <a:p>
-            <a:pPr marL="0" lvl="0" indent="0">
-              <a:buNone/>
-            </a:pPr>
-            <a:r>
-              <a:rPr lang="en-GB" b="1" dirty="0">
-                <a:solidFill>
-                  <a:srgbClr val="404040"/>
-                </a:solidFill>
-                <a:latin typeface="Fira Sans" pitchFamily="34"/>
-              </a:rPr>
-              <a:t>mutate</a:t>
-            </a:r>
-          </a:p>
-          <a:p>
-            <a:pPr marL="0" lvl="0" indent="0">
-              <a:buNone/>
-            </a:pPr>
-            <a:r>
-              <a:rPr lang="en-GB" dirty="0">
-                <a:solidFill>
-                  <a:srgbClr val="404040"/>
-                </a:solidFill>
-                <a:latin typeface="Fira Sans" pitchFamily="34"/>
-              </a:rPr>
-              <a:t>Compute new columns / change existing columns</a:t>
-            </a:r>
-          </a:p>
-          <a:p>
-            <a:pPr marL="0" lvl="0" indent="0">
-              <a:buNone/>
-            </a:pPr>
-            <a:endParaRPr lang="en-GB" dirty="0">
-              <a:solidFill>
-                <a:srgbClr val="404040"/>
-              </a:solidFill>
-              <a:latin typeface="Fira Sans" pitchFamily="34"/>
-            </a:endParaRPr>
-          </a:p>
-          <a:p>
-            <a:pPr marL="0" lvl="0" indent="0">
-              <a:buNone/>
-            </a:pPr>
-            <a:r>
-              <a:rPr lang="en-GB" b="1" dirty="0">
-                <a:solidFill>
-                  <a:srgbClr val="404040"/>
-                </a:solidFill>
-                <a:latin typeface="Fira Sans" pitchFamily="34"/>
-              </a:rPr>
-              <a:t>arrange</a:t>
-            </a:r>
-          </a:p>
-          <a:p>
-            <a:pPr marL="0" lvl="0" indent="0">
-              <a:buNone/>
-            </a:pPr>
-            <a:r>
-              <a:rPr lang="en-GB" dirty="0">
-                <a:solidFill>
-                  <a:srgbClr val="404040"/>
-                </a:solidFill>
-                <a:latin typeface="Fira Sans" pitchFamily="34"/>
-              </a:rPr>
-              <a:t>Sort/reorder the dataset based on a column</a:t>
-            </a:r>
-          </a:p>
-          <a:p>
-            <a:pPr marL="0" lvl="0" indent="0">
-              <a:buNone/>
-            </a:pPr>
-            <a:endParaRPr lang="en-GB" dirty="0">
-              <a:solidFill>
-                <a:srgbClr val="404040"/>
-              </a:solidFill>
-              <a:latin typeface="Fira Sans" pitchFamily="34"/>
-            </a:endParaRPr>
-          </a:p>
         </p:txBody>
       </p:sp>
     </p:spTree>
+    <p:extLst>
+      <p:ext uri="{BB962C8B-B14F-4D97-AF65-F5344CB8AC3E}">
+        <p14:creationId xmlns:p14="http://schemas.microsoft.com/office/powerpoint/2010/main" val="3490560062"/>
+      </p:ext>
+    </p:extLst>
   </p:cSld>
   <p:clrMapOvr>
     <a:masterClrMapping/>
@@ -5911,102 +6134,7 @@
 </file>
 
 <file path=ppt/slides/slide18.xml><?xml version="1.0" encoding="utf-8"?>
-<p:sld xmlns:a="http://schemas.openxmlformats.org/drawingml/2006/main" xmlns:r="http://schemas.openxmlformats.org/officeDocument/2006/relationships" xmlns:p="http://schemas.openxmlformats.org/presentationml/2006/main">
-  <p:cSld name="Slide53">
-    <p:spTree>
-      <p:nvGrpSpPr>
-        <p:cNvPr id="1" name=""/>
-        <p:cNvGrpSpPr/>
-        <p:nvPr/>
-      </p:nvGrpSpPr>
-      <p:grpSpPr>
-        <a:xfrm>
-          <a:off x="0" y="0"/>
-          <a:ext cx="0" cy="0"/>
-          <a:chOff x="0" y="0"/>
-          <a:chExt cx="0" cy="0"/>
-        </a:xfrm>
-      </p:grpSpPr>
-      <p:sp>
-        <p:nvSpPr>
-          <p:cNvPr id="2" name="Title 1">
-            <a:extLst>
-              <a:ext uri="{FF2B5EF4-FFF2-40B4-BE49-F238E27FC236}">
-                <a16:creationId xmlns:a16="http://schemas.microsoft.com/office/drawing/2014/main" id="{F4F737D5-F7B5-4FDE-BE2A-23C8580FAE61}"/>
-              </a:ext>
-            </a:extLst>
-          </p:cNvPr>
-          <p:cNvSpPr txBox="1">
-            <a:spLocks noGrp="1"/>
-          </p:cNvSpPr>
-          <p:nvPr>
-            <p:ph type="title"/>
-          </p:nvPr>
-        </p:nvSpPr>
-        <p:spPr/>
-        <p:txBody>
-          <a:bodyPr/>
-          <a:lstStyle/>
-          <a:p>
-            <a:pPr lvl="0">
-              <a:lnSpc>
-                <a:spcPct val="100000"/>
-              </a:lnSpc>
-            </a:pPr>
-            <a:r>
-              <a:rPr lang="en-GB" sz="5400" b="1" kern="0">
-                <a:solidFill>
-                  <a:srgbClr val="006388"/>
-                </a:solidFill>
-                <a:latin typeface="Fira Sans" pitchFamily="34"/>
-                <a:ea typeface="Fira Code" pitchFamily="49"/>
-              </a:rPr>
-              <a:t>Example dataset: cars</a:t>
-            </a:r>
-            <a:endParaRPr lang="en-GB" sz="1800" kern="0"/>
-          </a:p>
-        </p:txBody>
-      </p:sp>
-      <p:pic>
-        <p:nvPicPr>
-          <p:cNvPr id="7" name="Picture 6">
-            <a:extLst>
-              <a:ext uri="{FF2B5EF4-FFF2-40B4-BE49-F238E27FC236}">
-                <a16:creationId xmlns:a16="http://schemas.microsoft.com/office/drawing/2014/main" id="{E4AC1E95-2D67-F170-85C4-434251F7D455}"/>
-              </a:ext>
-            </a:extLst>
-          </p:cNvPr>
-          <p:cNvPicPr>
-            <a:picLocks noChangeAspect="1"/>
-          </p:cNvPicPr>
-          <p:nvPr/>
-        </p:nvPicPr>
-        <p:blipFill>
-          <a:blip r:embed="rId2"/>
-          <a:stretch>
-            <a:fillRect/>
-          </a:stretch>
-        </p:blipFill>
-        <p:spPr>
-          <a:xfrm>
-            <a:off x="912757" y="2070100"/>
-            <a:ext cx="10441046" cy="3657600"/>
-          </a:xfrm>
-          <a:prstGeom prst="rect">
-            <a:avLst/>
-          </a:prstGeom>
-        </p:spPr>
-      </p:pic>
-    </p:spTree>
-  </p:cSld>
-  <p:clrMapOvr>
-    <a:masterClrMapping/>
-  </p:clrMapOvr>
-</p:sld>
-</file>
-
-<file path=ppt/slides/slide19.xml><?xml version="1.0" encoding="utf-8"?>
-<p:sld xmlns:a="http://schemas.openxmlformats.org/drawingml/2006/main" xmlns:r="http://schemas.openxmlformats.org/officeDocument/2006/relationships" xmlns:p="http://schemas.openxmlformats.org/presentationml/2006/main">
+<p:sld xmlns:a="http://schemas.openxmlformats.org/drawingml/2006/main" xmlns:r="http://schemas.openxmlformats.org/officeDocument/2006/relationships" xmlns:p="http://schemas.openxmlformats.org/presentationml/2006/main" show="0">
   <p:cSld>
     <p:spTree>
       <p:nvGrpSpPr>
@@ -6027,7 +6155,7 @@
           <p:cNvPr id="2" name="Title 1">
             <a:extLst>
               <a:ext uri="{FF2B5EF4-FFF2-40B4-BE49-F238E27FC236}">
-                <a16:creationId xmlns:a16="http://schemas.microsoft.com/office/drawing/2014/main" id="{AD5C8D82-9C73-409E-BCB5-8FC0C58FFD6F}"/>
+                <a16:creationId xmlns:a16="http://schemas.microsoft.com/office/drawing/2014/main" id="{51E44C08-D2D3-4847-9593-818BE0A13B4B}"/>
               </a:ext>
             </a:extLst>
           </p:cNvPr>
@@ -6038,9 +6166,16 @@
             <p:ph type="title"/>
           </p:nvPr>
         </p:nvSpPr>
-        <p:spPr/>
-        <p:txBody>
-          <a:bodyPr/>
+        <p:spPr>
+          <a:xfrm>
+            <a:off x="838203" y="1798551"/>
+            <a:ext cx="10515600" cy="1325559"/>
+          </a:xfrm>
+        </p:spPr>
+        <p:txBody>
+          <a:bodyPr>
+            <a:noAutofit/>
+          </a:bodyPr>
           <a:lstStyle/>
           <a:p>
             <a:pPr lvl="0">
@@ -6049,130 +6184,178 @@
               </a:lnSpc>
             </a:pPr>
             <a:r>
-              <a:rPr lang="en-GB" sz="5400" b="1" kern="0" dirty="0">
+              <a:rPr lang="en-GB" b="1" kern="0">
                 <a:solidFill>
                   <a:srgbClr val="006388"/>
                 </a:solidFill>
                 <a:latin typeface="Fira Sans" pitchFamily="34"/>
                 <a:ea typeface="Fira Code" pitchFamily="49"/>
               </a:rPr>
-              <a:t>Data wrangling with </a:t>
-            </a:r>
-            <a:r>
-              <a:rPr lang="en-GB" sz="5400" b="1" kern="0" dirty="0" err="1">
-                <a:solidFill>
-                  <a:srgbClr val="006388"/>
-                </a:solidFill>
-                <a:latin typeface="Fira Sans" pitchFamily="34"/>
-                <a:ea typeface="Fira Code" pitchFamily="49"/>
-              </a:rPr>
-              <a:t>dplyr</a:t>
-            </a:r>
-            <a:endParaRPr lang="en-GB" sz="1800" kern="0" dirty="0"/>
-          </a:p>
-        </p:txBody>
-      </p:sp>
-      <p:sp>
-        <p:nvSpPr>
-          <p:cNvPr id="3" name="Content Placeholder 2">
-            <a:extLst>
-              <a:ext uri="{FF2B5EF4-FFF2-40B4-BE49-F238E27FC236}">
-                <a16:creationId xmlns:a16="http://schemas.microsoft.com/office/drawing/2014/main" id="{52AC049D-3A71-449E-8E64-0A8A70569E28}"/>
-              </a:ext>
-            </a:extLst>
-          </p:cNvPr>
-          <p:cNvSpPr txBox="1">
-            <a:spLocks noGrp="1"/>
-          </p:cNvSpPr>
-          <p:nvPr>
-            <p:ph idx="1"/>
-          </p:nvPr>
+              <a:t>Here is an impactful slide with a sentence on it.</a:t>
+            </a:r>
+            <a:endParaRPr lang="en-GB"/>
+          </a:p>
+        </p:txBody>
+      </p:sp>
+      <p:sp>
+        <p:nvSpPr>
+          <p:cNvPr id="3" name="Title 1">
+            <a:extLst>
+              <a:ext uri="{FF2B5EF4-FFF2-40B4-BE49-F238E27FC236}">
+                <a16:creationId xmlns:a16="http://schemas.microsoft.com/office/drawing/2014/main" id="{0E8FBB61-0675-4827-B00A-B2ADDB6105DF}"/>
+              </a:ext>
+            </a:extLst>
+          </p:cNvPr>
+          <p:cNvSpPr txBox="1"/>
+          <p:nvPr/>
         </p:nvSpPr>
         <p:spPr>
           <a:xfrm>
-            <a:off x="838203" y="1825627"/>
-            <a:ext cx="10515600" cy="4667243"/>
-          </a:xfrm>
-        </p:spPr>
-        <p:txBody>
-          <a:bodyPr>
-            <a:normAutofit/>
-          </a:bodyPr>
-          <a:lstStyle/>
-          <a:p>
-            <a:pPr marL="0" lvl="0" indent="0">
-              <a:buNone/>
-            </a:pPr>
-            <a:r>
-              <a:rPr lang="en-GB" b="1" dirty="0">
-                <a:solidFill>
-                  <a:srgbClr val="404040"/>
-                </a:solidFill>
-                <a:latin typeface="Fira Sans" pitchFamily="34"/>
-              </a:rPr>
-              <a:t>Which are the most efficient (combined city-highway) cars after 2000 in terms of litres / 100km?</a:t>
-            </a:r>
-          </a:p>
-          <a:p>
-            <a:pPr marL="0" lvl="0" indent="0">
-              <a:buNone/>
-            </a:pPr>
-            <a:endParaRPr lang="en-GB" dirty="0">
-              <a:solidFill>
-                <a:srgbClr val="404040"/>
-              </a:solidFill>
-              <a:latin typeface="Fira Sans" pitchFamily="34"/>
-            </a:endParaRPr>
-          </a:p>
-          <a:p>
-            <a:pPr marL="0" lvl="0" indent="0">
-              <a:buNone/>
-            </a:pPr>
-            <a:endParaRPr lang="en-GB" dirty="0">
-              <a:solidFill>
-                <a:srgbClr val="404040"/>
-              </a:solidFill>
-              <a:latin typeface="Fira Sans" pitchFamily="34"/>
-            </a:endParaRPr>
-          </a:p>
-        </p:txBody>
-      </p:sp>
-      <p:pic>
-        <p:nvPicPr>
-          <p:cNvPr id="5" name="Picture 4">
-            <a:extLst>
-              <a:ext uri="{FF2B5EF4-FFF2-40B4-BE49-F238E27FC236}">
-                <a16:creationId xmlns:a16="http://schemas.microsoft.com/office/drawing/2014/main" id="{B1972F0B-B02B-EC28-EB88-ED84D6CA774C}"/>
-              </a:ext>
-            </a:extLst>
-          </p:cNvPr>
-          <p:cNvPicPr>
-            <a:picLocks noChangeAspect="1"/>
-          </p:cNvPicPr>
-          <p:nvPr/>
-        </p:nvPicPr>
-        <p:blipFill>
-          <a:blip r:embed="rId2"/>
-          <a:stretch>
-            <a:fillRect/>
-          </a:stretch>
-        </p:blipFill>
-        <p:spPr>
-          <a:xfrm>
-            <a:off x="838197" y="2918607"/>
-            <a:ext cx="9046609" cy="3393293"/>
+            <a:off x="838203" y="3071103"/>
+            <a:ext cx="10515600" cy="1325559"/>
           </a:xfrm>
           <a:prstGeom prst="rect">
             <a:avLst/>
           </a:prstGeom>
+          <a:noFill/>
+          <a:ln cap="flat">
+            <a:noFill/>
+          </a:ln>
         </p:spPr>
-      </p:pic>
+        <p:txBody>
+          <a:bodyPr vert="horz" wrap="square" lIns="91440" tIns="45720" rIns="91440" bIns="45720" anchor="ctr" anchorCtr="0" compatLnSpc="1">
+            <a:normAutofit/>
+          </a:bodyPr>
+          <a:lstStyle/>
+          <a:p>
+            <a:pPr marL="0" marR="0" lvl="0" indent="0" algn="l" defTabSz="914400" rtl="0" fontAlgn="auto" hangingPunct="1">
+              <a:lnSpc>
+                <a:spcPct val="90000"/>
+              </a:lnSpc>
+              <a:spcBef>
+                <a:spcPts val="0"/>
+              </a:spcBef>
+              <a:spcAft>
+                <a:spcPts val="0"/>
+              </a:spcAft>
+              <a:buNone/>
+              <a:tabLst/>
+              <a:defRPr sz="1800" b="0" i="0" u="none" strike="noStrike" kern="0" cap="none" spc="0" baseline="0">
+                <a:solidFill>
+                  <a:srgbClr val="000000"/>
+                </a:solidFill>
+                <a:uFillTx/>
+              </a:defRPr>
+            </a:pPr>
+            <a:r>
+              <a:rPr lang="en-GB" sz="4400" b="1" i="0" u="none" strike="noStrike" kern="0" cap="none" spc="0" baseline="0">
+                <a:solidFill>
+                  <a:srgbClr val="7F7F7F"/>
+                </a:solidFill>
+                <a:uFillTx/>
+                <a:latin typeface="Fira Sans" pitchFamily="34"/>
+                <a:ea typeface="Fira Code" pitchFamily="49"/>
+              </a:rPr>
+              <a:t>Here is a topic related to the aforementioned question.</a:t>
+            </a:r>
+            <a:endParaRPr lang="en-GB" sz="4400" b="0" i="0" u="none" strike="noStrike" kern="1200" cap="none" spc="0" baseline="0">
+              <a:solidFill>
+                <a:srgbClr val="7F7F7F"/>
+              </a:solidFill>
+              <a:uFillTx/>
+              <a:latin typeface="Calibri Light"/>
+            </a:endParaRPr>
+          </a:p>
+        </p:txBody>
+      </p:sp>
     </p:spTree>
     <p:extLst>
       <p:ext uri="{BB962C8B-B14F-4D97-AF65-F5344CB8AC3E}">
-        <p14:creationId xmlns:p14="http://schemas.microsoft.com/office/powerpoint/2010/main" val="3227743491"/>
+        <p14:creationId xmlns:p14="http://schemas.microsoft.com/office/powerpoint/2010/main" val="1857421431"/>
       </p:ext>
     </p:extLst>
+  </p:cSld>
+  <p:clrMapOvr>
+    <a:masterClrMapping/>
+  </p:clrMapOvr>
+</p:sld>
+</file>
+
+<file path=ppt/slides/slide19.xml><?xml version="1.0" encoding="utf-8"?>
+<p:sld xmlns:a="http://schemas.openxmlformats.org/drawingml/2006/main" xmlns:r="http://schemas.openxmlformats.org/officeDocument/2006/relationships" xmlns:p="http://schemas.openxmlformats.org/presentationml/2006/main" show="0">
+  <p:cSld name="Slide37">
+    <p:bg>
+      <p:bgPr>
+        <a:solidFill>
+          <a:srgbClr val="006388"/>
+        </a:solidFill>
+        <a:effectLst/>
+      </p:bgPr>
+    </p:bg>
+    <p:spTree>
+      <p:nvGrpSpPr>
+        <p:cNvPr id="1" name=""/>
+        <p:cNvGrpSpPr/>
+        <p:nvPr/>
+      </p:nvGrpSpPr>
+      <p:grpSpPr>
+        <a:xfrm>
+          <a:off x="0" y="0"/>
+          <a:ext cx="0" cy="0"/>
+          <a:chOff x="0" y="0"/>
+          <a:chExt cx="0" cy="0"/>
+        </a:xfrm>
+      </p:grpSpPr>
+      <p:sp>
+        <p:nvSpPr>
+          <p:cNvPr id="2" name="Title 1">
+            <a:extLst>
+              <a:ext uri="{FF2B5EF4-FFF2-40B4-BE49-F238E27FC236}">
+                <a16:creationId xmlns:a16="http://schemas.microsoft.com/office/drawing/2014/main" id="{FD7C9718-D798-4F32-BB21-978BA6199775}"/>
+              </a:ext>
+            </a:extLst>
+          </p:cNvPr>
+          <p:cNvSpPr txBox="1">
+            <a:spLocks noGrp="1"/>
+          </p:cNvSpPr>
+          <p:nvPr>
+            <p:ph type="title"/>
+          </p:nvPr>
+        </p:nvSpPr>
+        <p:spPr>
+          <a:xfrm>
+            <a:off x="838203" y="2766215"/>
+            <a:ext cx="10515600" cy="1325559"/>
+          </a:xfrm>
+        </p:spPr>
+        <p:txBody>
+          <a:bodyPr anchorCtr="1"/>
+          <a:lstStyle/>
+          <a:p>
+            <a:pPr lvl="0" algn="ctr">
+              <a:lnSpc>
+                <a:spcPct val="100000"/>
+              </a:lnSpc>
+            </a:pPr>
+            <a:r>
+              <a:rPr lang="en-GB" sz="5400" b="1" kern="0">
+                <a:solidFill>
+                  <a:srgbClr val="FFFFFF"/>
+                </a:solidFill>
+                <a:latin typeface="Fira Sans" pitchFamily="34"/>
+                <a:ea typeface="Fira Code" pitchFamily="49"/>
+              </a:rPr>
+              <a:t>Questions?</a:t>
+            </a:r>
+            <a:endParaRPr lang="en-GB" sz="1800" kern="0">
+              <a:solidFill>
+                <a:srgbClr val="FFFFFF"/>
+              </a:solidFill>
+            </a:endParaRPr>
+          </a:p>
+        </p:txBody>
+      </p:sp>
+    </p:spTree>
   </p:cSld>
   <p:clrMapOvr>
     <a:masterClrMapping/>
@@ -6467,1804 +6650,6 @@
     <p:extLst>
       <p:ext uri="{BB962C8B-B14F-4D97-AF65-F5344CB8AC3E}">
         <p14:creationId xmlns:p14="http://schemas.microsoft.com/office/powerpoint/2010/main" val="2995801030"/>
-      </p:ext>
-    </p:extLst>
-  </p:cSld>
-  <p:clrMapOvr>
-    <a:masterClrMapping/>
-  </p:clrMapOvr>
-</p:sld>
-</file>
-
-<file path=ppt/slides/slide20.xml><?xml version="1.0" encoding="utf-8"?>
-<p:sld xmlns:a="http://schemas.openxmlformats.org/drawingml/2006/main" xmlns:r="http://schemas.openxmlformats.org/officeDocument/2006/relationships" xmlns:p="http://schemas.openxmlformats.org/presentationml/2006/main">
-  <p:cSld>
-    <p:spTree>
-      <p:nvGrpSpPr>
-        <p:cNvPr id="1" name=""/>
-        <p:cNvGrpSpPr/>
-        <p:nvPr/>
-      </p:nvGrpSpPr>
-      <p:grpSpPr>
-        <a:xfrm>
-          <a:off x="0" y="0"/>
-          <a:ext cx="0" cy="0"/>
-          <a:chOff x="0" y="0"/>
-          <a:chExt cx="0" cy="0"/>
-        </a:xfrm>
-      </p:grpSpPr>
-      <p:sp>
-        <p:nvSpPr>
-          <p:cNvPr id="2" name="Title 1">
-            <a:extLst>
-              <a:ext uri="{FF2B5EF4-FFF2-40B4-BE49-F238E27FC236}">
-                <a16:creationId xmlns:a16="http://schemas.microsoft.com/office/drawing/2014/main" id="{F4F737D5-F7B5-4FDE-BE2A-23C8580FAE61}"/>
-              </a:ext>
-            </a:extLst>
-          </p:cNvPr>
-          <p:cNvSpPr txBox="1">
-            <a:spLocks noGrp="1"/>
-          </p:cNvSpPr>
-          <p:nvPr>
-            <p:ph type="title"/>
-          </p:nvPr>
-        </p:nvSpPr>
-        <p:spPr/>
-        <p:txBody>
-          <a:bodyPr/>
-          <a:lstStyle/>
-          <a:p>
-            <a:pPr lvl="0">
-              <a:lnSpc>
-                <a:spcPct val="100000"/>
-              </a:lnSpc>
-            </a:pPr>
-            <a:r>
-              <a:rPr lang="en-GB" sz="5400" b="1" kern="0" dirty="0">
-                <a:solidFill>
-                  <a:srgbClr val="006388"/>
-                </a:solidFill>
-                <a:latin typeface="Fira Sans" pitchFamily="34"/>
-                <a:ea typeface="Fira Code" pitchFamily="49"/>
-              </a:rPr>
-              <a:t>Data wrangling with </a:t>
-            </a:r>
-            <a:r>
-              <a:rPr lang="en-GB" sz="5400" b="1" kern="0" dirty="0" err="1">
-                <a:solidFill>
-                  <a:srgbClr val="006388"/>
-                </a:solidFill>
-                <a:latin typeface="Fira Sans" pitchFamily="34"/>
-                <a:ea typeface="Fira Code" pitchFamily="49"/>
-              </a:rPr>
-              <a:t>dplyr</a:t>
-            </a:r>
-            <a:endParaRPr lang="en-GB" sz="1800" kern="0" dirty="0"/>
-          </a:p>
-        </p:txBody>
-      </p:sp>
-      <p:pic>
-        <p:nvPicPr>
-          <p:cNvPr id="7" name="Picture 6">
-            <a:extLst>
-              <a:ext uri="{FF2B5EF4-FFF2-40B4-BE49-F238E27FC236}">
-                <a16:creationId xmlns:a16="http://schemas.microsoft.com/office/drawing/2014/main" id="{E4AC1E95-2D67-F170-85C4-434251F7D455}"/>
-              </a:ext>
-            </a:extLst>
-          </p:cNvPr>
-          <p:cNvPicPr>
-            <a:picLocks noChangeAspect="1"/>
-          </p:cNvPicPr>
-          <p:nvPr/>
-        </p:nvPicPr>
-        <p:blipFill>
-          <a:blip r:embed="rId2">
-            <a:extLst>
-              <a:ext uri="{28A0092B-C50C-407E-A947-70E740481C1C}">
-                <a14:useLocalDpi xmlns:a14="http://schemas.microsoft.com/office/drawing/2010/main" val="0"/>
-              </a:ext>
-            </a:extLst>
-          </a:blip>
-          <a:srcRect/>
-          <a:stretch/>
-        </p:blipFill>
-        <p:spPr>
-          <a:xfrm>
-            <a:off x="973989" y="2057400"/>
-            <a:ext cx="7930982" cy="3657600"/>
-          </a:xfrm>
-          <a:prstGeom prst="rect">
-            <a:avLst/>
-          </a:prstGeom>
-        </p:spPr>
-      </p:pic>
-    </p:spTree>
-    <p:extLst>
-      <p:ext uri="{BB962C8B-B14F-4D97-AF65-F5344CB8AC3E}">
-        <p14:creationId xmlns:p14="http://schemas.microsoft.com/office/powerpoint/2010/main" val="1786558084"/>
-      </p:ext>
-    </p:extLst>
-  </p:cSld>
-  <p:clrMapOvr>
-    <a:masterClrMapping/>
-  </p:clrMapOvr>
-</p:sld>
-</file>
-
-<file path=ppt/slides/slide21.xml><?xml version="1.0" encoding="utf-8"?>
-<p:sld xmlns:a="http://schemas.openxmlformats.org/drawingml/2006/main" xmlns:r="http://schemas.openxmlformats.org/officeDocument/2006/relationships" xmlns:p="http://schemas.openxmlformats.org/presentationml/2006/main">
-  <p:cSld>
-    <p:spTree>
-      <p:nvGrpSpPr>
-        <p:cNvPr id="1" name=""/>
-        <p:cNvGrpSpPr/>
-        <p:nvPr/>
-      </p:nvGrpSpPr>
-      <p:grpSpPr>
-        <a:xfrm>
-          <a:off x="0" y="0"/>
-          <a:ext cx="0" cy="0"/>
-          <a:chOff x="0" y="0"/>
-          <a:chExt cx="0" cy="0"/>
-        </a:xfrm>
-      </p:grpSpPr>
-      <p:sp>
-        <p:nvSpPr>
-          <p:cNvPr id="2" name="Title 1">
-            <a:extLst>
-              <a:ext uri="{FF2B5EF4-FFF2-40B4-BE49-F238E27FC236}">
-                <a16:creationId xmlns:a16="http://schemas.microsoft.com/office/drawing/2014/main" id="{B05E64BA-2929-4A07-8AD6-785B76E0CA05}"/>
-              </a:ext>
-            </a:extLst>
-          </p:cNvPr>
-          <p:cNvSpPr txBox="1">
-            <a:spLocks noGrp="1"/>
-          </p:cNvSpPr>
-          <p:nvPr>
-            <p:ph type="title"/>
-          </p:nvPr>
-        </p:nvSpPr>
-        <p:spPr/>
-        <p:txBody>
-          <a:bodyPr/>
-          <a:lstStyle/>
-          <a:p>
-            <a:pPr lvl="0">
-              <a:lnSpc>
-                <a:spcPct val="100000"/>
-              </a:lnSpc>
-            </a:pPr>
-            <a:r>
-              <a:rPr lang="en-GB" sz="5400" b="1" kern="0" dirty="0">
-                <a:solidFill>
-                  <a:srgbClr val="006388"/>
-                </a:solidFill>
-                <a:latin typeface="Fira Sans" pitchFamily="34"/>
-                <a:ea typeface="Fira Code" pitchFamily="49"/>
-              </a:rPr>
-              <a:t>Data visualisation with ggplot2</a:t>
-            </a:r>
-            <a:endParaRPr lang="en-GB" sz="1800" kern="0" dirty="0"/>
-          </a:p>
-        </p:txBody>
-      </p:sp>
-      <p:sp>
-        <p:nvSpPr>
-          <p:cNvPr id="3" name="Content Placeholder 2">
-            <a:extLst>
-              <a:ext uri="{FF2B5EF4-FFF2-40B4-BE49-F238E27FC236}">
-                <a16:creationId xmlns:a16="http://schemas.microsoft.com/office/drawing/2014/main" id="{0E0C0D39-8FC9-4533-85CA-F2063B4FD172}"/>
-              </a:ext>
-            </a:extLst>
-          </p:cNvPr>
-          <p:cNvSpPr txBox="1">
-            <a:spLocks noGrp="1"/>
-          </p:cNvSpPr>
-          <p:nvPr>
-            <p:ph idx="1"/>
-          </p:nvPr>
-        </p:nvSpPr>
-        <p:spPr>
-          <a:xfrm>
-            <a:off x="838203" y="2040675"/>
-            <a:ext cx="10515600" cy="4452195"/>
-          </a:xfrm>
-        </p:spPr>
-        <p:txBody>
-          <a:bodyPr>
-            <a:normAutofit/>
-          </a:bodyPr>
-          <a:lstStyle/>
-          <a:p>
-            <a:pPr marL="0" lvl="0" indent="0">
-              <a:lnSpc>
-                <a:spcPct val="80000"/>
-              </a:lnSpc>
-              <a:buNone/>
-            </a:pPr>
-            <a:r>
-              <a:rPr lang="en-GB" sz="2000" b="1" dirty="0">
-                <a:solidFill>
-                  <a:srgbClr val="404040"/>
-                </a:solidFill>
-                <a:latin typeface="Fira Sans" pitchFamily="34"/>
-              </a:rPr>
-              <a:t>Raw data maps to:</a:t>
-            </a:r>
-          </a:p>
-          <a:p>
-            <a:pPr lvl="0">
-              <a:lnSpc>
-                <a:spcPct val="80000"/>
-              </a:lnSpc>
-            </a:pPr>
-            <a:r>
-              <a:rPr lang="en-GB" sz="2000" dirty="0">
-                <a:solidFill>
-                  <a:srgbClr val="404040"/>
-                </a:solidFill>
-                <a:latin typeface="Fira Sans" pitchFamily="34"/>
-              </a:rPr>
-              <a:t>Aesthetics: data-bound properties of the picture (position, shape, colour, …)</a:t>
-            </a:r>
-          </a:p>
-          <a:p>
-            <a:pPr lvl="0">
-              <a:lnSpc>
-                <a:spcPct val="80000"/>
-              </a:lnSpc>
-            </a:pPr>
-            <a:r>
-              <a:rPr lang="en-GB" sz="2000" dirty="0">
-                <a:solidFill>
-                  <a:srgbClr val="404040"/>
-                </a:solidFill>
-                <a:latin typeface="Fira Sans" pitchFamily="34"/>
-              </a:rPr>
-              <a:t>Geometric objects, or </a:t>
-            </a:r>
-            <a:r>
-              <a:rPr lang="en-GB" sz="2000" dirty="0" err="1">
-                <a:solidFill>
-                  <a:srgbClr val="404040"/>
-                </a:solidFill>
-                <a:latin typeface="Fira Sans" pitchFamily="34"/>
-              </a:rPr>
-              <a:t>geom</a:t>
-            </a:r>
-            <a:r>
-              <a:rPr lang="en-GB" sz="2000" dirty="0">
-                <a:solidFill>
-                  <a:srgbClr val="404040"/>
-                </a:solidFill>
-                <a:latin typeface="Fira Sans" pitchFamily="34"/>
-              </a:rPr>
-              <a:t>: visual objects on the plot (points, lines, bars, polygons …)</a:t>
-            </a:r>
-          </a:p>
-          <a:p>
-            <a:pPr lvl="0">
-              <a:lnSpc>
-                <a:spcPct val="80000"/>
-              </a:lnSpc>
-            </a:pPr>
-            <a:r>
-              <a:rPr lang="en-GB" sz="2000" dirty="0">
-                <a:solidFill>
-                  <a:srgbClr val="404040"/>
-                </a:solidFill>
-                <a:latin typeface="Fira Sans" pitchFamily="34"/>
-              </a:rPr>
-              <a:t>Scales: how data values map to aesthetic values (continuous or discrete)</a:t>
-            </a:r>
-          </a:p>
-          <a:p>
-            <a:pPr lvl="0">
-              <a:lnSpc>
-                <a:spcPct val="80000"/>
-              </a:lnSpc>
-            </a:pPr>
-            <a:r>
-              <a:rPr lang="en-GB" sz="2000" dirty="0">
-                <a:solidFill>
-                  <a:srgbClr val="404040"/>
-                </a:solidFill>
-                <a:latin typeface="Fira Sans" pitchFamily="34"/>
-              </a:rPr>
-              <a:t>Facets: subplots / small multiples</a:t>
-            </a:r>
-          </a:p>
-          <a:p>
-            <a:pPr marL="0" lvl="0" indent="0">
-              <a:lnSpc>
-                <a:spcPct val="80000"/>
-              </a:lnSpc>
-              <a:buNone/>
-            </a:pPr>
-            <a:endParaRPr lang="en-GB" sz="2000" dirty="0">
-              <a:solidFill>
-                <a:srgbClr val="404040"/>
-              </a:solidFill>
-              <a:latin typeface="Fira Sans" pitchFamily="34"/>
-            </a:endParaRPr>
-          </a:p>
-          <a:p>
-            <a:pPr marL="0" lvl="0" indent="0">
-              <a:lnSpc>
-                <a:spcPct val="80000"/>
-              </a:lnSpc>
-              <a:buNone/>
-            </a:pPr>
-            <a:r>
-              <a:rPr lang="en-GB" sz="2000" b="1" dirty="0">
-                <a:solidFill>
-                  <a:srgbClr val="404040"/>
-                </a:solidFill>
-                <a:latin typeface="Fira Sans" pitchFamily="34"/>
-              </a:rPr>
-              <a:t>Additionally, can apply:</a:t>
-            </a:r>
-          </a:p>
-          <a:p>
-            <a:pPr lvl="0">
-              <a:lnSpc>
-                <a:spcPct val="80000"/>
-              </a:lnSpc>
-            </a:pPr>
-            <a:r>
-              <a:rPr lang="en-GB" sz="2000" dirty="0">
-                <a:solidFill>
-                  <a:srgbClr val="404040"/>
-                </a:solidFill>
-                <a:latin typeface="Fira Sans" pitchFamily="34"/>
-              </a:rPr>
-              <a:t>Statistical transformations: transform data before mapping </a:t>
-            </a:r>
-          </a:p>
-          <a:p>
-            <a:pPr lvl="0">
-              <a:lnSpc>
-                <a:spcPct val="80000"/>
-              </a:lnSpc>
-            </a:pPr>
-            <a:r>
-              <a:rPr lang="en-GB" sz="2000" dirty="0">
-                <a:solidFill>
-                  <a:srgbClr val="404040"/>
-                </a:solidFill>
-                <a:latin typeface="Fira Sans" pitchFamily="34"/>
-              </a:rPr>
-              <a:t>Alternative coordinate system (cartesian, polar, …)</a:t>
-            </a:r>
-          </a:p>
-        </p:txBody>
-      </p:sp>
-      <p:sp>
-        <p:nvSpPr>
-          <p:cNvPr id="4" name="TextBox 4">
-            <a:extLst>
-              <a:ext uri="{FF2B5EF4-FFF2-40B4-BE49-F238E27FC236}">
-                <a16:creationId xmlns:a16="http://schemas.microsoft.com/office/drawing/2014/main" id="{ED855266-7E78-4297-A7C9-3FF0CB739E0B}"/>
-              </a:ext>
-            </a:extLst>
-          </p:cNvPr>
-          <p:cNvSpPr txBox="1"/>
-          <p:nvPr/>
-        </p:nvSpPr>
-        <p:spPr>
-          <a:xfrm>
-            <a:off x="838193" y="1405661"/>
-            <a:ext cx="6094137" cy="369335"/>
-          </a:xfrm>
-          <a:prstGeom prst="rect">
-            <a:avLst/>
-          </a:prstGeom>
-          <a:noFill/>
-          <a:ln cap="flat">
-            <a:noFill/>
-          </a:ln>
-        </p:spPr>
-        <p:txBody>
-          <a:bodyPr vert="horz" wrap="square" lIns="91440" tIns="45720" rIns="91440" bIns="45720" anchor="t" anchorCtr="0" compatLnSpc="1">
-            <a:spAutoFit/>
-          </a:bodyPr>
-          <a:lstStyle/>
-          <a:p>
-            <a:pPr marL="0" marR="0" lvl="0" indent="0" algn="l" defTabSz="914400" rtl="0" fontAlgn="auto" hangingPunct="1">
-              <a:lnSpc>
-                <a:spcPct val="100000"/>
-              </a:lnSpc>
-              <a:spcBef>
-                <a:spcPts val="0"/>
-              </a:spcBef>
-              <a:spcAft>
-                <a:spcPts val="0"/>
-              </a:spcAft>
-              <a:buNone/>
-              <a:tabLst/>
-              <a:defRPr sz="1800" b="0" i="0" u="none" strike="noStrike" kern="0" cap="none" spc="0" baseline="0">
-                <a:solidFill>
-                  <a:srgbClr val="000000"/>
-                </a:solidFill>
-                <a:uFillTx/>
-              </a:defRPr>
-            </a:pPr>
-            <a:r>
-              <a:rPr lang="en-GB" sz="1800" b="0" i="0" u="none" strike="noStrike" kern="1200" cap="none" spc="0" baseline="0" dirty="0">
-                <a:solidFill>
-                  <a:srgbClr val="404040"/>
-                </a:solidFill>
-                <a:uFillTx/>
-                <a:latin typeface="Fira Sans" pitchFamily="34"/>
-              </a:rPr>
-              <a:t>https://r4ds.had.co.nz/data-visualisation.html</a:t>
-            </a:r>
-          </a:p>
-        </p:txBody>
-      </p:sp>
-    </p:spTree>
-    <p:extLst>
-      <p:ext uri="{BB962C8B-B14F-4D97-AF65-F5344CB8AC3E}">
-        <p14:creationId xmlns:p14="http://schemas.microsoft.com/office/powerpoint/2010/main" val="59274865"/>
-      </p:ext>
-    </p:extLst>
-  </p:cSld>
-  <p:clrMapOvr>
-    <a:masterClrMapping/>
-  </p:clrMapOvr>
-</p:sld>
-</file>
-
-<file path=ppt/slides/slide22.xml><?xml version="1.0" encoding="utf-8"?>
-<p:sld xmlns:a="http://schemas.openxmlformats.org/drawingml/2006/main" xmlns:r="http://schemas.openxmlformats.org/officeDocument/2006/relationships" xmlns:p="http://schemas.openxmlformats.org/presentationml/2006/main">
-  <p:cSld>
-    <p:spTree>
-      <p:nvGrpSpPr>
-        <p:cNvPr id="1" name=""/>
-        <p:cNvGrpSpPr/>
-        <p:nvPr/>
-      </p:nvGrpSpPr>
-      <p:grpSpPr>
-        <a:xfrm>
-          <a:off x="0" y="0"/>
-          <a:ext cx="0" cy="0"/>
-          <a:chOff x="0" y="0"/>
-          <a:chExt cx="0" cy="0"/>
-        </a:xfrm>
-      </p:grpSpPr>
-      <p:sp>
-        <p:nvSpPr>
-          <p:cNvPr id="2" name="Title 1">
-            <a:extLst>
-              <a:ext uri="{FF2B5EF4-FFF2-40B4-BE49-F238E27FC236}">
-                <a16:creationId xmlns:a16="http://schemas.microsoft.com/office/drawing/2014/main" id="{F4F737D5-F7B5-4FDE-BE2A-23C8580FAE61}"/>
-              </a:ext>
-            </a:extLst>
-          </p:cNvPr>
-          <p:cNvSpPr txBox="1">
-            <a:spLocks noGrp="1"/>
-          </p:cNvSpPr>
-          <p:nvPr>
-            <p:ph type="title"/>
-          </p:nvPr>
-        </p:nvSpPr>
-        <p:spPr/>
-        <p:txBody>
-          <a:bodyPr/>
-          <a:lstStyle/>
-          <a:p>
-            <a:pPr lvl="0">
-              <a:lnSpc>
-                <a:spcPct val="100000"/>
-              </a:lnSpc>
-            </a:pPr>
-            <a:r>
-              <a:rPr lang="en-GB" sz="5400" b="1" kern="0" dirty="0">
-                <a:solidFill>
-                  <a:srgbClr val="006388"/>
-                </a:solidFill>
-                <a:latin typeface="Fira Sans" pitchFamily="34"/>
-                <a:ea typeface="Fira Code" pitchFamily="49"/>
-              </a:rPr>
-              <a:t>Example dataset: l100k</a:t>
-            </a:r>
-            <a:endParaRPr lang="en-GB" sz="1800" kern="0" dirty="0"/>
-          </a:p>
-        </p:txBody>
-      </p:sp>
-      <p:pic>
-        <p:nvPicPr>
-          <p:cNvPr id="7" name="Picture 6">
-            <a:extLst>
-              <a:ext uri="{FF2B5EF4-FFF2-40B4-BE49-F238E27FC236}">
-                <a16:creationId xmlns:a16="http://schemas.microsoft.com/office/drawing/2014/main" id="{E4AC1E95-2D67-F170-85C4-434251F7D455}"/>
-              </a:ext>
-            </a:extLst>
-          </p:cNvPr>
-          <p:cNvPicPr>
-            <a:picLocks noChangeAspect="1"/>
-          </p:cNvPicPr>
-          <p:nvPr/>
-        </p:nvPicPr>
-        <p:blipFill>
-          <a:blip r:embed="rId2">
-            <a:extLst>
-              <a:ext uri="{28A0092B-C50C-407E-A947-70E740481C1C}">
-                <a14:useLocalDpi xmlns:a14="http://schemas.microsoft.com/office/drawing/2010/main" val="0"/>
-              </a:ext>
-            </a:extLst>
-          </a:blip>
-          <a:srcRect/>
-          <a:stretch/>
-        </p:blipFill>
-        <p:spPr>
-          <a:xfrm>
-            <a:off x="973989" y="2057400"/>
-            <a:ext cx="7930982" cy="3657600"/>
-          </a:xfrm>
-          <a:prstGeom prst="rect">
-            <a:avLst/>
-          </a:prstGeom>
-        </p:spPr>
-      </p:pic>
-    </p:spTree>
-    <p:extLst>
-      <p:ext uri="{BB962C8B-B14F-4D97-AF65-F5344CB8AC3E}">
-        <p14:creationId xmlns:p14="http://schemas.microsoft.com/office/powerpoint/2010/main" val="1944380727"/>
-      </p:ext>
-    </p:extLst>
-  </p:cSld>
-  <p:clrMapOvr>
-    <a:masterClrMapping/>
-  </p:clrMapOvr>
-</p:sld>
-</file>
-
-<file path=ppt/slides/slide23.xml><?xml version="1.0" encoding="utf-8"?>
-<p:sld xmlns:a="http://schemas.openxmlformats.org/drawingml/2006/main" xmlns:r="http://schemas.openxmlformats.org/officeDocument/2006/relationships" xmlns:p="http://schemas.openxmlformats.org/presentationml/2006/main">
-  <p:cSld>
-    <p:spTree>
-      <p:nvGrpSpPr>
-        <p:cNvPr id="1" name=""/>
-        <p:cNvGrpSpPr/>
-        <p:nvPr/>
-      </p:nvGrpSpPr>
-      <p:grpSpPr>
-        <a:xfrm>
-          <a:off x="0" y="0"/>
-          <a:ext cx="0" cy="0"/>
-          <a:chOff x="0" y="0"/>
-          <a:chExt cx="0" cy="0"/>
-        </a:xfrm>
-      </p:grpSpPr>
-      <p:sp>
-        <p:nvSpPr>
-          <p:cNvPr id="2" name="Title 1">
-            <a:extLst>
-              <a:ext uri="{FF2B5EF4-FFF2-40B4-BE49-F238E27FC236}">
-                <a16:creationId xmlns:a16="http://schemas.microsoft.com/office/drawing/2014/main" id="{AD5C8D82-9C73-409E-BCB5-8FC0C58FFD6F}"/>
-              </a:ext>
-            </a:extLst>
-          </p:cNvPr>
-          <p:cNvSpPr txBox="1">
-            <a:spLocks noGrp="1"/>
-          </p:cNvSpPr>
-          <p:nvPr>
-            <p:ph type="title"/>
-          </p:nvPr>
-        </p:nvSpPr>
-        <p:spPr/>
-        <p:txBody>
-          <a:bodyPr/>
-          <a:lstStyle/>
-          <a:p>
-            <a:pPr lvl="0">
-              <a:lnSpc>
-                <a:spcPct val="100000"/>
-              </a:lnSpc>
-            </a:pPr>
-            <a:r>
-              <a:rPr lang="en-GB" sz="5400" b="1" kern="0" dirty="0">
-                <a:solidFill>
-                  <a:srgbClr val="006388"/>
-                </a:solidFill>
-                <a:latin typeface="Fira Sans" pitchFamily="34"/>
-                <a:ea typeface="Fira Code" pitchFamily="49"/>
-              </a:rPr>
-              <a:t>Data visualisation with ggplot2</a:t>
-            </a:r>
-            <a:endParaRPr lang="en-GB" sz="1800" kern="0" dirty="0"/>
-          </a:p>
-        </p:txBody>
-      </p:sp>
-      <p:sp>
-        <p:nvSpPr>
-          <p:cNvPr id="3" name="Content Placeholder 2">
-            <a:extLst>
-              <a:ext uri="{FF2B5EF4-FFF2-40B4-BE49-F238E27FC236}">
-                <a16:creationId xmlns:a16="http://schemas.microsoft.com/office/drawing/2014/main" id="{52AC049D-3A71-449E-8E64-0A8A70569E28}"/>
-              </a:ext>
-            </a:extLst>
-          </p:cNvPr>
-          <p:cNvSpPr txBox="1">
-            <a:spLocks noGrp="1"/>
-          </p:cNvSpPr>
-          <p:nvPr>
-            <p:ph idx="1"/>
-          </p:nvPr>
-        </p:nvSpPr>
-        <p:spPr>
-          <a:xfrm>
-            <a:off x="838203" y="1825627"/>
-            <a:ext cx="10515600" cy="4667243"/>
-          </a:xfrm>
-        </p:spPr>
-        <p:txBody>
-          <a:bodyPr>
-            <a:normAutofit/>
-          </a:bodyPr>
-          <a:lstStyle/>
-          <a:p>
-            <a:pPr marL="0" lvl="0" indent="0">
-              <a:buNone/>
-            </a:pPr>
-            <a:r>
-              <a:rPr lang="en-GB" b="1" dirty="0">
-                <a:solidFill>
-                  <a:srgbClr val="404040"/>
-                </a:solidFill>
-                <a:latin typeface="Fira Sans" pitchFamily="34"/>
-              </a:rPr>
-              <a:t>Display a scatter plot with on the x axis the engine displacement and on the y-axis the efficiency. Colour the points by the car class</a:t>
-            </a:r>
-          </a:p>
-          <a:p>
-            <a:pPr marL="0" lvl="0" indent="0">
-              <a:buNone/>
-            </a:pPr>
-            <a:endParaRPr lang="en-GB" dirty="0">
-              <a:solidFill>
-                <a:srgbClr val="404040"/>
-              </a:solidFill>
-              <a:latin typeface="Fira Sans" pitchFamily="34"/>
-            </a:endParaRPr>
-          </a:p>
-          <a:p>
-            <a:pPr marL="0" lvl="0" indent="0">
-              <a:buNone/>
-            </a:pPr>
-            <a:endParaRPr lang="en-GB" dirty="0">
-              <a:solidFill>
-                <a:srgbClr val="404040"/>
-              </a:solidFill>
-              <a:latin typeface="Fira Sans" pitchFamily="34"/>
-            </a:endParaRPr>
-          </a:p>
-        </p:txBody>
-      </p:sp>
-      <p:pic>
-        <p:nvPicPr>
-          <p:cNvPr id="5" name="Picture 4">
-            <a:extLst>
-              <a:ext uri="{FF2B5EF4-FFF2-40B4-BE49-F238E27FC236}">
-                <a16:creationId xmlns:a16="http://schemas.microsoft.com/office/drawing/2014/main" id="{B1972F0B-B02B-EC28-EB88-ED84D6CA774C}"/>
-              </a:ext>
-            </a:extLst>
-          </p:cNvPr>
-          <p:cNvPicPr>
-            <a:picLocks noChangeAspect="1"/>
-          </p:cNvPicPr>
-          <p:nvPr/>
-        </p:nvPicPr>
-        <p:blipFill>
-          <a:blip r:embed="rId2">
-            <a:extLst>
-              <a:ext uri="{28A0092B-C50C-407E-A947-70E740481C1C}">
-                <a14:useLocalDpi xmlns:a14="http://schemas.microsoft.com/office/drawing/2010/main" val="0"/>
-              </a:ext>
-            </a:extLst>
-          </a:blip>
-          <a:srcRect/>
-          <a:stretch/>
-        </p:blipFill>
-        <p:spPr>
-          <a:xfrm>
-            <a:off x="939797" y="3343401"/>
-            <a:ext cx="9046609" cy="3051704"/>
-          </a:xfrm>
-          <a:prstGeom prst="rect">
-            <a:avLst/>
-          </a:prstGeom>
-        </p:spPr>
-      </p:pic>
-    </p:spTree>
-    <p:extLst>
-      <p:ext uri="{BB962C8B-B14F-4D97-AF65-F5344CB8AC3E}">
-        <p14:creationId xmlns:p14="http://schemas.microsoft.com/office/powerpoint/2010/main" val="1184509449"/>
-      </p:ext>
-    </p:extLst>
-  </p:cSld>
-  <p:clrMapOvr>
-    <a:masterClrMapping/>
-  </p:clrMapOvr>
-</p:sld>
-</file>
-
-<file path=ppt/slides/slide24.xml><?xml version="1.0" encoding="utf-8"?>
-<p:sld xmlns:a="http://schemas.openxmlformats.org/drawingml/2006/main" xmlns:r="http://schemas.openxmlformats.org/officeDocument/2006/relationships" xmlns:p="http://schemas.openxmlformats.org/presentationml/2006/main">
-  <p:cSld>
-    <p:spTree>
-      <p:nvGrpSpPr>
-        <p:cNvPr id="1" name=""/>
-        <p:cNvGrpSpPr/>
-        <p:nvPr/>
-      </p:nvGrpSpPr>
-      <p:grpSpPr>
-        <a:xfrm>
-          <a:off x="0" y="0"/>
-          <a:ext cx="0" cy="0"/>
-          <a:chOff x="0" y="0"/>
-          <a:chExt cx="0" cy="0"/>
-        </a:xfrm>
-      </p:grpSpPr>
-      <p:sp>
-        <p:nvSpPr>
-          <p:cNvPr id="2" name="Title 1">
-            <a:extLst>
-              <a:ext uri="{FF2B5EF4-FFF2-40B4-BE49-F238E27FC236}">
-                <a16:creationId xmlns:a16="http://schemas.microsoft.com/office/drawing/2014/main" id="{F4F737D5-F7B5-4FDE-BE2A-23C8580FAE61}"/>
-              </a:ext>
-            </a:extLst>
-          </p:cNvPr>
-          <p:cNvSpPr txBox="1">
-            <a:spLocks noGrp="1"/>
-          </p:cNvSpPr>
-          <p:nvPr>
-            <p:ph type="title"/>
-          </p:nvPr>
-        </p:nvSpPr>
-        <p:spPr/>
-        <p:txBody>
-          <a:bodyPr/>
-          <a:lstStyle/>
-          <a:p>
-            <a:pPr lvl="0">
-              <a:lnSpc>
-                <a:spcPct val="100000"/>
-              </a:lnSpc>
-            </a:pPr>
-            <a:r>
-              <a:rPr lang="en-GB" sz="5400" b="1" kern="0" dirty="0">
-                <a:solidFill>
-                  <a:srgbClr val="006388"/>
-                </a:solidFill>
-                <a:latin typeface="Fira Sans" pitchFamily="34"/>
-                <a:ea typeface="Fira Code" pitchFamily="49"/>
-              </a:rPr>
-              <a:t>Data visualisation with ggplot2</a:t>
-            </a:r>
-            <a:endParaRPr lang="en-GB" sz="1800" kern="0" dirty="0"/>
-          </a:p>
-        </p:txBody>
-      </p:sp>
-      <p:pic>
-        <p:nvPicPr>
-          <p:cNvPr id="6" name="Picture 5" descr="Chart, scatter chart&#10;&#10;Description automatically generated">
-            <a:extLst>
-              <a:ext uri="{FF2B5EF4-FFF2-40B4-BE49-F238E27FC236}">
-                <a16:creationId xmlns:a16="http://schemas.microsoft.com/office/drawing/2014/main" id="{0169E491-DAAB-229E-9434-429D172A44E3}"/>
-              </a:ext>
-            </a:extLst>
-          </p:cNvPr>
-          <p:cNvPicPr>
-            <a:picLocks noChangeAspect="1"/>
-          </p:cNvPicPr>
-          <p:nvPr/>
-        </p:nvPicPr>
-        <p:blipFill>
-          <a:blip r:embed="rId2">
-            <a:extLst>
-              <a:ext uri="{28A0092B-C50C-407E-A947-70E740481C1C}">
-                <a14:useLocalDpi xmlns:a14="http://schemas.microsoft.com/office/drawing/2010/main" val="0"/>
-              </a:ext>
-            </a:extLst>
-          </a:blip>
-          <a:stretch>
-            <a:fillRect/>
-          </a:stretch>
-        </p:blipFill>
-        <p:spPr>
-          <a:xfrm>
-            <a:off x="2620615" y="2030893"/>
-            <a:ext cx="6950769" cy="4170462"/>
-          </a:xfrm>
-          <a:prstGeom prst="rect">
-            <a:avLst/>
-          </a:prstGeom>
-        </p:spPr>
-      </p:pic>
-    </p:spTree>
-    <p:extLst>
-      <p:ext uri="{BB962C8B-B14F-4D97-AF65-F5344CB8AC3E}">
-        <p14:creationId xmlns:p14="http://schemas.microsoft.com/office/powerpoint/2010/main" val="4153523446"/>
-      </p:ext>
-    </p:extLst>
-  </p:cSld>
-  <p:clrMapOvr>
-    <a:masterClrMapping/>
-  </p:clrMapOvr>
-</p:sld>
-</file>
-
-<file path=ppt/slides/slide25.xml><?xml version="1.0" encoding="utf-8"?>
-<p:sld xmlns:a="http://schemas.openxmlformats.org/drawingml/2006/main" xmlns:r="http://schemas.openxmlformats.org/officeDocument/2006/relationships" xmlns:p="http://schemas.openxmlformats.org/presentationml/2006/main">
-  <p:cSld>
-    <p:spTree>
-      <p:nvGrpSpPr>
-        <p:cNvPr id="1" name=""/>
-        <p:cNvGrpSpPr/>
-        <p:nvPr/>
-      </p:nvGrpSpPr>
-      <p:grpSpPr>
-        <a:xfrm>
-          <a:off x="0" y="0"/>
-          <a:ext cx="0" cy="0"/>
-          <a:chOff x="0" y="0"/>
-          <a:chExt cx="0" cy="0"/>
-        </a:xfrm>
-      </p:grpSpPr>
-      <p:sp>
-        <p:nvSpPr>
-          <p:cNvPr id="2" name="Title 1">
-            <a:extLst>
-              <a:ext uri="{FF2B5EF4-FFF2-40B4-BE49-F238E27FC236}">
-                <a16:creationId xmlns:a16="http://schemas.microsoft.com/office/drawing/2014/main" id="{AD5C8D82-9C73-409E-BCB5-8FC0C58FFD6F}"/>
-              </a:ext>
-            </a:extLst>
-          </p:cNvPr>
-          <p:cNvSpPr txBox="1">
-            <a:spLocks noGrp="1"/>
-          </p:cNvSpPr>
-          <p:nvPr>
-            <p:ph type="title"/>
-          </p:nvPr>
-        </p:nvSpPr>
-        <p:spPr/>
-        <p:txBody>
-          <a:bodyPr/>
-          <a:lstStyle/>
-          <a:p>
-            <a:pPr lvl="0">
-              <a:lnSpc>
-                <a:spcPct val="100000"/>
-              </a:lnSpc>
-            </a:pPr>
-            <a:r>
-              <a:rPr lang="en-GB" sz="5400" b="1" kern="0" dirty="0">
-                <a:solidFill>
-                  <a:srgbClr val="006388"/>
-                </a:solidFill>
-                <a:latin typeface="Fira Sans" pitchFamily="34"/>
-                <a:ea typeface="Fira Code" pitchFamily="49"/>
-              </a:rPr>
-              <a:t>More data wrangling with </a:t>
-            </a:r>
-            <a:r>
-              <a:rPr lang="en-GB" sz="5400" b="1" kern="0" dirty="0" err="1">
-                <a:solidFill>
-                  <a:srgbClr val="006388"/>
-                </a:solidFill>
-                <a:latin typeface="Fira Sans" pitchFamily="34"/>
-                <a:ea typeface="Fira Code" pitchFamily="49"/>
-              </a:rPr>
-              <a:t>dplyr</a:t>
-            </a:r>
-            <a:endParaRPr lang="en-GB" sz="1800" kern="0" dirty="0"/>
-          </a:p>
-        </p:txBody>
-      </p:sp>
-      <p:sp>
-        <p:nvSpPr>
-          <p:cNvPr id="3" name="Content Placeholder 2">
-            <a:extLst>
-              <a:ext uri="{FF2B5EF4-FFF2-40B4-BE49-F238E27FC236}">
-                <a16:creationId xmlns:a16="http://schemas.microsoft.com/office/drawing/2014/main" id="{52AC049D-3A71-449E-8E64-0A8A70569E28}"/>
-              </a:ext>
-            </a:extLst>
-          </p:cNvPr>
-          <p:cNvSpPr txBox="1">
-            <a:spLocks noGrp="1"/>
-          </p:cNvSpPr>
-          <p:nvPr>
-            <p:ph idx="1"/>
-          </p:nvPr>
-        </p:nvSpPr>
-        <p:spPr>
-          <a:xfrm>
-            <a:off x="838203" y="1825627"/>
-            <a:ext cx="10515600" cy="4667243"/>
-          </a:xfrm>
-        </p:spPr>
-        <p:txBody>
-          <a:bodyPr>
-            <a:normAutofit/>
-          </a:bodyPr>
-          <a:lstStyle/>
-          <a:p>
-            <a:pPr marL="0" lvl="0" indent="0">
-              <a:lnSpc>
-                <a:spcPct val="120000"/>
-              </a:lnSpc>
-              <a:buNone/>
-            </a:pPr>
-            <a:r>
-              <a:rPr lang="en-GB" b="1" dirty="0">
-                <a:solidFill>
-                  <a:srgbClr val="404040"/>
-                </a:solidFill>
-                <a:latin typeface="Fira Sans" pitchFamily="34"/>
-              </a:rPr>
-              <a:t>group by</a:t>
-            </a:r>
-          </a:p>
-          <a:p>
-            <a:pPr marL="0" lvl="0" indent="0">
-              <a:lnSpc>
-                <a:spcPct val="120000"/>
-              </a:lnSpc>
-              <a:buNone/>
-            </a:pPr>
-            <a:r>
-              <a:rPr lang="en-GB" dirty="0">
-                <a:solidFill>
-                  <a:srgbClr val="404040"/>
-                </a:solidFill>
-                <a:latin typeface="Fira Sans" pitchFamily="34"/>
-              </a:rPr>
-              <a:t>Registers groups by which to perform further operations </a:t>
-            </a:r>
-            <a:br>
-              <a:rPr lang="en-GB" dirty="0">
-                <a:solidFill>
-                  <a:srgbClr val="404040"/>
-                </a:solidFill>
-                <a:latin typeface="Fira Sans" pitchFamily="34"/>
-              </a:rPr>
-            </a:br>
-            <a:r>
-              <a:rPr lang="en-GB" dirty="0">
-                <a:solidFill>
-                  <a:srgbClr val="404040"/>
-                </a:solidFill>
-                <a:latin typeface="Fira Sans" pitchFamily="34"/>
-              </a:rPr>
-              <a:t>(usually mutate, summarise)</a:t>
-            </a:r>
-          </a:p>
-          <a:p>
-            <a:pPr marL="0" lvl="0" indent="0">
-              <a:lnSpc>
-                <a:spcPct val="120000"/>
-              </a:lnSpc>
-              <a:buNone/>
-            </a:pPr>
-            <a:endParaRPr lang="en-GB" b="1" dirty="0">
-              <a:solidFill>
-                <a:srgbClr val="404040"/>
-              </a:solidFill>
-              <a:latin typeface="Fira Sans" pitchFamily="34"/>
-            </a:endParaRPr>
-          </a:p>
-          <a:p>
-            <a:pPr marL="0" lvl="0" indent="0">
-              <a:lnSpc>
-                <a:spcPct val="120000"/>
-              </a:lnSpc>
-              <a:buNone/>
-            </a:pPr>
-            <a:r>
-              <a:rPr lang="en-GB" b="1" dirty="0">
-                <a:solidFill>
-                  <a:srgbClr val="404040"/>
-                </a:solidFill>
-                <a:latin typeface="Fira Sans" pitchFamily="34"/>
-              </a:rPr>
-              <a:t>summarise</a:t>
-            </a:r>
-          </a:p>
-          <a:p>
-            <a:pPr marL="0" lvl="0" indent="0">
-              <a:lnSpc>
-                <a:spcPct val="120000"/>
-              </a:lnSpc>
-              <a:buNone/>
-            </a:pPr>
-            <a:r>
-              <a:rPr lang="en-GB" dirty="0">
-                <a:solidFill>
-                  <a:srgbClr val="404040"/>
-                </a:solidFill>
-                <a:latin typeface="Fira Sans" pitchFamily="34"/>
-              </a:rPr>
-              <a:t>Create summaries based on a function applied to each group</a:t>
-            </a:r>
-          </a:p>
-          <a:p>
-            <a:pPr marL="0" lvl="0" indent="0">
-              <a:lnSpc>
-                <a:spcPct val="120000"/>
-              </a:lnSpc>
-              <a:buNone/>
-            </a:pPr>
-            <a:endParaRPr lang="en-GB" dirty="0">
-              <a:solidFill>
-                <a:srgbClr val="404040"/>
-              </a:solidFill>
-              <a:latin typeface="Fira Sans" pitchFamily="34"/>
-            </a:endParaRPr>
-          </a:p>
-        </p:txBody>
-      </p:sp>
-    </p:spTree>
-    <p:extLst>
-      <p:ext uri="{BB962C8B-B14F-4D97-AF65-F5344CB8AC3E}">
-        <p14:creationId xmlns:p14="http://schemas.microsoft.com/office/powerpoint/2010/main" val="3887279652"/>
-      </p:ext>
-    </p:extLst>
-  </p:cSld>
-  <p:clrMapOvr>
-    <a:masterClrMapping/>
-  </p:clrMapOvr>
-</p:sld>
-</file>
-
-<file path=ppt/slides/slide26.xml><?xml version="1.0" encoding="utf-8"?>
-<p:sld xmlns:a="http://schemas.openxmlformats.org/drawingml/2006/main" xmlns:r="http://schemas.openxmlformats.org/officeDocument/2006/relationships" xmlns:p="http://schemas.openxmlformats.org/presentationml/2006/main">
-  <p:cSld>
-    <p:spTree>
-      <p:nvGrpSpPr>
-        <p:cNvPr id="1" name=""/>
-        <p:cNvGrpSpPr/>
-        <p:nvPr/>
-      </p:nvGrpSpPr>
-      <p:grpSpPr>
-        <a:xfrm>
-          <a:off x="0" y="0"/>
-          <a:ext cx="0" cy="0"/>
-          <a:chOff x="0" y="0"/>
-          <a:chExt cx="0" cy="0"/>
-        </a:xfrm>
-      </p:grpSpPr>
-      <p:sp>
-        <p:nvSpPr>
-          <p:cNvPr id="2" name="Title 1">
-            <a:extLst>
-              <a:ext uri="{FF2B5EF4-FFF2-40B4-BE49-F238E27FC236}">
-                <a16:creationId xmlns:a16="http://schemas.microsoft.com/office/drawing/2014/main" id="{F4F737D5-F7B5-4FDE-BE2A-23C8580FAE61}"/>
-              </a:ext>
-            </a:extLst>
-          </p:cNvPr>
-          <p:cNvSpPr txBox="1">
-            <a:spLocks noGrp="1"/>
-          </p:cNvSpPr>
-          <p:nvPr>
-            <p:ph type="title"/>
-          </p:nvPr>
-        </p:nvSpPr>
-        <p:spPr/>
-        <p:txBody>
-          <a:bodyPr/>
-          <a:lstStyle/>
-          <a:p>
-            <a:pPr lvl="0">
-              <a:lnSpc>
-                <a:spcPct val="100000"/>
-              </a:lnSpc>
-            </a:pPr>
-            <a:r>
-              <a:rPr lang="en-GB" sz="5400" b="1" kern="0" dirty="0">
-                <a:solidFill>
-                  <a:srgbClr val="006388"/>
-                </a:solidFill>
-                <a:latin typeface="Fira Sans" pitchFamily="34"/>
-                <a:ea typeface="Fira Code" pitchFamily="49"/>
-              </a:rPr>
-              <a:t>Example dataset: l100k</a:t>
-            </a:r>
-            <a:endParaRPr lang="en-GB" sz="1800" kern="0" dirty="0"/>
-          </a:p>
-        </p:txBody>
-      </p:sp>
-      <p:pic>
-        <p:nvPicPr>
-          <p:cNvPr id="7" name="Picture 6">
-            <a:extLst>
-              <a:ext uri="{FF2B5EF4-FFF2-40B4-BE49-F238E27FC236}">
-                <a16:creationId xmlns:a16="http://schemas.microsoft.com/office/drawing/2014/main" id="{E4AC1E95-2D67-F170-85C4-434251F7D455}"/>
-              </a:ext>
-            </a:extLst>
-          </p:cNvPr>
-          <p:cNvPicPr>
-            <a:picLocks noChangeAspect="1"/>
-          </p:cNvPicPr>
-          <p:nvPr/>
-        </p:nvPicPr>
-        <p:blipFill>
-          <a:blip r:embed="rId2">
-            <a:extLst>
-              <a:ext uri="{28A0092B-C50C-407E-A947-70E740481C1C}">
-                <a14:useLocalDpi xmlns:a14="http://schemas.microsoft.com/office/drawing/2010/main" val="0"/>
-              </a:ext>
-            </a:extLst>
-          </a:blip>
-          <a:srcRect/>
-          <a:stretch/>
-        </p:blipFill>
-        <p:spPr>
-          <a:xfrm>
-            <a:off x="973989" y="2057400"/>
-            <a:ext cx="7930982" cy="3657600"/>
-          </a:xfrm>
-          <a:prstGeom prst="rect">
-            <a:avLst/>
-          </a:prstGeom>
-        </p:spPr>
-      </p:pic>
-    </p:spTree>
-    <p:extLst>
-      <p:ext uri="{BB962C8B-B14F-4D97-AF65-F5344CB8AC3E}">
-        <p14:creationId xmlns:p14="http://schemas.microsoft.com/office/powerpoint/2010/main" val="2383768863"/>
-      </p:ext>
-    </p:extLst>
-  </p:cSld>
-  <p:clrMapOvr>
-    <a:masterClrMapping/>
-  </p:clrMapOvr>
-</p:sld>
-</file>
-
-<file path=ppt/slides/slide27.xml><?xml version="1.0" encoding="utf-8"?>
-<p:sld xmlns:a="http://schemas.openxmlformats.org/drawingml/2006/main" xmlns:r="http://schemas.openxmlformats.org/officeDocument/2006/relationships" xmlns:p="http://schemas.openxmlformats.org/presentationml/2006/main">
-  <p:cSld>
-    <p:spTree>
-      <p:nvGrpSpPr>
-        <p:cNvPr id="1" name=""/>
-        <p:cNvGrpSpPr/>
-        <p:nvPr/>
-      </p:nvGrpSpPr>
-      <p:grpSpPr>
-        <a:xfrm>
-          <a:off x="0" y="0"/>
-          <a:ext cx="0" cy="0"/>
-          <a:chOff x="0" y="0"/>
-          <a:chExt cx="0" cy="0"/>
-        </a:xfrm>
-      </p:grpSpPr>
-      <p:sp>
-        <p:nvSpPr>
-          <p:cNvPr id="2" name="Title 1">
-            <a:extLst>
-              <a:ext uri="{FF2B5EF4-FFF2-40B4-BE49-F238E27FC236}">
-                <a16:creationId xmlns:a16="http://schemas.microsoft.com/office/drawing/2014/main" id="{AD5C8D82-9C73-409E-BCB5-8FC0C58FFD6F}"/>
-              </a:ext>
-            </a:extLst>
-          </p:cNvPr>
-          <p:cNvSpPr txBox="1">
-            <a:spLocks noGrp="1"/>
-          </p:cNvSpPr>
-          <p:nvPr>
-            <p:ph type="title"/>
-          </p:nvPr>
-        </p:nvSpPr>
-        <p:spPr/>
-        <p:txBody>
-          <a:bodyPr/>
-          <a:lstStyle/>
-          <a:p>
-            <a:pPr lvl="0">
-              <a:lnSpc>
-                <a:spcPct val="100000"/>
-              </a:lnSpc>
-            </a:pPr>
-            <a:r>
-              <a:rPr lang="en-GB" sz="5400" b="1" kern="0" dirty="0">
-                <a:solidFill>
-                  <a:srgbClr val="006388"/>
-                </a:solidFill>
-                <a:latin typeface="Fira Sans" pitchFamily="34"/>
-                <a:ea typeface="Fira Code" pitchFamily="49"/>
-              </a:rPr>
-              <a:t>More data wrangling with </a:t>
-            </a:r>
-            <a:r>
-              <a:rPr lang="en-GB" sz="5400" b="1" kern="0" dirty="0" err="1">
-                <a:solidFill>
-                  <a:srgbClr val="006388"/>
-                </a:solidFill>
-                <a:latin typeface="Fira Sans" pitchFamily="34"/>
-                <a:ea typeface="Fira Code" pitchFamily="49"/>
-              </a:rPr>
-              <a:t>dplyr</a:t>
-            </a:r>
-            <a:endParaRPr lang="en-GB" sz="1800" kern="0" dirty="0"/>
-          </a:p>
-        </p:txBody>
-      </p:sp>
-      <p:sp>
-        <p:nvSpPr>
-          <p:cNvPr id="3" name="Content Placeholder 2">
-            <a:extLst>
-              <a:ext uri="{FF2B5EF4-FFF2-40B4-BE49-F238E27FC236}">
-                <a16:creationId xmlns:a16="http://schemas.microsoft.com/office/drawing/2014/main" id="{52AC049D-3A71-449E-8E64-0A8A70569E28}"/>
-              </a:ext>
-            </a:extLst>
-          </p:cNvPr>
-          <p:cNvSpPr txBox="1">
-            <a:spLocks noGrp="1"/>
-          </p:cNvSpPr>
-          <p:nvPr>
-            <p:ph idx="1"/>
-          </p:nvPr>
-        </p:nvSpPr>
-        <p:spPr>
-          <a:xfrm>
-            <a:off x="838203" y="1825627"/>
-            <a:ext cx="10515600" cy="4667243"/>
-          </a:xfrm>
-        </p:spPr>
-        <p:txBody>
-          <a:bodyPr>
-            <a:normAutofit/>
-          </a:bodyPr>
-          <a:lstStyle/>
-          <a:p>
-            <a:pPr marL="0" lvl="0" indent="0">
-              <a:buNone/>
-            </a:pPr>
-            <a:r>
-              <a:rPr lang="en-GB" b="1" dirty="0">
-                <a:solidFill>
-                  <a:srgbClr val="404040"/>
-                </a:solidFill>
-                <a:latin typeface="Fira Sans" pitchFamily="34"/>
-              </a:rPr>
-              <a:t>Which type of car should I buy to be the least efficient?</a:t>
-            </a:r>
-          </a:p>
-          <a:p>
-            <a:pPr marL="0" lvl="0" indent="0">
-              <a:buNone/>
-            </a:pPr>
-            <a:endParaRPr lang="en-GB" dirty="0">
-              <a:solidFill>
-                <a:srgbClr val="404040"/>
-              </a:solidFill>
-              <a:latin typeface="Fira Sans" pitchFamily="34"/>
-            </a:endParaRPr>
-          </a:p>
-          <a:p>
-            <a:pPr marL="0" lvl="0" indent="0">
-              <a:buNone/>
-            </a:pPr>
-            <a:endParaRPr lang="en-GB" dirty="0">
-              <a:solidFill>
-                <a:srgbClr val="404040"/>
-              </a:solidFill>
-              <a:latin typeface="Fira Sans" pitchFamily="34"/>
-            </a:endParaRPr>
-          </a:p>
-        </p:txBody>
-      </p:sp>
-      <p:pic>
-        <p:nvPicPr>
-          <p:cNvPr id="5" name="Picture 4">
-            <a:extLst>
-              <a:ext uri="{FF2B5EF4-FFF2-40B4-BE49-F238E27FC236}">
-                <a16:creationId xmlns:a16="http://schemas.microsoft.com/office/drawing/2014/main" id="{B1972F0B-B02B-EC28-EB88-ED84D6CA774C}"/>
-              </a:ext>
-            </a:extLst>
-          </p:cNvPr>
-          <p:cNvPicPr>
-            <a:picLocks noChangeAspect="1"/>
-          </p:cNvPicPr>
-          <p:nvPr/>
-        </p:nvPicPr>
-        <p:blipFill>
-          <a:blip r:embed="rId2">
-            <a:extLst>
-              <a:ext uri="{28A0092B-C50C-407E-A947-70E740481C1C}">
-                <a14:useLocalDpi xmlns:a14="http://schemas.microsoft.com/office/drawing/2010/main" val="0"/>
-              </a:ext>
-            </a:extLst>
-          </a:blip>
-          <a:srcRect/>
-          <a:stretch/>
-        </p:blipFill>
-        <p:spPr>
-          <a:xfrm>
-            <a:off x="939797" y="2490216"/>
-            <a:ext cx="5607053" cy="1044155"/>
-          </a:xfrm>
-          <a:prstGeom prst="rect">
-            <a:avLst/>
-          </a:prstGeom>
-        </p:spPr>
-      </p:pic>
-      <p:pic>
-        <p:nvPicPr>
-          <p:cNvPr id="6" name="Picture 5">
-            <a:extLst>
-              <a:ext uri="{FF2B5EF4-FFF2-40B4-BE49-F238E27FC236}">
-                <a16:creationId xmlns:a16="http://schemas.microsoft.com/office/drawing/2014/main" id="{E14D5CE9-B8BD-67D8-6D08-2CEC4A167ED8}"/>
-              </a:ext>
-            </a:extLst>
-          </p:cNvPr>
-          <p:cNvPicPr>
-            <a:picLocks noChangeAspect="1"/>
-          </p:cNvPicPr>
-          <p:nvPr/>
-        </p:nvPicPr>
-        <p:blipFill>
-          <a:blip r:embed="rId3"/>
-          <a:stretch>
-            <a:fillRect/>
-          </a:stretch>
-        </p:blipFill>
-        <p:spPr>
-          <a:xfrm>
-            <a:off x="939797" y="3813961"/>
-            <a:ext cx="2652710" cy="2678909"/>
-          </a:xfrm>
-          <a:prstGeom prst="rect">
-            <a:avLst/>
-          </a:prstGeom>
-        </p:spPr>
-      </p:pic>
-    </p:spTree>
-    <p:extLst>
-      <p:ext uri="{BB962C8B-B14F-4D97-AF65-F5344CB8AC3E}">
-        <p14:creationId xmlns:p14="http://schemas.microsoft.com/office/powerpoint/2010/main" val="3700055845"/>
-      </p:ext>
-    </p:extLst>
-  </p:cSld>
-  <p:clrMapOvr>
-    <a:masterClrMapping/>
-  </p:clrMapOvr>
-</p:sld>
-</file>
-
-<file path=ppt/slides/slide28.xml><?xml version="1.0" encoding="utf-8"?>
-<p:sld xmlns:a="http://schemas.openxmlformats.org/drawingml/2006/main" xmlns:r="http://schemas.openxmlformats.org/officeDocument/2006/relationships" xmlns:p="http://schemas.openxmlformats.org/presentationml/2006/main">
-  <p:cSld>
-    <p:spTree>
-      <p:nvGrpSpPr>
-        <p:cNvPr id="1" name=""/>
-        <p:cNvGrpSpPr/>
-        <p:nvPr/>
-      </p:nvGrpSpPr>
-      <p:grpSpPr>
-        <a:xfrm>
-          <a:off x="0" y="0"/>
-          <a:ext cx="0" cy="0"/>
-          <a:chOff x="0" y="0"/>
-          <a:chExt cx="0" cy="0"/>
-        </a:xfrm>
-      </p:grpSpPr>
-      <p:sp>
-        <p:nvSpPr>
-          <p:cNvPr id="2" name="Title 1">
-            <a:extLst>
-              <a:ext uri="{FF2B5EF4-FFF2-40B4-BE49-F238E27FC236}">
-                <a16:creationId xmlns:a16="http://schemas.microsoft.com/office/drawing/2014/main" id="{AD5C8D82-9C73-409E-BCB5-8FC0C58FFD6F}"/>
-              </a:ext>
-            </a:extLst>
-          </p:cNvPr>
-          <p:cNvSpPr txBox="1">
-            <a:spLocks noGrp="1"/>
-          </p:cNvSpPr>
-          <p:nvPr>
-            <p:ph type="title"/>
-          </p:nvPr>
-        </p:nvSpPr>
-        <p:spPr/>
-        <p:txBody>
-          <a:bodyPr/>
-          <a:lstStyle/>
-          <a:p>
-            <a:pPr lvl="0">
-              <a:lnSpc>
-                <a:spcPct val="100000"/>
-              </a:lnSpc>
-            </a:pPr>
-            <a:r>
-              <a:rPr lang="en-GB" sz="5400" b="1" kern="0" dirty="0">
-                <a:solidFill>
-                  <a:srgbClr val="006388"/>
-                </a:solidFill>
-                <a:latin typeface="Fira Sans" pitchFamily="34"/>
-                <a:ea typeface="Fira Code" pitchFamily="49"/>
-              </a:rPr>
-              <a:t>More data wrangling with </a:t>
-            </a:r>
-            <a:r>
-              <a:rPr lang="en-GB" sz="5400" b="1" kern="0" dirty="0" err="1">
-                <a:solidFill>
-                  <a:srgbClr val="006388"/>
-                </a:solidFill>
-                <a:latin typeface="Fira Sans" pitchFamily="34"/>
-                <a:ea typeface="Fira Code" pitchFamily="49"/>
-              </a:rPr>
-              <a:t>dplyr</a:t>
-            </a:r>
-            <a:endParaRPr lang="en-GB" sz="1800" kern="0" dirty="0"/>
-          </a:p>
-        </p:txBody>
-      </p:sp>
-      <p:sp>
-        <p:nvSpPr>
-          <p:cNvPr id="3" name="Content Placeholder 2">
-            <a:extLst>
-              <a:ext uri="{FF2B5EF4-FFF2-40B4-BE49-F238E27FC236}">
-                <a16:creationId xmlns:a16="http://schemas.microsoft.com/office/drawing/2014/main" id="{52AC049D-3A71-449E-8E64-0A8A70569E28}"/>
-              </a:ext>
-            </a:extLst>
-          </p:cNvPr>
-          <p:cNvSpPr txBox="1">
-            <a:spLocks noGrp="1"/>
-          </p:cNvSpPr>
-          <p:nvPr>
-            <p:ph idx="1"/>
-          </p:nvPr>
-        </p:nvSpPr>
-        <p:spPr>
-          <a:xfrm>
-            <a:off x="838203" y="1825627"/>
-            <a:ext cx="10515600" cy="4667243"/>
-          </a:xfrm>
-        </p:spPr>
-        <p:txBody>
-          <a:bodyPr>
-            <a:normAutofit/>
-          </a:bodyPr>
-          <a:lstStyle/>
-          <a:p>
-            <a:pPr marL="0" lvl="0" indent="0">
-              <a:buNone/>
-            </a:pPr>
-            <a:r>
-              <a:rPr lang="en-GB" b="1" dirty="0">
-                <a:solidFill>
-                  <a:srgbClr val="404040"/>
-                </a:solidFill>
-                <a:latin typeface="Fira Sans" pitchFamily="34"/>
-              </a:rPr>
-              <a:t>What is the most efficient car within each class?</a:t>
-            </a:r>
-          </a:p>
-          <a:p>
-            <a:pPr marL="0" lvl="0" indent="0">
-              <a:buNone/>
-            </a:pPr>
-            <a:endParaRPr lang="en-GB" dirty="0">
-              <a:solidFill>
-                <a:srgbClr val="404040"/>
-              </a:solidFill>
-              <a:latin typeface="Fira Sans" pitchFamily="34"/>
-            </a:endParaRPr>
-          </a:p>
-          <a:p>
-            <a:pPr marL="0" lvl="0" indent="0">
-              <a:buNone/>
-            </a:pPr>
-            <a:endParaRPr lang="en-GB" dirty="0">
-              <a:solidFill>
-                <a:srgbClr val="404040"/>
-              </a:solidFill>
-              <a:latin typeface="Fira Sans" pitchFamily="34"/>
-            </a:endParaRPr>
-          </a:p>
-        </p:txBody>
-      </p:sp>
-      <p:pic>
-        <p:nvPicPr>
-          <p:cNvPr id="5" name="Picture 4">
-            <a:extLst>
-              <a:ext uri="{FF2B5EF4-FFF2-40B4-BE49-F238E27FC236}">
-                <a16:creationId xmlns:a16="http://schemas.microsoft.com/office/drawing/2014/main" id="{B1972F0B-B02B-EC28-EB88-ED84D6CA774C}"/>
-              </a:ext>
-            </a:extLst>
-          </p:cNvPr>
-          <p:cNvPicPr>
-            <a:picLocks noChangeAspect="1"/>
-          </p:cNvPicPr>
-          <p:nvPr/>
-        </p:nvPicPr>
-        <p:blipFill>
-          <a:blip r:embed="rId2">
-            <a:extLst>
-              <a:ext uri="{28A0092B-C50C-407E-A947-70E740481C1C}">
-                <a14:useLocalDpi xmlns:a14="http://schemas.microsoft.com/office/drawing/2010/main" val="0"/>
-              </a:ext>
-            </a:extLst>
-          </a:blip>
-          <a:srcRect/>
-          <a:stretch/>
-        </p:blipFill>
-        <p:spPr>
-          <a:xfrm>
-            <a:off x="939797" y="2384845"/>
-            <a:ext cx="5096250" cy="1628355"/>
-          </a:xfrm>
-          <a:prstGeom prst="rect">
-            <a:avLst/>
-          </a:prstGeom>
-        </p:spPr>
-      </p:pic>
-      <p:pic>
-        <p:nvPicPr>
-          <p:cNvPr id="7" name="Picture 6">
-            <a:extLst>
-              <a:ext uri="{FF2B5EF4-FFF2-40B4-BE49-F238E27FC236}">
-                <a16:creationId xmlns:a16="http://schemas.microsoft.com/office/drawing/2014/main" id="{6605AABA-CF2F-9EF4-FF86-403DD841C4D2}"/>
-              </a:ext>
-            </a:extLst>
-          </p:cNvPr>
-          <p:cNvPicPr>
-            <a:picLocks noChangeAspect="1"/>
-          </p:cNvPicPr>
-          <p:nvPr/>
-        </p:nvPicPr>
-        <p:blipFill>
-          <a:blip r:embed="rId3"/>
-          <a:stretch>
-            <a:fillRect/>
-          </a:stretch>
-        </p:blipFill>
-        <p:spPr>
-          <a:xfrm>
-            <a:off x="939797" y="4148139"/>
-            <a:ext cx="5096250" cy="2234048"/>
-          </a:xfrm>
-          <a:prstGeom prst="rect">
-            <a:avLst/>
-          </a:prstGeom>
-        </p:spPr>
-      </p:pic>
-    </p:spTree>
-    <p:extLst>
-      <p:ext uri="{BB962C8B-B14F-4D97-AF65-F5344CB8AC3E}">
-        <p14:creationId xmlns:p14="http://schemas.microsoft.com/office/powerpoint/2010/main" val="4073686812"/>
-      </p:ext>
-    </p:extLst>
-  </p:cSld>
-  <p:clrMapOvr>
-    <a:masterClrMapping/>
-  </p:clrMapOvr>
-</p:sld>
-</file>
-
-<file path=ppt/slides/slide29.xml><?xml version="1.0" encoding="utf-8"?>
-<p:sld xmlns:a="http://schemas.openxmlformats.org/drawingml/2006/main" xmlns:r="http://schemas.openxmlformats.org/officeDocument/2006/relationships" xmlns:p="http://schemas.openxmlformats.org/presentationml/2006/main">
-  <p:cSld>
-    <p:spTree>
-      <p:nvGrpSpPr>
-        <p:cNvPr id="1" name=""/>
-        <p:cNvGrpSpPr/>
-        <p:nvPr/>
-      </p:nvGrpSpPr>
-      <p:grpSpPr>
-        <a:xfrm>
-          <a:off x="0" y="0"/>
-          <a:ext cx="0" cy="0"/>
-          <a:chOff x="0" y="0"/>
-          <a:chExt cx="0" cy="0"/>
-        </a:xfrm>
-      </p:grpSpPr>
-      <p:sp>
-        <p:nvSpPr>
-          <p:cNvPr id="2" name="Title 1">
-            <a:extLst>
-              <a:ext uri="{FF2B5EF4-FFF2-40B4-BE49-F238E27FC236}">
-                <a16:creationId xmlns:a16="http://schemas.microsoft.com/office/drawing/2014/main" id="{AD5C8D82-9C73-409E-BCB5-8FC0C58FFD6F}"/>
-              </a:ext>
-            </a:extLst>
-          </p:cNvPr>
-          <p:cNvSpPr txBox="1">
-            <a:spLocks noGrp="1"/>
-          </p:cNvSpPr>
-          <p:nvPr>
-            <p:ph type="title"/>
-          </p:nvPr>
-        </p:nvSpPr>
-        <p:spPr/>
-        <p:txBody>
-          <a:bodyPr/>
-          <a:lstStyle/>
-          <a:p>
-            <a:pPr lvl="0">
-              <a:lnSpc>
-                <a:spcPct val="100000"/>
-              </a:lnSpc>
-            </a:pPr>
-            <a:r>
-              <a:rPr lang="en-GB" sz="5400" b="1" kern="0" dirty="0">
-                <a:solidFill>
-                  <a:srgbClr val="006388"/>
-                </a:solidFill>
-                <a:latin typeface="Fira Sans" pitchFamily="34"/>
-                <a:ea typeface="Fira Code" pitchFamily="49"/>
-              </a:rPr>
-              <a:t>Pivoting with </a:t>
-            </a:r>
-            <a:r>
-              <a:rPr lang="en-GB" sz="5400" b="1" kern="0" dirty="0" err="1">
-                <a:solidFill>
-                  <a:srgbClr val="006388"/>
-                </a:solidFill>
-                <a:latin typeface="Fira Sans" pitchFamily="34"/>
-                <a:ea typeface="Fira Code" pitchFamily="49"/>
-              </a:rPr>
-              <a:t>tidyr</a:t>
-            </a:r>
-            <a:endParaRPr lang="en-GB" sz="1800" kern="0" dirty="0"/>
-          </a:p>
-        </p:txBody>
-      </p:sp>
-      <p:sp>
-        <p:nvSpPr>
-          <p:cNvPr id="3" name="Content Placeholder 2">
-            <a:extLst>
-              <a:ext uri="{FF2B5EF4-FFF2-40B4-BE49-F238E27FC236}">
-                <a16:creationId xmlns:a16="http://schemas.microsoft.com/office/drawing/2014/main" id="{52AC049D-3A71-449E-8E64-0A8A70569E28}"/>
-              </a:ext>
-            </a:extLst>
-          </p:cNvPr>
-          <p:cNvSpPr txBox="1">
-            <a:spLocks noGrp="1"/>
-          </p:cNvSpPr>
-          <p:nvPr>
-            <p:ph idx="1"/>
-          </p:nvPr>
-        </p:nvSpPr>
-        <p:spPr>
-          <a:xfrm>
-            <a:off x="838203" y="1825627"/>
-            <a:ext cx="10515600" cy="4667243"/>
-          </a:xfrm>
-        </p:spPr>
-        <p:txBody>
-          <a:bodyPr>
-            <a:normAutofit lnSpcReduction="10000"/>
-          </a:bodyPr>
-          <a:lstStyle/>
-          <a:p>
-            <a:pPr marL="0" lvl="0" indent="0">
-              <a:lnSpc>
-                <a:spcPct val="120000"/>
-              </a:lnSpc>
-              <a:buNone/>
-            </a:pPr>
-            <a:r>
-              <a:rPr lang="en-GB" b="1" dirty="0" err="1">
-                <a:solidFill>
-                  <a:srgbClr val="404040"/>
-                </a:solidFill>
-                <a:latin typeface="Fira Sans" pitchFamily="34"/>
-              </a:rPr>
-              <a:t>pivot_longer</a:t>
-            </a:r>
-            <a:endParaRPr lang="en-GB" b="1" dirty="0">
-              <a:solidFill>
-                <a:srgbClr val="404040"/>
-              </a:solidFill>
-              <a:latin typeface="Fira Sans" pitchFamily="34"/>
-            </a:endParaRPr>
-          </a:p>
-          <a:p>
-            <a:pPr marL="0" lvl="0" indent="0">
-              <a:lnSpc>
-                <a:spcPct val="120000"/>
-              </a:lnSpc>
-              <a:buNone/>
-            </a:pPr>
-            <a:r>
-              <a:rPr lang="en-GB" dirty="0">
-                <a:solidFill>
-                  <a:srgbClr val="404040"/>
-                </a:solidFill>
-                <a:latin typeface="Fira Sans" pitchFamily="34"/>
-              </a:rPr>
-              <a:t>Combines various columns into a single “value” column with an additional “name” column to indicate where the value came from</a:t>
-            </a:r>
-          </a:p>
-          <a:p>
-            <a:pPr marL="0" lvl="0" indent="0">
-              <a:lnSpc>
-                <a:spcPct val="120000"/>
-              </a:lnSpc>
-              <a:buNone/>
-            </a:pPr>
-            <a:endParaRPr lang="en-GB" b="1" dirty="0">
-              <a:solidFill>
-                <a:srgbClr val="404040"/>
-              </a:solidFill>
-              <a:latin typeface="Fira Sans" pitchFamily="34"/>
-            </a:endParaRPr>
-          </a:p>
-          <a:p>
-            <a:pPr marL="0" lvl="0" indent="0">
-              <a:lnSpc>
-                <a:spcPct val="120000"/>
-              </a:lnSpc>
-              <a:buNone/>
-            </a:pPr>
-            <a:r>
-              <a:rPr lang="en-GB" b="1" dirty="0" err="1">
-                <a:solidFill>
-                  <a:srgbClr val="404040"/>
-                </a:solidFill>
-                <a:latin typeface="Fira Sans" pitchFamily="34"/>
-              </a:rPr>
-              <a:t>pivot_wider</a:t>
-            </a:r>
-            <a:endParaRPr lang="en-GB" b="1" dirty="0">
-              <a:solidFill>
-                <a:srgbClr val="404040"/>
-              </a:solidFill>
-              <a:latin typeface="Fira Sans" pitchFamily="34"/>
-            </a:endParaRPr>
-          </a:p>
-          <a:p>
-            <a:pPr marL="0" lvl="0" indent="0">
-              <a:lnSpc>
-                <a:spcPct val="120000"/>
-              </a:lnSpc>
-              <a:buNone/>
-            </a:pPr>
-            <a:r>
-              <a:rPr lang="en-GB" dirty="0">
-                <a:solidFill>
-                  <a:srgbClr val="404040"/>
-                </a:solidFill>
-                <a:latin typeface="Fira Sans" pitchFamily="34"/>
-              </a:rPr>
-              <a:t>The opposite: puts rows of different categories in separate columns</a:t>
-            </a:r>
-          </a:p>
-          <a:p>
-            <a:pPr marL="0" lvl="0" indent="0">
-              <a:lnSpc>
-                <a:spcPct val="120000"/>
-              </a:lnSpc>
-              <a:buNone/>
-            </a:pPr>
-            <a:endParaRPr lang="en-GB" b="1" dirty="0">
-              <a:solidFill>
-                <a:srgbClr val="404040"/>
-              </a:solidFill>
-              <a:latin typeface="Fira Sans" pitchFamily="34"/>
-            </a:endParaRPr>
-          </a:p>
-          <a:p>
-            <a:pPr marL="0" lvl="0" indent="0">
-              <a:lnSpc>
-                <a:spcPct val="120000"/>
-              </a:lnSpc>
-              <a:buNone/>
-            </a:pPr>
-            <a:endParaRPr lang="en-GB" dirty="0">
-              <a:solidFill>
-                <a:srgbClr val="404040"/>
-              </a:solidFill>
-              <a:latin typeface="Fira Sans" pitchFamily="34"/>
-            </a:endParaRPr>
-          </a:p>
-        </p:txBody>
-      </p:sp>
-    </p:spTree>
-    <p:extLst>
-      <p:ext uri="{BB962C8B-B14F-4D97-AF65-F5344CB8AC3E}">
-        <p14:creationId xmlns:p14="http://schemas.microsoft.com/office/powerpoint/2010/main" val="607770992"/>
       </p:ext>
     </p:extLst>
   </p:cSld>
@@ -8878,1521 +7263,6 @@
 </p:sld>
 </file>
 
-<file path=ppt/slides/slide30.xml><?xml version="1.0" encoding="utf-8"?>
-<p:sld xmlns:a="http://schemas.openxmlformats.org/drawingml/2006/main" xmlns:r="http://schemas.openxmlformats.org/officeDocument/2006/relationships" xmlns:p="http://schemas.openxmlformats.org/presentationml/2006/main">
-  <p:cSld>
-    <p:spTree>
-      <p:nvGrpSpPr>
-        <p:cNvPr id="1" name=""/>
-        <p:cNvGrpSpPr/>
-        <p:nvPr/>
-      </p:nvGrpSpPr>
-      <p:grpSpPr>
-        <a:xfrm>
-          <a:off x="0" y="0"/>
-          <a:ext cx="0" cy="0"/>
-          <a:chOff x="0" y="0"/>
-          <a:chExt cx="0" cy="0"/>
-        </a:xfrm>
-      </p:grpSpPr>
-      <p:sp>
-        <p:nvSpPr>
-          <p:cNvPr id="2" name="Title 1">
-            <a:extLst>
-              <a:ext uri="{FF2B5EF4-FFF2-40B4-BE49-F238E27FC236}">
-                <a16:creationId xmlns:a16="http://schemas.microsoft.com/office/drawing/2014/main" id="{F4F737D5-F7B5-4FDE-BE2A-23C8580FAE61}"/>
-              </a:ext>
-            </a:extLst>
-          </p:cNvPr>
-          <p:cNvSpPr txBox="1">
-            <a:spLocks noGrp="1"/>
-          </p:cNvSpPr>
-          <p:nvPr>
-            <p:ph type="title"/>
-          </p:nvPr>
-        </p:nvSpPr>
-        <p:spPr/>
-        <p:txBody>
-          <a:bodyPr/>
-          <a:lstStyle/>
-          <a:p>
-            <a:pPr lvl="0">
-              <a:lnSpc>
-                <a:spcPct val="100000"/>
-              </a:lnSpc>
-            </a:pPr>
-            <a:r>
-              <a:rPr lang="en-GB" sz="5400" b="1" kern="0" dirty="0">
-                <a:solidFill>
-                  <a:srgbClr val="006388"/>
-                </a:solidFill>
-                <a:latin typeface="Fira Sans" pitchFamily="34"/>
-                <a:ea typeface="Fira Code" pitchFamily="49"/>
-              </a:rPr>
-              <a:t>Example dataset: l100k</a:t>
-            </a:r>
-            <a:endParaRPr lang="en-GB" sz="1800" kern="0" dirty="0"/>
-          </a:p>
-        </p:txBody>
-      </p:sp>
-      <p:pic>
-        <p:nvPicPr>
-          <p:cNvPr id="7" name="Picture 6">
-            <a:extLst>
-              <a:ext uri="{FF2B5EF4-FFF2-40B4-BE49-F238E27FC236}">
-                <a16:creationId xmlns:a16="http://schemas.microsoft.com/office/drawing/2014/main" id="{E4AC1E95-2D67-F170-85C4-434251F7D455}"/>
-              </a:ext>
-            </a:extLst>
-          </p:cNvPr>
-          <p:cNvPicPr>
-            <a:picLocks noChangeAspect="1"/>
-          </p:cNvPicPr>
-          <p:nvPr/>
-        </p:nvPicPr>
-        <p:blipFill>
-          <a:blip r:embed="rId2">
-            <a:extLst>
-              <a:ext uri="{28A0092B-C50C-407E-A947-70E740481C1C}">
-                <a14:useLocalDpi xmlns:a14="http://schemas.microsoft.com/office/drawing/2010/main" val="0"/>
-              </a:ext>
-            </a:extLst>
-          </a:blip>
-          <a:srcRect/>
-          <a:stretch/>
-        </p:blipFill>
-        <p:spPr>
-          <a:xfrm>
-            <a:off x="973989" y="2057400"/>
-            <a:ext cx="7930982" cy="3657600"/>
-          </a:xfrm>
-          <a:prstGeom prst="rect">
-            <a:avLst/>
-          </a:prstGeom>
-        </p:spPr>
-      </p:pic>
-    </p:spTree>
-    <p:extLst>
-      <p:ext uri="{BB962C8B-B14F-4D97-AF65-F5344CB8AC3E}">
-        <p14:creationId xmlns:p14="http://schemas.microsoft.com/office/powerpoint/2010/main" val="1037772374"/>
-      </p:ext>
-    </p:extLst>
-  </p:cSld>
-  <p:clrMapOvr>
-    <a:masterClrMapping/>
-  </p:clrMapOvr>
-</p:sld>
-</file>
-
-<file path=ppt/slides/slide31.xml><?xml version="1.0" encoding="utf-8"?>
-<p:sld xmlns:a="http://schemas.openxmlformats.org/drawingml/2006/main" xmlns:r="http://schemas.openxmlformats.org/officeDocument/2006/relationships" xmlns:p="http://schemas.openxmlformats.org/presentationml/2006/main">
-  <p:cSld>
-    <p:spTree>
-      <p:nvGrpSpPr>
-        <p:cNvPr id="1" name=""/>
-        <p:cNvGrpSpPr/>
-        <p:nvPr/>
-      </p:nvGrpSpPr>
-      <p:grpSpPr>
-        <a:xfrm>
-          <a:off x="0" y="0"/>
-          <a:ext cx="0" cy="0"/>
-          <a:chOff x="0" y="0"/>
-          <a:chExt cx="0" cy="0"/>
-        </a:xfrm>
-      </p:grpSpPr>
-      <p:sp>
-        <p:nvSpPr>
-          <p:cNvPr id="2" name="Title 1">
-            <a:extLst>
-              <a:ext uri="{FF2B5EF4-FFF2-40B4-BE49-F238E27FC236}">
-                <a16:creationId xmlns:a16="http://schemas.microsoft.com/office/drawing/2014/main" id="{AD5C8D82-9C73-409E-BCB5-8FC0C58FFD6F}"/>
-              </a:ext>
-            </a:extLst>
-          </p:cNvPr>
-          <p:cNvSpPr txBox="1">
-            <a:spLocks noGrp="1"/>
-          </p:cNvSpPr>
-          <p:nvPr>
-            <p:ph type="title"/>
-          </p:nvPr>
-        </p:nvSpPr>
-        <p:spPr/>
-        <p:txBody>
-          <a:bodyPr/>
-          <a:lstStyle/>
-          <a:p>
-            <a:pPr lvl="0">
-              <a:lnSpc>
-                <a:spcPct val="100000"/>
-              </a:lnSpc>
-            </a:pPr>
-            <a:r>
-              <a:rPr lang="en-GB" sz="5400" b="1" kern="0" dirty="0">
-                <a:solidFill>
-                  <a:srgbClr val="006388"/>
-                </a:solidFill>
-                <a:latin typeface="Fira Sans" pitchFamily="34"/>
-                <a:ea typeface="Fira Code" pitchFamily="49"/>
-              </a:rPr>
-              <a:t>Pivoting with </a:t>
-            </a:r>
-            <a:r>
-              <a:rPr lang="en-GB" sz="5400" b="1" kern="0" dirty="0" err="1">
-                <a:solidFill>
-                  <a:srgbClr val="006388"/>
-                </a:solidFill>
-                <a:latin typeface="Fira Sans" pitchFamily="34"/>
-                <a:ea typeface="Fira Code" pitchFamily="49"/>
-              </a:rPr>
-              <a:t>tidyr</a:t>
-            </a:r>
-            <a:endParaRPr lang="en-GB" sz="1800" kern="0" dirty="0"/>
-          </a:p>
-        </p:txBody>
-      </p:sp>
-      <p:sp>
-        <p:nvSpPr>
-          <p:cNvPr id="3" name="Content Placeholder 2">
-            <a:extLst>
-              <a:ext uri="{FF2B5EF4-FFF2-40B4-BE49-F238E27FC236}">
-                <a16:creationId xmlns:a16="http://schemas.microsoft.com/office/drawing/2014/main" id="{52AC049D-3A71-449E-8E64-0A8A70569E28}"/>
-              </a:ext>
-            </a:extLst>
-          </p:cNvPr>
-          <p:cNvSpPr txBox="1">
-            <a:spLocks noGrp="1"/>
-          </p:cNvSpPr>
-          <p:nvPr>
-            <p:ph idx="1"/>
-          </p:nvPr>
-        </p:nvSpPr>
-        <p:spPr>
-          <a:xfrm>
-            <a:off x="838203" y="1825627"/>
-            <a:ext cx="10515600" cy="4667243"/>
-          </a:xfrm>
-        </p:spPr>
-        <p:txBody>
-          <a:bodyPr>
-            <a:normAutofit/>
-          </a:bodyPr>
-          <a:lstStyle/>
-          <a:p>
-            <a:pPr marL="0" lvl="0" indent="0">
-              <a:buNone/>
-            </a:pPr>
-            <a:r>
-              <a:rPr lang="en-GB" b="1" dirty="0">
-                <a:solidFill>
-                  <a:srgbClr val="404040"/>
-                </a:solidFill>
-                <a:latin typeface="Fira Sans" pitchFamily="34"/>
-              </a:rPr>
-              <a:t>Let’s generate predictions for efficiency using two models: a linear regression and a regression tree</a:t>
-            </a:r>
-          </a:p>
-          <a:p>
-            <a:pPr marL="0" lvl="0" indent="0">
-              <a:buNone/>
-            </a:pPr>
-            <a:endParaRPr lang="en-GB" dirty="0">
-              <a:solidFill>
-                <a:srgbClr val="404040"/>
-              </a:solidFill>
-              <a:latin typeface="Fira Sans" pitchFamily="34"/>
-            </a:endParaRPr>
-          </a:p>
-          <a:p>
-            <a:pPr marL="0" lvl="0" indent="0">
-              <a:buNone/>
-            </a:pPr>
-            <a:endParaRPr lang="en-GB" dirty="0">
-              <a:solidFill>
-                <a:srgbClr val="404040"/>
-              </a:solidFill>
-              <a:latin typeface="Fira Sans" pitchFamily="34"/>
-            </a:endParaRPr>
-          </a:p>
-        </p:txBody>
-      </p:sp>
-      <p:pic>
-        <p:nvPicPr>
-          <p:cNvPr id="5" name="Picture 4">
-            <a:extLst>
-              <a:ext uri="{FF2B5EF4-FFF2-40B4-BE49-F238E27FC236}">
-                <a16:creationId xmlns:a16="http://schemas.microsoft.com/office/drawing/2014/main" id="{B1972F0B-B02B-EC28-EB88-ED84D6CA774C}"/>
-              </a:ext>
-            </a:extLst>
-          </p:cNvPr>
-          <p:cNvPicPr>
-            <a:picLocks noChangeAspect="1"/>
-          </p:cNvPicPr>
-          <p:nvPr/>
-        </p:nvPicPr>
-        <p:blipFill>
-          <a:blip r:embed="rId2">
-            <a:extLst>
-              <a:ext uri="{28A0092B-C50C-407E-A947-70E740481C1C}">
-                <a14:useLocalDpi xmlns:a14="http://schemas.microsoft.com/office/drawing/2010/main" val="0"/>
-              </a:ext>
-            </a:extLst>
-          </a:blip>
-          <a:srcRect/>
-          <a:stretch/>
-        </p:blipFill>
-        <p:spPr>
-          <a:xfrm>
-            <a:off x="952497" y="2791260"/>
-            <a:ext cx="9046609" cy="2123986"/>
-          </a:xfrm>
-          <a:prstGeom prst="rect">
-            <a:avLst/>
-          </a:prstGeom>
-        </p:spPr>
-      </p:pic>
-    </p:spTree>
-    <p:extLst>
-      <p:ext uri="{BB962C8B-B14F-4D97-AF65-F5344CB8AC3E}">
-        <p14:creationId xmlns:p14="http://schemas.microsoft.com/office/powerpoint/2010/main" val="2567305974"/>
-      </p:ext>
-    </p:extLst>
-  </p:cSld>
-  <p:clrMapOvr>
-    <a:masterClrMapping/>
-  </p:clrMapOvr>
-</p:sld>
-</file>
-
-<file path=ppt/slides/slide32.xml><?xml version="1.0" encoding="utf-8"?>
-<p:sld xmlns:a="http://schemas.openxmlformats.org/drawingml/2006/main" xmlns:r="http://schemas.openxmlformats.org/officeDocument/2006/relationships" xmlns:p="http://schemas.openxmlformats.org/presentationml/2006/main">
-  <p:cSld>
-    <p:spTree>
-      <p:nvGrpSpPr>
-        <p:cNvPr id="1" name=""/>
-        <p:cNvGrpSpPr/>
-        <p:nvPr/>
-      </p:nvGrpSpPr>
-      <p:grpSpPr>
-        <a:xfrm>
-          <a:off x="0" y="0"/>
-          <a:ext cx="0" cy="0"/>
-          <a:chOff x="0" y="0"/>
-          <a:chExt cx="0" cy="0"/>
-        </a:xfrm>
-      </p:grpSpPr>
-      <p:sp>
-        <p:nvSpPr>
-          <p:cNvPr id="2" name="Title 1">
-            <a:extLst>
-              <a:ext uri="{FF2B5EF4-FFF2-40B4-BE49-F238E27FC236}">
-                <a16:creationId xmlns:a16="http://schemas.microsoft.com/office/drawing/2014/main" id="{F4F737D5-F7B5-4FDE-BE2A-23C8580FAE61}"/>
-              </a:ext>
-            </a:extLst>
-          </p:cNvPr>
-          <p:cNvSpPr txBox="1">
-            <a:spLocks noGrp="1"/>
-          </p:cNvSpPr>
-          <p:nvPr>
-            <p:ph type="title"/>
-          </p:nvPr>
-        </p:nvSpPr>
-        <p:spPr/>
-        <p:txBody>
-          <a:bodyPr/>
-          <a:lstStyle/>
-          <a:p>
-            <a:pPr lvl="0">
-              <a:lnSpc>
-                <a:spcPct val="100000"/>
-              </a:lnSpc>
-            </a:pPr>
-            <a:r>
-              <a:rPr lang="en-GB" sz="5400" b="1" kern="0" dirty="0">
-                <a:solidFill>
-                  <a:srgbClr val="006388"/>
-                </a:solidFill>
-                <a:latin typeface="Fira Sans" pitchFamily="34"/>
-                <a:ea typeface="Fira Code" pitchFamily="49"/>
-              </a:rPr>
-              <a:t>Pivoting with </a:t>
-            </a:r>
-            <a:r>
-              <a:rPr lang="en-GB" sz="5400" b="1" kern="0" dirty="0" err="1">
-                <a:solidFill>
-                  <a:srgbClr val="006388"/>
-                </a:solidFill>
-                <a:latin typeface="Fira Sans" pitchFamily="34"/>
-                <a:ea typeface="Fira Code" pitchFamily="49"/>
-              </a:rPr>
-              <a:t>tidyr</a:t>
-            </a:r>
-            <a:endParaRPr lang="en-GB" sz="1800" kern="0" dirty="0"/>
-          </a:p>
-        </p:txBody>
-      </p:sp>
-      <p:pic>
-        <p:nvPicPr>
-          <p:cNvPr id="7" name="Picture 6">
-            <a:extLst>
-              <a:ext uri="{FF2B5EF4-FFF2-40B4-BE49-F238E27FC236}">
-                <a16:creationId xmlns:a16="http://schemas.microsoft.com/office/drawing/2014/main" id="{E4AC1E95-2D67-F170-85C4-434251F7D455}"/>
-              </a:ext>
-            </a:extLst>
-          </p:cNvPr>
-          <p:cNvPicPr>
-            <a:picLocks noChangeAspect="1"/>
-          </p:cNvPicPr>
-          <p:nvPr/>
-        </p:nvPicPr>
-        <p:blipFill rotWithShape="1">
-          <a:blip r:embed="rId2">
-            <a:extLst>
-              <a:ext uri="{28A0092B-C50C-407E-A947-70E740481C1C}">
-                <a14:useLocalDpi xmlns:a14="http://schemas.microsoft.com/office/drawing/2010/main" val="0"/>
-              </a:ext>
-            </a:extLst>
-          </a:blip>
-          <a:srcRect b="2102"/>
-          <a:stretch/>
-        </p:blipFill>
-        <p:spPr>
-          <a:xfrm>
-            <a:off x="973988" y="2490474"/>
-            <a:ext cx="10298027" cy="3548376"/>
-          </a:xfrm>
-          <a:prstGeom prst="rect">
-            <a:avLst/>
-          </a:prstGeom>
-        </p:spPr>
-      </p:pic>
-    </p:spTree>
-    <p:extLst>
-      <p:ext uri="{BB962C8B-B14F-4D97-AF65-F5344CB8AC3E}">
-        <p14:creationId xmlns:p14="http://schemas.microsoft.com/office/powerpoint/2010/main" val="1156495745"/>
-      </p:ext>
-    </p:extLst>
-  </p:cSld>
-  <p:clrMapOvr>
-    <a:masterClrMapping/>
-  </p:clrMapOvr>
-</p:sld>
-</file>
-
-<file path=ppt/slides/slide33.xml><?xml version="1.0" encoding="utf-8"?>
-<p:sld xmlns:a="http://schemas.openxmlformats.org/drawingml/2006/main" xmlns:r="http://schemas.openxmlformats.org/officeDocument/2006/relationships" xmlns:p="http://schemas.openxmlformats.org/presentationml/2006/main">
-  <p:cSld>
-    <p:spTree>
-      <p:nvGrpSpPr>
-        <p:cNvPr id="1" name=""/>
-        <p:cNvGrpSpPr/>
-        <p:nvPr/>
-      </p:nvGrpSpPr>
-      <p:grpSpPr>
-        <a:xfrm>
-          <a:off x="0" y="0"/>
-          <a:ext cx="0" cy="0"/>
-          <a:chOff x="0" y="0"/>
-          <a:chExt cx="0" cy="0"/>
-        </a:xfrm>
-      </p:grpSpPr>
-      <p:sp>
-        <p:nvSpPr>
-          <p:cNvPr id="2" name="Title 1">
-            <a:extLst>
-              <a:ext uri="{FF2B5EF4-FFF2-40B4-BE49-F238E27FC236}">
-                <a16:creationId xmlns:a16="http://schemas.microsoft.com/office/drawing/2014/main" id="{AD5C8D82-9C73-409E-BCB5-8FC0C58FFD6F}"/>
-              </a:ext>
-            </a:extLst>
-          </p:cNvPr>
-          <p:cNvSpPr txBox="1">
-            <a:spLocks noGrp="1"/>
-          </p:cNvSpPr>
-          <p:nvPr>
-            <p:ph type="title"/>
-          </p:nvPr>
-        </p:nvSpPr>
-        <p:spPr/>
-        <p:txBody>
-          <a:bodyPr/>
-          <a:lstStyle/>
-          <a:p>
-            <a:pPr lvl="0">
-              <a:lnSpc>
-                <a:spcPct val="100000"/>
-              </a:lnSpc>
-            </a:pPr>
-            <a:r>
-              <a:rPr lang="en-GB" sz="5400" b="1" kern="0" dirty="0">
-                <a:solidFill>
-                  <a:srgbClr val="006388"/>
-                </a:solidFill>
-                <a:latin typeface="Fira Sans" pitchFamily="34"/>
-                <a:ea typeface="Fira Code" pitchFamily="49"/>
-              </a:rPr>
-              <a:t>Pivoting with </a:t>
-            </a:r>
-            <a:r>
-              <a:rPr lang="en-GB" sz="5400" b="1" kern="0" dirty="0" err="1">
-                <a:solidFill>
-                  <a:srgbClr val="006388"/>
-                </a:solidFill>
-                <a:latin typeface="Fira Sans" pitchFamily="34"/>
-                <a:ea typeface="Fira Code" pitchFamily="49"/>
-              </a:rPr>
-              <a:t>tidyr</a:t>
-            </a:r>
-            <a:endParaRPr lang="en-GB" sz="1800" kern="0" dirty="0"/>
-          </a:p>
-        </p:txBody>
-      </p:sp>
-      <p:sp>
-        <p:nvSpPr>
-          <p:cNvPr id="3" name="Content Placeholder 2">
-            <a:extLst>
-              <a:ext uri="{FF2B5EF4-FFF2-40B4-BE49-F238E27FC236}">
-                <a16:creationId xmlns:a16="http://schemas.microsoft.com/office/drawing/2014/main" id="{52AC049D-3A71-449E-8E64-0A8A70569E28}"/>
-              </a:ext>
-            </a:extLst>
-          </p:cNvPr>
-          <p:cNvSpPr txBox="1">
-            <a:spLocks noGrp="1"/>
-          </p:cNvSpPr>
-          <p:nvPr>
-            <p:ph idx="1"/>
-          </p:nvPr>
-        </p:nvSpPr>
-        <p:spPr>
-          <a:xfrm>
-            <a:off x="838203" y="1825627"/>
-            <a:ext cx="10515600" cy="4667243"/>
-          </a:xfrm>
-        </p:spPr>
-        <p:txBody>
-          <a:bodyPr>
-            <a:normAutofit/>
-          </a:bodyPr>
-          <a:lstStyle/>
-          <a:p>
-            <a:pPr marL="0" lvl="0" indent="0">
-              <a:buNone/>
-            </a:pPr>
-            <a:r>
-              <a:rPr lang="en-GB" b="1" dirty="0">
-                <a:solidFill>
-                  <a:srgbClr val="404040"/>
-                </a:solidFill>
-                <a:latin typeface="Fira Sans" pitchFamily="34"/>
-              </a:rPr>
-              <a:t>Let’s plot these predictions with the following mapped aesthetics:</a:t>
-            </a:r>
-          </a:p>
-          <a:p>
-            <a:pPr marL="0" lvl="0" indent="0">
-              <a:buNone/>
-            </a:pPr>
-            <a:r>
-              <a:rPr lang="en-GB" dirty="0">
-                <a:solidFill>
-                  <a:srgbClr val="404040"/>
-                </a:solidFill>
-                <a:latin typeface="Fira Sans" pitchFamily="34"/>
-              </a:rPr>
-              <a:t>x: engine size</a:t>
-            </a:r>
-          </a:p>
-          <a:p>
-            <a:pPr marL="0" lvl="0" indent="0">
-              <a:buNone/>
-            </a:pPr>
-            <a:r>
-              <a:rPr lang="en-GB" dirty="0">
-                <a:solidFill>
-                  <a:srgbClr val="404040"/>
-                </a:solidFill>
-                <a:latin typeface="Fira Sans" pitchFamily="34"/>
-              </a:rPr>
-              <a:t>y: predicted efficiency</a:t>
-            </a:r>
-          </a:p>
-          <a:p>
-            <a:pPr marL="0" lvl="0" indent="0">
-              <a:buNone/>
-            </a:pPr>
-            <a:r>
-              <a:rPr lang="en-GB" dirty="0">
-                <a:solidFill>
-                  <a:srgbClr val="404040"/>
-                </a:solidFill>
-                <a:latin typeface="Fira Sans" pitchFamily="34"/>
-              </a:rPr>
-              <a:t>colour: model type</a:t>
-            </a:r>
-          </a:p>
-          <a:p>
-            <a:pPr marL="0" lvl="0" indent="0">
-              <a:buNone/>
-            </a:pPr>
-            <a:endParaRPr lang="en-GB" dirty="0">
-              <a:solidFill>
-                <a:srgbClr val="404040"/>
-              </a:solidFill>
-              <a:latin typeface="Fira Sans" pitchFamily="34"/>
-            </a:endParaRPr>
-          </a:p>
-          <a:p>
-            <a:pPr marL="0" lvl="0" indent="0">
-              <a:buNone/>
-            </a:pPr>
-            <a:r>
-              <a:rPr lang="en-GB" dirty="0">
-                <a:solidFill>
-                  <a:srgbClr val="404040"/>
-                </a:solidFill>
-                <a:latin typeface="Fira Sans" pitchFamily="34"/>
-              </a:rPr>
-              <a:t>???</a:t>
-            </a:r>
-          </a:p>
-          <a:p>
-            <a:pPr marL="0" lvl="0" indent="0">
-              <a:buNone/>
-            </a:pPr>
-            <a:endParaRPr lang="en-GB" dirty="0">
-              <a:solidFill>
-                <a:srgbClr val="404040"/>
-              </a:solidFill>
-              <a:latin typeface="Fira Sans" pitchFamily="34"/>
-            </a:endParaRPr>
-          </a:p>
-        </p:txBody>
-      </p:sp>
-    </p:spTree>
-    <p:extLst>
-      <p:ext uri="{BB962C8B-B14F-4D97-AF65-F5344CB8AC3E}">
-        <p14:creationId xmlns:p14="http://schemas.microsoft.com/office/powerpoint/2010/main" val="3757078215"/>
-      </p:ext>
-    </p:extLst>
-  </p:cSld>
-  <p:clrMapOvr>
-    <a:masterClrMapping/>
-  </p:clrMapOvr>
-</p:sld>
-</file>
-
-<file path=ppt/slides/slide34.xml><?xml version="1.0" encoding="utf-8"?>
-<p:sld xmlns:a="http://schemas.openxmlformats.org/drawingml/2006/main" xmlns:r="http://schemas.openxmlformats.org/officeDocument/2006/relationships" xmlns:p="http://schemas.openxmlformats.org/presentationml/2006/main">
-  <p:cSld>
-    <p:spTree>
-      <p:nvGrpSpPr>
-        <p:cNvPr id="1" name=""/>
-        <p:cNvGrpSpPr/>
-        <p:nvPr/>
-      </p:nvGrpSpPr>
-      <p:grpSpPr>
-        <a:xfrm>
-          <a:off x="0" y="0"/>
-          <a:ext cx="0" cy="0"/>
-          <a:chOff x="0" y="0"/>
-          <a:chExt cx="0" cy="0"/>
-        </a:xfrm>
-      </p:grpSpPr>
-      <p:sp>
-        <p:nvSpPr>
-          <p:cNvPr id="2" name="Title 1">
-            <a:extLst>
-              <a:ext uri="{FF2B5EF4-FFF2-40B4-BE49-F238E27FC236}">
-                <a16:creationId xmlns:a16="http://schemas.microsoft.com/office/drawing/2014/main" id="{AD5C8D82-9C73-409E-BCB5-8FC0C58FFD6F}"/>
-              </a:ext>
-            </a:extLst>
-          </p:cNvPr>
-          <p:cNvSpPr txBox="1">
-            <a:spLocks noGrp="1"/>
-          </p:cNvSpPr>
-          <p:nvPr>
-            <p:ph type="title"/>
-          </p:nvPr>
-        </p:nvSpPr>
-        <p:spPr/>
-        <p:txBody>
-          <a:bodyPr/>
-          <a:lstStyle/>
-          <a:p>
-            <a:pPr lvl="0">
-              <a:lnSpc>
-                <a:spcPct val="100000"/>
-              </a:lnSpc>
-            </a:pPr>
-            <a:r>
-              <a:rPr lang="en-GB" sz="5400" b="1" kern="0" dirty="0">
-                <a:solidFill>
-                  <a:srgbClr val="006388"/>
-                </a:solidFill>
-                <a:latin typeface="Fira Sans" pitchFamily="34"/>
-                <a:ea typeface="Fira Code" pitchFamily="49"/>
-              </a:rPr>
-              <a:t>Pivoting with </a:t>
-            </a:r>
-            <a:r>
-              <a:rPr lang="en-GB" sz="5400" b="1" kern="0" dirty="0" err="1">
-                <a:solidFill>
-                  <a:srgbClr val="006388"/>
-                </a:solidFill>
-                <a:latin typeface="Fira Sans" pitchFamily="34"/>
-                <a:ea typeface="Fira Code" pitchFamily="49"/>
-              </a:rPr>
-              <a:t>tidyr</a:t>
-            </a:r>
-            <a:endParaRPr lang="en-GB" sz="1800" kern="0" dirty="0"/>
-          </a:p>
-        </p:txBody>
-      </p:sp>
-      <p:sp>
-        <p:nvSpPr>
-          <p:cNvPr id="3" name="Content Placeholder 2">
-            <a:extLst>
-              <a:ext uri="{FF2B5EF4-FFF2-40B4-BE49-F238E27FC236}">
-                <a16:creationId xmlns:a16="http://schemas.microsoft.com/office/drawing/2014/main" id="{52AC049D-3A71-449E-8E64-0A8A70569E28}"/>
-              </a:ext>
-            </a:extLst>
-          </p:cNvPr>
-          <p:cNvSpPr txBox="1">
-            <a:spLocks noGrp="1"/>
-          </p:cNvSpPr>
-          <p:nvPr>
-            <p:ph idx="1"/>
-          </p:nvPr>
-        </p:nvSpPr>
-        <p:spPr>
-          <a:xfrm>
-            <a:off x="838203" y="1825627"/>
-            <a:ext cx="10515600" cy="4667243"/>
-          </a:xfrm>
-        </p:spPr>
-        <p:txBody>
-          <a:bodyPr>
-            <a:normAutofit/>
-          </a:bodyPr>
-          <a:lstStyle/>
-          <a:p>
-            <a:pPr marL="0" lvl="0" indent="0">
-              <a:buNone/>
-            </a:pPr>
-            <a:r>
-              <a:rPr lang="en-GB" b="1" dirty="0" err="1">
-                <a:solidFill>
-                  <a:srgbClr val="404040"/>
-                </a:solidFill>
-                <a:latin typeface="Fira Sans" pitchFamily="34"/>
-              </a:rPr>
-              <a:t>ggplot</a:t>
-            </a:r>
-            <a:r>
-              <a:rPr lang="en-GB" b="1" dirty="0">
-                <a:solidFill>
-                  <a:srgbClr val="404040"/>
-                </a:solidFill>
-                <a:latin typeface="Fira Sans" pitchFamily="34"/>
-              </a:rPr>
-              <a:t> wants tidy data. Let’s pivot our data so that model type becomes a column.</a:t>
-            </a:r>
-          </a:p>
-        </p:txBody>
-      </p:sp>
-      <p:pic>
-        <p:nvPicPr>
-          <p:cNvPr id="5" name="Picture 4">
-            <a:extLst>
-              <a:ext uri="{FF2B5EF4-FFF2-40B4-BE49-F238E27FC236}">
-                <a16:creationId xmlns:a16="http://schemas.microsoft.com/office/drawing/2014/main" id="{DC4B3861-FCC1-FC8F-05F1-8DD2F8A29D53}"/>
-              </a:ext>
-            </a:extLst>
-          </p:cNvPr>
-          <p:cNvPicPr>
-            <a:picLocks noChangeAspect="1"/>
-          </p:cNvPicPr>
-          <p:nvPr/>
-        </p:nvPicPr>
-        <p:blipFill>
-          <a:blip r:embed="rId2">
-            <a:extLst>
-              <a:ext uri="{28A0092B-C50C-407E-A947-70E740481C1C}">
-                <a14:useLocalDpi xmlns:a14="http://schemas.microsoft.com/office/drawing/2010/main" val="0"/>
-              </a:ext>
-            </a:extLst>
-          </a:blip>
-          <a:srcRect/>
-          <a:stretch/>
-        </p:blipFill>
-        <p:spPr>
-          <a:xfrm>
-            <a:off x="957965" y="2861463"/>
-            <a:ext cx="5249029" cy="2288387"/>
-          </a:xfrm>
-          <a:prstGeom prst="rect">
-            <a:avLst/>
-          </a:prstGeom>
-        </p:spPr>
-      </p:pic>
-    </p:spTree>
-    <p:extLst>
-      <p:ext uri="{BB962C8B-B14F-4D97-AF65-F5344CB8AC3E}">
-        <p14:creationId xmlns:p14="http://schemas.microsoft.com/office/powerpoint/2010/main" val="2226131162"/>
-      </p:ext>
-    </p:extLst>
-  </p:cSld>
-  <p:clrMapOvr>
-    <a:masterClrMapping/>
-  </p:clrMapOvr>
-</p:sld>
-</file>
-
-<file path=ppt/slides/slide35.xml><?xml version="1.0" encoding="utf-8"?>
-<p:sld xmlns:a="http://schemas.openxmlformats.org/drawingml/2006/main" xmlns:r="http://schemas.openxmlformats.org/officeDocument/2006/relationships" xmlns:p="http://schemas.openxmlformats.org/presentationml/2006/main">
-  <p:cSld>
-    <p:spTree>
-      <p:nvGrpSpPr>
-        <p:cNvPr id="1" name=""/>
-        <p:cNvGrpSpPr/>
-        <p:nvPr/>
-      </p:nvGrpSpPr>
-      <p:grpSpPr>
-        <a:xfrm>
-          <a:off x="0" y="0"/>
-          <a:ext cx="0" cy="0"/>
-          <a:chOff x="0" y="0"/>
-          <a:chExt cx="0" cy="0"/>
-        </a:xfrm>
-      </p:grpSpPr>
-      <p:sp>
-        <p:nvSpPr>
-          <p:cNvPr id="2" name="Title 1">
-            <a:extLst>
-              <a:ext uri="{FF2B5EF4-FFF2-40B4-BE49-F238E27FC236}">
-                <a16:creationId xmlns:a16="http://schemas.microsoft.com/office/drawing/2014/main" id="{F4F737D5-F7B5-4FDE-BE2A-23C8580FAE61}"/>
-              </a:ext>
-            </a:extLst>
-          </p:cNvPr>
-          <p:cNvSpPr txBox="1">
-            <a:spLocks noGrp="1"/>
-          </p:cNvSpPr>
-          <p:nvPr>
-            <p:ph type="title"/>
-          </p:nvPr>
-        </p:nvSpPr>
-        <p:spPr/>
-        <p:txBody>
-          <a:bodyPr/>
-          <a:lstStyle/>
-          <a:p>
-            <a:pPr lvl="0">
-              <a:lnSpc>
-                <a:spcPct val="100000"/>
-              </a:lnSpc>
-            </a:pPr>
-            <a:r>
-              <a:rPr lang="en-GB" sz="5400" b="1" kern="0" dirty="0">
-                <a:solidFill>
-                  <a:srgbClr val="006388"/>
-                </a:solidFill>
-                <a:latin typeface="Fira Sans" pitchFamily="34"/>
-                <a:ea typeface="Fira Code" pitchFamily="49"/>
-              </a:rPr>
-              <a:t>Pivoting with </a:t>
-            </a:r>
-            <a:r>
-              <a:rPr lang="en-GB" sz="5400" b="1" kern="0" dirty="0" err="1">
-                <a:solidFill>
-                  <a:srgbClr val="006388"/>
-                </a:solidFill>
-                <a:latin typeface="Fira Sans" pitchFamily="34"/>
-                <a:ea typeface="Fira Code" pitchFamily="49"/>
-              </a:rPr>
-              <a:t>tidyr</a:t>
-            </a:r>
-            <a:endParaRPr lang="en-GB" sz="1800" kern="0" dirty="0"/>
-          </a:p>
-        </p:txBody>
-      </p:sp>
-      <p:pic>
-        <p:nvPicPr>
-          <p:cNvPr id="7" name="Picture 6">
-            <a:extLst>
-              <a:ext uri="{FF2B5EF4-FFF2-40B4-BE49-F238E27FC236}">
-                <a16:creationId xmlns:a16="http://schemas.microsoft.com/office/drawing/2014/main" id="{E4AC1E95-2D67-F170-85C4-434251F7D455}"/>
-              </a:ext>
-            </a:extLst>
-          </p:cNvPr>
-          <p:cNvPicPr>
-            <a:picLocks noChangeAspect="1"/>
-          </p:cNvPicPr>
-          <p:nvPr/>
-        </p:nvPicPr>
-        <p:blipFill rotWithShape="1">
-          <a:blip r:embed="rId2">
-            <a:extLst>
-              <a:ext uri="{28A0092B-C50C-407E-A947-70E740481C1C}">
-                <a14:useLocalDpi xmlns:a14="http://schemas.microsoft.com/office/drawing/2010/main" val="0"/>
-              </a:ext>
-            </a:extLst>
-          </a:blip>
-          <a:srcRect t="2755" b="2755"/>
-          <a:stretch/>
-        </p:blipFill>
-        <p:spPr>
-          <a:xfrm>
-            <a:off x="973988" y="2490474"/>
-            <a:ext cx="10298027" cy="3548376"/>
-          </a:xfrm>
-          <a:prstGeom prst="rect">
-            <a:avLst/>
-          </a:prstGeom>
-        </p:spPr>
-      </p:pic>
-      <p:sp>
-        <p:nvSpPr>
-          <p:cNvPr id="3" name="Rectangle 2">
-            <a:extLst>
-              <a:ext uri="{FF2B5EF4-FFF2-40B4-BE49-F238E27FC236}">
-                <a16:creationId xmlns:a16="http://schemas.microsoft.com/office/drawing/2014/main" id="{F1AB4FBF-2720-924B-8A4A-4FBF86850924}"/>
-              </a:ext>
-            </a:extLst>
-          </p:cNvPr>
-          <p:cNvSpPr/>
-          <p:nvPr/>
-        </p:nvSpPr>
-        <p:spPr>
-          <a:xfrm>
-            <a:off x="8350250" y="2490474"/>
-            <a:ext cx="3003553" cy="3548376"/>
-          </a:xfrm>
-          <a:prstGeom prst="rect">
-            <a:avLst/>
-          </a:prstGeom>
-          <a:noFill/>
-          <a:ln w="76200">
-            <a:solidFill>
-              <a:srgbClr val="FFFF00"/>
-            </a:solidFill>
-          </a:ln>
-        </p:spPr>
-        <p:style>
-          <a:lnRef idx="2">
-            <a:schemeClr val="accent1">
-              <a:shade val="50000"/>
-            </a:schemeClr>
-          </a:lnRef>
-          <a:fillRef idx="1">
-            <a:schemeClr val="accent1"/>
-          </a:fillRef>
-          <a:effectRef idx="0">
-            <a:schemeClr val="accent1"/>
-          </a:effectRef>
-          <a:fontRef idx="minor">
-            <a:schemeClr val="lt1"/>
-          </a:fontRef>
-        </p:style>
-        <p:txBody>
-          <a:bodyPr rtlCol="0" anchor="ctr"/>
-          <a:lstStyle/>
-          <a:p>
-            <a:pPr algn="ctr"/>
-            <a:endParaRPr lang="en-NL"/>
-          </a:p>
-        </p:txBody>
-      </p:sp>
-    </p:spTree>
-    <p:extLst>
-      <p:ext uri="{BB962C8B-B14F-4D97-AF65-F5344CB8AC3E}">
-        <p14:creationId xmlns:p14="http://schemas.microsoft.com/office/powerpoint/2010/main" val="3488019668"/>
-      </p:ext>
-    </p:extLst>
-  </p:cSld>
-  <p:clrMapOvr>
-    <a:masterClrMapping/>
-  </p:clrMapOvr>
-</p:sld>
-</file>
-
-<file path=ppt/slides/slide36.xml><?xml version="1.0" encoding="utf-8"?>
-<p:sld xmlns:a="http://schemas.openxmlformats.org/drawingml/2006/main" xmlns:r="http://schemas.openxmlformats.org/officeDocument/2006/relationships" xmlns:p="http://schemas.openxmlformats.org/presentationml/2006/main">
-  <p:cSld>
-    <p:spTree>
-      <p:nvGrpSpPr>
-        <p:cNvPr id="1" name=""/>
-        <p:cNvGrpSpPr/>
-        <p:nvPr/>
-      </p:nvGrpSpPr>
-      <p:grpSpPr>
-        <a:xfrm>
-          <a:off x="0" y="0"/>
-          <a:ext cx="0" cy="0"/>
-          <a:chOff x="0" y="0"/>
-          <a:chExt cx="0" cy="0"/>
-        </a:xfrm>
-      </p:grpSpPr>
-      <p:sp>
-        <p:nvSpPr>
-          <p:cNvPr id="2" name="Title 1">
-            <a:extLst>
-              <a:ext uri="{FF2B5EF4-FFF2-40B4-BE49-F238E27FC236}">
-                <a16:creationId xmlns:a16="http://schemas.microsoft.com/office/drawing/2014/main" id="{AD5C8D82-9C73-409E-BCB5-8FC0C58FFD6F}"/>
-              </a:ext>
-            </a:extLst>
-          </p:cNvPr>
-          <p:cNvSpPr txBox="1">
-            <a:spLocks noGrp="1"/>
-          </p:cNvSpPr>
-          <p:nvPr>
-            <p:ph type="title"/>
-          </p:nvPr>
-        </p:nvSpPr>
-        <p:spPr/>
-        <p:txBody>
-          <a:bodyPr/>
-          <a:lstStyle/>
-          <a:p>
-            <a:pPr lvl="0">
-              <a:lnSpc>
-                <a:spcPct val="100000"/>
-              </a:lnSpc>
-            </a:pPr>
-            <a:r>
-              <a:rPr lang="en-GB" sz="5400" b="1" kern="0" dirty="0">
-                <a:solidFill>
-                  <a:srgbClr val="006388"/>
-                </a:solidFill>
-                <a:latin typeface="Fira Sans" pitchFamily="34"/>
-                <a:ea typeface="Fira Code" pitchFamily="49"/>
-              </a:rPr>
-              <a:t>Pivoting with </a:t>
-            </a:r>
-            <a:r>
-              <a:rPr lang="en-GB" sz="5400" b="1" kern="0" dirty="0" err="1">
-                <a:solidFill>
-                  <a:srgbClr val="006388"/>
-                </a:solidFill>
-                <a:latin typeface="Fira Sans" pitchFamily="34"/>
-                <a:ea typeface="Fira Code" pitchFamily="49"/>
-              </a:rPr>
-              <a:t>tidyr</a:t>
-            </a:r>
-            <a:endParaRPr lang="en-GB" sz="1800" kern="0" dirty="0"/>
-          </a:p>
-        </p:txBody>
-      </p:sp>
-      <p:sp>
-        <p:nvSpPr>
-          <p:cNvPr id="3" name="Content Placeholder 2">
-            <a:extLst>
-              <a:ext uri="{FF2B5EF4-FFF2-40B4-BE49-F238E27FC236}">
-                <a16:creationId xmlns:a16="http://schemas.microsoft.com/office/drawing/2014/main" id="{52AC049D-3A71-449E-8E64-0A8A70569E28}"/>
-              </a:ext>
-            </a:extLst>
-          </p:cNvPr>
-          <p:cNvSpPr txBox="1">
-            <a:spLocks noGrp="1"/>
-          </p:cNvSpPr>
-          <p:nvPr>
-            <p:ph idx="1"/>
-          </p:nvPr>
-        </p:nvSpPr>
-        <p:spPr>
-          <a:xfrm>
-            <a:off x="838203" y="1825627"/>
-            <a:ext cx="10515600" cy="4667243"/>
-          </a:xfrm>
-        </p:spPr>
-        <p:txBody>
-          <a:bodyPr>
-            <a:normAutofit/>
-          </a:bodyPr>
-          <a:lstStyle/>
-          <a:p>
-            <a:pPr marL="0" lvl="0" indent="0">
-              <a:buNone/>
-            </a:pPr>
-            <a:r>
-              <a:rPr lang="en-GB" b="1" dirty="0">
-                <a:solidFill>
-                  <a:srgbClr val="404040"/>
-                </a:solidFill>
-                <a:latin typeface="Fira Sans" pitchFamily="34"/>
-              </a:rPr>
-              <a:t>Let’s plot these predictions!</a:t>
-            </a:r>
-            <a:endParaRPr lang="en-GB" dirty="0">
-              <a:solidFill>
-                <a:srgbClr val="404040"/>
-              </a:solidFill>
-              <a:latin typeface="Fira Sans" pitchFamily="34"/>
-            </a:endParaRPr>
-          </a:p>
-        </p:txBody>
-      </p:sp>
-      <p:pic>
-        <p:nvPicPr>
-          <p:cNvPr id="5" name="Picture 4">
-            <a:extLst>
-              <a:ext uri="{FF2B5EF4-FFF2-40B4-BE49-F238E27FC236}">
-                <a16:creationId xmlns:a16="http://schemas.microsoft.com/office/drawing/2014/main" id="{1D522586-90F0-AEC0-7D1F-A3C437B5A6A1}"/>
-              </a:ext>
-            </a:extLst>
-          </p:cNvPr>
-          <p:cNvPicPr>
-            <a:picLocks noChangeAspect="1"/>
-          </p:cNvPicPr>
-          <p:nvPr/>
-        </p:nvPicPr>
-        <p:blipFill>
-          <a:blip r:embed="rId2"/>
-          <a:stretch>
-            <a:fillRect/>
-          </a:stretch>
-        </p:blipFill>
-        <p:spPr>
-          <a:xfrm>
-            <a:off x="918344" y="2413784"/>
-            <a:ext cx="9468554" cy="3561566"/>
-          </a:xfrm>
-          <a:prstGeom prst="rect">
-            <a:avLst/>
-          </a:prstGeom>
-        </p:spPr>
-      </p:pic>
-    </p:spTree>
-    <p:extLst>
-      <p:ext uri="{BB962C8B-B14F-4D97-AF65-F5344CB8AC3E}">
-        <p14:creationId xmlns:p14="http://schemas.microsoft.com/office/powerpoint/2010/main" val="1466426721"/>
-      </p:ext>
-    </p:extLst>
-  </p:cSld>
-  <p:clrMapOvr>
-    <a:masterClrMapping/>
-  </p:clrMapOvr>
-</p:sld>
-</file>
-
-<file path=ppt/slides/slide37.xml><?xml version="1.0" encoding="utf-8"?>
-<p:sld xmlns:a="http://schemas.openxmlformats.org/drawingml/2006/main" xmlns:r="http://schemas.openxmlformats.org/officeDocument/2006/relationships" xmlns:p="http://schemas.openxmlformats.org/presentationml/2006/main">
-  <p:cSld>
-    <p:spTree>
-      <p:nvGrpSpPr>
-        <p:cNvPr id="1" name=""/>
-        <p:cNvGrpSpPr/>
-        <p:nvPr/>
-      </p:nvGrpSpPr>
-      <p:grpSpPr>
-        <a:xfrm>
-          <a:off x="0" y="0"/>
-          <a:ext cx="0" cy="0"/>
-          <a:chOff x="0" y="0"/>
-          <a:chExt cx="0" cy="0"/>
-        </a:xfrm>
-      </p:grpSpPr>
-      <p:sp>
-        <p:nvSpPr>
-          <p:cNvPr id="2" name="Title 1">
-            <a:extLst>
-              <a:ext uri="{FF2B5EF4-FFF2-40B4-BE49-F238E27FC236}">
-                <a16:creationId xmlns:a16="http://schemas.microsoft.com/office/drawing/2014/main" id="{AD5C8D82-9C73-409E-BCB5-8FC0C58FFD6F}"/>
-              </a:ext>
-            </a:extLst>
-          </p:cNvPr>
-          <p:cNvSpPr txBox="1">
-            <a:spLocks noGrp="1"/>
-          </p:cNvSpPr>
-          <p:nvPr>
-            <p:ph type="title"/>
-          </p:nvPr>
-        </p:nvSpPr>
-        <p:spPr/>
-        <p:txBody>
-          <a:bodyPr/>
-          <a:lstStyle/>
-          <a:p>
-            <a:pPr lvl="0">
-              <a:lnSpc>
-                <a:spcPct val="100000"/>
-              </a:lnSpc>
-            </a:pPr>
-            <a:r>
-              <a:rPr lang="en-GB" sz="5400" b="1" kern="0" dirty="0">
-                <a:solidFill>
-                  <a:srgbClr val="006388"/>
-                </a:solidFill>
-                <a:latin typeface="Fira Sans" pitchFamily="34"/>
-                <a:ea typeface="Fira Code" pitchFamily="49"/>
-              </a:rPr>
-              <a:t>Pivoting with </a:t>
-            </a:r>
-            <a:r>
-              <a:rPr lang="en-GB" sz="5400" b="1" kern="0" dirty="0" err="1">
-                <a:solidFill>
-                  <a:srgbClr val="006388"/>
-                </a:solidFill>
-                <a:latin typeface="Fira Sans" pitchFamily="34"/>
-                <a:ea typeface="Fira Code" pitchFamily="49"/>
-              </a:rPr>
-              <a:t>tidyr</a:t>
-            </a:r>
-            <a:endParaRPr lang="en-GB" sz="1800" kern="0" dirty="0"/>
-          </a:p>
-        </p:txBody>
-      </p:sp>
-      <p:pic>
-        <p:nvPicPr>
-          <p:cNvPr id="5" name="Picture 4">
-            <a:extLst>
-              <a:ext uri="{FF2B5EF4-FFF2-40B4-BE49-F238E27FC236}">
-                <a16:creationId xmlns:a16="http://schemas.microsoft.com/office/drawing/2014/main" id="{1D522586-90F0-AEC0-7D1F-A3C437B5A6A1}"/>
-              </a:ext>
-            </a:extLst>
-          </p:cNvPr>
-          <p:cNvPicPr>
-            <a:picLocks noChangeAspect="1"/>
-          </p:cNvPicPr>
-          <p:nvPr/>
-        </p:nvPicPr>
-        <p:blipFill>
-          <a:blip r:embed="rId2">
-            <a:extLst>
-              <a:ext uri="{28A0092B-C50C-407E-A947-70E740481C1C}">
-                <a14:useLocalDpi xmlns:a14="http://schemas.microsoft.com/office/drawing/2010/main" val="0"/>
-              </a:ext>
-            </a:extLst>
-          </a:blip>
-          <a:srcRect/>
-          <a:stretch/>
-        </p:blipFill>
-        <p:spPr>
-          <a:xfrm>
-            <a:off x="1582739" y="1906588"/>
-            <a:ext cx="9026522" cy="4513262"/>
-          </a:xfrm>
-          <a:prstGeom prst="rect">
-            <a:avLst/>
-          </a:prstGeom>
-        </p:spPr>
-      </p:pic>
-    </p:spTree>
-    <p:extLst>
-      <p:ext uri="{BB962C8B-B14F-4D97-AF65-F5344CB8AC3E}">
-        <p14:creationId xmlns:p14="http://schemas.microsoft.com/office/powerpoint/2010/main" val="222933232"/>
-      </p:ext>
-    </p:extLst>
-  </p:cSld>
-  <p:clrMapOvr>
-    <a:masterClrMapping/>
-  </p:clrMapOvr>
-</p:sld>
-</file>
-
-<file path=ppt/slides/slide38.xml><?xml version="1.0" encoding="utf-8"?>
-<p:sld xmlns:a="http://schemas.openxmlformats.org/drawingml/2006/main" xmlns:r="http://schemas.openxmlformats.org/officeDocument/2006/relationships" xmlns:p="http://schemas.openxmlformats.org/presentationml/2006/main">
-  <p:cSld name="Slide70">
-    <p:spTree>
-      <p:nvGrpSpPr>
-        <p:cNvPr id="1" name=""/>
-        <p:cNvGrpSpPr/>
-        <p:nvPr/>
-      </p:nvGrpSpPr>
-      <p:grpSpPr>
-        <a:xfrm>
-          <a:off x="0" y="0"/>
-          <a:ext cx="0" cy="0"/>
-          <a:chOff x="0" y="0"/>
-          <a:chExt cx="0" cy="0"/>
-        </a:xfrm>
-      </p:grpSpPr>
-      <p:sp>
-        <p:nvSpPr>
-          <p:cNvPr id="2" name="Title 1">
-            <a:extLst>
-              <a:ext uri="{FF2B5EF4-FFF2-40B4-BE49-F238E27FC236}">
-                <a16:creationId xmlns:a16="http://schemas.microsoft.com/office/drawing/2014/main" id="{51E44C08-D2D3-4847-9593-818BE0A13B4B}"/>
-              </a:ext>
-            </a:extLst>
-          </p:cNvPr>
-          <p:cNvSpPr txBox="1">
-            <a:spLocks noGrp="1"/>
-          </p:cNvSpPr>
-          <p:nvPr>
-            <p:ph type="title"/>
-          </p:nvPr>
-        </p:nvSpPr>
-        <p:spPr>
-          <a:xfrm>
-            <a:off x="838203" y="1798551"/>
-            <a:ext cx="10515600" cy="1325559"/>
-          </a:xfrm>
-        </p:spPr>
-        <p:txBody>
-          <a:bodyPr>
-            <a:noAutofit/>
-          </a:bodyPr>
-          <a:lstStyle/>
-          <a:p>
-            <a:pPr lvl="0">
-              <a:lnSpc>
-                <a:spcPct val="100000"/>
-              </a:lnSpc>
-            </a:pPr>
-            <a:r>
-              <a:rPr lang="en-GB" sz="4800" b="1" kern="0" dirty="0">
-                <a:solidFill>
-                  <a:srgbClr val="006388"/>
-                </a:solidFill>
-                <a:latin typeface="Fira Sans" pitchFamily="34"/>
-                <a:ea typeface="Fira Code" pitchFamily="49"/>
-              </a:rPr>
-              <a:t>Practical: </a:t>
-            </a:r>
-            <a:r>
-              <a:rPr lang="en-GB" sz="4800" b="1" kern="0" dirty="0" err="1">
-                <a:solidFill>
-                  <a:srgbClr val="006388"/>
-                </a:solidFill>
-                <a:latin typeface="Fira Sans" pitchFamily="34"/>
-                <a:ea typeface="Fira Code" pitchFamily="49"/>
-              </a:rPr>
-              <a:t>dplyr</a:t>
-            </a:r>
-            <a:r>
-              <a:rPr lang="en-GB" sz="4800" b="1" kern="0" dirty="0">
-                <a:solidFill>
-                  <a:srgbClr val="006388"/>
-                </a:solidFill>
-                <a:latin typeface="Fira Sans" pitchFamily="34"/>
-                <a:ea typeface="Fira Code" pitchFamily="49"/>
-              </a:rPr>
-              <a:t>, </a:t>
-            </a:r>
-            <a:r>
-              <a:rPr lang="en-GB" sz="4800" b="1" kern="0" dirty="0" err="1">
-                <a:solidFill>
-                  <a:srgbClr val="006388"/>
-                </a:solidFill>
-                <a:latin typeface="Fira Sans" pitchFamily="34"/>
-                <a:ea typeface="Fira Code" pitchFamily="49"/>
-              </a:rPr>
-              <a:t>ggplot</a:t>
-            </a:r>
-            <a:r>
-              <a:rPr lang="en-GB" sz="4800" b="1" kern="0" dirty="0">
-                <a:solidFill>
-                  <a:srgbClr val="006388"/>
-                </a:solidFill>
-                <a:latin typeface="Fira Sans" pitchFamily="34"/>
-                <a:ea typeface="Fira Code" pitchFamily="49"/>
-              </a:rPr>
-              <a:t>, </a:t>
-            </a:r>
-            <a:r>
-              <a:rPr lang="en-GB" sz="4800" b="1" kern="0" dirty="0" err="1">
-                <a:solidFill>
-                  <a:srgbClr val="006388"/>
-                </a:solidFill>
-                <a:latin typeface="Fira Sans" pitchFamily="34"/>
-                <a:ea typeface="Fira Code" pitchFamily="49"/>
-              </a:rPr>
-              <a:t>tidyr</a:t>
-            </a:r>
-            <a:endParaRPr lang="en-GB" sz="4800" dirty="0"/>
-          </a:p>
-        </p:txBody>
-      </p:sp>
-      <p:sp>
-        <p:nvSpPr>
-          <p:cNvPr id="3" name="Title 1">
-            <a:extLst>
-              <a:ext uri="{FF2B5EF4-FFF2-40B4-BE49-F238E27FC236}">
-                <a16:creationId xmlns:a16="http://schemas.microsoft.com/office/drawing/2014/main" id="{0E8FBB61-0675-4827-B00A-B2ADDB6105DF}"/>
-              </a:ext>
-            </a:extLst>
-          </p:cNvPr>
-          <p:cNvSpPr txBox="1"/>
-          <p:nvPr/>
-        </p:nvSpPr>
-        <p:spPr>
-          <a:xfrm>
-            <a:off x="838203" y="3071103"/>
-            <a:ext cx="10515600" cy="1325559"/>
-          </a:xfrm>
-          <a:prstGeom prst="rect">
-            <a:avLst/>
-          </a:prstGeom>
-          <a:noFill/>
-          <a:ln cap="flat">
-            <a:noFill/>
-          </a:ln>
-        </p:spPr>
-        <p:txBody>
-          <a:bodyPr vert="horz" wrap="square" lIns="91440" tIns="45720" rIns="91440" bIns="45720" anchor="ctr" anchorCtr="0" compatLnSpc="1">
-            <a:normAutofit/>
-          </a:bodyPr>
-          <a:lstStyle/>
-          <a:p>
-            <a:pPr marL="0" marR="0" lvl="0" indent="0" algn="l" defTabSz="914400" rtl="0" fontAlgn="auto" hangingPunct="1">
-              <a:lnSpc>
-                <a:spcPct val="90000"/>
-              </a:lnSpc>
-              <a:spcBef>
-                <a:spcPts val="0"/>
-              </a:spcBef>
-              <a:spcAft>
-                <a:spcPts val="0"/>
-              </a:spcAft>
-              <a:buNone/>
-              <a:tabLst/>
-              <a:defRPr sz="1800" b="0" i="0" u="none" strike="noStrike" kern="0" cap="none" spc="0" baseline="0">
-                <a:solidFill>
-                  <a:srgbClr val="000000"/>
-                </a:solidFill>
-                <a:uFillTx/>
-              </a:defRPr>
-            </a:pPr>
-            <a:r>
-              <a:rPr lang="en-GB" sz="4000" b="1" i="0" u="none" strike="noStrike" kern="0" cap="none" spc="0" baseline="0" dirty="0">
-                <a:solidFill>
-                  <a:srgbClr val="7F7F7F"/>
-                </a:solidFill>
-                <a:uFillTx/>
-                <a:latin typeface="Fira Sans" pitchFamily="34"/>
-                <a:ea typeface="Fira Code" pitchFamily="49"/>
-              </a:rPr>
-              <a:t>Work in your groups!</a:t>
-            </a:r>
-          </a:p>
-          <a:p>
-            <a:pPr marL="0" marR="0" lvl="0" indent="0" algn="l" defTabSz="914400" rtl="0" fontAlgn="auto" hangingPunct="1">
-              <a:lnSpc>
-                <a:spcPct val="90000"/>
-              </a:lnSpc>
-              <a:spcBef>
-                <a:spcPts val="0"/>
-              </a:spcBef>
-              <a:spcAft>
-                <a:spcPts val="0"/>
-              </a:spcAft>
-              <a:buNone/>
-              <a:tabLst/>
-              <a:defRPr sz="1800" b="0" i="0" u="none" strike="noStrike" kern="0" cap="none" spc="0" baseline="0">
-                <a:solidFill>
-                  <a:srgbClr val="000000"/>
-                </a:solidFill>
-                <a:uFillTx/>
-              </a:defRPr>
-            </a:pPr>
-            <a:r>
-              <a:rPr lang="en-GB" sz="4000" b="1" kern="0" dirty="0">
-                <a:solidFill>
-                  <a:srgbClr val="7F7F7F"/>
-                </a:solidFill>
-                <a:latin typeface="Fira Sans" pitchFamily="34"/>
-                <a:ea typeface="Fira Code" pitchFamily="49"/>
-              </a:rPr>
-              <a:t>Take a break from 10:30 to 10:40</a:t>
-            </a:r>
-            <a:endParaRPr lang="en-GB" sz="4000" b="0" i="0" u="none" strike="noStrike" kern="1200" cap="none" spc="0" baseline="0" dirty="0">
-              <a:solidFill>
-                <a:srgbClr val="7F7F7F"/>
-              </a:solidFill>
-              <a:uFillTx/>
-              <a:latin typeface="Calibri Light"/>
-            </a:endParaRPr>
-          </a:p>
-        </p:txBody>
-      </p:sp>
-    </p:spTree>
-  </p:cSld>
-  <p:clrMapOvr>
-    <a:masterClrMapping/>
-  </p:clrMapOvr>
-</p:sld>
-</file>
-
-<file path=ppt/slides/slide39.xml><?xml version="1.0" encoding="utf-8"?>
-<p:sld xmlns:a="http://schemas.openxmlformats.org/drawingml/2006/main" xmlns:r="http://schemas.openxmlformats.org/officeDocument/2006/relationships" xmlns:p="http://schemas.openxmlformats.org/presentationml/2006/main">
-  <p:cSld name="Slide52">
-    <p:bg>
-      <p:bgPr>
-        <a:solidFill>
-          <a:srgbClr val="006388"/>
-        </a:solidFill>
-        <a:effectLst/>
-      </p:bgPr>
-    </p:bg>
-    <p:spTree>
-      <p:nvGrpSpPr>
-        <p:cNvPr id="1" name=""/>
-        <p:cNvGrpSpPr/>
-        <p:nvPr/>
-      </p:nvGrpSpPr>
-      <p:grpSpPr>
-        <a:xfrm>
-          <a:off x="0" y="0"/>
-          <a:ext cx="0" cy="0"/>
-          <a:chOff x="0" y="0"/>
-          <a:chExt cx="0" cy="0"/>
-        </a:xfrm>
-      </p:grpSpPr>
-      <p:sp>
-        <p:nvSpPr>
-          <p:cNvPr id="2" name="Title 1">
-            <a:extLst>
-              <a:ext uri="{FF2B5EF4-FFF2-40B4-BE49-F238E27FC236}">
-                <a16:creationId xmlns:a16="http://schemas.microsoft.com/office/drawing/2014/main" id="{35BAD9E9-4EDD-4A8E-BACA-88345240EC67}"/>
-              </a:ext>
-            </a:extLst>
-          </p:cNvPr>
-          <p:cNvSpPr txBox="1">
-            <a:spLocks noGrp="1"/>
-          </p:cNvSpPr>
-          <p:nvPr>
-            <p:ph type="title"/>
-          </p:nvPr>
-        </p:nvSpPr>
-        <p:spPr>
-          <a:xfrm>
-            <a:off x="838203" y="2766215"/>
-            <a:ext cx="10515600" cy="1325559"/>
-          </a:xfrm>
-        </p:spPr>
-        <p:txBody>
-          <a:bodyPr anchorCtr="1"/>
-          <a:lstStyle/>
-          <a:p>
-            <a:pPr lvl="0" algn="ctr">
-              <a:lnSpc>
-                <a:spcPct val="100000"/>
-              </a:lnSpc>
-            </a:pPr>
-            <a:r>
-              <a:rPr lang="en-GB" sz="5400" b="1" kern="0" dirty="0">
-                <a:solidFill>
-                  <a:srgbClr val="FFFFFF"/>
-                </a:solidFill>
-                <a:latin typeface="Fira Sans" pitchFamily="34"/>
-                <a:ea typeface="Fira Code" pitchFamily="49"/>
-              </a:rPr>
-              <a:t>Break</a:t>
-            </a:r>
-            <a:endParaRPr lang="en-GB" sz="1800" kern="0" dirty="0">
-              <a:solidFill>
-                <a:srgbClr val="FFFFFF"/>
-              </a:solidFill>
-            </a:endParaRPr>
-          </a:p>
-        </p:txBody>
-      </p:sp>
-    </p:spTree>
-  </p:cSld>
-  <p:clrMapOvr>
-    <a:masterClrMapping/>
-  </p:clrMapOvr>
-</p:sld>
-</file>
-
 <file path=ppt/slides/slide4.xml><?xml version="1.0" encoding="utf-8"?>
 <p:sld xmlns:a="http://schemas.openxmlformats.org/drawingml/2006/main" xmlns:r="http://schemas.openxmlformats.org/officeDocument/2006/relationships" xmlns:p="http://schemas.openxmlformats.org/presentationml/2006/main">
   <p:cSld>
@@ -10491,7 +7361,16 @@
                 </a:solidFill>
                 <a:latin typeface="Fira Sans" pitchFamily="34"/>
               </a:rPr>
-              <a:t>Synthetic Control type methods are conceptually and practically similar to “matching” techniques</a:t>
+              <a:t>Synthetic Control type methods are conceptually and practically similar to </a:t>
+            </a:r>
+            <a:r>
+              <a:rPr lang="en-GB" sz="2400" b="1" dirty="0">
+                <a:solidFill>
+                  <a:srgbClr val="404040"/>
+                </a:solidFill>
+                <a:latin typeface="Fira Sans" pitchFamily="34"/>
+              </a:rPr>
+              <a:t>matching techniques</a:t>
             </a:r>
           </a:p>
           <a:p>
@@ -10592,13 +7471,22 @@
               <a:buNone/>
             </a:pPr>
             <a:r>
+              <a:rPr lang="en-GB" sz="2400" b="1" dirty="0">
+                <a:solidFill>
+                  <a:srgbClr val="404040"/>
+                </a:solidFill>
+                <a:latin typeface="Fira Sans" pitchFamily="34"/>
+              </a:rPr>
+              <a:t>Synthetic Diff-in-Diff </a:t>
+            </a:r>
+            <a:r>
               <a:rPr lang="en-GB" sz="2400" dirty="0">
                 <a:solidFill>
                   <a:srgbClr val="404040"/>
                 </a:solidFill>
                 <a:latin typeface="Fira Sans" pitchFamily="34"/>
               </a:rPr>
-              <a:t>Synthetic Diff-in-Diff (</a:t>
+              <a:t>(</a:t>
             </a:r>
             <a:r>
               <a:rPr lang="en-GB" sz="2400" dirty="0" err="1">
@@ -10676,831 +7564,6 @@
         <p14:creationId xmlns:p14="http://schemas.microsoft.com/office/powerpoint/2010/main" val="1046224831"/>
       </p:ext>
     </p:extLst>
-  </p:cSld>
-  <p:clrMapOvr>
-    <a:masterClrMapping/>
-  </p:clrMapOvr>
-</p:sld>
-</file>
-
-<file path=ppt/slides/slide40.xml><?xml version="1.0" encoding="utf-8"?>
-<p:sld xmlns:a="http://schemas.openxmlformats.org/drawingml/2006/main" xmlns:r="http://schemas.openxmlformats.org/officeDocument/2006/relationships" xmlns:p="http://schemas.openxmlformats.org/presentationml/2006/main" show="0">
-  <p:cSld name="Slide58">
-    <p:spTree>
-      <p:nvGrpSpPr>
-        <p:cNvPr id="1" name=""/>
-        <p:cNvGrpSpPr/>
-        <p:nvPr/>
-      </p:nvGrpSpPr>
-      <p:grpSpPr>
-        <a:xfrm>
-          <a:off x="0" y="0"/>
-          <a:ext cx="0" cy="0"/>
-          <a:chOff x="0" y="0"/>
-          <a:chExt cx="0" cy="0"/>
-        </a:xfrm>
-      </p:grpSpPr>
-      <p:sp>
-        <p:nvSpPr>
-          <p:cNvPr id="2" name="Title 1">
-            <a:extLst>
-              <a:ext uri="{FF2B5EF4-FFF2-40B4-BE49-F238E27FC236}">
-                <a16:creationId xmlns:a16="http://schemas.microsoft.com/office/drawing/2014/main" id="{036EB03B-6F62-4CCD-A4CD-12EC24AAF912}"/>
-              </a:ext>
-            </a:extLst>
-          </p:cNvPr>
-          <p:cNvSpPr txBox="1">
-            <a:spLocks noGrp="1"/>
-          </p:cNvSpPr>
-          <p:nvPr>
-            <p:ph type="title"/>
-          </p:nvPr>
-        </p:nvSpPr>
-        <p:spPr/>
-        <p:txBody>
-          <a:bodyPr/>
-          <a:lstStyle/>
-          <a:p>
-            <a:pPr lvl="0">
-              <a:lnSpc>
-                <a:spcPct val="100000"/>
-              </a:lnSpc>
-            </a:pPr>
-            <a:r>
-              <a:rPr lang="en-GB" sz="5400" b="1" kern="0">
-                <a:solidFill>
-                  <a:srgbClr val="006388"/>
-                </a:solidFill>
-                <a:latin typeface="Fira Sans" pitchFamily="34"/>
-                <a:ea typeface="Fira Code" pitchFamily="49"/>
-              </a:rPr>
-              <a:t>Default light slide</a:t>
-            </a:r>
-            <a:endParaRPr lang="en-GB" sz="1800" kern="0"/>
-          </a:p>
-        </p:txBody>
-      </p:sp>
-      <p:sp>
-        <p:nvSpPr>
-          <p:cNvPr id="3" name="Content Placeholder 2">
-            <a:extLst>
-              <a:ext uri="{FF2B5EF4-FFF2-40B4-BE49-F238E27FC236}">
-                <a16:creationId xmlns:a16="http://schemas.microsoft.com/office/drawing/2014/main" id="{101C6031-0036-4227-9AE0-DCC63CE3973A}"/>
-              </a:ext>
-            </a:extLst>
-          </p:cNvPr>
-          <p:cNvSpPr txBox="1">
-            <a:spLocks noGrp="1"/>
-          </p:cNvSpPr>
-          <p:nvPr>
-            <p:ph idx="1"/>
-          </p:nvPr>
-        </p:nvSpPr>
-        <p:spPr>
-          <a:xfrm>
-            <a:off x="838203" y="1825627"/>
-            <a:ext cx="10515600" cy="4667243"/>
-          </a:xfrm>
-        </p:spPr>
-        <p:txBody>
-          <a:bodyPr/>
-          <a:lstStyle/>
-          <a:p>
-            <a:pPr marL="0" lvl="0" indent="0">
-              <a:buNone/>
-            </a:pPr>
-            <a:r>
-              <a:rPr lang="en-GB" sz="2000" b="1">
-                <a:solidFill>
-                  <a:srgbClr val="404040"/>
-                </a:solidFill>
-                <a:latin typeface="Fira Sans" pitchFamily="34"/>
-              </a:rPr>
-              <a:t>Default subheading</a:t>
-            </a:r>
-          </a:p>
-          <a:p>
-            <a:pPr marL="0" lvl="0" indent="0">
-              <a:buNone/>
-            </a:pPr>
-            <a:r>
-              <a:rPr lang="en-GB" sz="2000">
-                <a:solidFill>
-                  <a:srgbClr val="404040"/>
-                </a:solidFill>
-                <a:latin typeface="Fira Sans" pitchFamily="34"/>
-              </a:rPr>
-              <a:t>This is the body of the text </a:t>
-            </a:r>
-          </a:p>
-          <a:p>
-            <a:pPr marL="0" lvl="0" indent="0">
-              <a:buNone/>
-            </a:pPr>
-            <a:endParaRPr lang="en-GB" sz="2000">
-              <a:solidFill>
-                <a:srgbClr val="404040"/>
-              </a:solidFill>
-              <a:latin typeface="Fira Sans" pitchFamily="34"/>
-            </a:endParaRPr>
-          </a:p>
-          <a:p>
-            <a:pPr marL="0" lvl="0" indent="0">
-              <a:buNone/>
-            </a:pPr>
-            <a:r>
-              <a:rPr lang="en-GB" sz="2000" b="1">
-                <a:solidFill>
-                  <a:srgbClr val="404040"/>
-                </a:solidFill>
-                <a:latin typeface="Fira Sans" pitchFamily="34"/>
-              </a:rPr>
-              <a:t>Default subheading</a:t>
-            </a:r>
-          </a:p>
-          <a:p>
-            <a:pPr marL="0" lvl="0" indent="0">
-              <a:buNone/>
-            </a:pPr>
-            <a:r>
-              <a:rPr lang="en-GB" sz="2000">
-                <a:solidFill>
-                  <a:srgbClr val="404040"/>
-                </a:solidFill>
-                <a:latin typeface="Fira Sans" pitchFamily="34"/>
-              </a:rPr>
-              <a:t>Note that the text is not black, but “black, text 1, lighter 25%”</a:t>
-            </a:r>
-          </a:p>
-          <a:p>
-            <a:pPr marL="0" lvl="0" indent="0">
-              <a:buNone/>
-            </a:pPr>
-            <a:endParaRPr lang="en-GB" sz="2000">
-              <a:solidFill>
-                <a:srgbClr val="404040"/>
-              </a:solidFill>
-              <a:latin typeface="Fira Sans" pitchFamily="34"/>
-            </a:endParaRPr>
-          </a:p>
-          <a:p>
-            <a:pPr marL="0" lvl="0" indent="0">
-              <a:buNone/>
-            </a:pPr>
-            <a:r>
-              <a:rPr lang="en-GB" sz="2000" b="1">
-                <a:solidFill>
-                  <a:srgbClr val="404040"/>
-                </a:solidFill>
-                <a:latin typeface="Fira Sans" pitchFamily="34"/>
-              </a:rPr>
-              <a:t>Default subheading</a:t>
-            </a:r>
-          </a:p>
-          <a:p>
-            <a:pPr marL="0" lvl="0" indent="0">
-              <a:buNone/>
-            </a:pPr>
-            <a:r>
-              <a:rPr lang="en-GB" sz="2000">
-                <a:solidFill>
-                  <a:srgbClr val="404040"/>
-                </a:solidFill>
-                <a:latin typeface="Fira Sans" pitchFamily="34"/>
-              </a:rPr>
-              <a:t>This makes things easier on the eyes</a:t>
-            </a:r>
-          </a:p>
-          <a:p>
-            <a:pPr marL="0" lvl="0" indent="0">
-              <a:buNone/>
-            </a:pPr>
-            <a:endParaRPr lang="en-GB" sz="2000">
-              <a:solidFill>
-                <a:srgbClr val="404040"/>
-              </a:solidFill>
-              <a:latin typeface="Fira Sans" pitchFamily="34"/>
-            </a:endParaRPr>
-          </a:p>
-          <a:p>
-            <a:pPr marL="0" lvl="0" indent="0">
-              <a:buNone/>
-            </a:pPr>
-            <a:r>
-              <a:rPr lang="en-GB" sz="2000" b="1">
-                <a:solidFill>
-                  <a:srgbClr val="404040"/>
-                </a:solidFill>
-                <a:latin typeface="Fira Sans" pitchFamily="34"/>
-              </a:rPr>
-              <a:t>Default subheading</a:t>
-            </a:r>
-          </a:p>
-          <a:p>
-            <a:pPr marL="0" lvl="0" indent="0">
-              <a:buNone/>
-            </a:pPr>
-            <a:r>
-              <a:rPr lang="en-GB" sz="2000">
-                <a:solidFill>
-                  <a:srgbClr val="404040"/>
-                </a:solidFill>
-                <a:latin typeface="Fira Sans" pitchFamily="34"/>
-              </a:rPr>
-              <a:t>This is the body of the text </a:t>
-            </a:r>
-          </a:p>
-          <a:p>
-            <a:pPr marL="0" lvl="0" indent="0">
-              <a:buNone/>
-            </a:pPr>
-            <a:endParaRPr lang="en-GB" sz="2000">
-              <a:solidFill>
-                <a:srgbClr val="404040"/>
-              </a:solidFill>
-              <a:latin typeface="Fira Sans" pitchFamily="34"/>
-            </a:endParaRPr>
-          </a:p>
-        </p:txBody>
-      </p:sp>
-    </p:spTree>
-  </p:cSld>
-  <p:clrMapOvr>
-    <a:masterClrMapping/>
-  </p:clrMapOvr>
-</p:sld>
-</file>
-
-<file path=ppt/slides/slide41.xml><?xml version="1.0" encoding="utf-8"?>
-<p:sld xmlns:a="http://schemas.openxmlformats.org/drawingml/2006/main" xmlns:r="http://schemas.openxmlformats.org/officeDocument/2006/relationships" xmlns:p="http://schemas.openxmlformats.org/presentationml/2006/main" show="0">
-  <p:cSld name="Slide80">
-    <p:bg>
-      <p:bgPr>
-        <a:solidFill>
-          <a:srgbClr val="006388"/>
-        </a:solidFill>
-        <a:effectLst/>
-      </p:bgPr>
-    </p:bg>
-    <p:spTree>
-      <p:nvGrpSpPr>
-        <p:cNvPr id="1" name=""/>
-        <p:cNvGrpSpPr/>
-        <p:nvPr/>
-      </p:nvGrpSpPr>
-      <p:grpSpPr>
-        <a:xfrm>
-          <a:off x="0" y="0"/>
-          <a:ext cx="0" cy="0"/>
-          <a:chOff x="0" y="0"/>
-          <a:chExt cx="0" cy="0"/>
-        </a:xfrm>
-      </p:grpSpPr>
-      <p:sp>
-        <p:nvSpPr>
-          <p:cNvPr id="2" name="Title 1">
-            <a:extLst>
-              <a:ext uri="{FF2B5EF4-FFF2-40B4-BE49-F238E27FC236}">
-                <a16:creationId xmlns:a16="http://schemas.microsoft.com/office/drawing/2014/main" id="{D1D06355-8CFC-4BA5-9ECA-5D945A042530}"/>
-              </a:ext>
-            </a:extLst>
-          </p:cNvPr>
-          <p:cNvSpPr txBox="1">
-            <a:spLocks noGrp="1"/>
-          </p:cNvSpPr>
-          <p:nvPr>
-            <p:ph type="title"/>
-          </p:nvPr>
-        </p:nvSpPr>
-        <p:spPr/>
-        <p:txBody>
-          <a:bodyPr/>
-          <a:lstStyle/>
-          <a:p>
-            <a:pPr lvl="0">
-              <a:lnSpc>
-                <a:spcPct val="100000"/>
-              </a:lnSpc>
-            </a:pPr>
-            <a:r>
-              <a:rPr lang="en-GB" sz="5400" b="1" kern="0">
-                <a:solidFill>
-                  <a:srgbClr val="FFFFFF"/>
-                </a:solidFill>
-                <a:latin typeface="Fira Sans" pitchFamily="34"/>
-                <a:ea typeface="Fira Code" pitchFamily="49"/>
-              </a:rPr>
-              <a:t>Default dark slide</a:t>
-            </a:r>
-            <a:endParaRPr lang="en-GB" sz="1800" kern="0">
-              <a:solidFill>
-                <a:srgbClr val="FFFFFF"/>
-              </a:solidFill>
-            </a:endParaRPr>
-          </a:p>
-        </p:txBody>
-      </p:sp>
-      <p:sp>
-        <p:nvSpPr>
-          <p:cNvPr id="3" name="Content Placeholder 2">
-            <a:extLst>
-              <a:ext uri="{FF2B5EF4-FFF2-40B4-BE49-F238E27FC236}">
-                <a16:creationId xmlns:a16="http://schemas.microsoft.com/office/drawing/2014/main" id="{179B9019-9F4E-4758-95C6-42F5357D5CD9}"/>
-              </a:ext>
-            </a:extLst>
-          </p:cNvPr>
-          <p:cNvSpPr txBox="1">
-            <a:spLocks noGrp="1"/>
-          </p:cNvSpPr>
-          <p:nvPr>
-            <p:ph idx="1"/>
-          </p:nvPr>
-        </p:nvSpPr>
-        <p:spPr>
-          <a:xfrm>
-            <a:off x="838203" y="1825627"/>
-            <a:ext cx="10515600" cy="4667243"/>
-          </a:xfrm>
-        </p:spPr>
-        <p:txBody>
-          <a:bodyPr/>
-          <a:lstStyle/>
-          <a:p>
-            <a:pPr marL="0" lvl="0" indent="0">
-              <a:buNone/>
-            </a:pPr>
-            <a:r>
-              <a:rPr lang="en-GB" sz="2000" b="1">
-                <a:solidFill>
-                  <a:srgbClr val="FFFFFF"/>
-                </a:solidFill>
-                <a:latin typeface="Fira Sans" pitchFamily="34"/>
-              </a:rPr>
-              <a:t>Default subheading</a:t>
-            </a:r>
-          </a:p>
-          <a:p>
-            <a:pPr marL="0" lvl="0" indent="0">
-              <a:buNone/>
-            </a:pPr>
-            <a:r>
-              <a:rPr lang="en-GB" sz="2000">
-                <a:solidFill>
-                  <a:srgbClr val="FFFFFF"/>
-                </a:solidFill>
-                <a:latin typeface="Fira Sans" pitchFamily="34"/>
-              </a:rPr>
-              <a:t>The dark slide brings some variation</a:t>
-            </a:r>
-          </a:p>
-          <a:p>
-            <a:pPr marL="0" lvl="0" indent="0">
-              <a:buNone/>
-            </a:pPr>
-            <a:endParaRPr lang="en-GB" sz="2000">
-              <a:solidFill>
-                <a:srgbClr val="FFFFFF"/>
-              </a:solidFill>
-              <a:latin typeface="Fira Sans" pitchFamily="34"/>
-            </a:endParaRPr>
-          </a:p>
-          <a:p>
-            <a:pPr marL="0" lvl="0" indent="0">
-              <a:buNone/>
-            </a:pPr>
-            <a:r>
-              <a:rPr lang="en-GB" sz="2000" b="1">
-                <a:solidFill>
-                  <a:srgbClr val="FFFFFF"/>
-                </a:solidFill>
-                <a:latin typeface="Fira Sans" pitchFamily="34"/>
-              </a:rPr>
-              <a:t>Default subheading</a:t>
-            </a:r>
-          </a:p>
-          <a:p>
-            <a:pPr marL="0" lvl="0" indent="0">
-              <a:buNone/>
-            </a:pPr>
-            <a:r>
-              <a:rPr lang="en-GB" sz="2000">
-                <a:solidFill>
-                  <a:srgbClr val="FFFFFF"/>
-                </a:solidFill>
-                <a:latin typeface="Fira Sans" pitchFamily="34"/>
-              </a:rPr>
-              <a:t>It can highlight important aspects of the presentation.</a:t>
-            </a:r>
-          </a:p>
-          <a:p>
-            <a:pPr marL="0" lvl="0" indent="0">
-              <a:buNone/>
-            </a:pPr>
-            <a:endParaRPr lang="en-GB" sz="2000">
-              <a:solidFill>
-                <a:srgbClr val="FFFFFF"/>
-              </a:solidFill>
-              <a:latin typeface="Fira Sans" pitchFamily="34"/>
-            </a:endParaRPr>
-          </a:p>
-          <a:p>
-            <a:pPr marL="0" lvl="0" indent="0">
-              <a:buNone/>
-            </a:pPr>
-            <a:r>
-              <a:rPr lang="en-GB" sz="2000" b="1">
-                <a:solidFill>
-                  <a:srgbClr val="FFFFFF"/>
-                </a:solidFill>
-                <a:latin typeface="Fira Sans" pitchFamily="34"/>
-              </a:rPr>
-              <a:t>Default subheading</a:t>
-            </a:r>
-          </a:p>
-          <a:p>
-            <a:pPr marL="0" lvl="0" indent="0">
-              <a:buNone/>
-            </a:pPr>
-            <a:r>
-              <a:rPr lang="en-GB" sz="2000">
-                <a:solidFill>
-                  <a:srgbClr val="FFFFFF"/>
-                </a:solidFill>
-                <a:latin typeface="Fira Sans" pitchFamily="34"/>
-              </a:rPr>
-              <a:t>This is the body of the text </a:t>
-            </a:r>
-          </a:p>
-          <a:p>
-            <a:pPr marL="0" lvl="0" indent="0">
-              <a:buNone/>
-            </a:pPr>
-            <a:endParaRPr lang="en-GB" sz="2000">
-              <a:solidFill>
-                <a:srgbClr val="FFFFFF"/>
-              </a:solidFill>
-              <a:latin typeface="Fira Sans" pitchFamily="34"/>
-            </a:endParaRPr>
-          </a:p>
-          <a:p>
-            <a:pPr marL="0" lvl="0" indent="0">
-              <a:buNone/>
-            </a:pPr>
-            <a:r>
-              <a:rPr lang="en-GB" sz="2000" b="1">
-                <a:solidFill>
-                  <a:srgbClr val="FFFFFF"/>
-                </a:solidFill>
-                <a:latin typeface="Fira Sans" pitchFamily="34"/>
-              </a:rPr>
-              <a:t>Default subheading</a:t>
-            </a:r>
-          </a:p>
-          <a:p>
-            <a:pPr marL="0" lvl="0" indent="0">
-              <a:buNone/>
-            </a:pPr>
-            <a:r>
-              <a:rPr lang="en-GB" sz="2000">
-                <a:solidFill>
-                  <a:srgbClr val="FFFFFF"/>
-                </a:solidFill>
-                <a:latin typeface="Fira Sans" pitchFamily="34"/>
-              </a:rPr>
-              <a:t>This is the body of the text </a:t>
-            </a:r>
-          </a:p>
-          <a:p>
-            <a:pPr marL="0" lvl="0" indent="0">
-              <a:buNone/>
-            </a:pPr>
-            <a:endParaRPr lang="en-GB" sz="2000">
-              <a:solidFill>
-                <a:srgbClr val="FFFFFF"/>
-              </a:solidFill>
-              <a:latin typeface="Fira Sans" pitchFamily="34"/>
-            </a:endParaRPr>
-          </a:p>
-        </p:txBody>
-      </p:sp>
-    </p:spTree>
-  </p:cSld>
-  <p:clrMapOvr>
-    <a:masterClrMapping/>
-  </p:clrMapOvr>
-</p:sld>
-</file>
-
-<file path=ppt/slides/slide42.xml><?xml version="1.0" encoding="utf-8"?>
-<p:sld xmlns:a="http://schemas.openxmlformats.org/drawingml/2006/main" xmlns:r="http://schemas.openxmlformats.org/officeDocument/2006/relationships" xmlns:p="http://schemas.openxmlformats.org/presentationml/2006/main" show="0">
-  <p:cSld>
-    <p:bg>
-      <p:bgPr>
-        <a:solidFill>
-          <a:srgbClr val="006388"/>
-        </a:solidFill>
-        <a:effectLst/>
-      </p:bgPr>
-    </p:bg>
-    <p:spTree>
-      <p:nvGrpSpPr>
-        <p:cNvPr id="1" name=""/>
-        <p:cNvGrpSpPr/>
-        <p:nvPr/>
-      </p:nvGrpSpPr>
-      <p:grpSpPr>
-        <a:xfrm>
-          <a:off x="0" y="0"/>
-          <a:ext cx="0" cy="0"/>
-          <a:chOff x="0" y="0"/>
-          <a:chExt cx="0" cy="0"/>
-        </a:xfrm>
-      </p:grpSpPr>
-      <p:sp>
-        <p:nvSpPr>
-          <p:cNvPr id="2" name="Title 1">
-            <a:extLst>
-              <a:ext uri="{FF2B5EF4-FFF2-40B4-BE49-F238E27FC236}">
-                <a16:creationId xmlns:a16="http://schemas.microsoft.com/office/drawing/2014/main" id="{35BAD9E9-4EDD-4A8E-BACA-88345240EC67}"/>
-              </a:ext>
-            </a:extLst>
-          </p:cNvPr>
-          <p:cNvSpPr txBox="1">
-            <a:spLocks noGrp="1"/>
-          </p:cNvSpPr>
-          <p:nvPr>
-            <p:ph type="title"/>
-          </p:nvPr>
-        </p:nvSpPr>
-        <p:spPr>
-          <a:xfrm>
-            <a:off x="838203" y="2766215"/>
-            <a:ext cx="10515600" cy="1325559"/>
-          </a:xfrm>
-        </p:spPr>
-        <p:txBody>
-          <a:bodyPr anchorCtr="1"/>
-          <a:lstStyle/>
-          <a:p>
-            <a:pPr lvl="0" algn="ctr">
-              <a:lnSpc>
-                <a:spcPct val="100000"/>
-              </a:lnSpc>
-            </a:pPr>
-            <a:r>
-              <a:rPr lang="en-GB" sz="5400" b="1" kern="0">
-                <a:solidFill>
-                  <a:srgbClr val="FFFFFF"/>
-                </a:solidFill>
-                <a:latin typeface="Fira Sans" pitchFamily="34"/>
-                <a:ea typeface="Fira Code" pitchFamily="49"/>
-              </a:rPr>
-              <a:t>Is this an impact slide?</a:t>
-            </a:r>
-            <a:endParaRPr lang="en-GB" sz="1800" kern="0">
-              <a:solidFill>
-                <a:srgbClr val="FFFFFF"/>
-              </a:solidFill>
-            </a:endParaRPr>
-          </a:p>
-        </p:txBody>
-      </p:sp>
-    </p:spTree>
-    <p:extLst>
-      <p:ext uri="{BB962C8B-B14F-4D97-AF65-F5344CB8AC3E}">
-        <p14:creationId xmlns:p14="http://schemas.microsoft.com/office/powerpoint/2010/main" val="3490560062"/>
-      </p:ext>
-    </p:extLst>
-  </p:cSld>
-  <p:clrMapOvr>
-    <a:masterClrMapping/>
-  </p:clrMapOvr>
-</p:sld>
-</file>
-
-<file path=ppt/slides/slide43.xml><?xml version="1.0" encoding="utf-8"?>
-<p:sld xmlns:a="http://schemas.openxmlformats.org/drawingml/2006/main" xmlns:r="http://schemas.openxmlformats.org/officeDocument/2006/relationships" xmlns:p="http://schemas.openxmlformats.org/presentationml/2006/main" show="0">
-  <p:cSld>
-    <p:spTree>
-      <p:nvGrpSpPr>
-        <p:cNvPr id="1" name=""/>
-        <p:cNvGrpSpPr/>
-        <p:nvPr/>
-      </p:nvGrpSpPr>
-      <p:grpSpPr>
-        <a:xfrm>
-          <a:off x="0" y="0"/>
-          <a:ext cx="0" cy="0"/>
-          <a:chOff x="0" y="0"/>
-          <a:chExt cx="0" cy="0"/>
-        </a:xfrm>
-      </p:grpSpPr>
-      <p:sp>
-        <p:nvSpPr>
-          <p:cNvPr id="2" name="Title 1">
-            <a:extLst>
-              <a:ext uri="{FF2B5EF4-FFF2-40B4-BE49-F238E27FC236}">
-                <a16:creationId xmlns:a16="http://schemas.microsoft.com/office/drawing/2014/main" id="{51E44C08-D2D3-4847-9593-818BE0A13B4B}"/>
-              </a:ext>
-            </a:extLst>
-          </p:cNvPr>
-          <p:cNvSpPr txBox="1">
-            <a:spLocks noGrp="1"/>
-          </p:cNvSpPr>
-          <p:nvPr>
-            <p:ph type="title"/>
-          </p:nvPr>
-        </p:nvSpPr>
-        <p:spPr>
-          <a:xfrm>
-            <a:off x="838203" y="1798551"/>
-            <a:ext cx="10515600" cy="1325559"/>
-          </a:xfrm>
-        </p:spPr>
-        <p:txBody>
-          <a:bodyPr>
-            <a:noAutofit/>
-          </a:bodyPr>
-          <a:lstStyle/>
-          <a:p>
-            <a:pPr lvl="0">
-              <a:lnSpc>
-                <a:spcPct val="100000"/>
-              </a:lnSpc>
-            </a:pPr>
-            <a:r>
-              <a:rPr lang="en-GB" b="1" kern="0">
-                <a:solidFill>
-                  <a:srgbClr val="006388"/>
-                </a:solidFill>
-                <a:latin typeface="Fira Sans" pitchFamily="34"/>
-                <a:ea typeface="Fira Code" pitchFamily="49"/>
-              </a:rPr>
-              <a:t>Here is an impactful slide with a sentence on it.</a:t>
-            </a:r>
-            <a:endParaRPr lang="en-GB"/>
-          </a:p>
-        </p:txBody>
-      </p:sp>
-      <p:sp>
-        <p:nvSpPr>
-          <p:cNvPr id="3" name="Title 1">
-            <a:extLst>
-              <a:ext uri="{FF2B5EF4-FFF2-40B4-BE49-F238E27FC236}">
-                <a16:creationId xmlns:a16="http://schemas.microsoft.com/office/drawing/2014/main" id="{0E8FBB61-0675-4827-B00A-B2ADDB6105DF}"/>
-              </a:ext>
-            </a:extLst>
-          </p:cNvPr>
-          <p:cNvSpPr txBox="1"/>
-          <p:nvPr/>
-        </p:nvSpPr>
-        <p:spPr>
-          <a:xfrm>
-            <a:off x="838203" y="3071103"/>
-            <a:ext cx="10515600" cy="1325559"/>
-          </a:xfrm>
-          <a:prstGeom prst="rect">
-            <a:avLst/>
-          </a:prstGeom>
-          <a:noFill/>
-          <a:ln cap="flat">
-            <a:noFill/>
-          </a:ln>
-        </p:spPr>
-        <p:txBody>
-          <a:bodyPr vert="horz" wrap="square" lIns="91440" tIns="45720" rIns="91440" bIns="45720" anchor="ctr" anchorCtr="0" compatLnSpc="1">
-            <a:normAutofit/>
-          </a:bodyPr>
-          <a:lstStyle/>
-          <a:p>
-            <a:pPr marL="0" marR="0" lvl="0" indent="0" algn="l" defTabSz="914400" rtl="0" fontAlgn="auto" hangingPunct="1">
-              <a:lnSpc>
-                <a:spcPct val="90000"/>
-              </a:lnSpc>
-              <a:spcBef>
-                <a:spcPts val="0"/>
-              </a:spcBef>
-              <a:spcAft>
-                <a:spcPts val="0"/>
-              </a:spcAft>
-              <a:buNone/>
-              <a:tabLst/>
-              <a:defRPr sz="1800" b="0" i="0" u="none" strike="noStrike" kern="0" cap="none" spc="0" baseline="0">
-                <a:solidFill>
-                  <a:srgbClr val="000000"/>
-                </a:solidFill>
-                <a:uFillTx/>
-              </a:defRPr>
-            </a:pPr>
-            <a:r>
-              <a:rPr lang="en-GB" sz="4400" b="1" i="0" u="none" strike="noStrike" kern="0" cap="none" spc="0" baseline="0">
-                <a:solidFill>
-                  <a:srgbClr val="7F7F7F"/>
-                </a:solidFill>
-                <a:uFillTx/>
-                <a:latin typeface="Fira Sans" pitchFamily="34"/>
-                <a:ea typeface="Fira Code" pitchFamily="49"/>
-              </a:rPr>
-              <a:t>Here is a topic related to the aforementioned question.</a:t>
-            </a:r>
-            <a:endParaRPr lang="en-GB" sz="4400" b="0" i="0" u="none" strike="noStrike" kern="1200" cap="none" spc="0" baseline="0">
-              <a:solidFill>
-                <a:srgbClr val="7F7F7F"/>
-              </a:solidFill>
-              <a:uFillTx/>
-              <a:latin typeface="Calibri Light"/>
-            </a:endParaRPr>
-          </a:p>
-        </p:txBody>
-      </p:sp>
-    </p:spTree>
-    <p:extLst>
-      <p:ext uri="{BB962C8B-B14F-4D97-AF65-F5344CB8AC3E}">
-        <p14:creationId xmlns:p14="http://schemas.microsoft.com/office/powerpoint/2010/main" val="1857421431"/>
-      </p:ext>
-    </p:extLst>
-  </p:cSld>
-  <p:clrMapOvr>
-    <a:masterClrMapping/>
-  </p:clrMapOvr>
-</p:sld>
-</file>
-
-<file path=ppt/slides/slide44.xml><?xml version="1.0" encoding="utf-8"?>
-<p:sld xmlns:a="http://schemas.openxmlformats.org/drawingml/2006/main" xmlns:r="http://schemas.openxmlformats.org/officeDocument/2006/relationships" xmlns:p="http://schemas.openxmlformats.org/presentationml/2006/main" show="0">
-  <p:cSld name="Slide37">
-    <p:bg>
-      <p:bgPr>
-        <a:solidFill>
-          <a:srgbClr val="006388"/>
-        </a:solidFill>
-        <a:effectLst/>
-      </p:bgPr>
-    </p:bg>
-    <p:spTree>
-      <p:nvGrpSpPr>
-        <p:cNvPr id="1" name=""/>
-        <p:cNvGrpSpPr/>
-        <p:nvPr/>
-      </p:nvGrpSpPr>
-      <p:grpSpPr>
-        <a:xfrm>
-          <a:off x="0" y="0"/>
-          <a:ext cx="0" cy="0"/>
-          <a:chOff x="0" y="0"/>
-          <a:chExt cx="0" cy="0"/>
-        </a:xfrm>
-      </p:grpSpPr>
-      <p:sp>
-        <p:nvSpPr>
-          <p:cNvPr id="2" name="Title 1">
-            <a:extLst>
-              <a:ext uri="{FF2B5EF4-FFF2-40B4-BE49-F238E27FC236}">
-                <a16:creationId xmlns:a16="http://schemas.microsoft.com/office/drawing/2014/main" id="{FD7C9718-D798-4F32-BB21-978BA6199775}"/>
-              </a:ext>
-            </a:extLst>
-          </p:cNvPr>
-          <p:cNvSpPr txBox="1">
-            <a:spLocks noGrp="1"/>
-          </p:cNvSpPr>
-          <p:nvPr>
-            <p:ph type="title"/>
-          </p:nvPr>
-        </p:nvSpPr>
-        <p:spPr>
-          <a:xfrm>
-            <a:off x="838203" y="2766215"/>
-            <a:ext cx="10515600" cy="1325559"/>
-          </a:xfrm>
-        </p:spPr>
-        <p:txBody>
-          <a:bodyPr anchorCtr="1"/>
-          <a:lstStyle/>
-          <a:p>
-            <a:pPr lvl="0" algn="ctr">
-              <a:lnSpc>
-                <a:spcPct val="100000"/>
-              </a:lnSpc>
-            </a:pPr>
-            <a:r>
-              <a:rPr lang="en-GB" sz="5400" b="1" kern="0">
-                <a:solidFill>
-                  <a:srgbClr val="FFFFFF"/>
-                </a:solidFill>
-                <a:latin typeface="Fira Sans" pitchFamily="34"/>
-                <a:ea typeface="Fira Code" pitchFamily="49"/>
-              </a:rPr>
-              <a:t>Questions?</a:t>
-            </a:r>
-            <a:endParaRPr lang="en-GB" sz="1800" kern="0">
-              <a:solidFill>
-                <a:srgbClr val="FFFFFF"/>
-              </a:solidFill>
-            </a:endParaRPr>
-          </a:p>
-        </p:txBody>
-      </p:sp>
-    </p:spTree>
   </p:cSld>
   <p:clrMapOvr>
     <a:masterClrMapping/>
@@ -11543,7 +7606,9 @@
         </p:nvSpPr>
         <p:spPr/>
         <p:txBody>
-          <a:bodyPr/>
+          <a:bodyPr>
+            <a:normAutofit fontScale="90000"/>
+          </a:bodyPr>
           <a:lstStyle/>
           <a:p>
             <a:pPr lvl="0">
@@ -11559,7 +7624,7 @@
                 <a:latin typeface="Fira Sans" pitchFamily="34"/>
                 <a:ea typeface="Fira Code" pitchFamily="49"/>
               </a:rPr>
-              <a:t>Advanced Topics</a:t>
+              <a:t>Advanced Topics / Open Questions</a:t>
             </a:r>
             <a:endParaRPr lang="en-GB" sz="1800" kern="0" dirty="0"/>
           </a:p>
@@ -11589,7 +7654,7 @@
         </p:spPr>
         <p:txBody>
           <a:bodyPr>
-            <a:normAutofit/>
+            <a:normAutofit fontScale="92500" lnSpcReduction="20000"/>
           </a:bodyPr>
           <a:lstStyle/>
           <a:p>
@@ -11600,7 +7665,7 @@
               <a:buNone/>
             </a:pPr>
             <a:r>
-              <a:rPr lang="en-GB" sz="2400" dirty="0">
+              <a:rPr lang="en-GB" sz="2400" b="1" dirty="0">
                 <a:solidFill>
                   <a:srgbClr val="404040"/>
                 </a:solidFill>
@@ -11623,17 +7688,155 @@
                 </a:solidFill>
                 <a:latin typeface="Fira Sans" pitchFamily="34"/>
               </a:rPr>
-              <a:t> - Outcome may be affected by </a:t>
-            </a:r>
-            <a:r>
-              <a:rPr lang="en-GB" sz="2400" u="sng" dirty="0">
-                <a:solidFill>
-                  <a:srgbClr val="404040"/>
-                </a:solidFill>
-                <a:latin typeface="Fira Sans" pitchFamily="34"/>
-              </a:rPr>
-              <a:t>anticipation</a:t>
-            </a:r>
+              <a:t> - E.g. policy may be gradually introduced / rolled out</a:t>
+            </a:r>
+          </a:p>
+          <a:p>
+            <a:pPr marL="0" indent="0">
+              <a:lnSpc>
+                <a:spcPct val="100000"/>
+              </a:lnSpc>
+              <a:buNone/>
+            </a:pPr>
+            <a:r>
+              <a:rPr lang="en-GB" sz="2400" dirty="0">
+                <a:solidFill>
+                  <a:srgbClr val="404040"/>
+                </a:solidFill>
+                <a:latin typeface="Fira Sans" pitchFamily="34"/>
+              </a:rPr>
+              <a:t> - Some policies may have an “anticipatory” effect; people stop smoking because cigarettes are about to get more expensive</a:t>
+            </a:r>
+          </a:p>
+          <a:p>
+            <a:pPr marL="0" indent="0">
+              <a:lnSpc>
+                <a:spcPct val="100000"/>
+              </a:lnSpc>
+              <a:buNone/>
+            </a:pPr>
+            <a:r>
+              <a:rPr lang="en-GB" sz="2400" dirty="0">
+                <a:solidFill>
+                  <a:srgbClr val="404040"/>
+                </a:solidFill>
+                <a:latin typeface="Fira Sans" pitchFamily="34"/>
+              </a:rPr>
+              <a:t>- Here fuzzy-RDD type analyses may be helpful. OR explicit modelling of intervention effect. </a:t>
+            </a:r>
+          </a:p>
+          <a:p>
+            <a:pPr marL="0" indent="0">
+              <a:lnSpc>
+                <a:spcPct val="100000"/>
+              </a:lnSpc>
+              <a:buNone/>
+            </a:pPr>
+            <a:endParaRPr lang="en-GB" sz="2400" dirty="0">
+              <a:solidFill>
+                <a:srgbClr val="404040"/>
+              </a:solidFill>
+              <a:latin typeface="Fira Sans" pitchFamily="34"/>
+            </a:endParaRPr>
+          </a:p>
+          <a:p>
+            <a:pPr marL="0" indent="0">
+              <a:lnSpc>
+                <a:spcPct val="100000"/>
+              </a:lnSpc>
+              <a:buNone/>
+            </a:pPr>
+            <a:r>
+              <a:rPr lang="en-GB" sz="2400" b="1" dirty="0">
+                <a:solidFill>
+                  <a:srgbClr val="404040"/>
+                </a:solidFill>
+                <a:latin typeface="Fira Sans" pitchFamily="34"/>
+              </a:rPr>
+              <a:t>How to deal with multiple treated units?</a:t>
+            </a:r>
+          </a:p>
+          <a:p>
+            <a:pPr>
+              <a:lnSpc>
+                <a:spcPct val="100000"/>
+              </a:lnSpc>
+              <a:buFontTx/>
+              <a:buChar char="-"/>
+            </a:pPr>
+            <a:r>
+              <a:rPr lang="en-GB" sz="2400" dirty="0">
+                <a:solidFill>
+                  <a:srgbClr val="404040"/>
+                </a:solidFill>
+                <a:latin typeface="Fira Sans" pitchFamily="34"/>
+              </a:rPr>
+              <a:t>Aggregating vs not-aggregating</a:t>
+            </a:r>
+          </a:p>
+          <a:p>
+            <a:pPr>
+              <a:lnSpc>
+                <a:spcPct val="100000"/>
+              </a:lnSpc>
+              <a:buFontTx/>
+              <a:buChar char="-"/>
+            </a:pPr>
+            <a:r>
+              <a:rPr lang="en-GB" sz="2400" dirty="0">
+                <a:solidFill>
+                  <a:srgbClr val="404040"/>
+                </a:solidFill>
+                <a:latin typeface="Fira Sans" pitchFamily="34"/>
+              </a:rPr>
+              <a:t>Classic approach is to take means, estimate ACEs. Less data + assumption “hungry” but information is lost</a:t>
+            </a:r>
+          </a:p>
+          <a:p>
+            <a:pPr>
+              <a:lnSpc>
+                <a:spcPct val="100000"/>
+              </a:lnSpc>
+              <a:buFontTx/>
+              <a:buChar char="-"/>
+            </a:pPr>
+            <a:r>
+              <a:rPr lang="en-GB" sz="2400" dirty="0">
+                <a:solidFill>
+                  <a:srgbClr val="404040"/>
+                </a:solidFill>
+                <a:latin typeface="Fira Sans" pitchFamily="34"/>
+              </a:rPr>
+              <a:t>If you have enough data to perform, e.g., synthetic control analysis, may be better to first estimate unit-level effects, then summarize</a:t>
+            </a:r>
+          </a:p>
+          <a:p>
+            <a:pPr marL="0" indent="0">
+              <a:lnSpc>
+                <a:spcPct val="100000"/>
+              </a:lnSpc>
+              <a:buNone/>
+            </a:pPr>
+            <a:endParaRPr lang="en-GB" sz="2400" dirty="0">
+              <a:solidFill>
+                <a:srgbClr val="404040"/>
+              </a:solidFill>
+              <a:latin typeface="Fira Sans" pitchFamily="34"/>
+            </a:endParaRPr>
+          </a:p>
+          <a:p>
+            <a:pPr marL="0" indent="0">
+              <a:lnSpc>
+                <a:spcPct val="100000"/>
+              </a:lnSpc>
+              <a:buNone/>
+            </a:pPr>
+            <a:endParaRPr lang="en-GB" sz="2400" dirty="0">
+              <a:solidFill>
+                <a:srgbClr val="404040"/>
+              </a:solidFill>
+              <a:latin typeface="Fira Sans" pitchFamily="34"/>
+            </a:endParaRPr>
           </a:p>
         </p:txBody>
       </p:sp>
@@ -11685,7 +7888,9 @@
         </p:nvSpPr>
         <p:spPr/>
         <p:txBody>
-          <a:bodyPr/>
+          <a:bodyPr>
+            <a:normAutofit fontScale="90000"/>
+          </a:bodyPr>
           <a:lstStyle/>
           <a:p>
             <a:pPr lvl="0">
@@ -11701,7 +7906,7 @@
                 <a:latin typeface="Fira Sans" pitchFamily="34"/>
                 <a:ea typeface="Fira Code" pitchFamily="49"/>
               </a:rPr>
-              <a:t>Summary</a:t>
+              <a:t>Advanced Topics / Open Questions</a:t>
             </a:r>
             <a:endParaRPr lang="en-GB" sz="1800" kern="0" dirty="0"/>
           </a:p>
@@ -11735,177 +7940,6 @@
           </a:bodyPr>
           <a:lstStyle/>
           <a:p>
-            <a:pPr marL="0" lvl="0" indent="0">
-              <a:buNone/>
-            </a:pPr>
-            <a:r>
-              <a:rPr lang="en-GB" dirty="0">
-                <a:solidFill>
-                  <a:srgbClr val="404040"/>
-                </a:solidFill>
-                <a:latin typeface="Fira Sans" pitchFamily="34"/>
-              </a:rPr>
-              <a:t>Many different methods have been developed to answer these types of research questions</a:t>
-            </a:r>
-          </a:p>
-          <a:p>
-            <a:pPr marL="0" lvl="0" indent="0">
-              <a:buNone/>
-            </a:pPr>
-            <a:endParaRPr lang="en-GB" dirty="0">
-              <a:solidFill>
-                <a:srgbClr val="404040"/>
-              </a:solidFill>
-              <a:latin typeface="Fira Sans" pitchFamily="34"/>
-            </a:endParaRPr>
-          </a:p>
-          <a:p>
-            <a:pPr marL="0" lvl="0" indent="0">
-              <a:buNone/>
-            </a:pPr>
-            <a:r>
-              <a:rPr lang="en-GB" dirty="0">
-                <a:solidFill>
-                  <a:srgbClr val="404040"/>
-                </a:solidFill>
-                <a:latin typeface="Fira Sans" pitchFamily="34"/>
-              </a:rPr>
-              <a:t>These methods differ in terms of:</a:t>
-            </a:r>
-          </a:p>
-          <a:p>
-            <a:pPr lvl="0">
-              <a:buFontTx/>
-              <a:buChar char="-"/>
-            </a:pPr>
-            <a:r>
-              <a:rPr lang="en-GB" dirty="0">
-                <a:solidFill>
-                  <a:srgbClr val="404040"/>
-                </a:solidFill>
-                <a:latin typeface="Fira Sans" pitchFamily="34"/>
-              </a:rPr>
-              <a:t>The </a:t>
-            </a:r>
-            <a:r>
-              <a:rPr lang="en-GB" b="1" dirty="0">
-                <a:solidFill>
-                  <a:srgbClr val="404040"/>
-                </a:solidFill>
-                <a:latin typeface="Fira Sans" pitchFamily="34"/>
-              </a:rPr>
-              <a:t>amount</a:t>
-            </a:r>
-            <a:r>
-              <a:rPr lang="en-GB" dirty="0">
-                <a:solidFill>
-                  <a:srgbClr val="404040"/>
-                </a:solidFill>
-                <a:latin typeface="Fira Sans" pitchFamily="34"/>
-              </a:rPr>
-              <a:t> and </a:t>
-            </a:r>
-            <a:r>
-              <a:rPr lang="en-GB" b="1" dirty="0">
-                <a:solidFill>
-                  <a:srgbClr val="404040"/>
-                </a:solidFill>
-                <a:latin typeface="Fira Sans" pitchFamily="34"/>
-              </a:rPr>
-              <a:t>type</a:t>
-            </a:r>
-            <a:r>
-              <a:rPr lang="en-GB" dirty="0">
-                <a:solidFill>
-                  <a:srgbClr val="404040"/>
-                </a:solidFill>
-                <a:latin typeface="Fira Sans" pitchFamily="34"/>
-              </a:rPr>
-              <a:t> of information they use</a:t>
-            </a:r>
-          </a:p>
-          <a:p>
-            <a:pPr lvl="1">
-              <a:buFontTx/>
-              <a:buChar char="-"/>
-            </a:pPr>
-            <a:r>
-              <a:rPr lang="en-GB" dirty="0">
-                <a:solidFill>
-                  <a:srgbClr val="404040"/>
-                </a:solidFill>
-                <a:latin typeface="Fira Sans" pitchFamily="34"/>
-              </a:rPr>
-              <a:t>Amount of time-points and amount of potential “control” units</a:t>
-            </a:r>
-          </a:p>
-          <a:p>
-            <a:pPr>
-              <a:buFontTx/>
-              <a:buChar char="-"/>
-            </a:pPr>
-            <a:r>
-              <a:rPr lang="en-GB" dirty="0">
-                <a:solidFill>
-                  <a:srgbClr val="404040"/>
-                </a:solidFill>
-                <a:latin typeface="Fira Sans" pitchFamily="34"/>
-              </a:rPr>
-              <a:t>The specific </a:t>
-            </a:r>
-            <a:r>
-              <a:rPr lang="en-GB" b="1" dirty="0">
-                <a:solidFill>
-                  <a:srgbClr val="404040"/>
-                </a:solidFill>
-                <a:latin typeface="Fira Sans" pitchFamily="34"/>
-              </a:rPr>
-              <a:t>statistical approach</a:t>
-            </a:r>
-            <a:r>
-              <a:rPr lang="en-GB" dirty="0">
-                <a:solidFill>
-                  <a:srgbClr val="404040"/>
-                </a:solidFill>
-                <a:latin typeface="Fira Sans" pitchFamily="34"/>
-              </a:rPr>
-              <a:t> they take</a:t>
-            </a:r>
-          </a:p>
-          <a:p>
-            <a:pPr>
-              <a:buFontTx/>
-              <a:buChar char="-"/>
-            </a:pPr>
-            <a:r>
-              <a:rPr lang="en-GB" dirty="0">
-                <a:solidFill>
-                  <a:srgbClr val="404040"/>
-                </a:solidFill>
-                <a:latin typeface="Fira Sans" pitchFamily="34"/>
-              </a:rPr>
-              <a:t>The types of </a:t>
-            </a:r>
-            <a:r>
-              <a:rPr lang="en-GB" b="1" dirty="0">
-                <a:solidFill>
-                  <a:srgbClr val="404040"/>
-                </a:solidFill>
-                <a:latin typeface="Fira Sans" pitchFamily="34"/>
-              </a:rPr>
-              <a:t>assumptions</a:t>
-            </a:r>
-            <a:r>
-              <a:rPr lang="en-GB" dirty="0">
-                <a:solidFill>
-                  <a:srgbClr val="404040"/>
-                </a:solidFill>
-                <a:latin typeface="Fira Sans" pitchFamily="34"/>
-              </a:rPr>
-              <a:t> they make</a:t>
-            </a:r>
-          </a:p>
-          <a:p>
             <a:pPr marL="0" indent="0">
               <a:lnSpc>
                 <a:spcPct val="100000"/>
@@ -11919,12 +7953,331 @@
               <a:latin typeface="Fira Sans" pitchFamily="34"/>
             </a:endParaRPr>
           </a:p>
+          <a:p>
+            <a:pPr marL="0" indent="0">
+              <a:lnSpc>
+                <a:spcPct val="100000"/>
+              </a:lnSpc>
+              <a:buNone/>
+            </a:pPr>
+            <a:endParaRPr lang="en-GB" sz="2400" dirty="0">
+              <a:solidFill>
+                <a:srgbClr val="404040"/>
+              </a:solidFill>
+              <a:latin typeface="Fira Sans" pitchFamily="34"/>
+            </a:endParaRPr>
+          </a:p>
+        </p:txBody>
+      </p:sp>
+      <p:sp>
+        <p:nvSpPr>
+          <p:cNvPr id="3" name="Content Placeholder 2">
+            <a:extLst>
+              <a:ext uri="{FF2B5EF4-FFF2-40B4-BE49-F238E27FC236}">
+                <a16:creationId xmlns:a16="http://schemas.microsoft.com/office/drawing/2014/main" id="{3A6B8B8C-2A42-EAF7-C87C-62D47E4484B7}"/>
+              </a:ext>
+            </a:extLst>
+          </p:cNvPr>
+          <p:cNvSpPr txBox="1">
+            <a:spLocks/>
+          </p:cNvSpPr>
+          <p:nvPr/>
+        </p:nvSpPr>
+        <p:spPr>
+          <a:xfrm>
+            <a:off x="693910" y="1768882"/>
+            <a:ext cx="10515600" cy="4667243"/>
+          </a:xfrm>
+          <a:prstGeom prst="rect">
+            <a:avLst/>
+          </a:prstGeom>
+          <a:noFill/>
+          <a:ln>
+            <a:noFill/>
+          </a:ln>
+        </p:spPr>
+        <p:txBody>
+          <a:bodyPr vert="horz" wrap="square" lIns="91440" tIns="45720" rIns="91440" bIns="45720" anchor="t" anchorCtr="0" compatLnSpc="1">
+            <a:normAutofit/>
+          </a:bodyPr>
+          <a:lstStyle>
+            <a:lvl1pPr marL="228600" marR="0" lvl="0" indent="-228600" algn="l" defTabSz="914400" rtl="0" fontAlgn="auto" hangingPunct="1">
+              <a:lnSpc>
+                <a:spcPct val="90000"/>
+              </a:lnSpc>
+              <a:spcBef>
+                <a:spcPts val="1000"/>
+              </a:spcBef>
+              <a:spcAft>
+                <a:spcPts val="0"/>
+              </a:spcAft>
+              <a:buSzPct val="100000"/>
+              <a:buFont typeface="Arial" pitchFamily="34"/>
+              <a:buChar char="•"/>
+              <a:tabLst/>
+              <a:defRPr lang="en-US" sz="2800" b="0" i="0" u="none" strike="noStrike" kern="1200" cap="none" spc="0" baseline="0">
+                <a:solidFill>
+                  <a:srgbClr val="000000"/>
+                </a:solidFill>
+                <a:uFillTx/>
+                <a:latin typeface="Calibri"/>
+              </a:defRPr>
+            </a:lvl1pPr>
+            <a:lvl2pPr marL="685800" marR="0" lvl="1" indent="-228600" algn="l" defTabSz="914400" rtl="0" fontAlgn="auto" hangingPunct="1">
+              <a:lnSpc>
+                <a:spcPct val="90000"/>
+              </a:lnSpc>
+              <a:spcBef>
+                <a:spcPts val="500"/>
+              </a:spcBef>
+              <a:spcAft>
+                <a:spcPts val="0"/>
+              </a:spcAft>
+              <a:buSzPct val="100000"/>
+              <a:buFont typeface="Arial" pitchFamily="34"/>
+              <a:buChar char="•"/>
+              <a:tabLst/>
+              <a:defRPr lang="en-US" sz="2400" b="0" i="0" u="none" strike="noStrike" kern="1200" cap="none" spc="0" baseline="0">
+                <a:solidFill>
+                  <a:srgbClr val="000000"/>
+                </a:solidFill>
+                <a:uFillTx/>
+                <a:latin typeface="Calibri"/>
+              </a:defRPr>
+            </a:lvl2pPr>
+            <a:lvl3pPr marL="1143000" marR="0" lvl="2" indent="-228600" algn="l" defTabSz="914400" rtl="0" fontAlgn="auto" hangingPunct="1">
+              <a:lnSpc>
+                <a:spcPct val="90000"/>
+              </a:lnSpc>
+              <a:spcBef>
+                <a:spcPts val="500"/>
+              </a:spcBef>
+              <a:spcAft>
+                <a:spcPts val="0"/>
+              </a:spcAft>
+              <a:buSzPct val="100000"/>
+              <a:buFont typeface="Arial" pitchFamily="34"/>
+              <a:buChar char="•"/>
+              <a:tabLst/>
+              <a:defRPr lang="en-US" sz="2000" b="0" i="0" u="none" strike="noStrike" kern="1200" cap="none" spc="0" baseline="0">
+                <a:solidFill>
+                  <a:srgbClr val="000000"/>
+                </a:solidFill>
+                <a:uFillTx/>
+                <a:latin typeface="Calibri"/>
+              </a:defRPr>
+            </a:lvl3pPr>
+            <a:lvl4pPr marL="1600200" marR="0" lvl="3" indent="-228600" algn="l" defTabSz="914400" rtl="0" fontAlgn="auto" hangingPunct="1">
+              <a:lnSpc>
+                <a:spcPct val="90000"/>
+              </a:lnSpc>
+              <a:spcBef>
+                <a:spcPts val="500"/>
+              </a:spcBef>
+              <a:spcAft>
+                <a:spcPts val="0"/>
+              </a:spcAft>
+              <a:buSzPct val="100000"/>
+              <a:buFont typeface="Arial" pitchFamily="34"/>
+              <a:buChar char="•"/>
+              <a:tabLst/>
+              <a:defRPr lang="en-US" sz="1800" b="0" i="0" u="none" strike="noStrike" kern="1200" cap="none" spc="0" baseline="0">
+                <a:solidFill>
+                  <a:srgbClr val="000000"/>
+                </a:solidFill>
+                <a:uFillTx/>
+                <a:latin typeface="Calibri"/>
+              </a:defRPr>
+            </a:lvl4pPr>
+            <a:lvl5pPr marL="2057400" marR="0" lvl="4" indent="-228600" algn="l" defTabSz="914400" rtl="0" fontAlgn="auto" hangingPunct="1">
+              <a:lnSpc>
+                <a:spcPct val="90000"/>
+              </a:lnSpc>
+              <a:spcBef>
+                <a:spcPts val="500"/>
+              </a:spcBef>
+              <a:spcAft>
+                <a:spcPts val="0"/>
+              </a:spcAft>
+              <a:buSzPct val="100000"/>
+              <a:buFont typeface="Arial" pitchFamily="34"/>
+              <a:buChar char="•"/>
+              <a:tabLst/>
+              <a:defRPr lang="en-US" sz="1800" b="0" i="0" u="none" strike="noStrike" kern="1200" cap="none" spc="0" baseline="0">
+                <a:solidFill>
+                  <a:srgbClr val="000000"/>
+                </a:solidFill>
+                <a:uFillTx/>
+                <a:latin typeface="Calibri"/>
+              </a:defRPr>
+            </a:lvl5pPr>
+            <a:lvl6pPr marL="2514600" indent="-228600" algn="l" defTabSz="914400" rtl="0" eaLnBrk="1" latinLnBrk="0" hangingPunct="1">
+              <a:lnSpc>
+                <a:spcPct val="90000"/>
+              </a:lnSpc>
+              <a:spcBef>
+                <a:spcPts val="500"/>
+              </a:spcBef>
+              <a:buFont typeface="Arial" panose="020B0604020202020204" pitchFamily="34" charset="0"/>
+              <a:buChar char="•"/>
+              <a:defRPr sz="1800" kern="1200">
+                <a:solidFill>
+                  <a:schemeClr val="tx1"/>
+                </a:solidFill>
+                <a:latin typeface="+mn-lt"/>
+                <a:ea typeface="+mn-ea"/>
+                <a:cs typeface="+mn-cs"/>
+              </a:defRPr>
+            </a:lvl6pPr>
+            <a:lvl7pPr marL="2971800" indent="-228600" algn="l" defTabSz="914400" rtl="0" eaLnBrk="1" latinLnBrk="0" hangingPunct="1">
+              <a:lnSpc>
+                <a:spcPct val="90000"/>
+              </a:lnSpc>
+              <a:spcBef>
+                <a:spcPts val="500"/>
+              </a:spcBef>
+              <a:buFont typeface="Arial" panose="020B0604020202020204" pitchFamily="34" charset="0"/>
+              <a:buChar char="•"/>
+              <a:defRPr sz="1800" kern="1200">
+                <a:solidFill>
+                  <a:schemeClr val="tx1"/>
+                </a:solidFill>
+                <a:latin typeface="+mn-lt"/>
+                <a:ea typeface="+mn-ea"/>
+                <a:cs typeface="+mn-cs"/>
+              </a:defRPr>
+            </a:lvl7pPr>
+            <a:lvl8pPr marL="3429000" indent="-228600" algn="l" defTabSz="914400" rtl="0" eaLnBrk="1" latinLnBrk="0" hangingPunct="1">
+              <a:lnSpc>
+                <a:spcPct val="90000"/>
+              </a:lnSpc>
+              <a:spcBef>
+                <a:spcPts val="500"/>
+              </a:spcBef>
+              <a:buFont typeface="Arial" panose="020B0604020202020204" pitchFamily="34" charset="0"/>
+              <a:buChar char="•"/>
+              <a:defRPr sz="1800" kern="1200">
+                <a:solidFill>
+                  <a:schemeClr val="tx1"/>
+                </a:solidFill>
+                <a:latin typeface="+mn-lt"/>
+                <a:ea typeface="+mn-ea"/>
+                <a:cs typeface="+mn-cs"/>
+              </a:defRPr>
+            </a:lvl8pPr>
+            <a:lvl9pPr marL="3886200" indent="-228600" algn="l" defTabSz="914400" rtl="0" eaLnBrk="1" latinLnBrk="0" hangingPunct="1">
+              <a:lnSpc>
+                <a:spcPct val="90000"/>
+              </a:lnSpc>
+              <a:spcBef>
+                <a:spcPts val="500"/>
+              </a:spcBef>
+              <a:buFont typeface="Arial" panose="020B0604020202020204" pitchFamily="34" charset="0"/>
+              <a:buChar char="•"/>
+              <a:defRPr sz="1800" kern="1200">
+                <a:solidFill>
+                  <a:schemeClr val="tx1"/>
+                </a:solidFill>
+                <a:latin typeface="+mn-lt"/>
+                <a:ea typeface="+mn-ea"/>
+                <a:cs typeface="+mn-cs"/>
+              </a:defRPr>
+            </a:lvl9pPr>
+          </a:lstStyle>
+          <a:p>
+            <a:pPr marL="0" indent="0">
+              <a:lnSpc>
+                <a:spcPct val="100000"/>
+              </a:lnSpc>
+              <a:buFont typeface="Arial" pitchFamily="34"/>
+              <a:buNone/>
+            </a:pPr>
+            <a:r>
+              <a:rPr lang="en-GB" sz="4000" dirty="0">
+                <a:solidFill>
+                  <a:srgbClr val="404040"/>
+                </a:solidFill>
+                <a:latin typeface="Fira Sans" pitchFamily="34"/>
+              </a:rPr>
+              <a:t>What questions / problems do you run into, that we didn’t manage to cover in class?</a:t>
+            </a:r>
+          </a:p>
+          <a:p>
+            <a:pPr marL="0" indent="0">
+              <a:lnSpc>
+                <a:spcPct val="100000"/>
+              </a:lnSpc>
+              <a:buFont typeface="Arial" pitchFamily="34"/>
+              <a:buNone/>
+            </a:pPr>
+            <a:endParaRPr lang="en-GB" sz="4000" dirty="0">
+              <a:solidFill>
+                <a:srgbClr val="404040"/>
+              </a:solidFill>
+              <a:latin typeface="Fira Sans" pitchFamily="34"/>
+            </a:endParaRPr>
+          </a:p>
+          <a:p>
+            <a:pPr marL="0" indent="0">
+              <a:lnSpc>
+                <a:spcPct val="100000"/>
+              </a:lnSpc>
+              <a:buFont typeface="Arial" pitchFamily="34"/>
+              <a:buNone/>
+            </a:pPr>
+            <a:r>
+              <a:rPr lang="en-GB" sz="4000" dirty="0">
+                <a:solidFill>
+                  <a:srgbClr val="404040"/>
+                </a:solidFill>
+                <a:latin typeface="Fira Sans" pitchFamily="34"/>
+                <a:hlinkClick r:id="rId2"/>
+              </a:rPr>
+              <a:t>https://app.wooclap.com/ZHSIPT</a:t>
+            </a:r>
+            <a:endParaRPr lang="en-GB" sz="4000" dirty="0">
+              <a:solidFill>
+                <a:srgbClr val="404040"/>
+              </a:solidFill>
+              <a:latin typeface="Fira Sans" pitchFamily="34"/>
+            </a:endParaRPr>
+          </a:p>
+          <a:p>
+            <a:pPr marL="0" indent="0">
+              <a:lnSpc>
+                <a:spcPct val="100000"/>
+              </a:lnSpc>
+              <a:buFont typeface="Arial" pitchFamily="34"/>
+              <a:buNone/>
+            </a:pPr>
+            <a:endParaRPr lang="en-GB" sz="4000" dirty="0">
+              <a:solidFill>
+                <a:srgbClr val="404040"/>
+              </a:solidFill>
+              <a:latin typeface="Fira Sans" pitchFamily="34"/>
+            </a:endParaRPr>
+          </a:p>
+          <a:p>
+            <a:pPr marL="0" indent="0">
+              <a:lnSpc>
+                <a:spcPct val="100000"/>
+              </a:lnSpc>
+              <a:buFont typeface="Arial" pitchFamily="34"/>
+              <a:buNone/>
+            </a:pPr>
+            <a:endParaRPr lang="en-GB" sz="4000" dirty="0">
+              <a:solidFill>
+                <a:srgbClr val="404040"/>
+              </a:solidFill>
+              <a:latin typeface="Fira Sans" pitchFamily="34"/>
+            </a:endParaRPr>
+          </a:p>
         </p:txBody>
       </p:sp>
     </p:spTree>
     <p:extLst>
       <p:ext uri="{BB962C8B-B14F-4D97-AF65-F5344CB8AC3E}">
-        <p14:creationId xmlns:p14="http://schemas.microsoft.com/office/powerpoint/2010/main" val="3227257795"/>
+        <p14:creationId xmlns:p14="http://schemas.microsoft.com/office/powerpoint/2010/main" val="399910911"/>
       </p:ext>
     </p:extLst>
   </p:cSld>
@@ -11985,7 +8338,7 @@
                 <a:latin typeface="Fira Sans" pitchFamily="34"/>
                 <a:ea typeface="Fira Code" pitchFamily="49"/>
               </a:rPr>
-              <a:t>Common Themes</a:t>
+              <a:t>Summary</a:t>
             </a:r>
             <a:endParaRPr lang="en-GB" sz="1800" kern="0" dirty="0"/>
           </a:p>
@@ -12010,7 +8363,7 @@
         <p:spPr>
           <a:xfrm>
             <a:off x="838203" y="1825627"/>
-            <a:ext cx="10747440" cy="4667243"/>
+            <a:ext cx="10515600" cy="4667243"/>
           </a:xfrm>
         </p:spPr>
         <p:txBody>
@@ -12019,63 +8372,196 @@
           </a:bodyPr>
           <a:lstStyle/>
           <a:p>
+            <a:pPr marL="0" lvl="0" indent="0">
+              <a:buNone/>
+            </a:pPr>
+            <a:r>
+              <a:rPr lang="en-GB" dirty="0">
+                <a:solidFill>
+                  <a:srgbClr val="404040"/>
+                </a:solidFill>
+                <a:latin typeface="Fira Sans" pitchFamily="34"/>
+              </a:rPr>
+              <a:t>Many different methods have been developed to answer these types of research questions</a:t>
+            </a:r>
+          </a:p>
+          <a:p>
+            <a:pPr marL="0" lvl="0" indent="0">
+              <a:buNone/>
+            </a:pPr>
+            <a:endParaRPr lang="en-GB" dirty="0">
+              <a:solidFill>
+                <a:srgbClr val="404040"/>
+              </a:solidFill>
+              <a:latin typeface="Fira Sans" pitchFamily="34"/>
+            </a:endParaRPr>
+          </a:p>
+          <a:p>
+            <a:pPr marL="0" lvl="0" indent="0">
+              <a:buNone/>
+            </a:pPr>
+            <a:r>
+              <a:rPr lang="en-GB" dirty="0">
+                <a:solidFill>
+                  <a:srgbClr val="404040"/>
+                </a:solidFill>
+                <a:latin typeface="Fira Sans" pitchFamily="34"/>
+              </a:rPr>
+              <a:t>These methods differ in terms of:</a:t>
+            </a:r>
+          </a:p>
+          <a:p>
+            <a:pPr lvl="0">
+              <a:buFontTx/>
+              <a:buChar char="-"/>
+            </a:pPr>
+            <a:r>
+              <a:rPr lang="en-GB" dirty="0">
+                <a:solidFill>
+                  <a:srgbClr val="404040"/>
+                </a:solidFill>
+                <a:latin typeface="Fira Sans" pitchFamily="34"/>
+              </a:rPr>
+              <a:t>The </a:t>
+            </a:r>
+            <a:r>
+              <a:rPr lang="en-GB" b="1" dirty="0">
+                <a:solidFill>
+                  <a:srgbClr val="404040"/>
+                </a:solidFill>
+                <a:latin typeface="Fira Sans" pitchFamily="34"/>
+              </a:rPr>
+              <a:t>amount</a:t>
+            </a:r>
+            <a:r>
+              <a:rPr lang="en-GB" dirty="0">
+                <a:solidFill>
+                  <a:srgbClr val="404040"/>
+                </a:solidFill>
+                <a:latin typeface="Fira Sans" pitchFamily="34"/>
+              </a:rPr>
+              <a:t> and </a:t>
+            </a:r>
+            <a:r>
+              <a:rPr lang="en-GB" b="1" dirty="0">
+                <a:solidFill>
+                  <a:srgbClr val="404040"/>
+                </a:solidFill>
+                <a:latin typeface="Fira Sans" pitchFamily="34"/>
+              </a:rPr>
+              <a:t>type</a:t>
+            </a:r>
+            <a:r>
+              <a:rPr lang="en-GB" dirty="0">
+                <a:solidFill>
+                  <a:srgbClr val="404040"/>
+                </a:solidFill>
+                <a:latin typeface="Fira Sans" pitchFamily="34"/>
+              </a:rPr>
+              <a:t> of information they use</a:t>
+            </a:r>
+          </a:p>
+          <a:p>
+            <a:pPr lvl="1">
+              <a:buFontTx/>
+              <a:buChar char="-"/>
+            </a:pPr>
+            <a:r>
+              <a:rPr lang="en-GB" dirty="0">
+                <a:solidFill>
+                  <a:srgbClr val="404040"/>
+                </a:solidFill>
+                <a:latin typeface="Fira Sans" pitchFamily="34"/>
+              </a:rPr>
+              <a:t>Amount of time-points and amount of potential “control” units</a:t>
+            </a:r>
+          </a:p>
+          <a:p>
+            <a:pPr>
+              <a:buFontTx/>
+              <a:buChar char="-"/>
+            </a:pPr>
+            <a:r>
+              <a:rPr lang="en-GB" dirty="0">
+                <a:solidFill>
+                  <a:srgbClr val="404040"/>
+                </a:solidFill>
+                <a:latin typeface="Fira Sans" pitchFamily="34"/>
+              </a:rPr>
+              <a:t>The specific </a:t>
+            </a:r>
+            <a:r>
+              <a:rPr lang="en-GB" b="1" dirty="0">
+                <a:solidFill>
+                  <a:srgbClr val="404040"/>
+                </a:solidFill>
+                <a:latin typeface="Fira Sans" pitchFamily="34"/>
+              </a:rPr>
+              <a:t>statistical approach</a:t>
+            </a:r>
+            <a:r>
+              <a:rPr lang="en-GB" dirty="0">
+                <a:solidFill>
+                  <a:srgbClr val="404040"/>
+                </a:solidFill>
+                <a:latin typeface="Fira Sans" pitchFamily="34"/>
+              </a:rPr>
+              <a:t> they take</a:t>
+            </a:r>
+          </a:p>
+          <a:p>
+            <a:pPr>
+              <a:buFontTx/>
+              <a:buChar char="-"/>
+            </a:pPr>
+            <a:r>
+              <a:rPr lang="en-GB" dirty="0">
+                <a:solidFill>
+                  <a:srgbClr val="404040"/>
+                </a:solidFill>
+                <a:latin typeface="Fira Sans" pitchFamily="34"/>
+              </a:rPr>
+              <a:t>The types of </a:t>
+            </a:r>
+            <a:r>
+              <a:rPr lang="en-GB" b="1" dirty="0">
+                <a:solidFill>
+                  <a:srgbClr val="404040"/>
+                </a:solidFill>
+                <a:latin typeface="Fira Sans" pitchFamily="34"/>
+              </a:rPr>
+              <a:t>assumptions</a:t>
+            </a:r>
+            <a:r>
+              <a:rPr lang="en-GB" dirty="0">
+                <a:solidFill>
+                  <a:srgbClr val="404040"/>
+                </a:solidFill>
+                <a:latin typeface="Fira Sans" pitchFamily="34"/>
+              </a:rPr>
+              <a:t> they make</a:t>
+            </a:r>
+          </a:p>
+          <a:p>
             <a:pPr marL="0" indent="0">
               <a:lnSpc>
                 <a:spcPct val="100000"/>
               </a:lnSpc>
               <a:buNone/>
             </a:pPr>
-            <a:r>
-              <a:rPr lang="en-GB" sz="2400" dirty="0">
-                <a:solidFill>
-                  <a:srgbClr val="404040"/>
-                </a:solidFill>
-                <a:latin typeface="Fira Sans" pitchFamily="34"/>
-              </a:rPr>
-              <a:t>Evaluation of assumptions crucial for plausibility of causal effect estimates</a:t>
-            </a:r>
-          </a:p>
-          <a:p>
-            <a:pPr marL="0" indent="0">
-              <a:lnSpc>
-                <a:spcPct val="100000"/>
-              </a:lnSpc>
-              <a:buNone/>
-            </a:pPr>
-            <a:r>
-              <a:rPr lang="en-GB" sz="2400" dirty="0">
-                <a:solidFill>
-                  <a:srgbClr val="404040"/>
-                </a:solidFill>
-                <a:latin typeface="Fira Sans" pitchFamily="34"/>
-              </a:rPr>
-              <a:t> </a:t>
-            </a:r>
-            <a:r>
-              <a:rPr lang="en-GB" sz="2400">
-                <a:solidFill>
-                  <a:srgbClr val="404040"/>
-                </a:solidFill>
-                <a:latin typeface="Fira Sans" pitchFamily="34"/>
-              </a:rPr>
-              <a:t>- In, </a:t>
-            </a:r>
-            <a:r>
-              <a:rPr lang="en-GB" sz="2400" dirty="0">
-                <a:solidFill>
-                  <a:srgbClr val="404040"/>
-                </a:solidFill>
-                <a:latin typeface="Fira Sans" pitchFamily="34"/>
-              </a:rPr>
-              <a:t>time trend</a:t>
-            </a:r>
+            <a:endParaRPr lang="en-GB" sz="2400" dirty="0">
+              <a:solidFill>
+                <a:srgbClr val="404040"/>
+              </a:solidFill>
+              <a:latin typeface="Fira Sans" pitchFamily="34"/>
+            </a:endParaRPr>
           </a:p>
         </p:txBody>
       </p:sp>
     </p:spTree>
     <p:extLst>
       <p:ext uri="{BB962C8B-B14F-4D97-AF65-F5344CB8AC3E}">
-        <p14:creationId xmlns:p14="http://schemas.microsoft.com/office/powerpoint/2010/main" val="1618529544"/>
+        <p14:creationId xmlns:p14="http://schemas.microsoft.com/office/powerpoint/2010/main" val="3227257795"/>
       </p:ext>
     </p:extLst>
   </p:cSld>
@@ -12087,7 +8573,15 @@
 
 <file path=ppt/slides/slide8.xml><?xml version="1.0" encoding="utf-8"?>
 <p:sld xmlns:a="http://schemas.openxmlformats.org/drawingml/2006/main" xmlns:r="http://schemas.openxmlformats.org/officeDocument/2006/relationships" xmlns:p="http://schemas.openxmlformats.org/presentationml/2006/main">
-  <p:cSld>
+  <p:cSld name="Slide52">
+    <p:bg>
+      <p:bgPr>
+        <a:solidFill>
+          <a:srgbClr val="006388"/>
+        </a:solidFill>
+        <a:effectLst/>
+      </p:bgPr>
+    </p:bg>
     <p:spTree>
       <p:nvGrpSpPr>
         <p:cNvPr id="1" name=""/>
@@ -12107,7 +8601,7 @@
           <p:cNvPr id="2" name="Title 1">
             <a:extLst>
               <a:ext uri="{FF2B5EF4-FFF2-40B4-BE49-F238E27FC236}">
-                <a16:creationId xmlns:a16="http://schemas.microsoft.com/office/drawing/2014/main" id="{743FADAD-7D51-496D-A8D5-5E58759DC032}"/>
+                <a16:creationId xmlns:a16="http://schemas.microsoft.com/office/drawing/2014/main" id="{35BAD9E9-4EDD-4A8E-BACA-88345240EC67}"/>
               </a:ext>
             </a:extLst>
           </p:cNvPr>
@@ -12118,197 +8612,40 @@
             <p:ph type="title"/>
           </p:nvPr>
         </p:nvSpPr>
-        <p:spPr/>
-        <p:txBody>
-          <a:bodyPr>
-            <a:normAutofit/>
-          </a:bodyPr>
+        <p:spPr>
+          <a:xfrm>
+            <a:off x="838203" y="2766215"/>
+            <a:ext cx="10515600" cy="1325559"/>
+          </a:xfrm>
+        </p:spPr>
+        <p:txBody>
+          <a:bodyPr anchorCtr="1"/>
           <a:lstStyle/>
           <a:p>
-            <a:pPr lvl="0">
+            <a:pPr lvl="0" algn="ctr">
               <a:lnSpc>
                 <a:spcPct val="100000"/>
               </a:lnSpc>
             </a:pPr>
             <a:r>
-              <a:rPr lang="en-GB" b="1" kern="0" dirty="0">
-                <a:solidFill>
-                  <a:srgbClr val="006388"/>
+              <a:rPr lang="en-GB" sz="5400" b="1" kern="0" dirty="0">
+                <a:solidFill>
+                  <a:srgbClr val="FFFFFF"/>
                 </a:solidFill>
                 <a:latin typeface="Fira Sans" pitchFamily="34"/>
                 <a:ea typeface="Fira Code" pitchFamily="49"/>
               </a:rPr>
-              <a:t>Useful References</a:t>
-            </a:r>
-            <a:endParaRPr lang="en-GB" sz="1400" kern="0" dirty="0"/>
-          </a:p>
-        </p:txBody>
-      </p:sp>
-      <p:sp>
-        <p:nvSpPr>
-          <p:cNvPr id="4" name="Content Placeholder 2">
-            <a:extLst>
-              <a:ext uri="{FF2B5EF4-FFF2-40B4-BE49-F238E27FC236}">
-                <a16:creationId xmlns:a16="http://schemas.microsoft.com/office/drawing/2014/main" id="{6A465D5B-CF66-0783-9C5A-A17CF6A28DA8}"/>
-              </a:ext>
-            </a:extLst>
-          </p:cNvPr>
-          <p:cNvSpPr txBox="1">
-            <a:spLocks noGrp="1"/>
-          </p:cNvSpPr>
-          <p:nvPr>
-            <p:ph idx="1"/>
-          </p:nvPr>
-        </p:nvSpPr>
-        <p:spPr>
-          <a:xfrm>
-            <a:off x="838203" y="1825627"/>
-            <a:ext cx="10515600" cy="4667243"/>
-          </a:xfrm>
-        </p:spPr>
-        <p:txBody>
-          <a:bodyPr>
-            <a:normAutofit/>
-          </a:bodyPr>
-          <a:lstStyle/>
-          <a:p>
-            <a:pPr marL="0" lvl="0" indent="0">
-              <a:lnSpc>
-                <a:spcPct val="100000"/>
-              </a:lnSpc>
-              <a:buNone/>
-            </a:pPr>
-            <a:r>
-              <a:rPr lang="en-GB" b="1" dirty="0">
-                <a:solidFill>
-                  <a:srgbClr val="404040"/>
-                </a:solidFill>
-                <a:latin typeface="Fira Sans" pitchFamily="34"/>
-              </a:rPr>
-              <a:t>Difference in Differences</a:t>
-            </a:r>
-          </a:p>
-          <a:p>
-            <a:pPr marL="0" lvl="0" indent="0">
-              <a:lnSpc>
-                <a:spcPct val="100000"/>
-              </a:lnSpc>
-              <a:buNone/>
-            </a:pPr>
-            <a:endParaRPr lang="en-GB" b="1" dirty="0">
+              <a:t>So, which method should I use?</a:t>
+            </a:r>
+            <a:endParaRPr lang="en-GB" sz="1800" kern="0" dirty="0">
               <a:solidFill>
-                <a:srgbClr val="404040"/>
+                <a:srgbClr val="FFFFFF"/>
               </a:solidFill>
-              <a:latin typeface="Fira Sans" pitchFamily="34"/>
             </a:endParaRPr>
           </a:p>
-          <a:p>
-            <a:pPr marL="0" lvl="0" indent="0">
-              <a:lnSpc>
-                <a:spcPct val="100000"/>
-              </a:lnSpc>
-              <a:buNone/>
-            </a:pPr>
-            <a:r>
-              <a:rPr lang="en-GB" b="1" dirty="0">
-                <a:solidFill>
-                  <a:srgbClr val="404040"/>
-                </a:solidFill>
-                <a:latin typeface="Fira Sans" pitchFamily="34"/>
-              </a:rPr>
-              <a:t>Interrupted Time Series</a:t>
-            </a:r>
-          </a:p>
-          <a:p>
-            <a:pPr marL="0" lvl="0" indent="0">
-              <a:lnSpc>
-                <a:spcPct val="100000"/>
-              </a:lnSpc>
-              <a:buNone/>
-            </a:pPr>
-            <a:endParaRPr lang="en-GB" b="1" dirty="0">
-              <a:solidFill>
-                <a:srgbClr val="404040"/>
-              </a:solidFill>
-              <a:latin typeface="Fira Sans" pitchFamily="34"/>
-            </a:endParaRPr>
-          </a:p>
-          <a:p>
-            <a:pPr marL="0" lvl="0" indent="0">
-              <a:lnSpc>
-                <a:spcPct val="100000"/>
-              </a:lnSpc>
-              <a:buNone/>
-            </a:pPr>
-            <a:r>
-              <a:rPr lang="en-GB" b="1" dirty="0">
-                <a:solidFill>
-                  <a:srgbClr val="404040"/>
-                </a:solidFill>
-                <a:latin typeface="Fira Sans" pitchFamily="34"/>
-              </a:rPr>
-              <a:t>Synthetic Control</a:t>
-            </a:r>
-          </a:p>
-          <a:p>
-            <a:pPr marL="0" lvl="0" indent="0">
-              <a:lnSpc>
-                <a:spcPct val="100000"/>
-              </a:lnSpc>
-              <a:buNone/>
-            </a:pPr>
-            <a:endParaRPr lang="en-GB" b="1" dirty="0">
-              <a:solidFill>
-                <a:srgbClr val="404040"/>
-              </a:solidFill>
-              <a:latin typeface="Fira Sans" pitchFamily="34"/>
-            </a:endParaRPr>
-          </a:p>
-          <a:p>
-            <a:pPr marL="0" lvl="0" indent="0">
-              <a:lnSpc>
-                <a:spcPct val="100000"/>
-              </a:lnSpc>
-              <a:buNone/>
-            </a:pPr>
-            <a:r>
-              <a:rPr lang="en-GB" b="1" dirty="0" err="1">
-                <a:solidFill>
-                  <a:srgbClr val="404040"/>
-                </a:solidFill>
-                <a:latin typeface="Fira Sans" pitchFamily="34"/>
-              </a:rPr>
-              <a:t>CausalImpact</a:t>
-            </a:r>
-            <a:endParaRPr lang="en-GB" b="1" dirty="0">
-              <a:solidFill>
-                <a:srgbClr val="404040"/>
-              </a:solidFill>
-              <a:latin typeface="Fira Sans" pitchFamily="34"/>
-            </a:endParaRPr>
-          </a:p>
-          <a:p>
-            <a:pPr marL="0" indent="0">
-              <a:lnSpc>
-                <a:spcPct val="100000"/>
-              </a:lnSpc>
-              <a:buNone/>
-            </a:pPr>
-            <a:endParaRPr lang="en-GB" dirty="0">
-              <a:solidFill>
-                <a:srgbClr val="404040"/>
-              </a:solidFill>
-              <a:latin typeface="Fira Sans" pitchFamily="34"/>
-            </a:endParaRPr>
-          </a:p>
         </p:txBody>
       </p:sp>
     </p:spTree>
-    <p:extLst>
-      <p:ext uri="{BB962C8B-B14F-4D97-AF65-F5344CB8AC3E}">
-        <p14:creationId xmlns:p14="http://schemas.microsoft.com/office/powerpoint/2010/main" val="379654223"/>
-      </p:ext>
-    </p:extLst>
   </p:cSld>
   <p:clrMapOvr>
     <a:masterClrMapping/>
@@ -12351,9 +8688,7 @@
         </p:nvSpPr>
         <p:spPr/>
         <p:txBody>
-          <a:bodyPr>
-            <a:normAutofit/>
-          </a:bodyPr>
+          <a:bodyPr/>
           <a:lstStyle/>
           <a:p>
             <a:pPr lvl="0">
@@ -12362,16 +8697,16 @@
               </a:lnSpc>
             </a:pPr>
             <a:r>
-              <a:rPr lang="en-GB" b="1" kern="0" dirty="0">
+              <a:rPr lang="en-GB" sz="5400" b="1" kern="0" dirty="0">
                 <a:solidFill>
                   <a:srgbClr val="006388"/>
                 </a:solidFill>
                 <a:latin typeface="Fira Sans" pitchFamily="34"/>
                 <a:ea typeface="Fira Code" pitchFamily="49"/>
               </a:rPr>
-              <a:t>Useful References</a:t>
-            </a:r>
-            <a:endParaRPr lang="en-GB" sz="1400" kern="0" dirty="0"/>
+              <a:t>So which method should I use?</a:t>
+            </a:r>
+            <a:endParaRPr lang="en-GB" sz="1800" kern="0" dirty="0"/>
           </a:p>
         </p:txBody>
       </p:sp>
@@ -12393,41 +8728,86 @@
         </p:nvSpPr>
         <p:spPr>
           <a:xfrm>
-            <a:off x="838203" y="1825627"/>
-            <a:ext cx="10515600" cy="4667243"/>
+            <a:off x="838202" y="1825627"/>
+            <a:ext cx="10591797" cy="4886458"/>
           </a:xfrm>
         </p:spPr>
         <p:txBody>
           <a:bodyPr>
-            <a:normAutofit/>
+            <a:normAutofit fontScale="92500"/>
           </a:bodyPr>
           <a:lstStyle/>
           <a:p>
             <a:pPr marL="0" lvl="0" indent="0">
-              <a:lnSpc>
-                <a:spcPct val="100000"/>
-              </a:lnSpc>
-              <a:buNone/>
-            </a:pPr>
-            <a:r>
-              <a:rPr lang="en-GB" b="1" dirty="0">
-                <a:solidFill>
-                  <a:srgbClr val="404040"/>
-                </a:solidFill>
-                <a:latin typeface="Fira Sans" pitchFamily="34"/>
-              </a:rPr>
-              <a:t>Synthetic </a:t>
-            </a:r>
-            <a:r>
-              <a:rPr lang="en-GB" b="1" dirty="0" err="1">
-                <a:solidFill>
-                  <a:srgbClr val="404040"/>
-                </a:solidFill>
-                <a:latin typeface="Fira Sans" pitchFamily="34"/>
-              </a:rPr>
-              <a:t>DiD</a:t>
-            </a:r>
-            <a:endParaRPr lang="en-GB" b="1" dirty="0">
+              <a:buNone/>
+            </a:pPr>
+            <a:r>
+              <a:rPr lang="en-GB" sz="2400" dirty="0">
+                <a:solidFill>
+                  <a:srgbClr val="404040"/>
+                </a:solidFill>
+                <a:latin typeface="Fira Sans" pitchFamily="34"/>
+              </a:rPr>
+              <a:t>In this workshop we took a rather statistical view of this question</a:t>
+            </a:r>
+          </a:p>
+          <a:p>
+            <a:pPr lvl="0">
+              <a:buFontTx/>
+              <a:buChar char="-"/>
+            </a:pPr>
+            <a:r>
+              <a:rPr lang="en-GB" sz="2400" dirty="0">
+                <a:solidFill>
+                  <a:srgbClr val="404040"/>
+                </a:solidFill>
+                <a:latin typeface="Fira Sans" pitchFamily="34"/>
+              </a:rPr>
+              <a:t>The answer </a:t>
+            </a:r>
+            <a:r>
+              <a:rPr lang="en-GB" sz="2400" b="1" dirty="0">
+                <a:solidFill>
+                  <a:srgbClr val="404040"/>
+                </a:solidFill>
+                <a:latin typeface="Fira Sans" pitchFamily="34"/>
+              </a:rPr>
+              <a:t>in part</a:t>
+            </a:r>
+            <a:r>
+              <a:rPr lang="en-GB" sz="2400" dirty="0">
+                <a:solidFill>
+                  <a:srgbClr val="404040"/>
+                </a:solidFill>
+                <a:latin typeface="Fira Sans" pitchFamily="34"/>
+              </a:rPr>
+              <a:t> depends on what type and amount of data you have</a:t>
+            </a:r>
+          </a:p>
+          <a:p>
+            <a:pPr lvl="0">
+              <a:buFontTx/>
+              <a:buChar char="-"/>
+            </a:pPr>
+            <a:r>
+              <a:rPr lang="en-GB" sz="2400" dirty="0">
+                <a:solidFill>
+                  <a:srgbClr val="404040"/>
+                </a:solidFill>
+                <a:latin typeface="Fira Sans" pitchFamily="34"/>
+              </a:rPr>
+              <a:t>But this is the </a:t>
+            </a:r>
+            <a:r>
+              <a:rPr lang="en-GB" sz="2400" b="1" dirty="0">
+                <a:solidFill>
+                  <a:srgbClr val="404040"/>
+                </a:solidFill>
+                <a:latin typeface="Fira Sans" pitchFamily="34"/>
+              </a:rPr>
+              <a:t>easy part</a:t>
+            </a:r>
+            <a:endParaRPr lang="en-GB" sz="2400" dirty="0">
               <a:solidFill>
                 <a:srgbClr val="404040"/>
               </a:solidFill>
@@ -12435,13 +8815,11 @@
             </a:endParaRPr>
           </a:p>
           <a:p>
-            <a:pPr marL="0" lvl="0" indent="0">
-              <a:lnSpc>
-                <a:spcPct val="100000"/>
-              </a:lnSpc>
-              <a:buNone/>
-            </a:pPr>
-            <a:endParaRPr lang="en-GB" b="1" dirty="0">
+            <a:pPr lvl="0">
+              <a:buFontTx/>
+              <a:buChar char="-"/>
+            </a:pPr>
+            <a:endParaRPr lang="en-GB" sz="2400" dirty="0">
               <a:solidFill>
                 <a:srgbClr val="404040"/>
               </a:solidFill>
@@ -12450,12 +8828,27 @@
           </a:p>
           <a:p>
             <a:pPr marL="0" lvl="0" indent="0">
-              <a:lnSpc>
-                <a:spcPct val="100000"/>
-              </a:lnSpc>
-              <a:buNone/>
-            </a:pPr>
-            <a:endParaRPr lang="en-GB" b="1" dirty="0">
+              <a:buNone/>
+            </a:pPr>
+            <a:r>
+              <a:rPr lang="en-GB" sz="2400" dirty="0">
+                <a:solidFill>
+                  <a:srgbClr val="404040"/>
+                </a:solidFill>
+                <a:latin typeface="Fira Sans" pitchFamily="34"/>
+              </a:rPr>
+              <a:t>The answer in practice depends on </a:t>
+            </a:r>
+            <a:r>
+              <a:rPr lang="en-GB" sz="2400" b="1" dirty="0">
+                <a:solidFill>
+                  <a:srgbClr val="404040"/>
+                </a:solidFill>
+                <a:latin typeface="Fira Sans" pitchFamily="34"/>
+              </a:rPr>
+              <a:t>domain knowledge</a:t>
+            </a:r>
+            <a:endParaRPr lang="en-GB" sz="2400" dirty="0">
               <a:solidFill>
                 <a:srgbClr val="404040"/>
               </a:solidFill>
@@ -12463,107 +8856,139 @@
             </a:endParaRPr>
           </a:p>
           <a:p>
-            <a:pPr marL="0" lvl="0" indent="0">
-              <a:lnSpc>
-                <a:spcPct val="100000"/>
-              </a:lnSpc>
-              <a:buNone/>
-            </a:pPr>
-            <a:r>
-              <a:rPr lang="en-GB" b="1" dirty="0">
-                <a:solidFill>
-                  <a:srgbClr val="404040"/>
-                </a:solidFill>
-                <a:latin typeface="Fira Sans" pitchFamily="34"/>
-              </a:rPr>
-              <a:t>More on Causal Policy Evaluation</a:t>
-            </a:r>
-          </a:p>
-          <a:p>
-            <a:pPr marL="0" lvl="0" indent="0">
-              <a:lnSpc>
-                <a:spcPct val="100000"/>
-              </a:lnSpc>
-              <a:buNone/>
-            </a:pPr>
-            <a:r>
-              <a:rPr lang="en-GB" dirty="0">
-                <a:solidFill>
-                  <a:srgbClr val="404040"/>
-                </a:solidFill>
-                <a:latin typeface="Fira Sans" pitchFamily="34"/>
-              </a:rPr>
-              <a:t>Free online course materials made by Andrew </a:t>
-            </a:r>
-            <a:r>
-              <a:rPr lang="en-GB" dirty="0" err="1">
-                <a:solidFill>
-                  <a:srgbClr val="404040"/>
-                </a:solidFill>
-                <a:latin typeface="Fira Sans" pitchFamily="34"/>
-              </a:rPr>
-              <a:t>Heiss</a:t>
-            </a:r>
-            <a:endParaRPr lang="en-GB" dirty="0">
-              <a:solidFill>
-                <a:srgbClr val="404040"/>
-              </a:solidFill>
-              <a:latin typeface="Fira Sans" pitchFamily="34"/>
-            </a:endParaRPr>
-          </a:p>
-          <a:p>
-            <a:pPr marL="0" indent="0">
-              <a:lnSpc>
-                <a:spcPct val="100000"/>
-              </a:lnSpc>
-              <a:buNone/>
-            </a:pPr>
-            <a:r>
-              <a:rPr lang="en-GB" dirty="0">
-                <a:solidFill>
-                  <a:srgbClr val="404040"/>
-                </a:solidFill>
-                <a:latin typeface="Fira Sans" pitchFamily="34"/>
-                <a:hlinkClick r:id="rId2"/>
-              </a:rPr>
-              <a:t>https://evalsp23.classes.andrewheiss.com/</a:t>
-            </a:r>
-            <a:r>
-              <a:rPr lang="en-GB" dirty="0">
-                <a:solidFill>
-                  <a:srgbClr val="404040"/>
-                </a:solidFill>
-                <a:latin typeface="Fira Sans" pitchFamily="34"/>
-              </a:rPr>
-              <a:t> </a:t>
-            </a:r>
-            <a:endParaRPr lang="en-GB" b="1" dirty="0">
-              <a:solidFill>
-                <a:srgbClr val="404040"/>
-              </a:solidFill>
-              <a:latin typeface="Fira Sans" pitchFamily="34"/>
-            </a:endParaRPr>
-          </a:p>
-          <a:p>
-            <a:pPr marL="0" indent="0">
-              <a:lnSpc>
-                <a:spcPct val="100000"/>
-              </a:lnSpc>
-              <a:buNone/>
-            </a:pPr>
-            <a:endParaRPr lang="en-GB" dirty="0">
-              <a:solidFill>
-                <a:srgbClr val="404040"/>
-              </a:solidFill>
-              <a:latin typeface="Fira Sans" pitchFamily="34"/>
-            </a:endParaRPr>
+            <a:pPr lvl="0">
+              <a:buFontTx/>
+              <a:buChar char="-"/>
+            </a:pPr>
+            <a:r>
+              <a:rPr lang="en-GB" sz="2400" dirty="0">
+                <a:solidFill>
+                  <a:srgbClr val="404040"/>
+                </a:solidFill>
+                <a:latin typeface="Fira Sans" pitchFamily="34"/>
+              </a:rPr>
+              <a:t>The </a:t>
+            </a:r>
+            <a:r>
+              <a:rPr lang="en-GB" sz="2400" b="1" dirty="0">
+                <a:solidFill>
+                  <a:srgbClr val="404040"/>
+                </a:solidFill>
+                <a:latin typeface="Fira Sans" pitchFamily="34"/>
+              </a:rPr>
+              <a:t>hard part</a:t>
+            </a:r>
+            <a:r>
+              <a:rPr lang="en-GB" sz="2400" dirty="0">
+                <a:solidFill>
+                  <a:srgbClr val="404040"/>
+                </a:solidFill>
+                <a:latin typeface="Fira Sans" pitchFamily="34"/>
+              </a:rPr>
+              <a:t> is to figure out which </a:t>
+            </a:r>
+            <a:r>
+              <a:rPr lang="en-GB" sz="2400" b="1" dirty="0">
+                <a:solidFill>
+                  <a:srgbClr val="404040"/>
+                </a:solidFill>
+                <a:latin typeface="Fira Sans" pitchFamily="34"/>
+              </a:rPr>
+              <a:t>assumptions</a:t>
+            </a:r>
+            <a:r>
+              <a:rPr lang="en-GB" sz="2400" dirty="0">
+                <a:solidFill>
+                  <a:srgbClr val="404040"/>
+                </a:solidFill>
+                <a:latin typeface="Fira Sans" pitchFamily="34"/>
+              </a:rPr>
+              <a:t> you need for causal inference and whether they are reasonable in your particular use case</a:t>
+            </a:r>
+          </a:p>
+          <a:p>
+            <a:pPr lvl="0">
+              <a:buFontTx/>
+              <a:buChar char="-"/>
+            </a:pPr>
+            <a:r>
+              <a:rPr lang="en-GB" sz="2400" u="sng" dirty="0">
+                <a:solidFill>
+                  <a:srgbClr val="404040"/>
+                </a:solidFill>
+                <a:latin typeface="Fira Sans" pitchFamily="34"/>
+              </a:rPr>
+              <a:t>It may simply not be possible in some cases!</a:t>
+            </a:r>
+          </a:p>
+          <a:p>
+            <a:pPr lvl="0">
+              <a:buFontTx/>
+              <a:buChar char="-"/>
+            </a:pPr>
+            <a:r>
+              <a:rPr lang="en-GB" sz="2400" dirty="0">
+                <a:solidFill>
+                  <a:srgbClr val="404040"/>
+                </a:solidFill>
+                <a:latin typeface="Fira Sans" pitchFamily="34"/>
+              </a:rPr>
+              <a:t>E.g. </a:t>
+            </a:r>
+            <a:r>
+              <a:rPr lang="en-GB" sz="2400" dirty="0" err="1">
+                <a:solidFill>
+                  <a:srgbClr val="404040"/>
+                </a:solidFill>
+                <a:latin typeface="Fira Sans" pitchFamily="34"/>
+              </a:rPr>
+              <a:t>DiD</a:t>
+            </a:r>
+            <a:r>
+              <a:rPr lang="en-GB" sz="2400" dirty="0">
+                <a:solidFill>
+                  <a:srgbClr val="404040"/>
+                </a:solidFill>
+                <a:latin typeface="Fira Sans" pitchFamily="34"/>
+              </a:rPr>
+              <a:t> won’t work if trends are not parallel; synthetic control won’t work if there is interference between units (no matter how much data you have!)</a:t>
+            </a:r>
+          </a:p>
+          <a:p>
+            <a:pPr lvl="0">
+              <a:buFontTx/>
+              <a:buChar char="-"/>
+            </a:pPr>
+            <a:r>
+              <a:rPr lang="en-GB" sz="2400" dirty="0">
+                <a:solidFill>
+                  <a:srgbClr val="404040"/>
+                </a:solidFill>
+                <a:latin typeface="Fira Sans" pitchFamily="34"/>
+              </a:rPr>
+              <a:t>Often, methods which are “data hungry” can relax some assumptions, but:</a:t>
+            </a:r>
+          </a:p>
+          <a:p>
+            <a:pPr marL="0" lvl="0" indent="0" algn="ctr">
+              <a:buNone/>
+            </a:pPr>
+            <a:r>
+              <a:rPr lang="en-GB" sz="2400" b="1" u="sng" dirty="0">
+                <a:solidFill>
+                  <a:srgbClr val="404040"/>
+                </a:solidFill>
+                <a:latin typeface="Fira Sans" pitchFamily="34"/>
+              </a:rPr>
+              <a:t> There is no free lunch!</a:t>
+            </a:r>
           </a:p>
         </p:txBody>
       </p:sp>
     </p:spTree>
     <p:extLst>
       <p:ext uri="{BB962C8B-B14F-4D97-AF65-F5344CB8AC3E}">
-        <p14:creationId xmlns:p14="http://schemas.microsoft.com/office/powerpoint/2010/main" val="3314082057"/>
+        <p14:creationId xmlns:p14="http://schemas.microsoft.com/office/powerpoint/2010/main" val="756915380"/>
       </p:ext>
     </p:extLst>
   </p:cSld>
